--- a/Drive/Eindpresentatie/eindpresentatie1.pptx
+++ b/Drive/Eindpresentatie/eindpresentatie1.pptx
@@ -344,7 +344,7 @@
       </p:grpSpPr>
       <p:sp>
         <p:nvSpPr>
-          <p:cNvPr id="163" name="Shape 163"/>
+          <p:cNvPr id="166" name="Shape 166"/>
           <p:cNvSpPr/>
           <p:nvPr>
             <p:ph type="sldImg"/>
@@ -369,7 +369,7 @@
       </p:sp>
       <p:sp>
         <p:nvSpPr>
-          <p:cNvPr id="164" name="Shape 164"/>
+          <p:cNvPr id="167" name="Shape 167"/>
           <p:cNvSpPr/>
           <p:nvPr>
             <p:ph type="body" sz="quarter" idx="1"/>
@@ -819,7 +819,7 @@
       </p:grpSpPr>
       <p:sp>
         <p:nvSpPr>
-          <p:cNvPr id="102" name="Shape 102"/>
+          <p:cNvPr id="105" name="Shape 105"/>
           <p:cNvSpPr/>
           <p:nvPr>
             <p:ph type="body" sz="quarter" idx="13"/>
@@ -868,7 +868,7 @@
       </p:sp>
       <p:sp>
         <p:nvSpPr>
-          <p:cNvPr id="103" name="Shape 103"/>
+          <p:cNvPr id="106" name="Shape 106"/>
           <p:cNvSpPr/>
           <p:nvPr>
             <p:ph type="body" idx="1"/>
@@ -947,7 +947,7 @@
       </p:sp>
       <p:sp>
         <p:nvSpPr>
-          <p:cNvPr id="104" name="Shape 104"/>
+          <p:cNvPr id="107" name="Shape 107"/>
           <p:cNvSpPr/>
           <p:nvPr>
             <p:ph type="sldNum" sz="quarter" idx="2"/>
@@ -1002,7 +1002,7 @@
       </p:grpSpPr>
       <p:sp>
         <p:nvSpPr>
-          <p:cNvPr id="111" name="Shape 111"/>
+          <p:cNvPr id="114" name="Shape 114"/>
           <p:cNvSpPr/>
           <p:nvPr>
             <p:ph type="pic" sz="half" idx="13"/>
@@ -1029,7 +1029,7 @@
       </p:sp>
       <p:sp>
         <p:nvSpPr>
-          <p:cNvPr id="112" name="Shape 112"/>
+          <p:cNvPr id="115" name="Shape 115"/>
           <p:cNvSpPr/>
           <p:nvPr>
             <p:ph type="pic" sz="half" idx="14"/>
@@ -1056,7 +1056,7 @@
       </p:sp>
       <p:sp>
         <p:nvSpPr>
-          <p:cNvPr id="113" name="Shape 113"/>
+          <p:cNvPr id="116" name="Shape 116"/>
           <p:cNvSpPr/>
           <p:nvPr>
             <p:ph type="pic" idx="15"/>
@@ -1083,7 +1083,7 @@
       </p:sp>
       <p:sp>
         <p:nvSpPr>
-          <p:cNvPr id="114" name="Shape 114"/>
+          <p:cNvPr id="117" name="Shape 117"/>
           <p:cNvSpPr/>
           <p:nvPr>
             <p:ph type="sldNum" sz="quarter" idx="2"/>
@@ -1142,7 +1142,7 @@
       </p:grpSpPr>
       <p:sp>
         <p:nvSpPr>
-          <p:cNvPr id="121" name="Shape 121"/>
+          <p:cNvPr id="124" name="Shape 124"/>
           <p:cNvSpPr/>
           <p:nvPr/>
         </p:nvSpPr>
@@ -1261,7 +1261,7 @@
       </p:sp>
       <p:sp>
         <p:nvSpPr>
-          <p:cNvPr id="122" name="Shape 122"/>
+          <p:cNvPr id="125" name="Shape 125"/>
           <p:cNvSpPr/>
           <p:nvPr>
             <p:ph type="body" sz="quarter" idx="13"/>
@@ -1313,7 +1313,7 @@
       </p:sp>
       <p:sp>
         <p:nvSpPr>
-          <p:cNvPr id="123" name="Shape 123"/>
+          <p:cNvPr id="126" name="Shape 126"/>
           <p:cNvSpPr/>
           <p:nvPr>
             <p:ph type="body" sz="quarter" idx="14"/>
@@ -1362,7 +1362,7 @@
       </p:sp>
       <p:sp>
         <p:nvSpPr>
-          <p:cNvPr id="124" name="Shape 124"/>
+          <p:cNvPr id="127" name="Shape 127"/>
           <p:cNvSpPr/>
           <p:nvPr>
             <p:ph type="body" sz="quarter" idx="15"/>
@@ -1411,7 +1411,7 @@
       </p:sp>
       <p:sp>
         <p:nvSpPr>
-          <p:cNvPr id="125" name="Shape 125"/>
+          <p:cNvPr id="128" name="Shape 128"/>
           <p:cNvSpPr/>
           <p:nvPr>
             <p:ph type="sldNum" sz="quarter" idx="2"/>
@@ -1466,7 +1466,7 @@
       </p:grpSpPr>
       <p:sp>
         <p:nvSpPr>
-          <p:cNvPr id="132" name="Shape 132"/>
+          <p:cNvPr id="135" name="Shape 135"/>
           <p:cNvSpPr/>
           <p:nvPr>
             <p:ph type="body" sz="quarter" idx="13"/>
@@ -1518,7 +1518,7 @@
       </p:sp>
       <p:sp>
         <p:nvSpPr>
-          <p:cNvPr id="133" name="Shape 133"/>
+          <p:cNvPr id="136" name="Shape 136"/>
           <p:cNvSpPr/>
           <p:nvPr>
             <p:ph type="pic" idx="14"/>
@@ -1545,7 +1545,7 @@
       </p:sp>
       <p:sp>
         <p:nvSpPr>
-          <p:cNvPr id="134" name="Shape 134"/>
+          <p:cNvPr id="137" name="Shape 137"/>
           <p:cNvSpPr/>
           <p:nvPr>
             <p:ph type="body" sz="quarter" idx="15"/>
@@ -1594,7 +1594,7 @@
       </p:sp>
       <p:sp>
         <p:nvSpPr>
-          <p:cNvPr id="135" name="Shape 135"/>
+          <p:cNvPr id="138" name="Shape 138"/>
           <p:cNvSpPr/>
           <p:nvPr>
             <p:ph type="sldNum" sz="quarter" idx="2"/>
@@ -1649,7 +1649,7 @@
       </p:grpSpPr>
       <p:sp>
         <p:nvSpPr>
-          <p:cNvPr id="142" name="Shape 142"/>
+          <p:cNvPr id="145" name="Shape 145"/>
           <p:cNvSpPr/>
           <p:nvPr>
             <p:ph type="pic" idx="13"/>
@@ -1676,7 +1676,7 @@
       </p:sp>
       <p:sp>
         <p:nvSpPr>
-          <p:cNvPr id="143" name="Shape 143"/>
+          <p:cNvPr id="146" name="Shape 146"/>
           <p:cNvSpPr/>
           <p:nvPr>
             <p:ph type="sldNum" sz="quarter" idx="2"/>
@@ -1731,7 +1731,7 @@
       </p:grpSpPr>
       <p:sp>
         <p:nvSpPr>
-          <p:cNvPr id="150" name="Shape 150"/>
+          <p:cNvPr id="153" name="Shape 153"/>
           <p:cNvSpPr/>
           <p:nvPr>
             <p:ph type="sldNum" sz="quarter" idx="2"/>
@@ -1779,7 +1779,7 @@
       </p:grpSpPr>
       <p:sp>
         <p:nvSpPr>
-          <p:cNvPr id="157" name="Shape 157"/>
+          <p:cNvPr id="160" name="Shape 160"/>
           <p:cNvSpPr/>
           <p:nvPr>
             <p:ph type="sldNum" sz="quarter" idx="2"/>
@@ -2960,7 +2960,7 @@
 </file>
 
 <file path=ppt/slideLayouts/slideLayout7.xml><?xml version="1.0" encoding="utf-8"?>
-<p:sldLayout xmlns:a="http://schemas.openxmlformats.org/drawingml/2006/main" xmlns:r="http://schemas.openxmlformats.org/officeDocument/2006/relationships" xmlns:p="http://schemas.openxmlformats.org/presentationml/2006/main" type="tx" showMasterSp="1" showMasterPhAnim="1">
+<p:sldLayout xmlns:a="http://schemas.openxmlformats.org/drawingml/2006/main" xmlns:r="http://schemas.openxmlformats.org/officeDocument/2006/relationships" xmlns:p="http://schemas.openxmlformats.org/presentationml/2006/main" type="tx" showMasterSp="0" showMasterPhAnim="1">
   <p:cSld name="Title &amp; Bullets">
     <p:bg>
       <p:bgPr>
@@ -2986,6 +2986,48 @@
       <p:sp>
         <p:nvSpPr>
           <p:cNvPr id="71" name="Shape 71"/>
+          <p:cNvSpPr/>
+          <p:nvPr/>
+        </p:nvSpPr>
+        <p:spPr>
+          <a:xfrm flipV="1">
+            <a:off x="406400" y="993160"/>
+            <a:ext cx="12192000" cy="263"/>
+          </a:xfrm>
+          <a:prstGeom prst="line">
+            <a:avLst/>
+          </a:prstGeom>
+          <a:ln w="25400">
+            <a:solidFill>
+              <a:srgbClr val="A6AAA9"/>
+            </a:solidFill>
+            <a:miter lim="400000"/>
+          </a:ln>
+        </p:spPr>
+        <p:txBody>
+          <a:bodyPr lIns="50800" tIns="50800" rIns="50800" bIns="50800" anchor="ctr"/>
+          <a:lstStyle/>
+          <a:p>
+            <a:pPr defTabSz="457200">
+              <a:spcBef>
+                <a:spcPts val="0"/>
+              </a:spcBef>
+              <a:defRPr sz="1200">
+                <a:solidFill>
+                  <a:srgbClr val="000000"/>
+                </a:solidFill>
+                <a:latin typeface="Helvetica"/>
+                <a:ea typeface="Helvetica"/>
+                <a:cs typeface="Helvetica"/>
+                <a:sym typeface="Helvetica"/>
+              </a:defRPr>
+            </a:pPr>
+          </a:p>
+        </p:txBody>
+      </p:sp>
+      <p:sp>
+        <p:nvSpPr>
+          <p:cNvPr id="72" name="Shape 72"/>
           <p:cNvSpPr/>
           <p:nvPr>
             <p:ph type="body" sz="quarter" idx="13"/>
@@ -3034,7 +3076,7 @@
       </p:sp>
       <p:sp>
         <p:nvSpPr>
-          <p:cNvPr id="72" name="Shape 72"/>
+          <p:cNvPr id="73" name="Shape 73"/>
           <p:cNvSpPr/>
           <p:nvPr>
             <p:ph type="title"/>
@@ -3058,7 +3100,7 @@
       </p:sp>
       <p:sp>
         <p:nvSpPr>
-          <p:cNvPr id="73" name="Shape 73"/>
+          <p:cNvPr id="74" name="Shape 74"/>
           <p:cNvSpPr/>
           <p:nvPr>
             <p:ph type="body" idx="1"/>
@@ -3137,7 +3179,7 @@
       </p:sp>
       <p:sp>
         <p:nvSpPr>
-          <p:cNvPr id="74" name="Shape 74"/>
+          <p:cNvPr id="75" name="Shape 75"/>
           <p:cNvSpPr/>
           <p:nvPr>
             <p:ph type="sldNum" sz="quarter" idx="2"/>
@@ -3167,7 +3209,7 @@
 </file>
 
 <file path=ppt/slideLayouts/slideLayout8.xml><?xml version="1.0" encoding="utf-8"?>
-<p:sldLayout xmlns:a="http://schemas.openxmlformats.org/drawingml/2006/main" xmlns:r="http://schemas.openxmlformats.org/officeDocument/2006/relationships" xmlns:p="http://schemas.openxmlformats.org/presentationml/2006/main" type="tx" showMasterSp="1" showMasterPhAnim="1">
+<p:sldLayout xmlns:a="http://schemas.openxmlformats.org/drawingml/2006/main" xmlns:r="http://schemas.openxmlformats.org/officeDocument/2006/relationships" xmlns:p="http://schemas.openxmlformats.org/presentationml/2006/main" type="tx" showMasterSp="0" showMasterPhAnim="1">
   <p:cSld name="Title &amp; Bullets Alt">
     <p:spTree>
       <p:nvGrpSpPr>
@@ -3185,7 +3227,49 @@
       </p:grpSpPr>
       <p:sp>
         <p:nvSpPr>
-          <p:cNvPr id="81" name="Shape 81"/>
+          <p:cNvPr id="82" name="Shape 82"/>
+          <p:cNvSpPr/>
+          <p:nvPr/>
+        </p:nvSpPr>
+        <p:spPr>
+          <a:xfrm flipV="1">
+            <a:off x="406400" y="993160"/>
+            <a:ext cx="12192000" cy="263"/>
+          </a:xfrm>
+          <a:prstGeom prst="line">
+            <a:avLst/>
+          </a:prstGeom>
+          <a:ln w="25400">
+            <a:solidFill>
+              <a:srgbClr val="A6AAA9"/>
+            </a:solidFill>
+            <a:miter lim="400000"/>
+          </a:ln>
+        </p:spPr>
+        <p:txBody>
+          <a:bodyPr lIns="50800" tIns="50800" rIns="50800" bIns="50800" anchor="ctr"/>
+          <a:lstStyle/>
+          <a:p>
+            <a:pPr defTabSz="457200">
+              <a:spcBef>
+                <a:spcPts val="0"/>
+              </a:spcBef>
+              <a:defRPr sz="1200">
+                <a:solidFill>
+                  <a:srgbClr val="000000"/>
+                </a:solidFill>
+                <a:latin typeface="Helvetica"/>
+                <a:ea typeface="Helvetica"/>
+                <a:cs typeface="Helvetica"/>
+                <a:sym typeface="Helvetica"/>
+              </a:defRPr>
+            </a:pPr>
+          </a:p>
+        </p:txBody>
+      </p:sp>
+      <p:sp>
+        <p:nvSpPr>
+          <p:cNvPr id="83" name="Shape 83"/>
           <p:cNvSpPr/>
           <p:nvPr>
             <p:ph type="body" sz="quarter" idx="13"/>
@@ -3234,7 +3318,7 @@
       </p:sp>
       <p:sp>
         <p:nvSpPr>
-          <p:cNvPr id="82" name="Shape 82"/>
+          <p:cNvPr id="84" name="Shape 84"/>
           <p:cNvSpPr/>
           <p:nvPr>
             <p:ph type="title"/>
@@ -3258,7 +3342,7 @@
       </p:sp>
       <p:sp>
         <p:nvSpPr>
-          <p:cNvPr id="83" name="Shape 83"/>
+          <p:cNvPr id="85" name="Shape 85"/>
           <p:cNvSpPr/>
           <p:nvPr>
             <p:ph type="body" idx="1"/>
@@ -3337,7 +3421,7 @@
       </p:sp>
       <p:sp>
         <p:nvSpPr>
-          <p:cNvPr id="84" name="Shape 84"/>
+          <p:cNvPr id="86" name="Shape 86"/>
           <p:cNvSpPr/>
           <p:nvPr>
             <p:ph type="sldNum" sz="quarter" idx="2"/>
@@ -3367,7 +3451,7 @@
 </file>
 
 <file path=ppt/slideLayouts/slideLayout9.xml><?xml version="1.0" encoding="utf-8"?>
-<p:sldLayout xmlns:a="http://schemas.openxmlformats.org/drawingml/2006/main" xmlns:r="http://schemas.openxmlformats.org/officeDocument/2006/relationships" xmlns:p="http://schemas.openxmlformats.org/presentationml/2006/main" type="tx" showMasterSp="1" showMasterPhAnim="1">
+<p:sldLayout xmlns:a="http://schemas.openxmlformats.org/drawingml/2006/main" xmlns:r="http://schemas.openxmlformats.org/officeDocument/2006/relationships" xmlns:p="http://schemas.openxmlformats.org/presentationml/2006/main" type="tx" showMasterSp="0" showMasterPhAnim="1">
   <p:cSld name="Title, Bullets &amp; Photo">
     <p:bg>
       <p:bgPr>
@@ -3392,7 +3476,49 @@
       </p:grpSpPr>
       <p:sp>
         <p:nvSpPr>
-          <p:cNvPr id="91" name="Shape 91"/>
+          <p:cNvPr id="93" name="Shape 93"/>
+          <p:cNvSpPr/>
+          <p:nvPr/>
+        </p:nvSpPr>
+        <p:spPr>
+          <a:xfrm flipV="1">
+            <a:off x="406400" y="993160"/>
+            <a:ext cx="12192000" cy="263"/>
+          </a:xfrm>
+          <a:prstGeom prst="line">
+            <a:avLst/>
+          </a:prstGeom>
+          <a:ln w="25400">
+            <a:solidFill>
+              <a:srgbClr val="A6AAA9"/>
+            </a:solidFill>
+            <a:miter lim="400000"/>
+          </a:ln>
+        </p:spPr>
+        <p:txBody>
+          <a:bodyPr lIns="50800" tIns="50800" rIns="50800" bIns="50800" anchor="ctr"/>
+          <a:lstStyle/>
+          <a:p>
+            <a:pPr defTabSz="457200">
+              <a:spcBef>
+                <a:spcPts val="0"/>
+              </a:spcBef>
+              <a:defRPr sz="1200">
+                <a:solidFill>
+                  <a:srgbClr val="000000"/>
+                </a:solidFill>
+                <a:latin typeface="Helvetica"/>
+                <a:ea typeface="Helvetica"/>
+                <a:cs typeface="Helvetica"/>
+                <a:sym typeface="Helvetica"/>
+              </a:defRPr>
+            </a:pPr>
+          </a:p>
+        </p:txBody>
+      </p:sp>
+      <p:sp>
+        <p:nvSpPr>
+          <p:cNvPr id="94" name="Shape 94"/>
           <p:cNvSpPr/>
           <p:nvPr>
             <p:ph type="body" sz="quarter" idx="13"/>
@@ -3441,7 +3567,7 @@
       </p:sp>
       <p:sp>
         <p:nvSpPr>
-          <p:cNvPr id="92" name="Shape 92"/>
+          <p:cNvPr id="95" name="Shape 95"/>
           <p:cNvSpPr/>
           <p:nvPr>
             <p:ph type="pic" sz="half" idx="14"/>
@@ -3468,7 +3594,7 @@
       </p:sp>
       <p:sp>
         <p:nvSpPr>
-          <p:cNvPr id="93" name="Shape 93"/>
+          <p:cNvPr id="96" name="Shape 96"/>
           <p:cNvSpPr/>
           <p:nvPr>
             <p:ph type="title"/>
@@ -3496,7 +3622,7 @@
       </p:sp>
       <p:sp>
         <p:nvSpPr>
-          <p:cNvPr id="94" name="Shape 94"/>
+          <p:cNvPr id="97" name="Shape 97"/>
           <p:cNvSpPr/>
           <p:nvPr>
             <p:ph type="body" sz="half" idx="1"/>
@@ -3584,7 +3710,7 @@
       </p:sp>
       <p:sp>
         <p:nvSpPr>
-          <p:cNvPr id="95" name="Shape 95"/>
+          <p:cNvPr id="98" name="Shape 98"/>
           <p:cNvSpPr/>
           <p:nvPr>
             <p:ph type="sldNum" sz="quarter" idx="2"/>
@@ -3653,7 +3779,7 @@
           </a:prstGeom>
           <a:ln w="25400">
             <a:solidFill>
-              <a:srgbClr val="A6AAA9"/>
+              <a:srgbClr val="0433FF"/>
             </a:solidFill>
             <a:miter lim="400000"/>
           </a:ln>
@@ -4707,7 +4833,7 @@
       </p:grpSpPr>
       <p:sp>
         <p:nvSpPr>
-          <p:cNvPr id="166" name="Shape 166"/>
+          <p:cNvPr id="169" name="Shape 169"/>
           <p:cNvSpPr/>
           <p:nvPr>
             <p:ph type="body" idx="13"/>
@@ -4813,7 +4939,7 @@
       </p:sp>
       <p:pic>
         <p:nvPicPr>
-          <p:cNvPr id="167" name="world-world-hi.png"/>
+          <p:cNvPr id="170" name="world-world-hi.png"/>
           <p:cNvPicPr>
             <a:picLocks noChangeAspect="1"/>
           </p:cNvPicPr>
@@ -4842,7 +4968,7 @@
       </p:pic>
       <p:sp>
         <p:nvSpPr>
-          <p:cNvPr id="168" name="Shape 168"/>
+          <p:cNvPr id="171" name="Shape 171"/>
           <p:cNvSpPr/>
           <p:nvPr>
             <p:ph type="body" idx="15"/>
@@ -4952,7 +5078,7 @@
                                       <p:cBhvr>
                                         <p:cTn id="6" fill="hold"/>
                                         <p:tgtEl>
-                                          <p:spTgt spid="167"/>
+                                          <p:spTgt spid="170"/>
                                         </p:tgtEl>
                                         <p:attrNameLst>
                                           <p:attrName>style.visibility</p:attrName>
@@ -4966,7 +5092,7 @@
                                       <p:cBhvr>
                                         <p:cTn id="7" dur="2000"/>
                                         <p:tgtEl>
-                                          <p:spTgt spid="167"/>
+                                          <p:spTgt spid="170"/>
                                         </p:tgtEl>
                                       </p:cBhvr>
                                     </p:animEffect>
@@ -4995,7 +5121,7 @@
                                       <p:cBhvr>
                                         <p:cTn id="10" fill="hold"/>
                                         <p:tgtEl>
-                                          <p:spTgt spid="166"/>
+                                          <p:spTgt spid="169"/>
                                         </p:tgtEl>
                                         <p:attrNameLst>
                                           <p:attrName>style.visibility</p:attrName>
@@ -5009,7 +5135,7 @@
                                       <p:cBhvr>
                                         <p:cTn id="11" dur="1500"/>
                                         <p:tgtEl>
-                                          <p:spTgt spid="166"/>
+                                          <p:spTgt spid="169"/>
                                         </p:tgtEl>
                                       </p:cBhvr>
                                     </p:animEffect>
@@ -5038,7 +5164,7 @@
                                       <p:cBhvr>
                                         <p:cTn id="14" fill="hold"/>
                                         <p:tgtEl>
-                                          <p:spTgt spid="168"/>
+                                          <p:spTgt spid="171"/>
                                         </p:tgtEl>
                                         <p:attrNameLst>
                                           <p:attrName>style.visibility</p:attrName>
@@ -5052,7 +5178,7 @@
                                       <p:cBhvr>
                                         <p:cTn id="15" dur="1500"/>
                                         <p:tgtEl>
-                                          <p:spTgt spid="168"/>
+                                          <p:spTgt spid="171"/>
                                         </p:tgtEl>
                                       </p:cBhvr>
                                     </p:animEffect>
@@ -5087,9 +5213,9 @@
       </p:par>
     </p:tnLst>
     <p:bldLst>
-      <p:bldP build="whole" bldLvl="1" animBg="1" rev="0" advAuto="0" spid="167" grpId="1"/>
-      <p:bldP build="whole" bldLvl="1" animBg="1" rev="0" advAuto="0" spid="166" grpId="2"/>
-      <p:bldP build="whole" bldLvl="1" animBg="1" rev="0" advAuto="0" spid="168" grpId="3"/>
+      <p:bldP build="whole" bldLvl="1" animBg="1" rev="0" advAuto="0" spid="169" grpId="2"/>
+      <p:bldP build="whole" bldLvl="1" animBg="1" rev="0" advAuto="0" spid="171" grpId="3"/>
+      <p:bldP build="whole" bldLvl="1" animBg="1" rev="0" advAuto="0" spid="170" grpId="1"/>
     </p:bldLst>
   </p:timing>
 </p:sld>
@@ -5101,7 +5227,7 @@
     <p:bg>
       <p:bgPr>
         <a:solidFill>
-          <a:srgbClr val="0433FF"/>
+          <a:srgbClr val="0096FF"/>
         </a:solidFill>
       </p:bgPr>
     </p:bg>
@@ -5121,7 +5247,7 @@
       </p:grpSpPr>
       <p:sp>
         <p:nvSpPr>
-          <p:cNvPr id="170" name="Shape 170"/>
+          <p:cNvPr id="173" name="Shape 173"/>
           <p:cNvSpPr/>
           <p:nvPr>
             <p:ph type="body" idx="13"/>
@@ -5161,7 +5287,7 @@
       </p:sp>
       <p:sp>
         <p:nvSpPr>
-          <p:cNvPr id="171" name="Shape 171"/>
+          <p:cNvPr id="174" name="Shape 174"/>
           <p:cNvSpPr/>
           <p:nvPr/>
         </p:nvSpPr>
@@ -5271,7 +5397,7 @@
       </p:sp>
       <p:pic>
         <p:nvPicPr>
-          <p:cNvPr id="172" name="nederland-kaart.png"/>
+          <p:cNvPr id="175" name="nederland-kaart.png"/>
           <p:cNvPicPr>
             <a:picLocks noChangeAspect="1"/>
           </p:cNvPicPr>
@@ -5351,7 +5477,7 @@
                                       <p:cBhvr>
                                         <p:cTn id="6" fill="hold"/>
                                         <p:tgtEl>
-                                          <p:spTgt spid="171">
+                                          <p:spTgt spid="174">
                                             <p:bg/>
                                           </p:spTgt>
                                         </p:tgtEl>
@@ -5371,7 +5497,7 @@
                                           </p:stCondLst>
                                         </p:cTn>
                                         <p:tgtEl>
-                                          <p:spTgt spid="171">
+                                          <p:spTgt spid="174">
                                             <p:bg/>
                                           </p:spTgt>
                                         </p:tgtEl>
@@ -5385,7 +5511,7 @@
                                           </p:stCondLst>
                                         </p:cTn>
                                         <p:tgtEl>
-                                          <p:spTgt spid="171">
+                                          <p:spTgt spid="174">
                                             <p:bg/>
                                           </p:spTgt>
                                         </p:tgtEl>
@@ -5414,7 +5540,7 @@
                                           </p:stCondLst>
                                         </p:cTn>
                                         <p:tgtEl>
-                                          <p:spTgt spid="171">
+                                          <p:spTgt spid="174">
                                             <p:bg/>
                                           </p:spTgt>
                                         </p:tgtEl>
@@ -5443,7 +5569,7 @@
                                           </p:stCondLst>
                                         </p:cTn>
                                         <p:tgtEl>
-                                          <p:spTgt spid="171">
+                                          <p:spTgt spid="174">
                                             <p:bg/>
                                           </p:spTgt>
                                         </p:tgtEl>
@@ -5472,7 +5598,7 @@
                                           </p:stCondLst>
                                         </p:cTn>
                                         <p:tgtEl>
-                                          <p:spTgt spid="171">
+                                          <p:spTgt spid="174">
                                             <p:bg/>
                                           </p:spTgt>
                                         </p:tgtEl>
@@ -5501,7 +5627,7 @@
                                           </p:stCondLst>
                                         </p:cTn>
                                         <p:tgtEl>
-                                          <p:spTgt spid="171">
+                                          <p:spTgt spid="174">
                                             <p:bg/>
                                           </p:spTgt>
                                         </p:tgtEl>
@@ -5530,7 +5656,7 @@
                                           </p:stCondLst>
                                         </p:cTn>
                                         <p:tgtEl>
-                                          <p:spTgt spid="171">
+                                          <p:spTgt spid="174">
                                             <p:bg/>
                                           </p:spTgt>
                                         </p:tgtEl>
@@ -5545,7 +5671,7 @@
                                           </p:stCondLst>
                                         </p:cTn>
                                         <p:tgtEl>
-                                          <p:spTgt spid="171">
+                                          <p:spTgt spid="174">
                                             <p:bg/>
                                           </p:spTgt>
                                         </p:tgtEl>
@@ -5560,7 +5686,7 @@
                                           </p:stCondLst>
                                         </p:cTn>
                                         <p:tgtEl>
-                                          <p:spTgt spid="171">
+                                          <p:spTgt spid="174">
                                             <p:bg/>
                                           </p:spTgt>
                                         </p:tgtEl>
@@ -5575,7 +5701,7 @@
                                           </p:stCondLst>
                                         </p:cTn>
                                         <p:tgtEl>
-                                          <p:spTgt spid="171">
+                                          <p:spTgt spid="174">
                                             <p:bg/>
                                           </p:spTgt>
                                         </p:tgtEl>
@@ -5590,7 +5716,7 @@
                                           </p:stCondLst>
                                         </p:cTn>
                                         <p:tgtEl>
-                                          <p:spTgt spid="171">
+                                          <p:spTgt spid="174">
                                             <p:bg/>
                                           </p:spTgt>
                                         </p:tgtEl>
@@ -5605,7 +5731,7 @@
                                           </p:stCondLst>
                                         </p:cTn>
                                         <p:tgtEl>
-                                          <p:spTgt spid="171">
+                                          <p:spTgt spid="174">
                                             <p:bg/>
                                           </p:spTgt>
                                         </p:tgtEl>
@@ -5620,7 +5746,7 @@
                                           </p:stCondLst>
                                         </p:cTn>
                                         <p:tgtEl>
-                                          <p:spTgt spid="171">
+                                          <p:spTgt spid="174">
                                             <p:bg/>
                                           </p:spTgt>
                                         </p:tgtEl>
@@ -5635,7 +5761,7 @@
                                           </p:stCondLst>
                                         </p:cTn>
                                         <p:tgtEl>
-                                          <p:spTgt spid="171">
+                                          <p:spTgt spid="174">
                                             <p:bg/>
                                           </p:spTgt>
                                         </p:tgtEl>
@@ -5658,7 +5784,7 @@
                                       <p:cBhvr>
                                         <p:cTn id="22" fill="hold"/>
                                         <p:tgtEl>
-                                          <p:spTgt spid="171">
+                                          <p:spTgt spid="174">
                                             <p:txEl>
                                               <p:pRg st="0" end="0"/>
                                             </p:txEl>
@@ -5680,7 +5806,7 @@
                                           </p:stCondLst>
                                         </p:cTn>
                                         <p:tgtEl>
-                                          <p:spTgt spid="171">
+                                          <p:spTgt spid="174">
                                             <p:txEl>
                                               <p:pRg st="0" end="0"/>
                                             </p:txEl>
@@ -5696,7 +5822,7 @@
                                           </p:stCondLst>
                                         </p:cTn>
                                         <p:tgtEl>
-                                          <p:spTgt spid="171">
+                                          <p:spTgt spid="174">
                                             <p:txEl>
                                               <p:pRg st="0" end="0"/>
                                             </p:txEl>
@@ -5727,7 +5853,7 @@
                                           </p:stCondLst>
                                         </p:cTn>
                                         <p:tgtEl>
-                                          <p:spTgt spid="171">
+                                          <p:spTgt spid="174">
                                             <p:txEl>
                                               <p:pRg st="0" end="0"/>
                                             </p:txEl>
@@ -5758,7 +5884,7 @@
                                           </p:stCondLst>
                                         </p:cTn>
                                         <p:tgtEl>
-                                          <p:spTgt spid="171">
+                                          <p:spTgt spid="174">
                                             <p:txEl>
                                               <p:pRg st="0" end="0"/>
                                             </p:txEl>
@@ -5789,7 +5915,7 @@
                                           </p:stCondLst>
                                         </p:cTn>
                                         <p:tgtEl>
-                                          <p:spTgt spid="171">
+                                          <p:spTgt spid="174">
                                             <p:txEl>
                                               <p:pRg st="0" end="0"/>
                                             </p:txEl>
@@ -5820,7 +5946,7 @@
                                           </p:stCondLst>
                                         </p:cTn>
                                         <p:tgtEl>
-                                          <p:spTgt spid="171">
+                                          <p:spTgt spid="174">
                                             <p:txEl>
                                               <p:pRg st="0" end="0"/>
                                             </p:txEl>
@@ -5851,7 +5977,7 @@
                                           </p:stCondLst>
                                         </p:cTn>
                                         <p:tgtEl>
-                                          <p:spTgt spid="171">
+                                          <p:spTgt spid="174">
                                             <p:txEl>
                                               <p:pRg st="0" end="0"/>
                                             </p:txEl>
@@ -5868,7 +5994,7 @@
                                           </p:stCondLst>
                                         </p:cTn>
                                         <p:tgtEl>
-                                          <p:spTgt spid="171">
+                                          <p:spTgt spid="174">
                                             <p:txEl>
                                               <p:pRg st="0" end="0"/>
                                             </p:txEl>
@@ -5885,7 +6011,7 @@
                                           </p:stCondLst>
                                         </p:cTn>
                                         <p:tgtEl>
-                                          <p:spTgt spid="171">
+                                          <p:spTgt spid="174">
                                             <p:txEl>
                                               <p:pRg st="0" end="0"/>
                                             </p:txEl>
@@ -5902,7 +6028,7 @@
                                           </p:stCondLst>
                                         </p:cTn>
                                         <p:tgtEl>
-                                          <p:spTgt spid="171">
+                                          <p:spTgt spid="174">
                                             <p:txEl>
                                               <p:pRg st="0" end="0"/>
                                             </p:txEl>
@@ -5919,7 +6045,7 @@
                                           </p:stCondLst>
                                         </p:cTn>
                                         <p:tgtEl>
-                                          <p:spTgt spid="171">
+                                          <p:spTgt spid="174">
                                             <p:txEl>
                                               <p:pRg st="0" end="0"/>
                                             </p:txEl>
@@ -5936,7 +6062,7 @@
                                           </p:stCondLst>
                                         </p:cTn>
                                         <p:tgtEl>
-                                          <p:spTgt spid="171">
+                                          <p:spTgt spid="174">
                                             <p:txEl>
                                               <p:pRg st="0" end="0"/>
                                             </p:txEl>
@@ -5953,7 +6079,7 @@
                                           </p:stCondLst>
                                         </p:cTn>
                                         <p:tgtEl>
-                                          <p:spTgt spid="171">
+                                          <p:spTgt spid="174">
                                             <p:txEl>
                                               <p:pRg st="0" end="0"/>
                                             </p:txEl>
@@ -5970,7 +6096,7 @@
                                           </p:stCondLst>
                                         </p:cTn>
                                         <p:tgtEl>
-                                          <p:spTgt spid="171">
+                                          <p:spTgt spid="174">
                                             <p:txEl>
                                               <p:pRg st="0" end="0"/>
                                             </p:txEl>
@@ -6004,7 +6130,7 @@
                                       <p:cBhvr>
                                         <p:cTn id="39" fill="hold"/>
                                         <p:tgtEl>
-                                          <p:spTgt spid="171">
+                                          <p:spTgt spid="174">
                                             <p:txEl>
                                               <p:pRg st="1" end="1"/>
                                             </p:txEl>
@@ -6026,7 +6152,7 @@
                                           </p:stCondLst>
                                         </p:cTn>
                                         <p:tgtEl>
-                                          <p:spTgt spid="171">
+                                          <p:spTgt spid="174">
                                             <p:txEl>
                                               <p:pRg st="1" end="1"/>
                                             </p:txEl>
@@ -6042,7 +6168,7 @@
                                           </p:stCondLst>
                                         </p:cTn>
                                         <p:tgtEl>
-                                          <p:spTgt spid="171">
+                                          <p:spTgt spid="174">
                                             <p:txEl>
                                               <p:pRg st="1" end="1"/>
                                             </p:txEl>
@@ -6073,7 +6199,7 @@
                                           </p:stCondLst>
                                         </p:cTn>
                                         <p:tgtEl>
-                                          <p:spTgt spid="171">
+                                          <p:spTgt spid="174">
                                             <p:txEl>
                                               <p:pRg st="1" end="1"/>
                                             </p:txEl>
@@ -6104,7 +6230,7 @@
                                           </p:stCondLst>
                                         </p:cTn>
                                         <p:tgtEl>
-                                          <p:spTgt spid="171">
+                                          <p:spTgt spid="174">
                                             <p:txEl>
                                               <p:pRg st="1" end="1"/>
                                             </p:txEl>
@@ -6135,7 +6261,7 @@
                                           </p:stCondLst>
                                         </p:cTn>
                                         <p:tgtEl>
-                                          <p:spTgt spid="171">
+                                          <p:spTgt spid="174">
                                             <p:txEl>
                                               <p:pRg st="1" end="1"/>
                                             </p:txEl>
@@ -6166,7 +6292,7 @@
                                           </p:stCondLst>
                                         </p:cTn>
                                         <p:tgtEl>
-                                          <p:spTgt spid="171">
+                                          <p:spTgt spid="174">
                                             <p:txEl>
                                               <p:pRg st="1" end="1"/>
                                             </p:txEl>
@@ -6197,7 +6323,7 @@
                                           </p:stCondLst>
                                         </p:cTn>
                                         <p:tgtEl>
-                                          <p:spTgt spid="171">
+                                          <p:spTgt spid="174">
                                             <p:txEl>
                                               <p:pRg st="1" end="1"/>
                                             </p:txEl>
@@ -6214,7 +6340,7 @@
                                           </p:stCondLst>
                                         </p:cTn>
                                         <p:tgtEl>
-                                          <p:spTgt spid="171">
+                                          <p:spTgt spid="174">
                                             <p:txEl>
                                               <p:pRg st="1" end="1"/>
                                             </p:txEl>
@@ -6231,7 +6357,7 @@
                                           </p:stCondLst>
                                         </p:cTn>
                                         <p:tgtEl>
-                                          <p:spTgt spid="171">
+                                          <p:spTgt spid="174">
                                             <p:txEl>
                                               <p:pRg st="1" end="1"/>
                                             </p:txEl>
@@ -6248,7 +6374,7 @@
                                           </p:stCondLst>
                                         </p:cTn>
                                         <p:tgtEl>
-                                          <p:spTgt spid="171">
+                                          <p:spTgt spid="174">
                                             <p:txEl>
                                               <p:pRg st="1" end="1"/>
                                             </p:txEl>
@@ -6265,7 +6391,7 @@
                                           </p:stCondLst>
                                         </p:cTn>
                                         <p:tgtEl>
-                                          <p:spTgt spid="171">
+                                          <p:spTgt spid="174">
                                             <p:txEl>
                                               <p:pRg st="1" end="1"/>
                                             </p:txEl>
@@ -6282,7 +6408,7 @@
                                           </p:stCondLst>
                                         </p:cTn>
                                         <p:tgtEl>
-                                          <p:spTgt spid="171">
+                                          <p:spTgt spid="174">
                                             <p:txEl>
                                               <p:pRg st="1" end="1"/>
                                             </p:txEl>
@@ -6299,7 +6425,7 @@
                                           </p:stCondLst>
                                         </p:cTn>
                                         <p:tgtEl>
-                                          <p:spTgt spid="171">
+                                          <p:spTgt spid="174">
                                             <p:txEl>
                                               <p:pRg st="1" end="1"/>
                                             </p:txEl>
@@ -6316,7 +6442,7 @@
                                           </p:stCondLst>
                                         </p:cTn>
                                         <p:tgtEl>
-                                          <p:spTgt spid="171">
+                                          <p:spTgt spid="174">
                                             <p:txEl>
                                               <p:pRg st="1" end="1"/>
                                             </p:txEl>
@@ -6350,7 +6476,7 @@
                                       <p:cBhvr>
                                         <p:cTn id="56" fill="hold"/>
                                         <p:tgtEl>
-                                          <p:spTgt spid="171">
+                                          <p:spTgt spid="174">
                                             <p:txEl>
                                               <p:pRg st="2" end="2"/>
                                             </p:txEl>
@@ -6372,7 +6498,7 @@
                                           </p:stCondLst>
                                         </p:cTn>
                                         <p:tgtEl>
-                                          <p:spTgt spid="171">
+                                          <p:spTgt spid="174">
                                             <p:txEl>
                                               <p:pRg st="2" end="2"/>
                                             </p:txEl>
@@ -6388,7 +6514,7 @@
                                           </p:stCondLst>
                                         </p:cTn>
                                         <p:tgtEl>
-                                          <p:spTgt spid="171">
+                                          <p:spTgt spid="174">
                                             <p:txEl>
                                               <p:pRg st="2" end="2"/>
                                             </p:txEl>
@@ -6419,7 +6545,7 @@
                                           </p:stCondLst>
                                         </p:cTn>
                                         <p:tgtEl>
-                                          <p:spTgt spid="171">
+                                          <p:spTgt spid="174">
                                             <p:txEl>
                                               <p:pRg st="2" end="2"/>
                                             </p:txEl>
@@ -6450,7 +6576,7 @@
                                           </p:stCondLst>
                                         </p:cTn>
                                         <p:tgtEl>
-                                          <p:spTgt spid="171">
+                                          <p:spTgt spid="174">
                                             <p:txEl>
                                               <p:pRg st="2" end="2"/>
                                             </p:txEl>
@@ -6481,7 +6607,7 @@
                                           </p:stCondLst>
                                         </p:cTn>
                                         <p:tgtEl>
-                                          <p:spTgt spid="171">
+                                          <p:spTgt spid="174">
                                             <p:txEl>
                                               <p:pRg st="2" end="2"/>
                                             </p:txEl>
@@ -6512,7 +6638,7 @@
                                           </p:stCondLst>
                                         </p:cTn>
                                         <p:tgtEl>
-                                          <p:spTgt spid="171">
+                                          <p:spTgt spid="174">
                                             <p:txEl>
                                               <p:pRg st="2" end="2"/>
                                             </p:txEl>
@@ -6543,7 +6669,7 @@
                                           </p:stCondLst>
                                         </p:cTn>
                                         <p:tgtEl>
-                                          <p:spTgt spid="171">
+                                          <p:spTgt spid="174">
                                             <p:txEl>
                                               <p:pRg st="2" end="2"/>
                                             </p:txEl>
@@ -6560,7 +6686,7 @@
                                           </p:stCondLst>
                                         </p:cTn>
                                         <p:tgtEl>
-                                          <p:spTgt spid="171">
+                                          <p:spTgt spid="174">
                                             <p:txEl>
                                               <p:pRg st="2" end="2"/>
                                             </p:txEl>
@@ -6577,7 +6703,7 @@
                                           </p:stCondLst>
                                         </p:cTn>
                                         <p:tgtEl>
-                                          <p:spTgt spid="171">
+                                          <p:spTgt spid="174">
                                             <p:txEl>
                                               <p:pRg st="2" end="2"/>
                                             </p:txEl>
@@ -6594,7 +6720,7 @@
                                           </p:stCondLst>
                                         </p:cTn>
                                         <p:tgtEl>
-                                          <p:spTgt spid="171">
+                                          <p:spTgt spid="174">
                                             <p:txEl>
                                               <p:pRg st="2" end="2"/>
                                             </p:txEl>
@@ -6611,7 +6737,7 @@
                                           </p:stCondLst>
                                         </p:cTn>
                                         <p:tgtEl>
-                                          <p:spTgt spid="171">
+                                          <p:spTgt spid="174">
                                             <p:txEl>
                                               <p:pRg st="2" end="2"/>
                                             </p:txEl>
@@ -6628,7 +6754,7 @@
                                           </p:stCondLst>
                                         </p:cTn>
                                         <p:tgtEl>
-                                          <p:spTgt spid="171">
+                                          <p:spTgt spid="174">
                                             <p:txEl>
                                               <p:pRg st="2" end="2"/>
                                             </p:txEl>
@@ -6645,7 +6771,7 @@
                                           </p:stCondLst>
                                         </p:cTn>
                                         <p:tgtEl>
-                                          <p:spTgt spid="171">
+                                          <p:spTgt spid="174">
                                             <p:txEl>
                                               <p:pRg st="2" end="2"/>
                                             </p:txEl>
@@ -6662,7 +6788,7 @@
                                           </p:stCondLst>
                                         </p:cTn>
                                         <p:tgtEl>
-                                          <p:spTgt spid="171">
+                                          <p:spTgt spid="174">
                                             <p:txEl>
                                               <p:pRg st="2" end="2"/>
                                             </p:txEl>
@@ -6696,7 +6822,7 @@
                                       <p:cBhvr>
                                         <p:cTn id="73" fill="hold"/>
                                         <p:tgtEl>
-                                          <p:spTgt spid="171">
+                                          <p:spTgt spid="174">
                                             <p:txEl>
                                               <p:pRg st="3" end="3"/>
                                             </p:txEl>
@@ -6718,7 +6844,7 @@
                                           </p:stCondLst>
                                         </p:cTn>
                                         <p:tgtEl>
-                                          <p:spTgt spid="171">
+                                          <p:spTgt spid="174">
                                             <p:txEl>
                                               <p:pRg st="3" end="3"/>
                                             </p:txEl>
@@ -6734,7 +6860,7 @@
                                           </p:stCondLst>
                                         </p:cTn>
                                         <p:tgtEl>
-                                          <p:spTgt spid="171">
+                                          <p:spTgt spid="174">
                                             <p:txEl>
                                               <p:pRg st="3" end="3"/>
                                             </p:txEl>
@@ -6765,7 +6891,7 @@
                                           </p:stCondLst>
                                         </p:cTn>
                                         <p:tgtEl>
-                                          <p:spTgt spid="171">
+                                          <p:spTgt spid="174">
                                             <p:txEl>
                                               <p:pRg st="3" end="3"/>
                                             </p:txEl>
@@ -6796,7 +6922,7 @@
                                           </p:stCondLst>
                                         </p:cTn>
                                         <p:tgtEl>
-                                          <p:spTgt spid="171">
+                                          <p:spTgt spid="174">
                                             <p:txEl>
                                               <p:pRg st="3" end="3"/>
                                             </p:txEl>
@@ -6827,7 +6953,7 @@
                                           </p:stCondLst>
                                         </p:cTn>
                                         <p:tgtEl>
-                                          <p:spTgt spid="171">
+                                          <p:spTgt spid="174">
                                             <p:txEl>
                                               <p:pRg st="3" end="3"/>
                                             </p:txEl>
@@ -6858,7 +6984,7 @@
                                           </p:stCondLst>
                                         </p:cTn>
                                         <p:tgtEl>
-                                          <p:spTgt spid="171">
+                                          <p:spTgt spid="174">
                                             <p:txEl>
                                               <p:pRg st="3" end="3"/>
                                             </p:txEl>
@@ -6889,7 +7015,7 @@
                                           </p:stCondLst>
                                         </p:cTn>
                                         <p:tgtEl>
-                                          <p:spTgt spid="171">
+                                          <p:spTgt spid="174">
                                             <p:txEl>
                                               <p:pRg st="3" end="3"/>
                                             </p:txEl>
@@ -6906,7 +7032,7 @@
                                           </p:stCondLst>
                                         </p:cTn>
                                         <p:tgtEl>
-                                          <p:spTgt spid="171">
+                                          <p:spTgt spid="174">
                                             <p:txEl>
                                               <p:pRg st="3" end="3"/>
                                             </p:txEl>
@@ -6923,7 +7049,7 @@
                                           </p:stCondLst>
                                         </p:cTn>
                                         <p:tgtEl>
-                                          <p:spTgt spid="171">
+                                          <p:spTgt spid="174">
                                             <p:txEl>
                                               <p:pRg st="3" end="3"/>
                                             </p:txEl>
@@ -6940,7 +7066,7 @@
                                           </p:stCondLst>
                                         </p:cTn>
                                         <p:tgtEl>
-                                          <p:spTgt spid="171">
+                                          <p:spTgt spid="174">
                                             <p:txEl>
                                               <p:pRg st="3" end="3"/>
                                             </p:txEl>
@@ -6957,7 +7083,7 @@
                                           </p:stCondLst>
                                         </p:cTn>
                                         <p:tgtEl>
-                                          <p:spTgt spid="171">
+                                          <p:spTgt spid="174">
                                             <p:txEl>
                                               <p:pRg st="3" end="3"/>
                                             </p:txEl>
@@ -6974,7 +7100,7 @@
                                           </p:stCondLst>
                                         </p:cTn>
                                         <p:tgtEl>
-                                          <p:spTgt spid="171">
+                                          <p:spTgt spid="174">
                                             <p:txEl>
                                               <p:pRg st="3" end="3"/>
                                             </p:txEl>
@@ -6991,7 +7117,7 @@
                                           </p:stCondLst>
                                         </p:cTn>
                                         <p:tgtEl>
-                                          <p:spTgt spid="171">
+                                          <p:spTgt spid="174">
                                             <p:txEl>
                                               <p:pRg st="3" end="3"/>
                                             </p:txEl>
@@ -7008,7 +7134,7 @@
                                           </p:stCondLst>
                                         </p:cTn>
                                         <p:tgtEl>
-                                          <p:spTgt spid="171">
+                                          <p:spTgt spid="174">
                                             <p:txEl>
                                               <p:pRg st="3" end="3"/>
                                             </p:txEl>
@@ -7042,7 +7168,7 @@
                                       <p:cBhvr>
                                         <p:cTn id="90" fill="hold"/>
                                         <p:tgtEl>
-                                          <p:spTgt spid="171">
+                                          <p:spTgt spid="174">
                                             <p:txEl>
                                               <p:pRg st="4" end="4"/>
                                             </p:txEl>
@@ -7064,7 +7190,7 @@
                                           </p:stCondLst>
                                         </p:cTn>
                                         <p:tgtEl>
-                                          <p:spTgt spid="171">
+                                          <p:spTgt spid="174">
                                             <p:txEl>
                                               <p:pRg st="4" end="4"/>
                                             </p:txEl>
@@ -7080,7 +7206,7 @@
                                           </p:stCondLst>
                                         </p:cTn>
                                         <p:tgtEl>
-                                          <p:spTgt spid="171">
+                                          <p:spTgt spid="174">
                                             <p:txEl>
                                               <p:pRg st="4" end="4"/>
                                             </p:txEl>
@@ -7111,7 +7237,7 @@
                                           </p:stCondLst>
                                         </p:cTn>
                                         <p:tgtEl>
-                                          <p:spTgt spid="171">
+                                          <p:spTgt spid="174">
                                             <p:txEl>
                                               <p:pRg st="4" end="4"/>
                                             </p:txEl>
@@ -7142,7 +7268,7 @@
                                           </p:stCondLst>
                                         </p:cTn>
                                         <p:tgtEl>
-                                          <p:spTgt spid="171">
+                                          <p:spTgt spid="174">
                                             <p:txEl>
                                               <p:pRg st="4" end="4"/>
                                             </p:txEl>
@@ -7173,7 +7299,7 @@
                                           </p:stCondLst>
                                         </p:cTn>
                                         <p:tgtEl>
-                                          <p:spTgt spid="171">
+                                          <p:spTgt spid="174">
                                             <p:txEl>
                                               <p:pRg st="4" end="4"/>
                                             </p:txEl>
@@ -7204,7 +7330,7 @@
                                           </p:stCondLst>
                                         </p:cTn>
                                         <p:tgtEl>
-                                          <p:spTgt spid="171">
+                                          <p:spTgt spid="174">
                                             <p:txEl>
                                               <p:pRg st="4" end="4"/>
                                             </p:txEl>
@@ -7235,7 +7361,7 @@
                                           </p:stCondLst>
                                         </p:cTn>
                                         <p:tgtEl>
-                                          <p:spTgt spid="171">
+                                          <p:spTgt spid="174">
                                             <p:txEl>
                                               <p:pRg st="4" end="4"/>
                                             </p:txEl>
@@ -7252,7 +7378,7 @@
                                           </p:stCondLst>
                                         </p:cTn>
                                         <p:tgtEl>
-                                          <p:spTgt spid="171">
+                                          <p:spTgt spid="174">
                                             <p:txEl>
                                               <p:pRg st="4" end="4"/>
                                             </p:txEl>
@@ -7269,7 +7395,7 @@
                                           </p:stCondLst>
                                         </p:cTn>
                                         <p:tgtEl>
-                                          <p:spTgt spid="171">
+                                          <p:spTgt spid="174">
                                             <p:txEl>
                                               <p:pRg st="4" end="4"/>
                                             </p:txEl>
@@ -7286,7 +7412,7 @@
                                           </p:stCondLst>
                                         </p:cTn>
                                         <p:tgtEl>
-                                          <p:spTgt spid="171">
+                                          <p:spTgt spid="174">
                                             <p:txEl>
                                               <p:pRg st="4" end="4"/>
                                             </p:txEl>
@@ -7303,7 +7429,7 @@
                                           </p:stCondLst>
                                         </p:cTn>
                                         <p:tgtEl>
-                                          <p:spTgt spid="171">
+                                          <p:spTgt spid="174">
                                             <p:txEl>
                                               <p:pRg st="4" end="4"/>
                                             </p:txEl>
@@ -7320,7 +7446,7 @@
                                           </p:stCondLst>
                                         </p:cTn>
                                         <p:tgtEl>
-                                          <p:spTgt spid="171">
+                                          <p:spTgt spid="174">
                                             <p:txEl>
                                               <p:pRg st="4" end="4"/>
                                             </p:txEl>
@@ -7337,7 +7463,7 @@
                                           </p:stCondLst>
                                         </p:cTn>
                                         <p:tgtEl>
-                                          <p:spTgt spid="171">
+                                          <p:spTgt spid="174">
                                             <p:txEl>
                                               <p:pRg st="4" end="4"/>
                                             </p:txEl>
@@ -7354,7 +7480,7 @@
                                           </p:stCondLst>
                                         </p:cTn>
                                         <p:tgtEl>
-                                          <p:spTgt spid="171">
+                                          <p:spTgt spid="174">
                                             <p:txEl>
                                               <p:pRg st="4" end="4"/>
                                             </p:txEl>
@@ -7394,7 +7520,7 @@
       </p:par>
     </p:tnLst>
     <p:bldLst>
-      <p:bldP build="p" bldLvl="5" animBg="1" rev="0" advAuto="0" spid="171" grpId="1"/>
+      <p:bldP build="p" bldLvl="5" animBg="1" rev="0" advAuto="0" spid="174" grpId="1"/>
     </p:bldLst>
   </p:timing>
 </p:sld>
@@ -7406,7 +7532,7 @@
     <p:bg>
       <p:bgPr>
         <a:solidFill>
-          <a:srgbClr val="0433FF"/>
+          <a:srgbClr val="0096FF"/>
         </a:solidFill>
       </p:bgPr>
     </p:bg>
@@ -7426,7 +7552,7 @@
       </p:grpSpPr>
       <p:sp>
         <p:nvSpPr>
-          <p:cNvPr id="174" name="Shape 174"/>
+          <p:cNvPr id="177" name="Shape 177"/>
           <p:cNvSpPr/>
           <p:nvPr>
             <p:ph type="body" idx="13"/>
@@ -7466,7 +7592,7 @@
       </p:sp>
       <p:pic>
         <p:nvPicPr>
-          <p:cNvPr id="175" name="nexus4_portrait.png"/>
+          <p:cNvPr id="178" name="nexus4_portrait.png"/>
           <p:cNvPicPr>
             <a:picLocks noChangeAspect="1"/>
           </p:cNvPicPr>
@@ -7495,7 +7621,7 @@
       </p:pic>
       <p:sp>
         <p:nvSpPr>
-          <p:cNvPr id="176" name="Shape 176"/>
+          <p:cNvPr id="179" name="Shape 179"/>
           <p:cNvSpPr/>
           <p:nvPr/>
         </p:nvSpPr>
@@ -7589,7 +7715,7 @@
       </p:sp>
       <p:pic>
         <p:nvPicPr>
-          <p:cNvPr id="177" name="nederland-kaart.png"/>
+          <p:cNvPr id="180" name="nederland-kaart.png"/>
           <p:cNvPicPr>
             <a:picLocks noChangeAspect="1"/>
           </p:cNvPicPr>
@@ -7669,7 +7795,7 @@
                                       <p:cBhvr>
                                         <p:cTn id="6" fill="hold"/>
                                         <p:tgtEl>
-                                          <p:spTgt spid="175"/>
+                                          <p:spTgt spid="178"/>
                                         </p:tgtEl>
                                         <p:attrNameLst>
                                           <p:attrName>style.visibility</p:attrName>
@@ -7683,7 +7809,7 @@
                                       <p:cBhvr>
                                         <p:cTn id="7" dur="1000" fill="hold"/>
                                         <p:tgtEl>
-                                          <p:spTgt spid="175"/>
+                                          <p:spTgt spid="178"/>
                                         </p:tgtEl>
                                         <p:attrNameLst>
                                           <p:attrName>ppt_w</p:attrName>
@@ -7706,7 +7832,7 @@
                                       <p:cBhvr>
                                         <p:cTn id="8" dur="1000" fill="hold"/>
                                         <p:tgtEl>
-                                          <p:spTgt spid="175"/>
+                                          <p:spTgt spid="178"/>
                                         </p:tgtEl>
                                         <p:attrNameLst>
                                           <p:attrName>ppt_h</p:attrName>
@@ -7729,7 +7855,7 @@
                                       <p:cBhvr>
                                         <p:cTn id="9" dur="1000" fill="hold"/>
                                         <p:tgtEl>
-                                          <p:spTgt spid="175"/>
+                                          <p:spTgt spid="178"/>
                                         </p:tgtEl>
                                         <p:attrNameLst>
                                           <p:attrName>ppt_x</p:attrName>
@@ -7752,7 +7878,7 @@
                                       <p:cBhvr>
                                         <p:cTn id="10" dur="1000" fill="hold"/>
                                         <p:tgtEl>
-                                          <p:spTgt spid="175"/>
+                                          <p:spTgt spid="178"/>
                                         </p:tgtEl>
                                         <p:attrNameLst>
                                           <p:attrName>ppt_y</p:attrName>
@@ -7796,7 +7922,7 @@
                                       <p:cBhvr>
                                         <p:cTn id="13" fill="hold"/>
                                         <p:tgtEl>
-                                          <p:spTgt spid="176"/>
+                                          <p:spTgt spid="179"/>
                                         </p:tgtEl>
                                         <p:attrNameLst>
                                           <p:attrName>style.visibility</p:attrName>
@@ -7810,7 +7936,7 @@
                                       <p:cBhvr>
                                         <p:cTn id="14" dur="1000" fill="hold"/>
                                         <p:tgtEl>
-                                          <p:spTgt spid="176"/>
+                                          <p:spTgt spid="179"/>
                                         </p:tgtEl>
                                         <p:attrNameLst>
                                           <p:attrName>ppt_w</p:attrName>
@@ -7833,7 +7959,7 @@
                                       <p:cBhvr>
                                         <p:cTn id="15" dur="1000" fill="hold"/>
                                         <p:tgtEl>
-                                          <p:spTgt spid="176"/>
+                                          <p:spTgt spid="179"/>
                                         </p:tgtEl>
                                         <p:attrNameLst>
                                           <p:attrName>ppt_h</p:attrName>
@@ -7856,7 +7982,7 @@
                                       <p:cBhvr>
                                         <p:cTn id="16" dur="1000" fill="hold"/>
                                         <p:tgtEl>
-                                          <p:spTgt spid="176"/>
+                                          <p:spTgt spid="179"/>
                                         </p:tgtEl>
                                         <p:attrNameLst>
                                           <p:attrName>ppt_x</p:attrName>
@@ -7879,7 +8005,7 @@
                                       <p:cBhvr>
                                         <p:cTn id="17" dur="1000" fill="hold"/>
                                         <p:tgtEl>
-                                          <p:spTgt spid="176"/>
+                                          <p:spTgt spid="179"/>
                                         </p:tgtEl>
                                         <p:attrNameLst>
                                           <p:attrName>ppt_y</p:attrName>
@@ -7929,8 +8055,8 @@
       </p:par>
     </p:tnLst>
     <p:bldLst>
-      <p:bldP build="whole" bldLvl="1" animBg="1" rev="0" advAuto="0" spid="175" grpId="1"/>
-      <p:bldP build="whole" bldLvl="1" animBg="1" rev="0" advAuto="0" spid="176" grpId="2"/>
+      <p:bldP build="whole" bldLvl="1" animBg="1" rev="0" advAuto="0" spid="178" grpId="1"/>
+      <p:bldP build="whole" bldLvl="1" animBg="1" rev="0" advAuto="0" spid="179" grpId="2"/>
     </p:bldLst>
   </p:timing>
 </p:sld>
@@ -7942,7 +8068,7 @@
     <p:bg>
       <p:bgPr>
         <a:solidFill>
-          <a:srgbClr val="0433FF"/>
+          <a:srgbClr val="0096FF"/>
         </a:solidFill>
       </p:bgPr>
     </p:bg>
@@ -7962,7 +8088,7 @@
       </p:grpSpPr>
       <p:pic>
         <p:nvPicPr>
-          <p:cNvPr id="179" name="nexus4_portrait.png"/>
+          <p:cNvPr id="182" name="nexus4_portrait.png"/>
           <p:cNvPicPr>
             <a:picLocks noChangeAspect="1"/>
           </p:cNvPicPr>
@@ -7991,7 +8117,7 @@
       </p:pic>
       <p:pic>
         <p:nvPicPr>
-          <p:cNvPr id="180" name="nexus4_portrait.png"/>
+          <p:cNvPr id="183" name="nexus4_portrait.png"/>
           <p:cNvPicPr>
             <a:picLocks noChangeAspect="1"/>
           </p:cNvPicPr>
@@ -8020,7 +8146,7 @@
       </p:pic>
       <p:pic>
         <p:nvPicPr>
-          <p:cNvPr id="181" name="nexus4_portrait.png"/>
+          <p:cNvPr id="184" name="nexus4_portrait.png"/>
           <p:cNvPicPr>
             <a:picLocks noChangeAspect="1"/>
           </p:cNvPicPr>
@@ -8049,7 +8175,7 @@
       </p:pic>
       <p:pic>
         <p:nvPicPr>
-          <p:cNvPr id="182" name="nexus4_portrait.png"/>
+          <p:cNvPr id="185" name="nexus4_portrait.png"/>
           <p:cNvPicPr>
             <a:picLocks noChangeAspect="1"/>
           </p:cNvPicPr>
@@ -8078,7 +8204,7 @@
       </p:pic>
       <p:sp>
         <p:nvSpPr>
-          <p:cNvPr id="183" name="Shape 183"/>
+          <p:cNvPr id="186" name="Shape 186"/>
           <p:cNvSpPr/>
           <p:nvPr/>
         </p:nvSpPr>
@@ -8126,7 +8252,7 @@
       </p:sp>
       <p:sp>
         <p:nvSpPr>
-          <p:cNvPr id="184" name="Shape 184"/>
+          <p:cNvPr id="187" name="Shape 187"/>
           <p:cNvSpPr/>
           <p:nvPr/>
         </p:nvSpPr>
@@ -8174,7 +8300,7 @@
       </p:sp>
       <p:sp>
         <p:nvSpPr>
-          <p:cNvPr id="185" name="Shape 185"/>
+          <p:cNvPr id="188" name="Shape 188"/>
           <p:cNvSpPr/>
           <p:nvPr/>
         </p:nvSpPr>
@@ -8222,7 +8348,7 @@
       </p:sp>
       <p:sp>
         <p:nvSpPr>
-          <p:cNvPr id="186" name="Shape 186"/>
+          <p:cNvPr id="189" name="Shape 189"/>
           <p:cNvSpPr/>
           <p:nvPr/>
         </p:nvSpPr>
@@ -8268,99 +8394,22 @@
           </a:p>
         </p:txBody>
       </p:sp>
-      <p:pic>
-        <p:nvPicPr>
-          <p:cNvPr id="187" name="world-world-hi.png"/>
-          <p:cNvPicPr>
-            <a:picLocks noChangeAspect="0"/>
-          </p:cNvPicPr>
-          <p:nvPr/>
-        </p:nvPicPr>
-        <p:blipFill>
-          <a:blip r:embed="rId3">
-            <a:extLst/>
-          </a:blip>
-          <a:stretch>
-            <a:fillRect/>
-          </a:stretch>
-        </p:blipFill>
-        <p:spPr>
-          <a:xfrm>
-            <a:off x="1154532" y="3460188"/>
-            <a:ext cx="1464823" cy="1367714"/>
-          </a:xfrm>
-          <a:prstGeom prst="rect">
-            <a:avLst/>
-          </a:prstGeom>
-          <a:ln w="12700">
-            <a:miter lim="400000"/>
-          </a:ln>
-        </p:spPr>
-      </p:pic>
       <p:sp>
         <p:nvSpPr>
-          <p:cNvPr id="188" name="Shape 188"/>
+          <p:cNvPr id="190" name="Shape 190"/>
           <p:cNvSpPr/>
           <p:nvPr/>
         </p:nvSpPr>
         <p:spPr>
           <a:xfrm>
-            <a:off x="1091455" y="3052066"/>
-            <a:ext cx="1588263" cy="360681"/>
-          </a:xfrm>
-          <a:prstGeom prst="rect">
-            <a:avLst/>
-          </a:prstGeom>
-          <a:ln w="12700">
-            <a:miter lim="400000"/>
-          </a:ln>
-          <a:extLst>
-            <a:ext uri="{C572A759-6A51-4108-AA02-DFA0A04FC94B}">
-              <ma14:wrappingTextBoxFlag xmlns:ma14="http://schemas.microsoft.com/office/mac/drawingml/2011/main" val="1"/>
-            </a:ext>
-          </a:extLst>
-        </p:spPr>
-        <p:txBody>
-          <a:bodyPr wrap="none" lIns="50800" tIns="50800" rIns="50800" bIns="50800" anchor="ctr">
-            <a:spAutoFit/>
-          </a:bodyPr>
-          <a:lstStyle>
-            <a:lvl1pPr>
-              <a:defRPr>
-                <a:solidFill>
-                  <a:srgbClr val="000000"/>
-                </a:solidFill>
-                <a:latin typeface="Heiti TC Light"/>
-                <a:ea typeface="Heiti TC Light"/>
-                <a:cs typeface="Heiti TC Light"/>
-                <a:sym typeface="Heiti TC Light"/>
-              </a:defRPr>
-            </a:lvl1pPr>
-          </a:lstStyle>
-          <a:p>
-            <a:pPr/>
-            <a:r>
-              <a:t>PocketTopo</a:t>
-            </a:r>
-          </a:p>
-        </p:txBody>
-      </p:sp>
-      <p:sp>
-        <p:nvSpPr>
-          <p:cNvPr id="189" name="Shape 189"/>
-          <p:cNvSpPr/>
-          <p:nvPr/>
-        </p:nvSpPr>
-        <p:spPr>
-          <a:xfrm>
-            <a:off x="1062747" y="4876799"/>
-            <a:ext cx="1645680" cy="513258"/>
+            <a:off x="794645" y="2971799"/>
+            <a:ext cx="2251175" cy="3810001"/>
           </a:xfrm>
           <a:prstGeom prst="rect">
             <a:avLst/>
           </a:prstGeom>
           <a:solidFill>
-            <a:srgbClr val="000000"/>
+            <a:srgbClr val="0433FF"/>
           </a:solidFill>
           <a:ln w="12700">
             <a:miter lim="400000"/>
@@ -8390,96 +8439,35 @@
           </a:p>
         </p:txBody>
       </p:sp>
-      <p:sp>
-        <p:nvSpPr>
-          <p:cNvPr id="190" name="Shape 190"/>
-          <p:cNvSpPr/>
+      <p:pic>
+        <p:nvPicPr>
+          <p:cNvPr id="191" name="world-world-hi.png"/>
+          <p:cNvPicPr>
+            <a:picLocks noChangeAspect="0"/>
+          </p:cNvPicPr>
           <p:nvPr/>
-        </p:nvSpPr>
+        </p:nvPicPr>
+        <p:blipFill>
+          <a:blip r:embed="rId3">
+            <a:extLst/>
+          </a:blip>
+          <a:stretch>
+            <a:fillRect/>
+          </a:stretch>
+        </p:blipFill>
         <p:spPr>
           <a:xfrm>
-            <a:off x="1064125" y="5488164"/>
-            <a:ext cx="1645680" cy="513257"/>
+            <a:off x="1127481" y="4276332"/>
+            <a:ext cx="1464823" cy="1367715"/>
           </a:xfrm>
           <a:prstGeom prst="rect">
             <a:avLst/>
           </a:prstGeom>
-          <a:solidFill>
-            <a:srgbClr val="000000"/>
-          </a:solidFill>
           <a:ln w="12700">
             <a:miter lim="400000"/>
           </a:ln>
         </p:spPr>
-        <p:txBody>
-          <a:bodyPr lIns="50800" tIns="50800" rIns="50800" bIns="50800" anchor="ctr"/>
-          <a:lstStyle/>
-          <a:p>
-            <a:pPr algn="ctr">
-              <a:lnSpc>
-                <a:spcPct val="80000"/>
-              </a:lnSpc>
-              <a:spcBef>
-                <a:spcPts val="0"/>
-              </a:spcBef>
-              <a:defRPr cap="all" sz="2800">
-                <a:solidFill>
-                  <a:srgbClr val="FFFFFF"/>
-                </a:solidFill>
-                <a:latin typeface="+mn-lt"/>
-                <a:ea typeface="+mn-ea"/>
-                <a:cs typeface="+mn-cs"/>
-                <a:sym typeface="DIN Condensed"/>
-              </a:defRPr>
-            </a:pPr>
-          </a:p>
-        </p:txBody>
-      </p:sp>
-      <p:sp>
-        <p:nvSpPr>
-          <p:cNvPr id="191" name="Shape 191"/>
-          <p:cNvSpPr/>
-          <p:nvPr/>
-        </p:nvSpPr>
-        <p:spPr>
-          <a:xfrm>
-            <a:off x="1064125" y="6099528"/>
-            <a:ext cx="1645680" cy="513257"/>
-          </a:xfrm>
-          <a:prstGeom prst="rect">
-            <a:avLst/>
-          </a:prstGeom>
-          <a:solidFill>
-            <a:srgbClr val="000000"/>
-          </a:solidFill>
-          <a:ln w="12700">
-            <a:miter lim="400000"/>
-          </a:ln>
-        </p:spPr>
-        <p:txBody>
-          <a:bodyPr lIns="50800" tIns="50800" rIns="50800" bIns="50800" anchor="ctr"/>
-          <a:lstStyle/>
-          <a:p>
-            <a:pPr algn="ctr">
-              <a:lnSpc>
-                <a:spcPct val="80000"/>
-              </a:lnSpc>
-              <a:spcBef>
-                <a:spcPts val="0"/>
-              </a:spcBef>
-              <a:defRPr cap="all" sz="2800">
-                <a:solidFill>
-                  <a:srgbClr val="FFFFFF"/>
-                </a:solidFill>
-                <a:latin typeface="+mn-lt"/>
-                <a:ea typeface="+mn-ea"/>
-                <a:cs typeface="+mn-cs"/>
-                <a:sym typeface="DIN Condensed"/>
-              </a:defRPr>
-            </a:pPr>
-          </a:p>
-        </p:txBody>
-      </p:sp>
+      </p:pic>
       <p:sp>
         <p:nvSpPr>
           <p:cNvPr id="192" name="Shape 192"/>
@@ -8488,8 +8476,8 @@
         </p:nvSpPr>
         <p:spPr>
           <a:xfrm>
-            <a:off x="1193850" y="4977651"/>
-            <a:ext cx="899923" cy="360682"/>
+            <a:off x="1091455" y="3052066"/>
+            <a:ext cx="1588263" cy="360681"/>
           </a:xfrm>
           <a:prstGeom prst="rect">
             <a:avLst/>
@@ -8523,7 +8511,7 @@
           <a:p>
             <a:pPr/>
             <a:r>
-              <a:t>Oefen</a:t>
+              <a:t>PocketTopo</a:t>
             </a:r>
           </a:p>
         </p:txBody>
@@ -8536,43 +8524,40 @@
         </p:nvSpPr>
         <p:spPr>
           <a:xfrm>
-            <a:off x="1246900" y="5581641"/>
-            <a:ext cx="1053339" cy="360681"/>
+            <a:off x="4087003" y="2971799"/>
+            <a:ext cx="2251175" cy="3810001"/>
           </a:xfrm>
           <a:prstGeom prst="rect">
             <a:avLst/>
           </a:prstGeom>
+          <a:solidFill>
+            <a:srgbClr val="0433FF"/>
+          </a:solidFill>
           <a:ln w="12700">
             <a:miter lim="400000"/>
           </a:ln>
-          <a:extLst>
-            <a:ext uri="{C572A759-6A51-4108-AA02-DFA0A04FC94B}">
-              <ma14:wrappingTextBoxFlag xmlns:ma14="http://schemas.microsoft.com/office/mac/drawingml/2011/main" val="1"/>
-            </a:ext>
-          </a:extLst>
         </p:spPr>
         <p:txBody>
-          <a:bodyPr wrap="none" lIns="50800" tIns="50800" rIns="50800" bIns="50800" anchor="ctr">
-            <a:spAutoFit/>
-          </a:bodyPr>
-          <a:lstStyle>
-            <a:lvl1pPr>
-              <a:defRPr>
+          <a:bodyPr lIns="50800" tIns="50800" rIns="50800" bIns="50800" anchor="ctr"/>
+          <a:lstStyle/>
+          <a:p>
+            <a:pPr algn="ctr">
+              <a:lnSpc>
+                <a:spcPct val="80000"/>
+              </a:lnSpc>
+              <a:spcBef>
+                <a:spcPts val="0"/>
+              </a:spcBef>
+              <a:defRPr cap="all" sz="2800">
                 <a:solidFill>
                   <a:srgbClr val="FFFFFF"/>
                 </a:solidFill>
-                <a:latin typeface="Heiti TC Light"/>
-                <a:ea typeface="Heiti TC Light"/>
-                <a:cs typeface="Heiti TC Light"/>
-                <a:sym typeface="Heiti TC Light"/>
+                <a:latin typeface="+mn-lt"/>
+                <a:ea typeface="+mn-ea"/>
+                <a:cs typeface="+mn-cs"/>
+                <a:sym typeface="DIN Condensed"/>
               </a:defRPr>
-            </a:lvl1pPr>
-          </a:lstStyle>
-          <a:p>
-            <a:pPr/>
-            <a:r>
-              <a:t>Settings</a:t>
-            </a:r>
+            </a:pPr>
           </a:p>
         </p:txBody>
       </p:sp>
@@ -8584,43 +8569,40 @@
         </p:nvSpPr>
         <p:spPr>
           <a:xfrm>
-            <a:off x="1246900" y="6175816"/>
-            <a:ext cx="572771" cy="360681"/>
+            <a:off x="1062747" y="3703199"/>
+            <a:ext cx="1645680" cy="513257"/>
           </a:xfrm>
           <a:prstGeom prst="rect">
             <a:avLst/>
           </a:prstGeom>
+          <a:solidFill>
+            <a:srgbClr val="FFFFFF"/>
+          </a:solidFill>
           <a:ln w="12700">
             <a:miter lim="400000"/>
           </a:ln>
-          <a:extLst>
-            <a:ext uri="{C572A759-6A51-4108-AA02-DFA0A04FC94B}">
-              <ma14:wrappingTextBoxFlag xmlns:ma14="http://schemas.microsoft.com/office/mac/drawingml/2011/main" val="1"/>
-            </a:ext>
-          </a:extLst>
         </p:spPr>
         <p:txBody>
-          <a:bodyPr wrap="none" lIns="50800" tIns="50800" rIns="50800" bIns="50800" anchor="ctr">
-            <a:spAutoFit/>
-          </a:bodyPr>
-          <a:lstStyle>
-            <a:lvl1pPr>
-              <a:defRPr>
+          <a:bodyPr lIns="50800" tIns="50800" rIns="50800" bIns="50800" anchor="ctr"/>
+          <a:lstStyle/>
+          <a:p>
+            <a:pPr algn="ctr">
+              <a:lnSpc>
+                <a:spcPct val="80000"/>
+              </a:lnSpc>
+              <a:spcBef>
+                <a:spcPts val="0"/>
+              </a:spcBef>
+              <a:defRPr cap="all" sz="2800">
                 <a:solidFill>
                   <a:srgbClr val="FFFFFF"/>
                 </a:solidFill>
-                <a:latin typeface="Heiti TC Light"/>
-                <a:ea typeface="Heiti TC Light"/>
-                <a:cs typeface="Heiti TC Light"/>
-                <a:sym typeface="Heiti TC Light"/>
+                <a:latin typeface="+mn-lt"/>
+                <a:ea typeface="+mn-ea"/>
+                <a:cs typeface="+mn-cs"/>
+                <a:sym typeface="DIN Condensed"/>
               </a:defRPr>
-            </a:lvl1pPr>
-          </a:lstStyle>
-          <a:p>
-            <a:pPr/>
-            <a:r>
-              <a:t>Info</a:t>
-            </a:r>
+            </a:pPr>
           </a:p>
         </p:txBody>
       </p:sp>
@@ -8632,14 +8614,14 @@
         </p:nvSpPr>
         <p:spPr>
           <a:xfrm>
-            <a:off x="4214034" y="3535233"/>
-            <a:ext cx="347545" cy="360681"/>
+            <a:off x="1064125" y="4700764"/>
+            <a:ext cx="1645680" cy="513257"/>
           </a:xfrm>
           <a:prstGeom prst="rect">
             <a:avLst/>
           </a:prstGeom>
           <a:solidFill>
-            <a:srgbClr val="000000"/>
+            <a:srgbClr val="FFFFFF"/>
           </a:solidFill>
           <a:ln w="12700">
             <a:miter lim="400000"/>
@@ -8677,14 +8659,14 @@
         </p:nvSpPr>
         <p:spPr>
           <a:xfrm>
-            <a:off x="4214034" y="3963663"/>
-            <a:ext cx="347545" cy="360682"/>
+            <a:off x="1037074" y="5743928"/>
+            <a:ext cx="1645680" cy="513257"/>
           </a:xfrm>
           <a:prstGeom prst="rect">
             <a:avLst/>
           </a:prstGeom>
           <a:solidFill>
-            <a:srgbClr val="000000"/>
+            <a:srgbClr val="FFFFFF"/>
           </a:solidFill>
           <a:ln w="12700">
             <a:miter lim="400000"/>
@@ -8722,53 +8704,8 @@
         </p:nvSpPr>
         <p:spPr>
           <a:xfrm>
-            <a:off x="4214034" y="4392094"/>
-            <a:ext cx="347545" cy="360681"/>
-          </a:xfrm>
-          <a:prstGeom prst="rect">
-            <a:avLst/>
-          </a:prstGeom>
-          <a:solidFill>
-            <a:srgbClr val="000000"/>
-          </a:solidFill>
-          <a:ln w="12700">
-            <a:miter lim="400000"/>
-          </a:ln>
-        </p:spPr>
-        <p:txBody>
-          <a:bodyPr lIns="50800" tIns="50800" rIns="50800" bIns="50800" anchor="ctr"/>
-          <a:lstStyle/>
-          <a:p>
-            <a:pPr algn="ctr">
-              <a:lnSpc>
-                <a:spcPct val="80000"/>
-              </a:lnSpc>
-              <a:spcBef>
-                <a:spcPts val="0"/>
-              </a:spcBef>
-              <a:defRPr cap="all" sz="2800">
-                <a:solidFill>
-                  <a:srgbClr val="FFFFFF"/>
-                </a:solidFill>
-                <a:latin typeface="+mn-lt"/>
-                <a:ea typeface="+mn-ea"/>
-                <a:cs typeface="+mn-cs"/>
-                <a:sym typeface="DIN Condensed"/>
-              </a:defRPr>
-            </a:pPr>
-          </a:p>
-        </p:txBody>
-      </p:sp>
-      <p:sp>
-        <p:nvSpPr>
-          <p:cNvPr id="198" name="Shape 198"/>
-          <p:cNvSpPr/>
-          <p:nvPr/>
-        </p:nvSpPr>
-        <p:spPr>
-          <a:xfrm>
-            <a:off x="4636777" y="3535233"/>
-            <a:ext cx="1332739" cy="360681"/>
+            <a:off x="1323465" y="3779487"/>
+            <a:ext cx="899923" cy="360681"/>
           </a:xfrm>
           <a:prstGeom prst="rect">
             <a:avLst/>
@@ -8802,21 +8739,21 @@
           <a:p>
             <a:pPr/>
             <a:r>
-              <a:t>Provincies</a:t>
+              <a:t>Oefen</a:t>
             </a:r>
           </a:p>
         </p:txBody>
       </p:sp>
       <p:sp>
         <p:nvSpPr>
-          <p:cNvPr id="199" name="Shape 199"/>
+          <p:cNvPr id="198" name="Shape 198"/>
           <p:cNvSpPr/>
           <p:nvPr/>
         </p:nvSpPr>
         <p:spPr>
           <a:xfrm>
-            <a:off x="4638140" y="3963663"/>
-            <a:ext cx="986029" cy="360682"/>
+            <a:off x="1246900" y="4794241"/>
+            <a:ext cx="1053339" cy="360681"/>
           </a:xfrm>
           <a:prstGeom prst="rect">
             <a:avLst/>
@@ -8850,21 +8787,21 @@
           <a:p>
             <a:pPr/>
             <a:r>
-              <a:t>Steden</a:t>
+              <a:t>Settings</a:t>
             </a:r>
           </a:p>
         </p:txBody>
       </p:sp>
       <p:sp>
         <p:nvSpPr>
-          <p:cNvPr id="200" name="Shape 200"/>
+          <p:cNvPr id="199" name="Shape 199"/>
           <p:cNvSpPr/>
           <p:nvPr/>
         </p:nvSpPr>
         <p:spPr>
           <a:xfrm>
-            <a:off x="4638140" y="4392094"/>
-            <a:ext cx="1179323" cy="360681"/>
+            <a:off x="1513600" y="5820216"/>
+            <a:ext cx="572771" cy="360681"/>
           </a:xfrm>
           <a:prstGeom prst="rect">
             <a:avLst/>
@@ -8898,40 +8835,101 @@
           <a:p>
             <a:pPr/>
             <a:r>
-              <a:t>Wateren</a:t>
+              <a:t>Info</a:t>
             </a:r>
           </a:p>
         </p:txBody>
       </p:sp>
-      <p:pic>
-        <p:nvPicPr>
-          <p:cNvPr id="201" name="6cr674Lzi.png"/>
-          <p:cNvPicPr>
-            <a:picLocks noChangeAspect="0"/>
-          </p:cNvPicPr>
+      <p:sp>
+        <p:nvSpPr>
+          <p:cNvPr id="200" name="Shape 200"/>
+          <p:cNvSpPr/>
           <p:nvPr/>
-        </p:nvPicPr>
-        <p:blipFill>
-          <a:blip r:embed="rId4">
-            <a:extLst/>
-          </a:blip>
-          <a:stretch>
-            <a:fillRect/>
-          </a:stretch>
-        </p:blipFill>
+        </p:nvSpPr>
         <p:spPr>
           <a:xfrm>
-            <a:off x="4300725" y="3605393"/>
-            <a:ext cx="174162" cy="220361"/>
+            <a:off x="4214034" y="3535233"/>
+            <a:ext cx="347545" cy="360681"/>
           </a:xfrm>
           <a:prstGeom prst="rect">
             <a:avLst/>
           </a:prstGeom>
+          <a:solidFill>
+            <a:srgbClr val="FFFFFF"/>
+          </a:solidFill>
           <a:ln w="12700">
             <a:miter lim="400000"/>
           </a:ln>
         </p:spPr>
-      </p:pic>
+        <p:txBody>
+          <a:bodyPr lIns="50800" tIns="50800" rIns="50800" bIns="50800" anchor="ctr"/>
+          <a:lstStyle/>
+          <a:p>
+            <a:pPr algn="ctr">
+              <a:lnSpc>
+                <a:spcPct val="80000"/>
+              </a:lnSpc>
+              <a:spcBef>
+                <a:spcPts val="0"/>
+              </a:spcBef>
+              <a:defRPr cap="all" sz="2800">
+                <a:solidFill>
+                  <a:srgbClr val="FFFFFF"/>
+                </a:solidFill>
+                <a:latin typeface="+mn-lt"/>
+                <a:ea typeface="+mn-ea"/>
+                <a:cs typeface="+mn-cs"/>
+                <a:sym typeface="DIN Condensed"/>
+              </a:defRPr>
+            </a:pPr>
+          </a:p>
+        </p:txBody>
+      </p:sp>
+      <p:sp>
+        <p:nvSpPr>
+          <p:cNvPr id="201" name="Shape 201"/>
+          <p:cNvSpPr/>
+          <p:nvPr/>
+        </p:nvSpPr>
+        <p:spPr>
+          <a:xfrm>
+            <a:off x="4214034" y="3963663"/>
+            <a:ext cx="347545" cy="360682"/>
+          </a:xfrm>
+          <a:prstGeom prst="rect">
+            <a:avLst/>
+          </a:prstGeom>
+          <a:solidFill>
+            <a:srgbClr val="FFFFFF"/>
+          </a:solidFill>
+          <a:ln w="12700">
+            <a:miter lim="400000"/>
+          </a:ln>
+        </p:spPr>
+        <p:txBody>
+          <a:bodyPr lIns="50800" tIns="50800" rIns="50800" bIns="50800" anchor="ctr"/>
+          <a:lstStyle/>
+          <a:p>
+            <a:pPr algn="ctr">
+              <a:lnSpc>
+                <a:spcPct val="80000"/>
+              </a:lnSpc>
+              <a:spcBef>
+                <a:spcPts val="0"/>
+              </a:spcBef>
+              <a:defRPr cap="all" sz="2800">
+                <a:solidFill>
+                  <a:srgbClr val="FFFFFF"/>
+                </a:solidFill>
+                <a:latin typeface="+mn-lt"/>
+                <a:ea typeface="+mn-ea"/>
+                <a:cs typeface="+mn-cs"/>
+                <a:sym typeface="DIN Condensed"/>
+              </a:defRPr>
+            </a:pPr>
+          </a:p>
+        </p:txBody>
+      </p:sp>
       <p:sp>
         <p:nvSpPr>
           <p:cNvPr id="202" name="Shape 202"/>
@@ -8940,14 +8938,14 @@
         </p:nvSpPr>
         <p:spPr>
           <a:xfrm>
-            <a:off x="7237956" y="4392094"/>
-            <a:ext cx="347546" cy="360681"/>
+            <a:off x="4214034" y="4392094"/>
+            <a:ext cx="347545" cy="360681"/>
           </a:xfrm>
           <a:prstGeom prst="rect">
             <a:avLst/>
           </a:prstGeom>
           <a:solidFill>
-            <a:srgbClr val="000000"/>
+            <a:srgbClr val="FFFFFF"/>
           </a:solidFill>
           <a:ln w="12700">
             <a:miter lim="400000"/>
@@ -8985,175 +8983,8 @@
         </p:nvSpPr>
         <p:spPr>
           <a:xfrm>
-            <a:off x="7237775" y="3535233"/>
-            <a:ext cx="347545" cy="360681"/>
-          </a:xfrm>
-          <a:prstGeom prst="rect">
-            <a:avLst/>
-          </a:prstGeom>
-          <a:solidFill>
-            <a:srgbClr val="000000"/>
-          </a:solidFill>
-          <a:ln w="12700">
-            <a:miter lim="400000"/>
-          </a:ln>
-        </p:spPr>
-        <p:txBody>
-          <a:bodyPr lIns="50800" tIns="50800" rIns="50800" bIns="50800" anchor="ctr"/>
-          <a:lstStyle/>
-          <a:p>
-            <a:pPr algn="ctr">
-              <a:lnSpc>
-                <a:spcPct val="80000"/>
-              </a:lnSpc>
-              <a:spcBef>
-                <a:spcPts val="0"/>
-              </a:spcBef>
-              <a:defRPr cap="all" sz="2800">
-                <a:solidFill>
-                  <a:srgbClr val="FFFFFF"/>
-                </a:solidFill>
-                <a:latin typeface="+mn-lt"/>
-                <a:ea typeface="+mn-ea"/>
-                <a:cs typeface="+mn-cs"/>
-                <a:sym typeface="DIN Condensed"/>
-              </a:defRPr>
-            </a:pPr>
-          </a:p>
-        </p:txBody>
-      </p:sp>
-      <p:pic>
-        <p:nvPicPr>
-          <p:cNvPr id="204" name="6cr674Lzi.png"/>
-          <p:cNvPicPr>
-            <a:picLocks noChangeAspect="0"/>
-          </p:cNvPicPr>
-          <p:nvPr/>
-        </p:nvPicPr>
-        <p:blipFill>
-          <a:blip r:embed="rId4">
-            <a:extLst/>
-          </a:blip>
-          <a:stretch>
-            <a:fillRect/>
-          </a:stretch>
-        </p:blipFill>
-        <p:spPr>
-          <a:xfrm>
-            <a:off x="7324648" y="3605393"/>
-            <a:ext cx="174162" cy="220361"/>
-          </a:xfrm>
-          <a:prstGeom prst="rect">
-            <a:avLst/>
-          </a:prstGeom>
-          <a:ln w="12700">
-            <a:miter lim="400000"/>
-          </a:ln>
-        </p:spPr>
-      </p:pic>
-      <p:sp>
-        <p:nvSpPr>
-          <p:cNvPr id="205" name="Shape 205"/>
-          <p:cNvSpPr/>
-          <p:nvPr/>
-        </p:nvSpPr>
-        <p:spPr>
-          <a:xfrm>
-            <a:off x="7646883" y="3535233"/>
-            <a:ext cx="930911" cy="360681"/>
-          </a:xfrm>
-          <a:prstGeom prst="rect">
-            <a:avLst/>
-          </a:prstGeom>
-          <a:ln w="12700">
-            <a:miter lim="400000"/>
-          </a:ln>
-          <a:extLst>
-            <a:ext uri="{C572A759-6A51-4108-AA02-DFA0A04FC94B}">
-              <ma14:wrappingTextBoxFlag xmlns:ma14="http://schemas.microsoft.com/office/mac/drawingml/2011/main" val="1"/>
-            </a:ext>
-          </a:extLst>
-        </p:spPr>
-        <p:txBody>
-          <a:bodyPr wrap="none" lIns="50800" tIns="50800" rIns="50800" bIns="50800" anchor="ctr">
-            <a:spAutoFit/>
-          </a:bodyPr>
-          <a:lstStyle>
-            <a:lvl1pPr>
-              <a:defRPr>
-                <a:solidFill>
-                  <a:srgbClr val="000000"/>
-                </a:solidFill>
-                <a:latin typeface="Heiti TC Light"/>
-                <a:ea typeface="Heiti TC Light"/>
-                <a:cs typeface="Heiti TC Light"/>
-                <a:sym typeface="Heiti TC Light"/>
-              </a:defRPr>
-            </a:lvl1pPr>
-          </a:lstStyle>
-          <a:p>
-            <a:pPr/>
-            <a:r>
-              <a:t>Geluid</a:t>
-            </a:r>
-          </a:p>
-        </p:txBody>
-      </p:sp>
-      <p:sp>
-        <p:nvSpPr>
-          <p:cNvPr id="206" name="Shape 206"/>
-          <p:cNvSpPr/>
-          <p:nvPr/>
-        </p:nvSpPr>
-        <p:spPr>
-          <a:xfrm>
-            <a:off x="4443403" y="5832292"/>
-            <a:ext cx="1464867" cy="513257"/>
-          </a:xfrm>
-          <a:prstGeom prst="rect">
-            <a:avLst/>
-          </a:prstGeom>
-          <a:solidFill>
-            <a:srgbClr val="000000"/>
-          </a:solidFill>
-          <a:ln w="12700">
-            <a:miter lim="400000"/>
-          </a:ln>
-        </p:spPr>
-        <p:txBody>
-          <a:bodyPr lIns="50800" tIns="50800" rIns="50800" bIns="50800" anchor="ctr"/>
-          <a:lstStyle/>
-          <a:p>
-            <a:pPr algn="ctr">
-              <a:lnSpc>
-                <a:spcPct val="80000"/>
-              </a:lnSpc>
-              <a:spcBef>
-                <a:spcPts val="0"/>
-              </a:spcBef>
-              <a:defRPr cap="all" sz="2800">
-                <a:solidFill>
-                  <a:srgbClr val="FFFFFF"/>
-                </a:solidFill>
-                <a:latin typeface="+mn-lt"/>
-                <a:ea typeface="+mn-ea"/>
-                <a:cs typeface="+mn-cs"/>
-                <a:sym typeface="DIN Condensed"/>
-              </a:defRPr>
-            </a:pPr>
-          </a:p>
-        </p:txBody>
-      </p:sp>
-      <p:sp>
-        <p:nvSpPr>
-          <p:cNvPr id="207" name="Shape 207"/>
-          <p:cNvSpPr/>
-          <p:nvPr/>
-        </p:nvSpPr>
-        <p:spPr>
-          <a:xfrm>
-            <a:off x="4725875" y="5908580"/>
-            <a:ext cx="737871" cy="360681"/>
+            <a:off x="4636777" y="3535233"/>
+            <a:ext cx="1332739" cy="360681"/>
           </a:xfrm>
           <a:prstGeom prst="rect">
             <a:avLst/>
@@ -9187,8 +9018,178 @@
           <a:p>
             <a:pPr/>
             <a:r>
-              <a:t>Start!</a:t>
+              <a:t>Provincies</a:t>
             </a:r>
+          </a:p>
+        </p:txBody>
+      </p:sp>
+      <p:sp>
+        <p:nvSpPr>
+          <p:cNvPr id="204" name="Shape 204"/>
+          <p:cNvSpPr/>
+          <p:nvPr/>
+        </p:nvSpPr>
+        <p:spPr>
+          <a:xfrm>
+            <a:off x="4638140" y="3963663"/>
+            <a:ext cx="986029" cy="360682"/>
+          </a:xfrm>
+          <a:prstGeom prst="rect">
+            <a:avLst/>
+          </a:prstGeom>
+          <a:ln w="12700">
+            <a:miter lim="400000"/>
+          </a:ln>
+          <a:extLst>
+            <a:ext uri="{C572A759-6A51-4108-AA02-DFA0A04FC94B}">
+              <ma14:wrappingTextBoxFlag xmlns:ma14="http://schemas.microsoft.com/office/mac/drawingml/2011/main" val="1"/>
+            </a:ext>
+          </a:extLst>
+        </p:spPr>
+        <p:txBody>
+          <a:bodyPr wrap="none" lIns="50800" tIns="50800" rIns="50800" bIns="50800" anchor="ctr">
+            <a:spAutoFit/>
+          </a:bodyPr>
+          <a:lstStyle>
+            <a:lvl1pPr>
+              <a:defRPr>
+                <a:solidFill>
+                  <a:srgbClr val="FFFFFF"/>
+                </a:solidFill>
+                <a:latin typeface="Heiti TC Light"/>
+                <a:ea typeface="Heiti TC Light"/>
+                <a:cs typeface="Heiti TC Light"/>
+                <a:sym typeface="Heiti TC Light"/>
+              </a:defRPr>
+            </a:lvl1pPr>
+          </a:lstStyle>
+          <a:p>
+            <a:pPr/>
+            <a:r>
+              <a:t>Steden</a:t>
+            </a:r>
+          </a:p>
+        </p:txBody>
+      </p:sp>
+      <p:sp>
+        <p:nvSpPr>
+          <p:cNvPr id="205" name="Shape 205"/>
+          <p:cNvSpPr/>
+          <p:nvPr/>
+        </p:nvSpPr>
+        <p:spPr>
+          <a:xfrm>
+            <a:off x="4638140" y="4392094"/>
+            <a:ext cx="1179323" cy="360681"/>
+          </a:xfrm>
+          <a:prstGeom prst="rect">
+            <a:avLst/>
+          </a:prstGeom>
+          <a:ln w="12700">
+            <a:miter lim="400000"/>
+          </a:ln>
+          <a:extLst>
+            <a:ext uri="{C572A759-6A51-4108-AA02-DFA0A04FC94B}">
+              <ma14:wrappingTextBoxFlag xmlns:ma14="http://schemas.microsoft.com/office/mac/drawingml/2011/main" val="1"/>
+            </a:ext>
+          </a:extLst>
+        </p:spPr>
+        <p:txBody>
+          <a:bodyPr wrap="none" lIns="50800" tIns="50800" rIns="50800" bIns="50800" anchor="ctr">
+            <a:spAutoFit/>
+          </a:bodyPr>
+          <a:lstStyle>
+            <a:lvl1pPr>
+              <a:defRPr>
+                <a:solidFill>
+                  <a:srgbClr val="FFFFFF"/>
+                </a:solidFill>
+                <a:latin typeface="Heiti TC Light"/>
+                <a:ea typeface="Heiti TC Light"/>
+                <a:cs typeface="Heiti TC Light"/>
+                <a:sym typeface="Heiti TC Light"/>
+              </a:defRPr>
+            </a:lvl1pPr>
+          </a:lstStyle>
+          <a:p>
+            <a:pPr/>
+            <a:r>
+              <a:t>Wateren</a:t>
+            </a:r>
+          </a:p>
+        </p:txBody>
+      </p:sp>
+      <p:pic>
+        <p:nvPicPr>
+          <p:cNvPr id="206" name="6cr674Lzi.png"/>
+          <p:cNvPicPr>
+            <a:picLocks noChangeAspect="0"/>
+          </p:cNvPicPr>
+          <p:nvPr/>
+        </p:nvPicPr>
+        <p:blipFill>
+          <a:blip r:embed="rId4">
+            <a:extLst/>
+          </a:blip>
+          <a:stretch>
+            <a:fillRect/>
+          </a:stretch>
+        </p:blipFill>
+        <p:spPr>
+          <a:xfrm>
+            <a:off x="4300725" y="3605393"/>
+            <a:ext cx="174162" cy="220362"/>
+          </a:xfrm>
+          <a:prstGeom prst="rect">
+            <a:avLst/>
+          </a:prstGeom>
+          <a:ln w="12700">
+            <a:miter lim="400000"/>
+          </a:ln>
+        </p:spPr>
+      </p:pic>
+      <p:sp>
+        <p:nvSpPr>
+          <p:cNvPr id="207" name="Shape 207"/>
+          <p:cNvSpPr/>
+          <p:nvPr/>
+        </p:nvSpPr>
+        <p:spPr>
+          <a:xfrm>
+            <a:off x="7110957" y="2971799"/>
+            <a:ext cx="2251175" cy="3810001"/>
+          </a:xfrm>
+          <a:prstGeom prst="rect">
+            <a:avLst/>
+          </a:prstGeom>
+          <a:solidFill>
+            <a:srgbClr val="0433FF"/>
+          </a:solidFill>
+          <a:ln w="12700">
+            <a:miter lim="400000"/>
+          </a:ln>
+        </p:spPr>
+        <p:txBody>
+          <a:bodyPr lIns="50800" tIns="50800" rIns="50800" bIns="50800" anchor="ctr"/>
+          <a:lstStyle/>
+          <a:p>
+            <a:pPr algn="ctr">
+              <a:lnSpc>
+                <a:spcPct val="80000"/>
+              </a:lnSpc>
+              <a:spcBef>
+                <a:spcPts val="0"/>
+              </a:spcBef>
+              <a:defRPr cap="all" sz="2800">
+                <a:solidFill>
+                  <a:srgbClr val="FFFFFF"/>
+                </a:solidFill>
+                <a:latin typeface="+mn-lt"/>
+                <a:ea typeface="+mn-ea"/>
+                <a:cs typeface="+mn-cs"/>
+                <a:sym typeface="DIN Condensed"/>
+              </a:defRPr>
+            </a:pPr>
           </a:p>
         </p:txBody>
       </p:sp>
@@ -9200,14 +9201,14 @@
         </p:nvSpPr>
         <p:spPr>
           <a:xfrm>
-            <a:off x="7482488" y="5832292"/>
-            <a:ext cx="1464867" cy="513257"/>
+            <a:off x="7237956" y="4392094"/>
+            <a:ext cx="347545" cy="360681"/>
           </a:xfrm>
           <a:prstGeom prst="rect">
             <a:avLst/>
           </a:prstGeom>
           <a:solidFill>
-            <a:srgbClr val="000000"/>
+            <a:srgbClr val="FFFFFF"/>
           </a:solidFill>
           <a:ln w="12700">
             <a:miter lim="400000"/>
@@ -9245,8 +9246,82 @@
         </p:nvSpPr>
         <p:spPr>
           <a:xfrm>
-            <a:off x="7646883" y="5908580"/>
-            <a:ext cx="1159511" cy="360681"/>
+            <a:off x="7237775" y="3535233"/>
+            <a:ext cx="347545" cy="360681"/>
+          </a:xfrm>
+          <a:prstGeom prst="rect">
+            <a:avLst/>
+          </a:prstGeom>
+          <a:solidFill>
+            <a:srgbClr val="FFFFFF"/>
+          </a:solidFill>
+          <a:ln w="12700">
+            <a:miter lim="400000"/>
+          </a:ln>
+        </p:spPr>
+        <p:txBody>
+          <a:bodyPr lIns="50800" tIns="50800" rIns="50800" bIns="50800" anchor="ctr"/>
+          <a:lstStyle/>
+          <a:p>
+            <a:pPr algn="ctr">
+              <a:lnSpc>
+                <a:spcPct val="80000"/>
+              </a:lnSpc>
+              <a:spcBef>
+                <a:spcPts val="0"/>
+              </a:spcBef>
+              <a:defRPr cap="all" sz="2800">
+                <a:solidFill>
+                  <a:srgbClr val="FFFFFF"/>
+                </a:solidFill>
+                <a:latin typeface="+mn-lt"/>
+                <a:ea typeface="+mn-ea"/>
+                <a:cs typeface="+mn-cs"/>
+                <a:sym typeface="DIN Condensed"/>
+              </a:defRPr>
+            </a:pPr>
+          </a:p>
+        </p:txBody>
+      </p:sp>
+      <p:pic>
+        <p:nvPicPr>
+          <p:cNvPr id="210" name="6cr674Lzi.png"/>
+          <p:cNvPicPr>
+            <a:picLocks noChangeAspect="0"/>
+          </p:cNvPicPr>
+          <p:nvPr/>
+        </p:nvPicPr>
+        <p:blipFill>
+          <a:blip r:embed="rId4">
+            <a:extLst/>
+          </a:blip>
+          <a:stretch>
+            <a:fillRect/>
+          </a:stretch>
+        </p:blipFill>
+        <p:spPr>
+          <a:xfrm>
+            <a:off x="7324648" y="3605393"/>
+            <a:ext cx="174162" cy="220362"/>
+          </a:xfrm>
+          <a:prstGeom prst="rect">
+            <a:avLst/>
+          </a:prstGeom>
+          <a:ln w="12700">
+            <a:miter lim="400000"/>
+          </a:ln>
+        </p:spPr>
+      </p:pic>
+      <p:sp>
+        <p:nvSpPr>
+          <p:cNvPr id="211" name="Shape 211"/>
+          <p:cNvSpPr/>
+          <p:nvPr/>
+        </p:nvSpPr>
+        <p:spPr>
+          <a:xfrm>
+            <a:off x="7646882" y="3535233"/>
+            <a:ext cx="930911" cy="360681"/>
           </a:xfrm>
           <a:prstGeom prst="rect">
             <a:avLst/>
@@ -9280,21 +9355,165 @@
           <a:p>
             <a:pPr/>
             <a:r>
-              <a:t>Opslaan</a:t>
+              <a:t>Geluid</a:t>
             </a:r>
           </a:p>
         </p:txBody>
       </p:sp>
       <p:sp>
         <p:nvSpPr>
-          <p:cNvPr id="210" name="Shape 210"/>
+          <p:cNvPr id="212" name="Shape 212"/>
           <p:cNvSpPr/>
           <p:nvPr/>
         </p:nvSpPr>
         <p:spPr>
           <a:xfrm>
-            <a:off x="7646883" y="4392094"/>
-            <a:ext cx="1634999" cy="360681"/>
+            <a:off x="4443403" y="5832292"/>
+            <a:ext cx="1464867" cy="513257"/>
+          </a:xfrm>
+          <a:prstGeom prst="rect">
+            <a:avLst/>
+          </a:prstGeom>
+          <a:solidFill>
+            <a:srgbClr val="FFFFFF"/>
+          </a:solidFill>
+          <a:ln w="12700">
+            <a:miter lim="400000"/>
+          </a:ln>
+        </p:spPr>
+        <p:txBody>
+          <a:bodyPr lIns="50800" tIns="50800" rIns="50800" bIns="50800" anchor="ctr"/>
+          <a:lstStyle/>
+          <a:p>
+            <a:pPr algn="ctr">
+              <a:lnSpc>
+                <a:spcPct val="80000"/>
+              </a:lnSpc>
+              <a:spcBef>
+                <a:spcPts val="0"/>
+              </a:spcBef>
+              <a:defRPr cap="all" sz="2800">
+                <a:solidFill>
+                  <a:srgbClr val="FFFFFF"/>
+                </a:solidFill>
+                <a:latin typeface="+mn-lt"/>
+                <a:ea typeface="+mn-ea"/>
+                <a:cs typeface="+mn-cs"/>
+                <a:sym typeface="DIN Condensed"/>
+              </a:defRPr>
+            </a:pPr>
+          </a:p>
+        </p:txBody>
+      </p:sp>
+      <p:sp>
+        <p:nvSpPr>
+          <p:cNvPr id="213" name="Shape 213"/>
+          <p:cNvSpPr/>
+          <p:nvPr/>
+        </p:nvSpPr>
+        <p:spPr>
+          <a:xfrm>
+            <a:off x="4789375" y="5908580"/>
+            <a:ext cx="737871" cy="360681"/>
+          </a:xfrm>
+          <a:prstGeom prst="rect">
+            <a:avLst/>
+          </a:prstGeom>
+          <a:ln w="12700">
+            <a:miter lim="400000"/>
+          </a:ln>
+          <a:extLst>
+            <a:ext uri="{C572A759-6A51-4108-AA02-DFA0A04FC94B}">
+              <ma14:wrappingTextBoxFlag xmlns:ma14="http://schemas.microsoft.com/office/mac/drawingml/2011/main" val="1"/>
+            </a:ext>
+          </a:extLst>
+        </p:spPr>
+        <p:txBody>
+          <a:bodyPr wrap="none" lIns="50800" tIns="50800" rIns="50800" bIns="50800" anchor="ctr">
+            <a:spAutoFit/>
+          </a:bodyPr>
+          <a:lstStyle/>
+          <a:p>
+            <a:pPr>
+              <a:defRPr>
+                <a:solidFill>
+                  <a:srgbClr val="FFFFFF"/>
+                </a:solidFill>
+                <a:latin typeface="Heiti TC Light"/>
+                <a:ea typeface="Heiti TC Light"/>
+                <a:cs typeface="Heiti TC Light"/>
+                <a:sym typeface="Heiti TC Light"/>
+              </a:defRPr>
+            </a:pPr>
+            <a:r>
+              <a:rPr>
+                <a:solidFill>
+                  <a:srgbClr val="000000"/>
+                </a:solidFill>
+              </a:rPr>
+              <a:t>Start</a:t>
+            </a:r>
+            <a:r>
+              <a:t>!</a:t>
+            </a:r>
+          </a:p>
+        </p:txBody>
+      </p:sp>
+      <p:sp>
+        <p:nvSpPr>
+          <p:cNvPr id="214" name="Shape 214"/>
+          <p:cNvSpPr/>
+          <p:nvPr/>
+        </p:nvSpPr>
+        <p:spPr>
+          <a:xfrm>
+            <a:off x="7482488" y="5832292"/>
+            <a:ext cx="1464866" cy="513257"/>
+          </a:xfrm>
+          <a:prstGeom prst="rect">
+            <a:avLst/>
+          </a:prstGeom>
+          <a:solidFill>
+            <a:srgbClr val="FFFFFF"/>
+          </a:solidFill>
+          <a:ln w="12700">
+            <a:miter lim="400000"/>
+          </a:ln>
+        </p:spPr>
+        <p:txBody>
+          <a:bodyPr lIns="50800" tIns="50800" rIns="50800" bIns="50800" anchor="ctr"/>
+          <a:lstStyle/>
+          <a:p>
+            <a:pPr algn="ctr">
+              <a:lnSpc>
+                <a:spcPct val="80000"/>
+              </a:lnSpc>
+              <a:spcBef>
+                <a:spcPts val="0"/>
+              </a:spcBef>
+              <a:defRPr cap="all" sz="2800">
+                <a:solidFill>
+                  <a:srgbClr val="FFFFFF"/>
+                </a:solidFill>
+                <a:latin typeface="+mn-lt"/>
+                <a:ea typeface="+mn-ea"/>
+                <a:cs typeface="+mn-cs"/>
+                <a:sym typeface="DIN Condensed"/>
+              </a:defRPr>
+            </a:pPr>
+          </a:p>
+        </p:txBody>
+      </p:sp>
+      <p:sp>
+        <p:nvSpPr>
+          <p:cNvPr id="215" name="Shape 215"/>
+          <p:cNvSpPr/>
+          <p:nvPr/>
+        </p:nvSpPr>
+        <p:spPr>
+          <a:xfrm>
+            <a:off x="7646882" y="5908580"/>
+            <a:ext cx="1159511" cy="360681"/>
           </a:xfrm>
           <a:prstGeom prst="rect">
             <a:avLst/>
@@ -9328,6 +9547,54 @@
           <a:p>
             <a:pPr/>
             <a:r>
+              <a:t>Opslaan</a:t>
+            </a:r>
+          </a:p>
+        </p:txBody>
+      </p:sp>
+      <p:sp>
+        <p:nvSpPr>
+          <p:cNvPr id="216" name="Shape 216"/>
+          <p:cNvSpPr/>
+          <p:nvPr/>
+        </p:nvSpPr>
+        <p:spPr>
+          <a:xfrm>
+            <a:off x="7646882" y="4392094"/>
+            <a:ext cx="1634999" cy="360681"/>
+          </a:xfrm>
+          <a:prstGeom prst="rect">
+            <a:avLst/>
+          </a:prstGeom>
+          <a:ln w="12700">
+            <a:miter lim="400000"/>
+          </a:ln>
+          <a:extLst>
+            <a:ext uri="{C572A759-6A51-4108-AA02-DFA0A04FC94B}">
+              <ma14:wrappingTextBoxFlag xmlns:ma14="http://schemas.microsoft.com/office/mac/drawingml/2011/main" val="1"/>
+            </a:ext>
+          </a:extLst>
+        </p:spPr>
+        <p:txBody>
+          <a:bodyPr wrap="none" lIns="50800" tIns="50800" rIns="50800" bIns="50800" anchor="ctr">
+            <a:spAutoFit/>
+          </a:bodyPr>
+          <a:lstStyle>
+            <a:lvl1pPr>
+              <a:defRPr>
+                <a:solidFill>
+                  <a:srgbClr val="FFFFFF"/>
+                </a:solidFill>
+                <a:latin typeface="Heiti TC Light"/>
+                <a:ea typeface="Heiti TC Light"/>
+                <a:cs typeface="Heiti TC Light"/>
+                <a:sym typeface="Heiti TC Light"/>
+              </a:defRPr>
+            </a:lvl1pPr>
+          </a:lstStyle>
+          <a:p>
+            <a:pPr/>
+            <a:r>
               <a:t>Kleurenblind</a:t>
             </a:r>
           </a:p>
@@ -9335,7 +9602,52 @@
       </p:sp>
       <p:sp>
         <p:nvSpPr>
-          <p:cNvPr id="211" name="Shape 211"/>
+          <p:cNvPr id="217" name="Shape 217"/>
+          <p:cNvSpPr/>
+          <p:nvPr/>
+        </p:nvSpPr>
+        <p:spPr>
+          <a:xfrm>
+            <a:off x="10134910" y="2971800"/>
+            <a:ext cx="2251175" cy="3810001"/>
+          </a:xfrm>
+          <a:prstGeom prst="rect">
+            <a:avLst/>
+          </a:prstGeom>
+          <a:solidFill>
+            <a:srgbClr val="0433FF"/>
+          </a:solidFill>
+          <a:ln w="12700">
+            <a:miter lim="400000"/>
+          </a:ln>
+        </p:spPr>
+        <p:txBody>
+          <a:bodyPr lIns="50800" tIns="50800" rIns="50800" bIns="50800" anchor="ctr"/>
+          <a:lstStyle/>
+          <a:p>
+            <a:pPr algn="ctr">
+              <a:lnSpc>
+                <a:spcPct val="80000"/>
+              </a:lnSpc>
+              <a:spcBef>
+                <a:spcPts val="0"/>
+              </a:spcBef>
+              <a:defRPr cap="all" sz="2800">
+                <a:solidFill>
+                  <a:srgbClr val="FFFFFF"/>
+                </a:solidFill>
+                <a:latin typeface="+mn-lt"/>
+                <a:ea typeface="+mn-ea"/>
+                <a:cs typeface="+mn-cs"/>
+                <a:sym typeface="DIN Condensed"/>
+              </a:defRPr>
+            </a:pPr>
+          </a:p>
+        </p:txBody>
+      </p:sp>
+      <p:sp>
+        <p:nvSpPr>
+          <p:cNvPr id="218" name="Shape 218"/>
           <p:cNvSpPr/>
           <p:nvPr/>
         </p:nvSpPr>
@@ -9365,7 +9677,7 @@
             <a:pPr>
               <a:defRPr>
                 <a:solidFill>
-                  <a:srgbClr val="000000"/>
+                  <a:srgbClr val="FFFFFF"/>
                 </a:solidFill>
                 <a:latin typeface="Heiti TC Light"/>
                 <a:ea typeface="Heiti TC Light"/>
@@ -9381,7 +9693,7 @@
             <a:pPr>
               <a:defRPr>
                 <a:solidFill>
-                  <a:srgbClr val="000000"/>
+                  <a:srgbClr val="FFFFFF"/>
                 </a:solidFill>
                 <a:latin typeface="Heiti TC Light"/>
                 <a:ea typeface="Heiti TC Light"/>
@@ -9397,7 +9709,7 @@
             <a:pPr>
               <a:defRPr>
                 <a:solidFill>
-                  <a:srgbClr val="000000"/>
+                  <a:srgbClr val="FFFFFF"/>
                 </a:solidFill>
                 <a:latin typeface="Heiti TC Light"/>
                 <a:ea typeface="Heiti TC Light"/>
@@ -9413,7 +9725,7 @@
             <a:pPr>
               <a:defRPr>
                 <a:solidFill>
-                  <a:srgbClr val="000000"/>
+                  <a:srgbClr val="FFFFFF"/>
                 </a:solidFill>
                 <a:latin typeface="Heiti TC Light"/>
                 <a:ea typeface="Heiti TC Light"/>
@@ -9480,7 +9792,7 @@
                                       <p:cBhvr>
                                         <p:cTn id="6" fill="hold"/>
                                         <p:tgtEl>
-                                          <p:spTgt spid="179"/>
+                                          <p:spTgt spid="182"/>
                                         </p:tgtEl>
                                         <p:attrNameLst>
                                           <p:attrName>style.visibility</p:attrName>
@@ -9494,7 +9806,7 @@
                                       <p:cBhvr>
                                         <p:cTn id="7" dur="1000" fill="hold"/>
                                         <p:tgtEl>
-                                          <p:spTgt spid="179"/>
+                                          <p:spTgt spid="182"/>
                                         </p:tgtEl>
                                         <p:attrNameLst>
                                           <p:attrName>ppt_w</p:attrName>
@@ -9517,7 +9829,7 @@
                                       <p:cBhvr>
                                         <p:cTn id="8" dur="1000" fill="hold"/>
                                         <p:tgtEl>
-                                          <p:spTgt spid="179"/>
+                                          <p:spTgt spid="182"/>
                                         </p:tgtEl>
                                         <p:attrNameLst>
                                           <p:attrName>ppt_h</p:attrName>
@@ -9540,7 +9852,7 @@
                                       <p:cBhvr>
                                         <p:cTn id="9" dur="1000" fill="hold"/>
                                         <p:tgtEl>
-                                          <p:spTgt spid="179"/>
+                                          <p:spTgt spid="182"/>
                                         </p:tgtEl>
                                         <p:attrNameLst>
                                           <p:attrName>ppt_x</p:attrName>
@@ -9563,7 +9875,7 @@
                                       <p:cBhvr>
                                         <p:cTn id="10" dur="1000" fill="hold"/>
                                         <p:tgtEl>
-                                          <p:spTgt spid="179"/>
+                                          <p:spTgt spid="182"/>
                                         </p:tgtEl>
                                         <p:attrNameLst>
                                           <p:attrName>ppt_y</p:attrName>
@@ -9607,7 +9919,7 @@
                                       <p:cBhvr>
                                         <p:cTn id="13" fill="hold"/>
                                         <p:tgtEl>
-                                          <p:spTgt spid="180"/>
+                                          <p:spTgt spid="183"/>
                                         </p:tgtEl>
                                         <p:attrNameLst>
                                           <p:attrName>style.visibility</p:attrName>
@@ -9621,7 +9933,7 @@
                                       <p:cBhvr>
                                         <p:cTn id="14" dur="1000" fill="hold"/>
                                         <p:tgtEl>
-                                          <p:spTgt spid="180"/>
+                                          <p:spTgt spid="183"/>
                                         </p:tgtEl>
                                         <p:attrNameLst>
                                           <p:attrName>ppt_w</p:attrName>
@@ -9644,7 +9956,7 @@
                                       <p:cBhvr>
                                         <p:cTn id="15" dur="1000" fill="hold"/>
                                         <p:tgtEl>
-                                          <p:spTgt spid="180"/>
+                                          <p:spTgt spid="183"/>
                                         </p:tgtEl>
                                         <p:attrNameLst>
                                           <p:attrName>ppt_h</p:attrName>
@@ -9667,7 +9979,7 @@
                                       <p:cBhvr>
                                         <p:cTn id="16" dur="1000" fill="hold"/>
                                         <p:tgtEl>
-                                          <p:spTgt spid="180"/>
+                                          <p:spTgt spid="183"/>
                                         </p:tgtEl>
                                         <p:attrNameLst>
                                           <p:attrName>ppt_x</p:attrName>
@@ -9690,7 +10002,7 @@
                                       <p:cBhvr>
                                         <p:cTn id="17" dur="1000" fill="hold"/>
                                         <p:tgtEl>
-                                          <p:spTgt spid="180"/>
+                                          <p:spTgt spid="183"/>
                                         </p:tgtEl>
                                         <p:attrNameLst>
                                           <p:attrName>ppt_y</p:attrName>
@@ -9734,7 +10046,7 @@
                                       <p:cBhvr>
                                         <p:cTn id="20" fill="hold"/>
                                         <p:tgtEl>
-                                          <p:spTgt spid="181"/>
+                                          <p:spTgt spid="184"/>
                                         </p:tgtEl>
                                         <p:attrNameLst>
                                           <p:attrName>style.visibility</p:attrName>
@@ -9748,7 +10060,7 @@
                                       <p:cBhvr>
                                         <p:cTn id="21" dur="1000" fill="hold"/>
                                         <p:tgtEl>
-                                          <p:spTgt spid="181"/>
+                                          <p:spTgt spid="184"/>
                                         </p:tgtEl>
                                         <p:attrNameLst>
                                           <p:attrName>ppt_w</p:attrName>
@@ -9771,7 +10083,7 @@
                                       <p:cBhvr>
                                         <p:cTn id="22" dur="1000" fill="hold"/>
                                         <p:tgtEl>
-                                          <p:spTgt spid="181"/>
+                                          <p:spTgt spid="184"/>
                                         </p:tgtEl>
                                         <p:attrNameLst>
                                           <p:attrName>ppt_h</p:attrName>
@@ -9794,7 +10106,7 @@
                                       <p:cBhvr>
                                         <p:cTn id="23" dur="1000" fill="hold"/>
                                         <p:tgtEl>
-                                          <p:spTgt spid="181"/>
+                                          <p:spTgt spid="184"/>
                                         </p:tgtEl>
                                         <p:attrNameLst>
                                           <p:attrName>ppt_x</p:attrName>
@@ -9817,7 +10129,7 @@
                                       <p:cBhvr>
                                         <p:cTn id="24" dur="1000" fill="hold"/>
                                         <p:tgtEl>
-                                          <p:spTgt spid="181"/>
+                                          <p:spTgt spid="184"/>
                                         </p:tgtEl>
                                         <p:attrNameLst>
                                           <p:attrName>ppt_y</p:attrName>
@@ -9861,7 +10173,7 @@
                                       <p:cBhvr>
                                         <p:cTn id="27" fill="hold"/>
                                         <p:tgtEl>
-                                          <p:spTgt spid="182"/>
+                                          <p:spTgt spid="185"/>
                                         </p:tgtEl>
                                         <p:attrNameLst>
                                           <p:attrName>style.visibility</p:attrName>
@@ -9875,7 +10187,7 @@
                                       <p:cBhvr>
                                         <p:cTn id="28" dur="1000" fill="hold"/>
                                         <p:tgtEl>
-                                          <p:spTgt spid="182"/>
+                                          <p:spTgt spid="185"/>
                                         </p:tgtEl>
                                         <p:attrNameLst>
                                           <p:attrName>ppt_w</p:attrName>
@@ -9898,7 +10210,7 @@
                                       <p:cBhvr>
                                         <p:cTn id="29" dur="1000" fill="hold"/>
                                         <p:tgtEl>
-                                          <p:spTgt spid="182"/>
+                                          <p:spTgt spid="185"/>
                                         </p:tgtEl>
                                         <p:attrNameLst>
                                           <p:attrName>ppt_h</p:attrName>
@@ -9921,7 +10233,7 @@
                                       <p:cBhvr>
                                         <p:cTn id="30" dur="1000" fill="hold"/>
                                         <p:tgtEl>
-                                          <p:spTgt spid="182"/>
+                                          <p:spTgt spid="185"/>
                                         </p:tgtEl>
                                         <p:attrNameLst>
                                           <p:attrName>ppt_x</p:attrName>
@@ -9944,7 +10256,7 @@
                                       <p:cBhvr>
                                         <p:cTn id="31" dur="1000" fill="hold"/>
                                         <p:tgtEl>
-                                          <p:spTgt spid="182"/>
+                                          <p:spTgt spid="185"/>
                                         </p:tgtEl>
                                         <p:attrNameLst>
                                           <p:attrName>ppt_y</p:attrName>
@@ -9988,7 +10300,7 @@
                                       <p:cBhvr>
                                         <p:cTn id="34" fill="hold"/>
                                         <p:tgtEl>
-                                          <p:spTgt spid="188"/>
+                                          <p:spTgt spid="192"/>
                                         </p:tgtEl>
                                         <p:attrNameLst>
                                           <p:attrName>style.visibility</p:attrName>
@@ -10002,7 +10314,7 @@
                                       <p:cBhvr>
                                         <p:cTn id="35" dur="1000" fill="hold"/>
                                         <p:tgtEl>
-                                          <p:spTgt spid="188"/>
+                                          <p:spTgt spid="192"/>
                                         </p:tgtEl>
                                         <p:attrNameLst>
                                           <p:attrName>ppt_w</p:attrName>
@@ -10025,7 +10337,7 @@
                                       <p:cBhvr>
                                         <p:cTn id="36" dur="1000" fill="hold"/>
                                         <p:tgtEl>
-                                          <p:spTgt spid="188"/>
+                                          <p:spTgt spid="192"/>
                                         </p:tgtEl>
                                         <p:attrNameLst>
                                           <p:attrName>ppt_h</p:attrName>
@@ -10048,7 +10360,7 @@
                                       <p:cBhvr>
                                         <p:cTn id="37" dur="1000" fill="hold"/>
                                         <p:tgtEl>
-                                          <p:spTgt spid="188"/>
+                                          <p:spTgt spid="192"/>
                                         </p:tgtEl>
                                         <p:attrNameLst>
                                           <p:attrName>ppt_x</p:attrName>
@@ -10071,7 +10383,7 @@
                                       <p:cBhvr>
                                         <p:cTn id="38" dur="1000" fill="hold"/>
                                         <p:tgtEl>
-                                          <p:spTgt spid="188"/>
+                                          <p:spTgt spid="192"/>
                                         </p:tgtEl>
                                         <p:attrNameLst>
                                           <p:attrName>ppt_y</p:attrName>
@@ -10115,7 +10427,7 @@
                                       <p:cBhvr>
                                         <p:cTn id="41" fill="hold"/>
                                         <p:tgtEl>
-                                          <p:spTgt spid="187"/>
+                                          <p:spTgt spid="191"/>
                                         </p:tgtEl>
                                         <p:attrNameLst>
                                           <p:attrName>style.visibility</p:attrName>
@@ -10129,7 +10441,7 @@
                                       <p:cBhvr>
                                         <p:cTn id="42" dur="1000" fill="hold"/>
                                         <p:tgtEl>
-                                          <p:spTgt spid="187"/>
+                                          <p:spTgt spid="191"/>
                                         </p:tgtEl>
                                         <p:attrNameLst>
                                           <p:attrName>ppt_w</p:attrName>
@@ -10152,7 +10464,7 @@
                                       <p:cBhvr>
                                         <p:cTn id="43" dur="1000" fill="hold"/>
                                         <p:tgtEl>
-                                          <p:spTgt spid="187"/>
+                                          <p:spTgt spid="191"/>
                                         </p:tgtEl>
                                         <p:attrNameLst>
                                           <p:attrName>ppt_h</p:attrName>
@@ -10175,7 +10487,7 @@
                                       <p:cBhvr>
                                         <p:cTn id="44" dur="1000" fill="hold"/>
                                         <p:tgtEl>
-                                          <p:spTgt spid="187"/>
+                                          <p:spTgt spid="191"/>
                                         </p:tgtEl>
                                         <p:attrNameLst>
                                           <p:attrName>ppt_x</p:attrName>
@@ -10198,7 +10510,7 @@
                                       <p:cBhvr>
                                         <p:cTn id="45" dur="1000" fill="hold"/>
                                         <p:tgtEl>
-                                          <p:spTgt spid="187"/>
+                                          <p:spTgt spid="191"/>
                                         </p:tgtEl>
                                         <p:attrNameLst>
                                           <p:attrName>ppt_y</p:attrName>
@@ -10242,7 +10554,7 @@
                                       <p:cBhvr>
                                         <p:cTn id="48" fill="hold"/>
                                         <p:tgtEl>
-                                          <p:spTgt spid="189"/>
+                                          <p:spTgt spid="194"/>
                                         </p:tgtEl>
                                         <p:attrNameLst>
                                           <p:attrName>style.visibility</p:attrName>
@@ -10256,7 +10568,7 @@
                                       <p:cBhvr>
                                         <p:cTn id="49" dur="1000" fill="hold"/>
                                         <p:tgtEl>
-                                          <p:spTgt spid="189"/>
+                                          <p:spTgt spid="194"/>
                                         </p:tgtEl>
                                         <p:attrNameLst>
                                           <p:attrName>ppt_w</p:attrName>
@@ -10279,7 +10591,7 @@
                                       <p:cBhvr>
                                         <p:cTn id="50" dur="1000" fill="hold"/>
                                         <p:tgtEl>
-                                          <p:spTgt spid="189"/>
+                                          <p:spTgt spid="194"/>
                                         </p:tgtEl>
                                         <p:attrNameLst>
                                           <p:attrName>ppt_h</p:attrName>
@@ -10302,7 +10614,7 @@
                                       <p:cBhvr>
                                         <p:cTn id="51" dur="1000" fill="hold"/>
                                         <p:tgtEl>
-                                          <p:spTgt spid="189"/>
+                                          <p:spTgt spid="194"/>
                                         </p:tgtEl>
                                         <p:attrNameLst>
                                           <p:attrName>ppt_x</p:attrName>
@@ -10325,7 +10637,7 @@
                                       <p:cBhvr>
                                         <p:cTn id="52" dur="1000" fill="hold"/>
                                         <p:tgtEl>
-                                          <p:spTgt spid="189"/>
+                                          <p:spTgt spid="194"/>
                                         </p:tgtEl>
                                         <p:attrNameLst>
                                           <p:attrName>ppt_y</p:attrName>
@@ -10369,7 +10681,7 @@
                                       <p:cBhvr>
                                         <p:cTn id="55" fill="hold"/>
                                         <p:tgtEl>
-                                          <p:spTgt spid="192"/>
+                                          <p:spTgt spid="197"/>
                                         </p:tgtEl>
                                         <p:attrNameLst>
                                           <p:attrName>style.visibility</p:attrName>
@@ -10383,7 +10695,7 @@
                                       <p:cBhvr>
                                         <p:cTn id="56" dur="1000" fill="hold"/>
                                         <p:tgtEl>
-                                          <p:spTgt spid="192"/>
+                                          <p:spTgt spid="197"/>
                                         </p:tgtEl>
                                         <p:attrNameLst>
                                           <p:attrName>ppt_w</p:attrName>
@@ -10406,7 +10718,7 @@
                                       <p:cBhvr>
                                         <p:cTn id="57" dur="1000" fill="hold"/>
                                         <p:tgtEl>
-                                          <p:spTgt spid="192"/>
+                                          <p:spTgt spid="197"/>
                                         </p:tgtEl>
                                         <p:attrNameLst>
                                           <p:attrName>ppt_h</p:attrName>
@@ -10429,7 +10741,7 @@
                                       <p:cBhvr>
                                         <p:cTn id="58" dur="1000" fill="hold"/>
                                         <p:tgtEl>
-                                          <p:spTgt spid="192"/>
+                                          <p:spTgt spid="197"/>
                                         </p:tgtEl>
                                         <p:attrNameLst>
                                           <p:attrName>ppt_x</p:attrName>
@@ -10452,7 +10764,7 @@
                                       <p:cBhvr>
                                         <p:cTn id="59" dur="1000" fill="hold"/>
                                         <p:tgtEl>
-                                          <p:spTgt spid="192"/>
+                                          <p:spTgt spid="197"/>
                                         </p:tgtEl>
                                         <p:attrNameLst>
                                           <p:attrName>ppt_y</p:attrName>
@@ -10496,7 +10808,7 @@
                                       <p:cBhvr>
                                         <p:cTn id="62" fill="hold"/>
                                         <p:tgtEl>
-                                          <p:spTgt spid="190"/>
+                                          <p:spTgt spid="195"/>
                                         </p:tgtEl>
                                         <p:attrNameLst>
                                           <p:attrName>style.visibility</p:attrName>
@@ -10510,7 +10822,7 @@
                                       <p:cBhvr>
                                         <p:cTn id="63" dur="1000" fill="hold"/>
                                         <p:tgtEl>
-                                          <p:spTgt spid="190"/>
+                                          <p:spTgt spid="195"/>
                                         </p:tgtEl>
                                         <p:attrNameLst>
                                           <p:attrName>ppt_w</p:attrName>
@@ -10533,7 +10845,7 @@
                                       <p:cBhvr>
                                         <p:cTn id="64" dur="1000" fill="hold"/>
                                         <p:tgtEl>
-                                          <p:spTgt spid="190"/>
+                                          <p:spTgt spid="195"/>
                                         </p:tgtEl>
                                         <p:attrNameLst>
                                           <p:attrName>ppt_h</p:attrName>
@@ -10556,7 +10868,7 @@
                                       <p:cBhvr>
                                         <p:cTn id="65" dur="1000" fill="hold"/>
                                         <p:tgtEl>
-                                          <p:spTgt spid="190"/>
+                                          <p:spTgt spid="195"/>
                                         </p:tgtEl>
                                         <p:attrNameLst>
                                           <p:attrName>ppt_x</p:attrName>
@@ -10579,7 +10891,7 @@
                                       <p:cBhvr>
                                         <p:cTn id="66" dur="1000" fill="hold"/>
                                         <p:tgtEl>
-                                          <p:spTgt spid="190"/>
+                                          <p:spTgt spid="195"/>
                                         </p:tgtEl>
                                         <p:attrNameLst>
                                           <p:attrName>ppt_y</p:attrName>
@@ -10623,7 +10935,7 @@
                                       <p:cBhvr>
                                         <p:cTn id="69" fill="hold"/>
                                         <p:tgtEl>
-                                          <p:spTgt spid="193"/>
+                                          <p:spTgt spid="198"/>
                                         </p:tgtEl>
                                         <p:attrNameLst>
                                           <p:attrName>style.visibility</p:attrName>
@@ -10637,7 +10949,7 @@
                                       <p:cBhvr>
                                         <p:cTn id="70" dur="1000" fill="hold"/>
                                         <p:tgtEl>
-                                          <p:spTgt spid="193"/>
+                                          <p:spTgt spid="198"/>
                                         </p:tgtEl>
                                         <p:attrNameLst>
                                           <p:attrName>ppt_w</p:attrName>
@@ -10660,7 +10972,7 @@
                                       <p:cBhvr>
                                         <p:cTn id="71" dur="1000" fill="hold"/>
                                         <p:tgtEl>
-                                          <p:spTgt spid="193"/>
+                                          <p:spTgt spid="198"/>
                                         </p:tgtEl>
                                         <p:attrNameLst>
                                           <p:attrName>ppt_h</p:attrName>
@@ -10683,7 +10995,7 @@
                                       <p:cBhvr>
                                         <p:cTn id="72" dur="1000" fill="hold"/>
                                         <p:tgtEl>
-                                          <p:spTgt spid="193"/>
+                                          <p:spTgt spid="198"/>
                                         </p:tgtEl>
                                         <p:attrNameLst>
                                           <p:attrName>ppt_x</p:attrName>
@@ -10706,7 +11018,7 @@
                                       <p:cBhvr>
                                         <p:cTn id="73" dur="1000" fill="hold"/>
                                         <p:tgtEl>
-                                          <p:spTgt spid="193"/>
+                                          <p:spTgt spid="198"/>
                                         </p:tgtEl>
                                         <p:attrNameLst>
                                           <p:attrName>ppt_y</p:attrName>
@@ -10750,7 +11062,7 @@
                                       <p:cBhvr>
                                         <p:cTn id="76" fill="hold"/>
                                         <p:tgtEl>
-                                          <p:spTgt spid="191"/>
+                                          <p:spTgt spid="196"/>
                                         </p:tgtEl>
                                         <p:attrNameLst>
                                           <p:attrName>style.visibility</p:attrName>
@@ -10764,7 +11076,7 @@
                                       <p:cBhvr>
                                         <p:cTn id="77" dur="1000" fill="hold"/>
                                         <p:tgtEl>
-                                          <p:spTgt spid="191"/>
+                                          <p:spTgt spid="196"/>
                                         </p:tgtEl>
                                         <p:attrNameLst>
                                           <p:attrName>ppt_w</p:attrName>
@@ -10787,7 +11099,7 @@
                                       <p:cBhvr>
                                         <p:cTn id="78" dur="1000" fill="hold"/>
                                         <p:tgtEl>
-                                          <p:spTgt spid="191"/>
+                                          <p:spTgt spid="196"/>
                                         </p:tgtEl>
                                         <p:attrNameLst>
                                           <p:attrName>ppt_h</p:attrName>
@@ -10810,7 +11122,7 @@
                                       <p:cBhvr>
                                         <p:cTn id="79" dur="1000" fill="hold"/>
                                         <p:tgtEl>
-                                          <p:spTgt spid="191"/>
+                                          <p:spTgt spid="196"/>
                                         </p:tgtEl>
                                         <p:attrNameLst>
                                           <p:attrName>ppt_x</p:attrName>
@@ -10833,7 +11145,7 @@
                                       <p:cBhvr>
                                         <p:cTn id="80" dur="1000" fill="hold"/>
                                         <p:tgtEl>
-                                          <p:spTgt spid="191"/>
+                                          <p:spTgt spid="196"/>
                                         </p:tgtEl>
                                         <p:attrNameLst>
                                           <p:attrName>ppt_y</p:attrName>
@@ -10877,7 +11189,7 @@
                                       <p:cBhvr>
                                         <p:cTn id="83" fill="hold"/>
                                         <p:tgtEl>
-                                          <p:spTgt spid="194"/>
+                                          <p:spTgt spid="199"/>
                                         </p:tgtEl>
                                         <p:attrNameLst>
                                           <p:attrName>style.visibility</p:attrName>
@@ -10891,7 +11203,7 @@
                                       <p:cBhvr>
                                         <p:cTn id="84" dur="1000" fill="hold"/>
                                         <p:tgtEl>
-                                          <p:spTgt spid="194"/>
+                                          <p:spTgt spid="199"/>
                                         </p:tgtEl>
                                         <p:attrNameLst>
                                           <p:attrName>ppt_w</p:attrName>
@@ -10914,7 +11226,7 @@
                                       <p:cBhvr>
                                         <p:cTn id="85" dur="1000" fill="hold"/>
                                         <p:tgtEl>
-                                          <p:spTgt spid="194"/>
+                                          <p:spTgt spid="199"/>
                                         </p:tgtEl>
                                         <p:attrNameLst>
                                           <p:attrName>ppt_h</p:attrName>
@@ -10937,7 +11249,7 @@
                                       <p:cBhvr>
                                         <p:cTn id="86" dur="1000" fill="hold"/>
                                         <p:tgtEl>
-                                          <p:spTgt spid="194"/>
+                                          <p:spTgt spid="199"/>
                                         </p:tgtEl>
                                         <p:attrNameLst>
                                           <p:attrName>ppt_x</p:attrName>
@@ -10960,7 +11272,7 @@
                                       <p:cBhvr>
                                         <p:cTn id="87" dur="1000" fill="hold"/>
                                         <p:tgtEl>
-                                          <p:spTgt spid="194"/>
+                                          <p:spTgt spid="199"/>
                                         </p:tgtEl>
                                         <p:attrNameLst>
                                           <p:attrName>ppt_y</p:attrName>
@@ -11004,7 +11316,7 @@
                                       <p:cBhvr>
                                         <p:cTn id="90" fill="hold"/>
                                         <p:tgtEl>
-                                          <p:spTgt spid="195"/>
+                                          <p:spTgt spid="200"/>
                                         </p:tgtEl>
                                         <p:attrNameLst>
                                           <p:attrName>style.visibility</p:attrName>
@@ -11018,7 +11330,7 @@
                                       <p:cBhvr>
                                         <p:cTn id="91" dur="1000" fill="hold"/>
                                         <p:tgtEl>
-                                          <p:spTgt spid="195"/>
+                                          <p:spTgt spid="200"/>
                                         </p:tgtEl>
                                         <p:attrNameLst>
                                           <p:attrName>ppt_w</p:attrName>
@@ -11041,7 +11353,7 @@
                                       <p:cBhvr>
                                         <p:cTn id="92" dur="1000" fill="hold"/>
                                         <p:tgtEl>
-                                          <p:spTgt spid="195"/>
+                                          <p:spTgt spid="200"/>
                                         </p:tgtEl>
                                         <p:attrNameLst>
                                           <p:attrName>ppt_h</p:attrName>
@@ -11064,7 +11376,7 @@
                                       <p:cBhvr>
                                         <p:cTn id="93" dur="1000" fill="hold"/>
                                         <p:tgtEl>
-                                          <p:spTgt spid="195"/>
+                                          <p:spTgt spid="200"/>
                                         </p:tgtEl>
                                         <p:attrNameLst>
                                           <p:attrName>ppt_x</p:attrName>
@@ -11087,7 +11399,7 @@
                                       <p:cBhvr>
                                         <p:cTn id="94" dur="1000" fill="hold"/>
                                         <p:tgtEl>
-                                          <p:spTgt spid="195"/>
+                                          <p:spTgt spid="200"/>
                                         </p:tgtEl>
                                         <p:attrNameLst>
                                           <p:attrName>ppt_y</p:attrName>
@@ -11131,7 +11443,7 @@
                                       <p:cBhvr>
                                         <p:cTn id="97" fill="hold"/>
                                         <p:tgtEl>
-                                          <p:spTgt spid="201"/>
+                                          <p:spTgt spid="206"/>
                                         </p:tgtEl>
                                         <p:attrNameLst>
                                           <p:attrName>style.visibility</p:attrName>
@@ -11145,7 +11457,7 @@
                                       <p:cBhvr>
                                         <p:cTn id="98" dur="1000" fill="hold"/>
                                         <p:tgtEl>
-                                          <p:spTgt spid="201"/>
+                                          <p:spTgt spid="206"/>
                                         </p:tgtEl>
                                         <p:attrNameLst>
                                           <p:attrName>ppt_w</p:attrName>
@@ -11168,7 +11480,7 @@
                                       <p:cBhvr>
                                         <p:cTn id="99" dur="1000" fill="hold"/>
                                         <p:tgtEl>
-                                          <p:spTgt spid="201"/>
+                                          <p:spTgt spid="206"/>
                                         </p:tgtEl>
                                         <p:attrNameLst>
                                           <p:attrName>ppt_h</p:attrName>
@@ -11191,7 +11503,7 @@
                                       <p:cBhvr>
                                         <p:cTn id="100" dur="1000" fill="hold"/>
                                         <p:tgtEl>
-                                          <p:spTgt spid="201"/>
+                                          <p:spTgt spid="206"/>
                                         </p:tgtEl>
                                         <p:attrNameLst>
                                           <p:attrName>ppt_x</p:attrName>
@@ -11214,7 +11526,7 @@
                                       <p:cBhvr>
                                         <p:cTn id="101" dur="1000" fill="hold"/>
                                         <p:tgtEl>
-                                          <p:spTgt spid="201"/>
+                                          <p:spTgt spid="206"/>
                                         </p:tgtEl>
                                         <p:attrNameLst>
                                           <p:attrName>ppt_y</p:attrName>
@@ -11258,7 +11570,7 @@
                                       <p:cBhvr>
                                         <p:cTn id="104" fill="hold"/>
                                         <p:tgtEl>
-                                          <p:spTgt spid="198"/>
+                                          <p:spTgt spid="203"/>
                                         </p:tgtEl>
                                         <p:attrNameLst>
                                           <p:attrName>style.visibility</p:attrName>
@@ -11272,7 +11584,7 @@
                                       <p:cBhvr>
                                         <p:cTn id="105" dur="1000" fill="hold"/>
                                         <p:tgtEl>
-                                          <p:spTgt spid="198"/>
+                                          <p:spTgt spid="203"/>
                                         </p:tgtEl>
                                         <p:attrNameLst>
                                           <p:attrName>ppt_w</p:attrName>
@@ -11295,7 +11607,7 @@
                                       <p:cBhvr>
                                         <p:cTn id="106" dur="1000" fill="hold"/>
                                         <p:tgtEl>
-                                          <p:spTgt spid="198"/>
+                                          <p:spTgt spid="203"/>
                                         </p:tgtEl>
                                         <p:attrNameLst>
                                           <p:attrName>ppt_h</p:attrName>
@@ -11318,7 +11630,7 @@
                                       <p:cBhvr>
                                         <p:cTn id="107" dur="1000" fill="hold"/>
                                         <p:tgtEl>
-                                          <p:spTgt spid="198"/>
+                                          <p:spTgt spid="203"/>
                                         </p:tgtEl>
                                         <p:attrNameLst>
                                           <p:attrName>ppt_x</p:attrName>
@@ -11341,7 +11653,7 @@
                                       <p:cBhvr>
                                         <p:cTn id="108" dur="1000" fill="hold"/>
                                         <p:tgtEl>
-                                          <p:spTgt spid="198"/>
+                                          <p:spTgt spid="203"/>
                                         </p:tgtEl>
                                         <p:attrNameLst>
                                           <p:attrName>ppt_y</p:attrName>
@@ -11385,7 +11697,7 @@
                                       <p:cBhvr>
                                         <p:cTn id="111" fill="hold"/>
                                         <p:tgtEl>
-                                          <p:spTgt spid="196"/>
+                                          <p:spTgt spid="201"/>
                                         </p:tgtEl>
                                         <p:attrNameLst>
                                           <p:attrName>style.visibility</p:attrName>
@@ -11399,7 +11711,7 @@
                                       <p:cBhvr>
                                         <p:cTn id="112" dur="1000" fill="hold"/>
                                         <p:tgtEl>
-                                          <p:spTgt spid="196"/>
+                                          <p:spTgt spid="201"/>
                                         </p:tgtEl>
                                         <p:attrNameLst>
                                           <p:attrName>ppt_w</p:attrName>
@@ -11422,7 +11734,7 @@
                                       <p:cBhvr>
                                         <p:cTn id="113" dur="1000" fill="hold"/>
                                         <p:tgtEl>
-                                          <p:spTgt spid="196"/>
+                                          <p:spTgt spid="201"/>
                                         </p:tgtEl>
                                         <p:attrNameLst>
                                           <p:attrName>ppt_h</p:attrName>
@@ -11445,7 +11757,7 @@
                                       <p:cBhvr>
                                         <p:cTn id="114" dur="1000" fill="hold"/>
                                         <p:tgtEl>
-                                          <p:spTgt spid="196"/>
+                                          <p:spTgt spid="201"/>
                                         </p:tgtEl>
                                         <p:attrNameLst>
                                           <p:attrName>ppt_x</p:attrName>
@@ -11468,7 +11780,7 @@
                                       <p:cBhvr>
                                         <p:cTn id="115" dur="1000" fill="hold"/>
                                         <p:tgtEl>
-                                          <p:spTgt spid="196"/>
+                                          <p:spTgt spid="201"/>
                                         </p:tgtEl>
                                         <p:attrNameLst>
                                           <p:attrName>ppt_y</p:attrName>
@@ -11512,7 +11824,7 @@
                                       <p:cBhvr>
                                         <p:cTn id="118" fill="hold"/>
                                         <p:tgtEl>
-                                          <p:spTgt spid="199"/>
+                                          <p:spTgt spid="204"/>
                                         </p:tgtEl>
                                         <p:attrNameLst>
                                           <p:attrName>style.visibility</p:attrName>
@@ -11526,7 +11838,7 @@
                                       <p:cBhvr>
                                         <p:cTn id="119" dur="1000" fill="hold"/>
                                         <p:tgtEl>
-                                          <p:spTgt spid="199"/>
+                                          <p:spTgt spid="204"/>
                                         </p:tgtEl>
                                         <p:attrNameLst>
                                           <p:attrName>ppt_w</p:attrName>
@@ -11549,7 +11861,7 @@
                                       <p:cBhvr>
                                         <p:cTn id="120" dur="1000" fill="hold"/>
                                         <p:tgtEl>
-                                          <p:spTgt spid="199"/>
+                                          <p:spTgt spid="204"/>
                                         </p:tgtEl>
                                         <p:attrNameLst>
                                           <p:attrName>ppt_h</p:attrName>
@@ -11572,7 +11884,7 @@
                                       <p:cBhvr>
                                         <p:cTn id="121" dur="1000" fill="hold"/>
                                         <p:tgtEl>
-                                          <p:spTgt spid="199"/>
+                                          <p:spTgt spid="204"/>
                                         </p:tgtEl>
                                         <p:attrNameLst>
                                           <p:attrName>ppt_x</p:attrName>
@@ -11595,7 +11907,7 @@
                                       <p:cBhvr>
                                         <p:cTn id="122" dur="1000" fill="hold"/>
                                         <p:tgtEl>
-                                          <p:spTgt spid="199"/>
+                                          <p:spTgt spid="204"/>
                                         </p:tgtEl>
                                         <p:attrNameLst>
                                           <p:attrName>ppt_y</p:attrName>
@@ -11639,7 +11951,7 @@
                                       <p:cBhvr>
                                         <p:cTn id="125" fill="hold"/>
                                         <p:tgtEl>
-                                          <p:spTgt spid="197"/>
+                                          <p:spTgt spid="202"/>
                                         </p:tgtEl>
                                         <p:attrNameLst>
                                           <p:attrName>style.visibility</p:attrName>
@@ -11653,7 +11965,7 @@
                                       <p:cBhvr>
                                         <p:cTn id="126" dur="1000" fill="hold"/>
                                         <p:tgtEl>
-                                          <p:spTgt spid="197"/>
+                                          <p:spTgt spid="202"/>
                                         </p:tgtEl>
                                         <p:attrNameLst>
                                           <p:attrName>ppt_w</p:attrName>
@@ -11676,7 +11988,7 @@
                                       <p:cBhvr>
                                         <p:cTn id="127" dur="1000" fill="hold"/>
                                         <p:tgtEl>
-                                          <p:spTgt spid="197"/>
+                                          <p:spTgt spid="202"/>
                                         </p:tgtEl>
                                         <p:attrNameLst>
                                           <p:attrName>ppt_h</p:attrName>
@@ -11699,7 +12011,7 @@
                                       <p:cBhvr>
                                         <p:cTn id="128" dur="1000" fill="hold"/>
                                         <p:tgtEl>
-                                          <p:spTgt spid="197"/>
+                                          <p:spTgt spid="202"/>
                                         </p:tgtEl>
                                         <p:attrNameLst>
                                           <p:attrName>ppt_x</p:attrName>
@@ -11722,7 +12034,7 @@
                                       <p:cBhvr>
                                         <p:cTn id="129" dur="1000" fill="hold"/>
                                         <p:tgtEl>
-                                          <p:spTgt spid="197"/>
+                                          <p:spTgt spid="202"/>
                                         </p:tgtEl>
                                         <p:attrNameLst>
                                           <p:attrName>ppt_y</p:attrName>
@@ -11766,7 +12078,7 @@
                                       <p:cBhvr>
                                         <p:cTn id="132" fill="hold"/>
                                         <p:tgtEl>
-                                          <p:spTgt spid="200"/>
+                                          <p:spTgt spid="205"/>
                                         </p:tgtEl>
                                         <p:attrNameLst>
                                           <p:attrName>style.visibility</p:attrName>
@@ -11780,7 +12092,7 @@
                                       <p:cBhvr>
                                         <p:cTn id="133" dur="1000" fill="hold"/>
                                         <p:tgtEl>
-                                          <p:spTgt spid="200"/>
+                                          <p:spTgt spid="205"/>
                                         </p:tgtEl>
                                         <p:attrNameLst>
                                           <p:attrName>ppt_w</p:attrName>
@@ -11803,7 +12115,7 @@
                                       <p:cBhvr>
                                         <p:cTn id="134" dur="1000" fill="hold"/>
                                         <p:tgtEl>
-                                          <p:spTgt spid="200"/>
+                                          <p:spTgt spid="205"/>
                                         </p:tgtEl>
                                         <p:attrNameLst>
                                           <p:attrName>ppt_h</p:attrName>
@@ -11826,7 +12138,7 @@
                                       <p:cBhvr>
                                         <p:cTn id="135" dur="1000" fill="hold"/>
                                         <p:tgtEl>
-                                          <p:spTgt spid="200"/>
+                                          <p:spTgt spid="205"/>
                                         </p:tgtEl>
                                         <p:attrNameLst>
                                           <p:attrName>ppt_x</p:attrName>
@@ -11849,7 +12161,7 @@
                                       <p:cBhvr>
                                         <p:cTn id="136" dur="1000" fill="hold"/>
                                         <p:tgtEl>
-                                          <p:spTgt spid="200"/>
+                                          <p:spTgt spid="205"/>
                                         </p:tgtEl>
                                         <p:attrNameLst>
                                           <p:attrName>ppt_y</p:attrName>
@@ -11893,7 +12205,7 @@
                                       <p:cBhvr>
                                         <p:cTn id="139" fill="hold"/>
                                         <p:tgtEl>
-                                          <p:spTgt spid="206"/>
+                                          <p:spTgt spid="212"/>
                                         </p:tgtEl>
                                         <p:attrNameLst>
                                           <p:attrName>style.visibility</p:attrName>
@@ -11907,7 +12219,7 @@
                                       <p:cBhvr>
                                         <p:cTn id="140" dur="1000" fill="hold"/>
                                         <p:tgtEl>
-                                          <p:spTgt spid="206"/>
+                                          <p:spTgt spid="212"/>
                                         </p:tgtEl>
                                         <p:attrNameLst>
                                           <p:attrName>ppt_w</p:attrName>
@@ -11930,7 +12242,7 @@
                                       <p:cBhvr>
                                         <p:cTn id="141" dur="1000" fill="hold"/>
                                         <p:tgtEl>
-                                          <p:spTgt spid="206"/>
+                                          <p:spTgt spid="212"/>
                                         </p:tgtEl>
                                         <p:attrNameLst>
                                           <p:attrName>ppt_h</p:attrName>
@@ -11953,7 +12265,7 @@
                                       <p:cBhvr>
                                         <p:cTn id="142" dur="1000" fill="hold"/>
                                         <p:tgtEl>
-                                          <p:spTgt spid="206"/>
+                                          <p:spTgt spid="212"/>
                                         </p:tgtEl>
                                         <p:attrNameLst>
                                           <p:attrName>ppt_x</p:attrName>
@@ -11976,7 +12288,7 @@
                                       <p:cBhvr>
                                         <p:cTn id="143" dur="1000" fill="hold"/>
                                         <p:tgtEl>
-                                          <p:spTgt spid="206"/>
+                                          <p:spTgt spid="212"/>
                                         </p:tgtEl>
                                         <p:attrNameLst>
                                           <p:attrName>ppt_y</p:attrName>
@@ -12020,7 +12332,7 @@
                                       <p:cBhvr>
                                         <p:cTn id="146" fill="hold"/>
                                         <p:tgtEl>
-                                          <p:spTgt spid="207"/>
+                                          <p:spTgt spid="213"/>
                                         </p:tgtEl>
                                         <p:attrNameLst>
                                           <p:attrName>style.visibility</p:attrName>
@@ -12034,7 +12346,7 @@
                                       <p:cBhvr>
                                         <p:cTn id="147" dur="1000" fill="hold"/>
                                         <p:tgtEl>
-                                          <p:spTgt spid="207"/>
+                                          <p:spTgt spid="213"/>
                                         </p:tgtEl>
                                         <p:attrNameLst>
                                           <p:attrName>ppt_w</p:attrName>
@@ -12057,7 +12369,7 @@
                                       <p:cBhvr>
                                         <p:cTn id="148" dur="1000" fill="hold"/>
                                         <p:tgtEl>
-                                          <p:spTgt spid="207"/>
+                                          <p:spTgt spid="213"/>
                                         </p:tgtEl>
                                         <p:attrNameLst>
                                           <p:attrName>ppt_h</p:attrName>
@@ -12080,7 +12392,7 @@
                                       <p:cBhvr>
                                         <p:cTn id="149" dur="1000" fill="hold"/>
                                         <p:tgtEl>
-                                          <p:spTgt spid="207"/>
+                                          <p:spTgt spid="213"/>
                                         </p:tgtEl>
                                         <p:attrNameLst>
                                           <p:attrName>ppt_x</p:attrName>
@@ -12103,7 +12415,7 @@
                                       <p:cBhvr>
                                         <p:cTn id="150" dur="1000" fill="hold"/>
                                         <p:tgtEl>
-                                          <p:spTgt spid="207"/>
+                                          <p:spTgt spid="213"/>
                                         </p:tgtEl>
                                         <p:attrNameLst>
                                           <p:attrName>ppt_y</p:attrName>
@@ -12147,7 +12459,7 @@
                                       <p:cBhvr>
                                         <p:cTn id="153" fill="hold"/>
                                         <p:tgtEl>
-                                          <p:spTgt spid="203"/>
+                                          <p:spTgt spid="209"/>
                                         </p:tgtEl>
                                         <p:attrNameLst>
                                           <p:attrName>style.visibility</p:attrName>
@@ -12161,7 +12473,7 @@
                                       <p:cBhvr>
                                         <p:cTn id="154" dur="1000" fill="hold"/>
                                         <p:tgtEl>
-                                          <p:spTgt spid="203"/>
+                                          <p:spTgt spid="209"/>
                                         </p:tgtEl>
                                         <p:attrNameLst>
                                           <p:attrName>ppt_w</p:attrName>
@@ -12184,7 +12496,7 @@
                                       <p:cBhvr>
                                         <p:cTn id="155" dur="1000" fill="hold"/>
                                         <p:tgtEl>
-                                          <p:spTgt spid="203"/>
+                                          <p:spTgt spid="209"/>
                                         </p:tgtEl>
                                         <p:attrNameLst>
                                           <p:attrName>ppt_h</p:attrName>
@@ -12207,7 +12519,7 @@
                                       <p:cBhvr>
                                         <p:cTn id="156" dur="1000" fill="hold"/>
                                         <p:tgtEl>
-                                          <p:spTgt spid="203"/>
+                                          <p:spTgt spid="209"/>
                                         </p:tgtEl>
                                         <p:attrNameLst>
                                           <p:attrName>ppt_x</p:attrName>
@@ -12230,7 +12542,7 @@
                                       <p:cBhvr>
                                         <p:cTn id="157" dur="1000" fill="hold"/>
                                         <p:tgtEl>
-                                          <p:spTgt spid="203"/>
+                                          <p:spTgt spid="209"/>
                                         </p:tgtEl>
                                         <p:attrNameLst>
                                           <p:attrName>ppt_y</p:attrName>
@@ -12274,7 +12586,7 @@
                                       <p:cBhvr>
                                         <p:cTn id="160" fill="hold"/>
                                         <p:tgtEl>
-                                          <p:spTgt spid="204"/>
+                                          <p:spTgt spid="210"/>
                                         </p:tgtEl>
                                         <p:attrNameLst>
                                           <p:attrName>style.visibility</p:attrName>
@@ -12288,7 +12600,7 @@
                                       <p:cBhvr>
                                         <p:cTn id="161" dur="1000" fill="hold"/>
                                         <p:tgtEl>
-                                          <p:spTgt spid="204"/>
+                                          <p:spTgt spid="210"/>
                                         </p:tgtEl>
                                         <p:attrNameLst>
                                           <p:attrName>ppt_w</p:attrName>
@@ -12311,7 +12623,7 @@
                                       <p:cBhvr>
                                         <p:cTn id="162" dur="1000" fill="hold"/>
                                         <p:tgtEl>
-                                          <p:spTgt spid="204"/>
+                                          <p:spTgt spid="210"/>
                                         </p:tgtEl>
                                         <p:attrNameLst>
                                           <p:attrName>ppt_h</p:attrName>
@@ -12334,7 +12646,7 @@
                                       <p:cBhvr>
                                         <p:cTn id="163" dur="1000" fill="hold"/>
                                         <p:tgtEl>
-                                          <p:spTgt spid="204"/>
+                                          <p:spTgt spid="210"/>
                                         </p:tgtEl>
                                         <p:attrNameLst>
                                           <p:attrName>ppt_x</p:attrName>
@@ -12357,7 +12669,7 @@
                                       <p:cBhvr>
                                         <p:cTn id="164" dur="1000" fill="hold"/>
                                         <p:tgtEl>
-                                          <p:spTgt spid="204"/>
+                                          <p:spTgt spid="210"/>
                                         </p:tgtEl>
                                         <p:attrNameLst>
                                           <p:attrName>ppt_y</p:attrName>
@@ -12401,7 +12713,7 @@
                                       <p:cBhvr>
                                         <p:cTn id="167" fill="hold"/>
                                         <p:tgtEl>
-                                          <p:spTgt spid="205"/>
+                                          <p:spTgt spid="211"/>
                                         </p:tgtEl>
                                         <p:attrNameLst>
                                           <p:attrName>style.visibility</p:attrName>
@@ -12415,7 +12727,7 @@
                                       <p:cBhvr>
                                         <p:cTn id="168" dur="1000" fill="hold"/>
                                         <p:tgtEl>
-                                          <p:spTgt spid="205"/>
+                                          <p:spTgt spid="211"/>
                                         </p:tgtEl>
                                         <p:attrNameLst>
                                           <p:attrName>ppt_w</p:attrName>
@@ -12438,7 +12750,7 @@
                                       <p:cBhvr>
                                         <p:cTn id="169" dur="1000" fill="hold"/>
                                         <p:tgtEl>
-                                          <p:spTgt spid="205"/>
+                                          <p:spTgt spid="211"/>
                                         </p:tgtEl>
                                         <p:attrNameLst>
                                           <p:attrName>ppt_h</p:attrName>
@@ -12461,7 +12773,7 @@
                                       <p:cBhvr>
                                         <p:cTn id="170" dur="1000" fill="hold"/>
                                         <p:tgtEl>
-                                          <p:spTgt spid="205"/>
+                                          <p:spTgt spid="211"/>
                                         </p:tgtEl>
                                         <p:attrNameLst>
                                           <p:attrName>ppt_x</p:attrName>
@@ -12484,7 +12796,7 @@
                                       <p:cBhvr>
                                         <p:cTn id="171" dur="1000" fill="hold"/>
                                         <p:tgtEl>
-                                          <p:spTgt spid="205"/>
+                                          <p:spTgt spid="211"/>
                                         </p:tgtEl>
                                         <p:attrNameLst>
                                           <p:attrName>ppt_y</p:attrName>
@@ -12528,7 +12840,7 @@
                                       <p:cBhvr>
                                         <p:cTn id="174" fill="hold"/>
                                         <p:tgtEl>
-                                          <p:spTgt spid="202"/>
+                                          <p:spTgt spid="208"/>
                                         </p:tgtEl>
                                         <p:attrNameLst>
                                           <p:attrName>style.visibility</p:attrName>
@@ -12542,7 +12854,7 @@
                                       <p:cBhvr>
                                         <p:cTn id="175" dur="1000" fill="hold"/>
                                         <p:tgtEl>
-                                          <p:spTgt spid="202"/>
+                                          <p:spTgt spid="208"/>
                                         </p:tgtEl>
                                         <p:attrNameLst>
                                           <p:attrName>ppt_w</p:attrName>
@@ -12565,7 +12877,7 @@
                                       <p:cBhvr>
                                         <p:cTn id="176" dur="1000" fill="hold"/>
                                         <p:tgtEl>
-                                          <p:spTgt spid="202"/>
+                                          <p:spTgt spid="208"/>
                                         </p:tgtEl>
                                         <p:attrNameLst>
                                           <p:attrName>ppt_h</p:attrName>
@@ -12588,7 +12900,7 @@
                                       <p:cBhvr>
                                         <p:cTn id="177" dur="1000" fill="hold"/>
                                         <p:tgtEl>
-                                          <p:spTgt spid="202"/>
+                                          <p:spTgt spid="208"/>
                                         </p:tgtEl>
                                         <p:attrNameLst>
                                           <p:attrName>ppt_x</p:attrName>
@@ -12611,7 +12923,7 @@
                                       <p:cBhvr>
                                         <p:cTn id="178" dur="1000" fill="hold"/>
                                         <p:tgtEl>
-                                          <p:spTgt spid="202"/>
+                                          <p:spTgt spid="208"/>
                                         </p:tgtEl>
                                         <p:attrNameLst>
                                           <p:attrName>ppt_y</p:attrName>
@@ -12655,7 +12967,7 @@
                                       <p:cBhvr>
                                         <p:cTn id="181" fill="hold"/>
                                         <p:tgtEl>
-                                          <p:spTgt spid="210"/>
+                                          <p:spTgt spid="216"/>
                                         </p:tgtEl>
                                         <p:attrNameLst>
                                           <p:attrName>style.visibility</p:attrName>
@@ -12669,7 +12981,7 @@
                                       <p:cBhvr>
                                         <p:cTn id="182" dur="1000" fill="hold"/>
                                         <p:tgtEl>
-                                          <p:spTgt spid="210"/>
+                                          <p:spTgt spid="216"/>
                                         </p:tgtEl>
                                         <p:attrNameLst>
                                           <p:attrName>ppt_w</p:attrName>
@@ -12692,7 +13004,7 @@
                                       <p:cBhvr>
                                         <p:cTn id="183" dur="1000" fill="hold"/>
                                         <p:tgtEl>
-                                          <p:spTgt spid="210"/>
+                                          <p:spTgt spid="216"/>
                                         </p:tgtEl>
                                         <p:attrNameLst>
                                           <p:attrName>ppt_h</p:attrName>
@@ -12715,7 +13027,7 @@
                                       <p:cBhvr>
                                         <p:cTn id="184" dur="1000" fill="hold"/>
                                         <p:tgtEl>
-                                          <p:spTgt spid="210"/>
+                                          <p:spTgt spid="216"/>
                                         </p:tgtEl>
                                         <p:attrNameLst>
                                           <p:attrName>ppt_x</p:attrName>
@@ -12738,7 +13050,7 @@
                                       <p:cBhvr>
                                         <p:cTn id="185" dur="1000" fill="hold"/>
                                         <p:tgtEl>
-                                          <p:spTgt spid="210"/>
+                                          <p:spTgt spid="216"/>
                                         </p:tgtEl>
                                         <p:attrNameLst>
                                           <p:attrName>ppt_y</p:attrName>
@@ -12782,7 +13094,7 @@
                                       <p:cBhvr>
                                         <p:cTn id="188" fill="hold"/>
                                         <p:tgtEl>
-                                          <p:spTgt spid="209"/>
+                                          <p:spTgt spid="215"/>
                                         </p:tgtEl>
                                         <p:attrNameLst>
                                           <p:attrName>style.visibility</p:attrName>
@@ -12796,7 +13108,7 @@
                                       <p:cBhvr>
                                         <p:cTn id="189" dur="1000" fill="hold"/>
                                         <p:tgtEl>
-                                          <p:spTgt spid="209"/>
+                                          <p:spTgt spid="215"/>
                                         </p:tgtEl>
                                         <p:attrNameLst>
                                           <p:attrName>ppt_w</p:attrName>
@@ -12819,7 +13131,7 @@
                                       <p:cBhvr>
                                         <p:cTn id="190" dur="1000" fill="hold"/>
                                         <p:tgtEl>
-                                          <p:spTgt spid="209"/>
+                                          <p:spTgt spid="215"/>
                                         </p:tgtEl>
                                         <p:attrNameLst>
                                           <p:attrName>ppt_h</p:attrName>
@@ -12842,7 +13154,7 @@
                                       <p:cBhvr>
                                         <p:cTn id="191" dur="1000" fill="hold"/>
                                         <p:tgtEl>
-                                          <p:spTgt spid="209"/>
+                                          <p:spTgt spid="215"/>
                                         </p:tgtEl>
                                         <p:attrNameLst>
                                           <p:attrName>ppt_x</p:attrName>
@@ -12865,7 +13177,7 @@
                                       <p:cBhvr>
                                         <p:cTn id="192" dur="1000" fill="hold"/>
                                         <p:tgtEl>
-                                          <p:spTgt spid="209"/>
+                                          <p:spTgt spid="215"/>
                                         </p:tgtEl>
                                         <p:attrNameLst>
                                           <p:attrName>ppt_y</p:attrName>
@@ -12909,7 +13221,7 @@
                                       <p:cBhvr>
                                         <p:cTn id="195" fill="hold"/>
                                         <p:tgtEl>
-                                          <p:spTgt spid="211"/>
+                                          <p:spTgt spid="218"/>
                                         </p:tgtEl>
                                         <p:attrNameLst>
                                           <p:attrName>style.visibility</p:attrName>
@@ -12923,7 +13235,7 @@
                                       <p:cBhvr>
                                         <p:cTn id="196" dur="1000" fill="hold"/>
                                         <p:tgtEl>
-                                          <p:spTgt spid="211"/>
+                                          <p:spTgt spid="218"/>
                                         </p:tgtEl>
                                         <p:attrNameLst>
                                           <p:attrName>ppt_w</p:attrName>
@@ -12946,7 +13258,7 @@
                                       <p:cBhvr>
                                         <p:cTn id="197" dur="1000" fill="hold"/>
                                         <p:tgtEl>
-                                          <p:spTgt spid="211"/>
+                                          <p:spTgt spid="218"/>
                                         </p:tgtEl>
                                         <p:attrNameLst>
                                           <p:attrName>ppt_h</p:attrName>
@@ -12969,7 +13281,7 @@
                                       <p:cBhvr>
                                         <p:cTn id="198" dur="1000" fill="hold"/>
                                         <p:tgtEl>
-                                          <p:spTgt spid="211"/>
+                                          <p:spTgt spid="218"/>
                                         </p:tgtEl>
                                         <p:attrNameLst>
                                           <p:attrName>ppt_x</p:attrName>
@@ -12992,7 +13304,7 @@
                                       <p:cBhvr>
                                         <p:cTn id="199" dur="1000" fill="hold"/>
                                         <p:tgtEl>
-                                          <p:spTgt spid="211"/>
+                                          <p:spTgt spid="218"/>
                                         </p:tgtEl>
                                         <p:attrNameLst>
                                           <p:attrName>ppt_y</p:attrName>
@@ -13036,7 +13348,7 @@
                                       <p:cBhvr>
                                         <p:cTn id="202" fill="hold"/>
                                         <p:tgtEl>
-                                          <p:spTgt spid="208"/>
+                                          <p:spTgt spid="214"/>
                                         </p:tgtEl>
                                         <p:attrNameLst>
                                           <p:attrName>style.visibility</p:attrName>
@@ -13050,7 +13362,7 @@
                                       <p:cBhvr>
                                         <p:cTn id="203" dur="1000" fill="hold"/>
                                         <p:tgtEl>
-                                          <p:spTgt spid="208"/>
+                                          <p:spTgt spid="214"/>
                                         </p:tgtEl>
                                         <p:attrNameLst>
                                           <p:attrName>ppt_w</p:attrName>
@@ -13073,7 +13385,7 @@
                                       <p:cBhvr>
                                         <p:cTn id="204" dur="1000" fill="hold"/>
                                         <p:tgtEl>
-                                          <p:spTgt spid="208"/>
+                                          <p:spTgt spid="214"/>
                                         </p:tgtEl>
                                         <p:attrNameLst>
                                           <p:attrName>ppt_h</p:attrName>
@@ -13096,7 +13408,7 @@
                                       <p:cBhvr>
                                         <p:cTn id="205" dur="1000" fill="hold"/>
                                         <p:tgtEl>
-                                          <p:spTgt spid="208"/>
+                                          <p:spTgt spid="214"/>
                                         </p:tgtEl>
                                         <p:attrNameLst>
                                           <p:attrName>ppt_x</p:attrName>
@@ -13119,7 +13431,7 @@
                                       <p:cBhvr>
                                         <p:cTn id="206" dur="1000" fill="hold"/>
                                         <p:tgtEl>
-                                          <p:spTgt spid="208"/>
+                                          <p:spTgt spid="214"/>
                                         </p:tgtEl>
                                         <p:attrNameLst>
                                           <p:attrName>ppt_y</p:attrName>
@@ -13169,35 +13481,35 @@
       </p:par>
     </p:tnLst>
     <p:bldLst>
-      <p:bldP build="whole" bldLvl="1" animBg="1" rev="0" advAuto="0" spid="208" grpId="29"/>
-      <p:bldP build="whole" bldLvl="1" animBg="1" rev="0" advAuto="0" spid="201" grpId="14"/>
-      <p:bldP build="whole" bldLvl="1" animBg="1" rev="0" advAuto="0" spid="189" grpId="7"/>
-      <p:bldP build="whole" bldLvl="1" animBg="1" rev="0" advAuto="0" spid="190" grpId="9"/>
-      <p:bldP build="whole" bldLvl="1" animBg="1" rev="0" advAuto="0" spid="181" grpId="3"/>
-      <p:bldP build="whole" bldLvl="1" animBg="1" rev="0" advAuto="0" spid="202" grpId="25"/>
-      <p:bldP build="whole" bldLvl="1" animBg="1" rev="0" advAuto="0" spid="206" grpId="20"/>
-      <p:bldP build="whole" bldLvl="1" animBg="1" rev="0" advAuto="0" spid="200" grpId="19"/>
-      <p:bldP build="whole" bldLvl="1" animBg="1" rev="0" advAuto="0" spid="180" grpId="2"/>
-      <p:bldP build="whole" bldLvl="1" animBg="1" rev="0" advAuto="0" spid="194" grpId="12"/>
-      <p:bldP build="whole" bldLvl="1" animBg="1" rev="0" advAuto="0" spid="192" grpId="8"/>
-      <p:bldP build="whole" bldLvl="1" animBg="1" rev="0" advAuto="0" spid="196" grpId="16"/>
-      <p:bldP build="whole" bldLvl="1" animBg="1" rev="0" advAuto="0" spid="195" grpId="13"/>
-      <p:bldP build="whole" bldLvl="1" animBg="1" rev="0" advAuto="0" spid="197" grpId="18"/>
-      <p:bldP build="whole" bldLvl="1" animBg="1" rev="0" advAuto="0" spid="182" grpId="4"/>
-      <p:bldP build="whole" bldLvl="1" animBg="1" rev="0" advAuto="0" spid="198" grpId="15"/>
-      <p:bldP build="whole" bldLvl="1" animBg="1" rev="0" advAuto="0" spid="187" grpId="6"/>
-      <p:bldP build="whole" bldLvl="1" animBg="1" rev="0" advAuto="0" spid="207" grpId="21"/>
-      <p:bldP build="whole" bldLvl="1" animBg="1" rev="0" advAuto="0" spid="205" grpId="24"/>
-      <p:bldP build="whole" bldLvl="1" animBg="1" rev="0" advAuto="0" spid="211" grpId="28"/>
-      <p:bldP build="whole" bldLvl="1" animBg="1" rev="0" advAuto="0" spid="179" grpId="1"/>
-      <p:bldP build="whole" bldLvl="1" animBg="1" rev="0" advAuto="0" spid="199" grpId="17"/>
-      <p:bldP build="whole" bldLvl="1" animBg="1" rev="0" advAuto="0" spid="193" grpId="10"/>
-      <p:bldP build="whole" bldLvl="1" animBg="1" rev="0" advAuto="0" spid="188" grpId="5"/>
-      <p:bldP build="whole" bldLvl="1" animBg="1" rev="0" advAuto="0" spid="204" grpId="23"/>
-      <p:bldP build="whole" bldLvl="1" animBg="1" rev="0" advAuto="0" spid="203" grpId="22"/>
-      <p:bldP build="whole" bldLvl="1" animBg="1" rev="0" advAuto="0" spid="210" grpId="26"/>
-      <p:bldP build="whole" bldLvl="1" animBg="1" rev="0" advAuto="0" spid="191" grpId="11"/>
-      <p:bldP build="whole" bldLvl="1" animBg="1" rev="0" advAuto="0" spid="209" grpId="27"/>
+      <p:bldP build="whole" bldLvl="1" animBg="1" rev="0" advAuto="0" spid="213" grpId="21"/>
+      <p:bldP build="whole" bldLvl="1" animBg="1" rev="0" advAuto="0" spid="196" grpId="11"/>
+      <p:bldP build="whole" bldLvl="1" animBg="1" rev="0" advAuto="0" spid="211" grpId="24"/>
+      <p:bldP build="whole" bldLvl="1" animBg="1" rev="0" advAuto="0" spid="215" grpId="27"/>
+      <p:bldP build="whole" bldLvl="1" animBg="1" rev="0" advAuto="0" spid="214" grpId="29"/>
+      <p:bldP build="whole" bldLvl="1" animBg="1" rev="0" advAuto="0" spid="210" grpId="23"/>
+      <p:bldP build="whole" bldLvl="1" animBg="1" rev="0" advAuto="0" spid="200" grpId="13"/>
+      <p:bldP build="whole" bldLvl="1" animBg="1" rev="0" advAuto="0" spid="204" grpId="17"/>
+      <p:bldP build="whole" bldLvl="1" animBg="1" rev="0" advAuto="0" spid="192" grpId="5"/>
+      <p:bldP build="whole" bldLvl="1" animBg="1" rev="0" advAuto="0" spid="212" grpId="20"/>
+      <p:bldP build="whole" bldLvl="1" animBg="1" rev="0" advAuto="0" spid="209" grpId="22"/>
+      <p:bldP build="whole" bldLvl="1" animBg="1" rev="0" advAuto="0" spid="216" grpId="26"/>
+      <p:bldP build="whole" bldLvl="1" animBg="1" rev="0" advAuto="0" spid="185" grpId="4"/>
+      <p:bldP build="whole" bldLvl="1" animBg="1" rev="0" advAuto="0" spid="197" grpId="8"/>
+      <p:bldP build="whole" bldLvl="1" animBg="1" rev="0" advAuto="0" spid="198" grpId="10"/>
+      <p:bldP build="whole" bldLvl="1" animBg="1" rev="0" advAuto="0" spid="218" grpId="28"/>
+      <p:bldP build="whole" bldLvl="1" animBg="1" rev="0" advAuto="0" spid="194" grpId="7"/>
+      <p:bldP build="whole" bldLvl="1" animBg="1" rev="0" advAuto="0" spid="208" grpId="25"/>
+      <p:bldP build="whole" bldLvl="1" animBg="1" rev="0" advAuto="0" spid="184" grpId="3"/>
+      <p:bldP build="whole" bldLvl="1" animBg="1" rev="0" advAuto="0" spid="191" grpId="6"/>
+      <p:bldP build="whole" bldLvl="1" animBg="1" rev="0" advAuto="0" spid="182" grpId="1"/>
+      <p:bldP build="whole" bldLvl="1" animBg="1" rev="0" advAuto="0" spid="199" grpId="12"/>
+      <p:bldP build="whole" bldLvl="1" animBg="1" rev="0" advAuto="0" spid="203" grpId="15"/>
+      <p:bldP build="whole" bldLvl="1" animBg="1" rev="0" advAuto="0" spid="202" grpId="18"/>
+      <p:bldP build="whole" bldLvl="1" animBg="1" rev="0" advAuto="0" spid="205" grpId="19"/>
+      <p:bldP build="whole" bldLvl="1" animBg="1" rev="0" advAuto="0" spid="201" grpId="16"/>
+      <p:bldP build="whole" bldLvl="1" animBg="1" rev="0" advAuto="0" spid="183" grpId="2"/>
+      <p:bldP build="whole" bldLvl="1" animBg="1" rev="0" advAuto="0" spid="206" grpId="14"/>
+      <p:bldP build="whole" bldLvl="1" animBg="1" rev="0" advAuto="0" spid="195" grpId="9"/>
     </p:bldLst>
   </p:timing>
 </p:sld>
@@ -13209,7 +13521,7 @@
     <p:bg>
       <p:bgPr>
         <a:solidFill>
-          <a:srgbClr val="0433FF"/>
+          <a:srgbClr val="0096FF"/>
         </a:solidFill>
       </p:bgPr>
     </p:bg>
@@ -13229,7 +13541,7 @@
       </p:grpSpPr>
       <p:sp>
         <p:nvSpPr>
-          <p:cNvPr id="213" name="Shape 213"/>
+          <p:cNvPr id="220" name="Shape 220"/>
           <p:cNvSpPr/>
           <p:nvPr>
             <p:ph type="body" idx="13"/>
@@ -13269,7 +13581,7 @@
       </p:sp>
       <p:pic>
         <p:nvPicPr>
-          <p:cNvPr id="214" name="nederland-kaart.png"/>
+          <p:cNvPr id="221" name="nederland-kaart.png"/>
           <p:cNvPicPr>
             <a:picLocks noChangeAspect="1"/>
           </p:cNvPicPr>
@@ -13298,7 +13610,7 @@
       </p:pic>
       <p:pic>
         <p:nvPicPr>
-          <p:cNvPr id="215" name="nexus4_portrait.png"/>
+          <p:cNvPr id="222" name="nexus4_portrait.png"/>
           <p:cNvPicPr>
             <a:picLocks noChangeAspect="1"/>
           </p:cNvPicPr>
@@ -13327,7 +13639,7 @@
       </p:pic>
       <p:sp>
         <p:nvSpPr>
-          <p:cNvPr id="216" name="Shape 216"/>
+          <p:cNvPr id="223" name="Shape 223"/>
           <p:cNvSpPr/>
           <p:nvPr/>
         </p:nvSpPr>
@@ -13445,7 +13757,7 @@
                                       <p:cBhvr>
                                         <p:cTn id="6" fill="hold"/>
                                         <p:tgtEl>
-                                          <p:spTgt spid="215"/>
+                                          <p:spTgt spid="222"/>
                                         </p:tgtEl>
                                         <p:attrNameLst>
                                           <p:attrName>style.visibility</p:attrName>
@@ -13459,7 +13771,7 @@
                                       <p:cBhvr>
                                         <p:cTn id="7" dur="1000" fill="hold"/>
                                         <p:tgtEl>
-                                          <p:spTgt spid="215"/>
+                                          <p:spTgt spid="222"/>
                                         </p:tgtEl>
                                         <p:attrNameLst>
                                           <p:attrName>ppt_w</p:attrName>
@@ -13482,7 +13794,7 @@
                                       <p:cBhvr>
                                         <p:cTn id="8" dur="1000" fill="hold"/>
                                         <p:tgtEl>
-                                          <p:spTgt spid="215"/>
+                                          <p:spTgt spid="222"/>
                                         </p:tgtEl>
                                         <p:attrNameLst>
                                           <p:attrName>ppt_h</p:attrName>
@@ -13505,7 +13817,7 @@
                                       <p:cBhvr>
                                         <p:cTn id="9" dur="1000" fill="hold"/>
                                         <p:tgtEl>
-                                          <p:spTgt spid="215"/>
+                                          <p:spTgt spid="222"/>
                                         </p:tgtEl>
                                         <p:attrNameLst>
                                           <p:attrName>ppt_x</p:attrName>
@@ -13528,7 +13840,7 @@
                                       <p:cBhvr>
                                         <p:cTn id="10" dur="1000" fill="hold"/>
                                         <p:tgtEl>
-                                          <p:spTgt spid="215"/>
+                                          <p:spTgt spid="222"/>
                                         </p:tgtEl>
                                         <p:attrNameLst>
                                           <p:attrName>ppt_y</p:attrName>
@@ -13572,7 +13884,7 @@
                                       <p:cBhvr>
                                         <p:cTn id="13" fill="hold"/>
                                         <p:tgtEl>
-                                          <p:spTgt spid="216"/>
+                                          <p:spTgt spid="223"/>
                                         </p:tgtEl>
                                         <p:attrNameLst>
                                           <p:attrName>style.visibility</p:attrName>
@@ -13586,7 +13898,7 @@
                                       <p:cBhvr>
                                         <p:cTn id="14" dur="1000" fill="hold"/>
                                         <p:tgtEl>
-                                          <p:spTgt spid="216"/>
+                                          <p:spTgt spid="223"/>
                                         </p:tgtEl>
                                         <p:attrNameLst>
                                           <p:attrName>ppt_w</p:attrName>
@@ -13609,7 +13921,7 @@
                                       <p:cBhvr>
                                         <p:cTn id="15" dur="1000" fill="hold"/>
                                         <p:tgtEl>
-                                          <p:spTgt spid="216"/>
+                                          <p:spTgt spid="223"/>
                                         </p:tgtEl>
                                         <p:attrNameLst>
                                           <p:attrName>ppt_h</p:attrName>
@@ -13632,7 +13944,7 @@
                                       <p:cBhvr>
                                         <p:cTn id="16" dur="1000" fill="hold"/>
                                         <p:tgtEl>
-                                          <p:spTgt spid="216"/>
+                                          <p:spTgt spid="223"/>
                                         </p:tgtEl>
                                         <p:attrNameLst>
                                           <p:attrName>ppt_x</p:attrName>
@@ -13655,7 +13967,7 @@
                                       <p:cBhvr>
                                         <p:cTn id="17" dur="1000" fill="hold"/>
                                         <p:tgtEl>
-                                          <p:spTgt spid="216"/>
+                                          <p:spTgt spid="223"/>
                                         </p:tgtEl>
                                         <p:attrNameLst>
                                           <p:attrName>ppt_y</p:attrName>
@@ -13705,8 +14017,8 @@
       </p:par>
     </p:tnLst>
     <p:bldLst>
-      <p:bldP build="whole" bldLvl="1" animBg="1" rev="0" advAuto="0" spid="215" grpId="1"/>
-      <p:bldP build="whole" bldLvl="1" animBg="1" rev="0" advAuto="0" spid="216" grpId="2"/>
+      <p:bldP build="whole" bldLvl="1" animBg="1" rev="0" advAuto="0" spid="223" grpId="2"/>
+      <p:bldP build="whole" bldLvl="1" animBg="1" rev="0" advAuto="0" spid="222" grpId="1"/>
     </p:bldLst>
   </p:timing>
 </p:sld>
@@ -13718,7 +14030,7 @@
     <p:bg>
       <p:bgPr>
         <a:solidFill>
-          <a:srgbClr val="0433FF"/>
+          <a:srgbClr val="0096FF"/>
         </a:solidFill>
       </p:bgPr>
     </p:bg>
@@ -13738,7 +14050,7 @@
       </p:grpSpPr>
       <p:sp>
         <p:nvSpPr>
-          <p:cNvPr id="218" name="Shape 218"/>
+          <p:cNvPr id="225" name="Shape 225"/>
           <p:cNvSpPr/>
           <p:nvPr>
             <p:ph type="body" idx="13"/>
@@ -13778,7 +14090,7 @@
       </p:sp>
       <p:pic>
         <p:nvPicPr>
-          <p:cNvPr id="219" name="nederland-kaart.png"/>
+          <p:cNvPr id="226" name="nederland-kaart.png"/>
           <p:cNvPicPr>
             <a:picLocks noChangeAspect="1"/>
           </p:cNvPicPr>
@@ -13807,7 +14119,7 @@
       </p:pic>
       <p:pic>
         <p:nvPicPr>
-          <p:cNvPr id="220" name="nexus4_portrait.png"/>
+          <p:cNvPr id="227" name="nexus4_portrait.png"/>
           <p:cNvPicPr>
             <a:picLocks noChangeAspect="1"/>
           </p:cNvPicPr>
@@ -13836,7 +14148,7 @@
       </p:pic>
       <p:sp>
         <p:nvSpPr>
-          <p:cNvPr id="221" name="Shape 221"/>
+          <p:cNvPr id="228" name="Shape 228"/>
           <p:cNvSpPr/>
           <p:nvPr/>
         </p:nvSpPr>
@@ -13981,7 +14293,7 @@
                                       <p:cBhvr>
                                         <p:cTn id="6" fill="hold"/>
                                         <p:tgtEl>
-                                          <p:spTgt spid="220"/>
+                                          <p:spTgt spid="227"/>
                                         </p:tgtEl>
                                         <p:attrNameLst>
                                           <p:attrName>style.visibility</p:attrName>
@@ -13995,7 +14307,7 @@
                                       <p:cBhvr>
                                         <p:cTn id="7" dur="1000" fill="hold"/>
                                         <p:tgtEl>
-                                          <p:spTgt spid="220"/>
+                                          <p:spTgt spid="227"/>
                                         </p:tgtEl>
                                         <p:attrNameLst>
                                           <p:attrName>ppt_w</p:attrName>
@@ -14018,7 +14330,7 @@
                                       <p:cBhvr>
                                         <p:cTn id="8" dur="1000" fill="hold"/>
                                         <p:tgtEl>
-                                          <p:spTgt spid="220"/>
+                                          <p:spTgt spid="227"/>
                                         </p:tgtEl>
                                         <p:attrNameLst>
                                           <p:attrName>ppt_h</p:attrName>
@@ -14041,7 +14353,7 @@
                                       <p:cBhvr>
                                         <p:cTn id="9" dur="1000" fill="hold"/>
                                         <p:tgtEl>
-                                          <p:spTgt spid="220"/>
+                                          <p:spTgt spid="227"/>
                                         </p:tgtEl>
                                         <p:attrNameLst>
                                           <p:attrName>ppt_x</p:attrName>
@@ -14064,7 +14376,7 @@
                                       <p:cBhvr>
                                         <p:cTn id="10" dur="1000" fill="hold"/>
                                         <p:tgtEl>
-                                          <p:spTgt spid="220"/>
+                                          <p:spTgt spid="227"/>
                                         </p:tgtEl>
                                         <p:attrNameLst>
                                           <p:attrName>ppt_y</p:attrName>
@@ -14108,7 +14420,7 @@
                                       <p:cBhvr>
                                         <p:cTn id="13" fill="hold"/>
                                         <p:tgtEl>
-                                          <p:spTgt spid="221"/>
+                                          <p:spTgt spid="228"/>
                                         </p:tgtEl>
                                         <p:attrNameLst>
                                           <p:attrName>style.visibility</p:attrName>
@@ -14122,7 +14434,7 @@
                                       <p:cBhvr>
                                         <p:cTn id="14" dur="1000" fill="hold"/>
                                         <p:tgtEl>
-                                          <p:spTgt spid="221"/>
+                                          <p:spTgt spid="228"/>
                                         </p:tgtEl>
                                         <p:attrNameLst>
                                           <p:attrName>ppt_w</p:attrName>
@@ -14145,7 +14457,7 @@
                                       <p:cBhvr>
                                         <p:cTn id="15" dur="1000" fill="hold"/>
                                         <p:tgtEl>
-                                          <p:spTgt spid="221"/>
+                                          <p:spTgt spid="228"/>
                                         </p:tgtEl>
                                         <p:attrNameLst>
                                           <p:attrName>ppt_h</p:attrName>
@@ -14168,7 +14480,7 @@
                                       <p:cBhvr>
                                         <p:cTn id="16" dur="1000" fill="hold"/>
                                         <p:tgtEl>
-                                          <p:spTgt spid="221"/>
+                                          <p:spTgt spid="228"/>
                                         </p:tgtEl>
                                         <p:attrNameLst>
                                           <p:attrName>ppt_x</p:attrName>
@@ -14191,7 +14503,7 @@
                                       <p:cBhvr>
                                         <p:cTn id="17" dur="1000" fill="hold"/>
                                         <p:tgtEl>
-                                          <p:spTgt spid="221"/>
+                                          <p:spTgt spid="228"/>
                                         </p:tgtEl>
                                         <p:attrNameLst>
                                           <p:attrName>ppt_y</p:attrName>
@@ -14241,8 +14553,8 @@
       </p:par>
     </p:tnLst>
     <p:bldLst>
-      <p:bldP build="whole" bldLvl="1" animBg="1" rev="0" advAuto="0" spid="220" grpId="1"/>
-      <p:bldP build="whole" bldLvl="1" animBg="1" rev="0" advAuto="0" spid="221" grpId="2"/>
+      <p:bldP build="whole" bldLvl="1" animBg="1" rev="0" advAuto="0" spid="227" grpId="1"/>
+      <p:bldP build="whole" bldLvl="1" animBg="1" rev="0" advAuto="0" spid="228" grpId="2"/>
     </p:bldLst>
   </p:timing>
 </p:sld>
@@ -14254,7 +14566,7 @@
     <p:bg>
       <p:bgPr>
         <a:solidFill>
-          <a:srgbClr val="0433FF"/>
+          <a:srgbClr val="0096FF"/>
         </a:solidFill>
       </p:bgPr>
     </p:bg>
@@ -14274,7 +14586,7 @@
       </p:grpSpPr>
       <p:pic>
         <p:nvPicPr>
-          <p:cNvPr id="223" name="nexus4_portrait.png"/>
+          <p:cNvPr id="230" name="nexus4_portrait.png"/>
           <p:cNvPicPr>
             <a:picLocks noChangeAspect="1"/>
           </p:cNvPicPr>
@@ -14303,7 +14615,7 @@
       </p:pic>
       <p:pic>
         <p:nvPicPr>
-          <p:cNvPr id="224" name="hulpeuropa.jpg"/>
+          <p:cNvPr id="231" name="hulpeuropa.jpg"/>
           <p:cNvPicPr>
             <a:picLocks noChangeAspect="1"/>
           </p:cNvPicPr>
@@ -14332,7 +14644,7 @@
       </p:pic>
       <p:pic>
         <p:nvPicPr>
-          <p:cNvPr id="225" name="nexus4_portrait.png"/>
+          <p:cNvPr id="232" name="nexus4_portrait.png"/>
           <p:cNvPicPr>
             <a:picLocks noChangeAspect="1"/>
           </p:cNvPicPr>
@@ -14361,7 +14673,7 @@
       </p:pic>
       <p:pic>
         <p:nvPicPr>
-          <p:cNvPr id="226" name="evitar-estas-sustancias-fibromialgia.png"/>
+          <p:cNvPr id="233" name="evitar-estas-sustancias-fibromialgia.png"/>
           <p:cNvPicPr>
             <a:picLocks noChangeAspect="0"/>
           </p:cNvPicPr>
@@ -14391,7 +14703,7 @@
       </p:pic>
       <p:pic>
         <p:nvPicPr>
-          <p:cNvPr id="227" name="Thema 4, lege kaart van nederland.jpg"/>
+          <p:cNvPr id="234" name="Thema 4, lege kaart van nederland.jpg"/>
           <p:cNvPicPr>
             <a:picLocks noChangeAspect="0"/>
           </p:cNvPicPr>
@@ -14420,7 +14732,7 @@
       </p:pic>
       <p:pic>
         <p:nvPicPr>
-          <p:cNvPr id="228" name="6cr674Lzi.png"/>
+          <p:cNvPr id="235" name="6cr674Lzi.png"/>
           <p:cNvPicPr>
             <a:picLocks noChangeAspect="0"/>
           </p:cNvPicPr>
@@ -14500,7 +14812,7 @@
                                       <p:cBhvr>
                                         <p:cTn id="6" fill="hold"/>
                                         <p:tgtEl>
-                                          <p:spTgt spid="225"/>
+                                          <p:spTgt spid="232"/>
                                         </p:tgtEl>
                                         <p:attrNameLst>
                                           <p:attrName>style.visibility</p:attrName>
@@ -14514,7 +14826,7 @@
                                       <p:cBhvr>
                                         <p:cTn id="7" dur="1000" fill="hold"/>
                                         <p:tgtEl>
-                                          <p:spTgt spid="225"/>
+                                          <p:spTgt spid="232"/>
                                         </p:tgtEl>
                                         <p:attrNameLst>
                                           <p:attrName>ppt_x</p:attrName>
@@ -14537,7 +14849,7 @@
                                       <p:cBhvr>
                                         <p:cTn id="8" dur="1000" fill="hold"/>
                                         <p:tgtEl>
-                                          <p:spTgt spid="225"/>
+                                          <p:spTgt spid="232"/>
                                         </p:tgtEl>
                                         <p:attrNameLst>
                                           <p:attrName>ppt_y</p:attrName>
@@ -14581,7 +14893,7 @@
                                       <p:cBhvr>
                                         <p:cTn id="11" fill="hold"/>
                                         <p:tgtEl>
-                                          <p:spTgt spid="227"/>
+                                          <p:spTgt spid="234"/>
                                         </p:tgtEl>
                                         <p:attrNameLst>
                                           <p:attrName>style.visibility</p:attrName>
@@ -14595,7 +14907,7 @@
                                       <p:cBhvr>
                                         <p:cTn id="12" dur="1000" fill="hold"/>
                                         <p:tgtEl>
-                                          <p:spTgt spid="227"/>
+                                          <p:spTgt spid="234"/>
                                         </p:tgtEl>
                                         <p:attrNameLst>
                                           <p:attrName>ppt_x</p:attrName>
@@ -14618,7 +14930,7 @@
                                       <p:cBhvr>
                                         <p:cTn id="13" dur="1000" fill="hold"/>
                                         <p:tgtEl>
-                                          <p:spTgt spid="227"/>
+                                          <p:spTgt spid="234"/>
                                         </p:tgtEl>
                                         <p:attrNameLst>
                                           <p:attrName>ppt_y</p:attrName>
@@ -14662,7 +14974,7 @@
                                       <p:cBhvr>
                                         <p:cTn id="16" fill="hold"/>
                                         <p:tgtEl>
-                                          <p:spTgt spid="228"/>
+                                          <p:spTgt spid="235"/>
                                         </p:tgtEl>
                                         <p:attrNameLst>
                                           <p:attrName>style.visibility</p:attrName>
@@ -14676,7 +14988,7 @@
                                       <p:cBhvr>
                                         <p:cTn id="17" dur="1000" fill="hold"/>
                                         <p:tgtEl>
-                                          <p:spTgt spid="228"/>
+                                          <p:spTgt spid="235"/>
                                         </p:tgtEl>
                                         <p:attrNameLst>
                                           <p:attrName>ppt_x</p:attrName>
@@ -14699,7 +15011,7 @@
                                       <p:cBhvr>
                                         <p:cTn id="18" dur="1000" fill="hold"/>
                                         <p:tgtEl>
-                                          <p:spTgt spid="228"/>
+                                          <p:spTgt spid="235"/>
                                         </p:tgtEl>
                                         <p:attrNameLst>
                                           <p:attrName>ppt_y</p:attrName>
@@ -14743,7 +15055,7 @@
                                       <p:cBhvr>
                                         <p:cTn id="21" fill="hold"/>
                                         <p:tgtEl>
-                                          <p:spTgt spid="223"/>
+                                          <p:spTgt spid="230"/>
                                         </p:tgtEl>
                                         <p:attrNameLst>
                                           <p:attrName>style.visibility</p:attrName>
@@ -14757,7 +15069,7 @@
                                       <p:cBhvr>
                                         <p:cTn id="22" dur="1000" fill="hold"/>
                                         <p:tgtEl>
-                                          <p:spTgt spid="223"/>
+                                          <p:spTgt spid="230"/>
                                         </p:tgtEl>
                                         <p:attrNameLst>
                                           <p:attrName>ppt_x</p:attrName>
@@ -14780,7 +15092,7 @@
                                       <p:cBhvr>
                                         <p:cTn id="23" dur="1000" fill="hold"/>
                                         <p:tgtEl>
-                                          <p:spTgt spid="223"/>
+                                          <p:spTgt spid="230"/>
                                         </p:tgtEl>
                                         <p:attrNameLst>
                                           <p:attrName>ppt_y</p:attrName>
@@ -14824,7 +15136,7 @@
                                       <p:cBhvr>
                                         <p:cTn id="26" fill="hold"/>
                                         <p:tgtEl>
-                                          <p:spTgt spid="224"/>
+                                          <p:spTgt spid="231"/>
                                         </p:tgtEl>
                                         <p:attrNameLst>
                                           <p:attrName>style.visibility</p:attrName>
@@ -14838,7 +15150,7 @@
                                       <p:cBhvr>
                                         <p:cTn id="27" dur="1000" fill="hold"/>
                                         <p:tgtEl>
-                                          <p:spTgt spid="224"/>
+                                          <p:spTgt spid="231"/>
                                         </p:tgtEl>
                                         <p:attrNameLst>
                                           <p:attrName>ppt_x</p:attrName>
@@ -14861,7 +15173,7 @@
                                       <p:cBhvr>
                                         <p:cTn id="28" dur="1000" fill="hold"/>
                                         <p:tgtEl>
-                                          <p:spTgt spid="224"/>
+                                          <p:spTgt spid="231"/>
                                         </p:tgtEl>
                                         <p:attrNameLst>
                                           <p:attrName>ppt_y</p:attrName>
@@ -14905,7 +15217,7 @@
                                       <p:cBhvr>
                                         <p:cTn id="31" fill="hold"/>
                                         <p:tgtEl>
-                                          <p:spTgt spid="226"/>
+                                          <p:spTgt spid="233"/>
                                         </p:tgtEl>
                                         <p:attrNameLst>
                                           <p:attrName>style.visibility</p:attrName>
@@ -14919,7 +15231,7 @@
                                       <p:cBhvr>
                                         <p:cTn id="32" dur="1000" fill="hold"/>
                                         <p:tgtEl>
-                                          <p:spTgt spid="226"/>
+                                          <p:spTgt spid="233"/>
                                         </p:tgtEl>
                                         <p:attrNameLst>
                                           <p:attrName>ppt_x</p:attrName>
@@ -14942,7 +15254,7 @@
                                       <p:cBhvr>
                                         <p:cTn id="33" dur="1000" fill="hold"/>
                                         <p:tgtEl>
-                                          <p:spTgt spid="226"/>
+                                          <p:spTgt spid="233"/>
                                         </p:tgtEl>
                                         <p:attrNameLst>
                                           <p:attrName>ppt_y</p:attrName>
@@ -14992,12 +15304,12 @@
       </p:par>
     </p:tnLst>
     <p:bldLst>
-      <p:bldP build="whole" bldLvl="1" animBg="1" rev="0" advAuto="0" spid="224" grpId="5"/>
-      <p:bldP build="whole" bldLvl="1" animBg="1" rev="0" advAuto="0" spid="226" grpId="6"/>
-      <p:bldP build="whole" bldLvl="1" animBg="1" rev="0" advAuto="0" spid="228" grpId="3"/>
-      <p:bldP build="whole" bldLvl="1" animBg="1" rev="0" advAuto="0" spid="225" grpId="1"/>
-      <p:bldP build="whole" bldLvl="1" animBg="1" rev="0" advAuto="0" spid="227" grpId="2"/>
-      <p:bldP build="whole" bldLvl="1" animBg="1" rev="0" advAuto="0" spid="223" grpId="4"/>
+      <p:bldP build="whole" bldLvl="1" animBg="1" rev="0" advAuto="0" spid="230" grpId="4"/>
+      <p:bldP build="whole" bldLvl="1" animBg="1" rev="0" advAuto="0" spid="234" grpId="2"/>
+      <p:bldP build="whole" bldLvl="1" animBg="1" rev="0" advAuto="0" spid="232" grpId="1"/>
+      <p:bldP build="whole" bldLvl="1" animBg="1" rev="0" advAuto="0" spid="231" grpId="5"/>
+      <p:bldP build="whole" bldLvl="1" animBg="1" rev="0" advAuto="0" spid="235" grpId="3"/>
+      <p:bldP build="whole" bldLvl="1" animBg="1" rev="0" advAuto="0" spid="233" grpId="6"/>
     </p:bldLst>
   </p:timing>
 </p:sld>
@@ -15009,7 +15321,7 @@
     <p:bg>
       <p:bgPr>
         <a:solidFill>
-          <a:srgbClr val="0433FF"/>
+          <a:srgbClr val="0096FF"/>
         </a:solidFill>
       </p:bgPr>
     </p:bg>
@@ -15029,7 +15341,7 @@
       </p:grpSpPr>
       <p:sp>
         <p:nvSpPr>
-          <p:cNvPr id="230" name="Shape 230"/>
+          <p:cNvPr id="237" name="Shape 237"/>
           <p:cNvSpPr/>
           <p:nvPr>
             <p:ph type="body" idx="13"/>
@@ -15080,7 +15392,7 @@
       </p:sp>
       <p:pic>
         <p:nvPicPr>
-          <p:cNvPr id="231" name="nederland-kaart.png"/>
+          <p:cNvPr id="238" name="nederland-kaart.png"/>
           <p:cNvPicPr>
             <a:picLocks noChangeAspect="1"/>
           </p:cNvPicPr>
@@ -15109,7 +15421,7 @@
       </p:pic>
       <p:pic>
         <p:nvPicPr>
-          <p:cNvPr id="232" name="nexus4_portrait.png"/>
+          <p:cNvPr id="239" name="nexus4_portrait.png"/>
           <p:cNvPicPr>
             <a:picLocks noChangeAspect="1"/>
           </p:cNvPicPr>
@@ -15138,7 +15450,7 @@
       </p:pic>
       <p:sp>
         <p:nvSpPr>
-          <p:cNvPr id="233" name="Shape 233"/>
+          <p:cNvPr id="240" name="Shape 240"/>
           <p:cNvSpPr/>
           <p:nvPr/>
         </p:nvSpPr>
@@ -15256,7 +15568,7 @@
                                       <p:cBhvr>
                                         <p:cTn id="6" fill="hold"/>
                                         <p:tgtEl>
-                                          <p:spTgt spid="232"/>
+                                          <p:spTgt spid="239"/>
                                         </p:tgtEl>
                                         <p:attrNameLst>
                                           <p:attrName>style.visibility</p:attrName>
@@ -15270,7 +15582,7 @@
                                       <p:cBhvr>
                                         <p:cTn id="7" dur="1000" fill="hold"/>
                                         <p:tgtEl>
-                                          <p:spTgt spid="232"/>
+                                          <p:spTgt spid="239"/>
                                         </p:tgtEl>
                                         <p:attrNameLst>
                                           <p:attrName>ppt_w</p:attrName>
@@ -15293,7 +15605,7 @@
                                       <p:cBhvr>
                                         <p:cTn id="8" dur="1000" fill="hold"/>
                                         <p:tgtEl>
-                                          <p:spTgt spid="232"/>
+                                          <p:spTgt spid="239"/>
                                         </p:tgtEl>
                                         <p:attrNameLst>
                                           <p:attrName>ppt_h</p:attrName>
@@ -15316,7 +15628,7 @@
                                       <p:cBhvr>
                                         <p:cTn id="9" dur="1000" fill="hold"/>
                                         <p:tgtEl>
-                                          <p:spTgt spid="232"/>
+                                          <p:spTgt spid="239"/>
                                         </p:tgtEl>
                                         <p:attrNameLst>
                                           <p:attrName>ppt_x</p:attrName>
@@ -15339,7 +15651,7 @@
                                       <p:cBhvr>
                                         <p:cTn id="10" dur="1000" fill="hold"/>
                                         <p:tgtEl>
-                                          <p:spTgt spid="232"/>
+                                          <p:spTgt spid="239"/>
                                         </p:tgtEl>
                                         <p:attrNameLst>
                                           <p:attrName>ppt_y</p:attrName>
@@ -15383,7 +15695,7 @@
                                       <p:cBhvr>
                                         <p:cTn id="13" fill="hold"/>
                                         <p:tgtEl>
-                                          <p:spTgt spid="233"/>
+                                          <p:spTgt spid="240"/>
                                         </p:tgtEl>
                                         <p:attrNameLst>
                                           <p:attrName>style.visibility</p:attrName>
@@ -15397,7 +15709,7 @@
                                       <p:cBhvr>
                                         <p:cTn id="14" dur="1000" fill="hold"/>
                                         <p:tgtEl>
-                                          <p:spTgt spid="233"/>
+                                          <p:spTgt spid="240"/>
                                         </p:tgtEl>
                                         <p:attrNameLst>
                                           <p:attrName>ppt_w</p:attrName>
@@ -15420,7 +15732,7 @@
                                       <p:cBhvr>
                                         <p:cTn id="15" dur="1000" fill="hold"/>
                                         <p:tgtEl>
-                                          <p:spTgt spid="233"/>
+                                          <p:spTgt spid="240"/>
                                         </p:tgtEl>
                                         <p:attrNameLst>
                                           <p:attrName>ppt_h</p:attrName>
@@ -15443,7 +15755,7 @@
                                       <p:cBhvr>
                                         <p:cTn id="16" dur="1000" fill="hold"/>
                                         <p:tgtEl>
-                                          <p:spTgt spid="233"/>
+                                          <p:spTgt spid="240"/>
                                         </p:tgtEl>
                                         <p:attrNameLst>
                                           <p:attrName>ppt_x</p:attrName>
@@ -15466,7 +15778,7 @@
                                       <p:cBhvr>
                                         <p:cTn id="17" dur="1000" fill="hold"/>
                                         <p:tgtEl>
-                                          <p:spTgt spid="233"/>
+                                          <p:spTgt spid="240"/>
                                         </p:tgtEl>
                                         <p:attrNameLst>
                                           <p:attrName>ppt_y</p:attrName>
@@ -15516,8 +15828,8 @@
       </p:par>
     </p:tnLst>
     <p:bldLst>
-      <p:bldP build="whole" bldLvl="1" animBg="1" rev="0" advAuto="0" spid="233" grpId="2"/>
-      <p:bldP build="whole" bldLvl="1" animBg="1" rev="0" advAuto="0" spid="232" grpId="1"/>
+      <p:bldP build="whole" bldLvl="1" animBg="1" rev="0" advAuto="0" spid="239" grpId="1"/>
+      <p:bldP build="whole" bldLvl="1" animBg="1" rev="0" advAuto="0" spid="240" grpId="2"/>
     </p:bldLst>
   </p:timing>
 </p:sld>
@@ -15529,7 +15841,7 @@
     <p:bg>
       <p:bgPr>
         <a:solidFill>
-          <a:srgbClr val="0433FF"/>
+          <a:srgbClr val="0096FF"/>
         </a:solidFill>
       </p:bgPr>
     </p:bg>
@@ -15549,7 +15861,7 @@
       </p:grpSpPr>
       <p:sp>
         <p:nvSpPr>
-          <p:cNvPr id="235" name="Shape 235"/>
+          <p:cNvPr id="242" name="Shape 242"/>
           <p:cNvSpPr/>
           <p:nvPr>
             <p:ph type="body" idx="13"/>
@@ -15595,7 +15907,7 @@
       </p:sp>
       <p:sp>
         <p:nvSpPr>
-          <p:cNvPr id="236" name="Shape 236"/>
+          <p:cNvPr id="243" name="Shape 243"/>
           <p:cNvSpPr/>
           <p:nvPr>
             <p:ph type="body" idx="14"/>
@@ -15635,7 +15947,7 @@
       </p:sp>
       <p:pic>
         <p:nvPicPr>
-          <p:cNvPr id="237" name="biyLj4yiL.png"/>
+          <p:cNvPr id="244" name="biyLj4yiL.png"/>
           <p:cNvPicPr>
             <a:picLocks noChangeAspect="1"/>
           </p:cNvPicPr>
@@ -15664,7 +15976,7 @@
       </p:pic>
       <p:pic>
         <p:nvPicPr>
-          <p:cNvPr id="238" name="biyLj4yiL.png"/>
+          <p:cNvPr id="245" name="biyLj4yiL.png"/>
           <p:cNvPicPr>
             <a:picLocks noChangeAspect="1"/>
           </p:cNvPicPr>
@@ -15693,7 +16005,7 @@
       </p:pic>
       <p:pic>
         <p:nvPicPr>
-          <p:cNvPr id="239" name="biyLj4yiL.png"/>
+          <p:cNvPr id="246" name="biyLj4yiL.png"/>
           <p:cNvPicPr>
             <a:picLocks noChangeAspect="1"/>
           </p:cNvPicPr>
@@ -15773,7 +16085,7 @@
                                       <p:cBhvr>
                                         <p:cTn id="6" fill="hold"/>
                                         <p:tgtEl>
-                                          <p:spTgt spid="239"/>
+                                          <p:spTgt spid="246"/>
                                         </p:tgtEl>
                                         <p:attrNameLst>
                                           <p:attrName>style.visibility</p:attrName>
@@ -15787,7 +16099,7 @@
                                       <p:cBhvr>
                                         <p:cTn id="7" dur="2000" fill="hold"/>
                                         <p:tgtEl>
-                                          <p:spTgt spid="239"/>
+                                          <p:spTgt spid="246"/>
                                         </p:tgtEl>
                                         <p:attrNameLst>
                                           <p:attrName>ppt_w</p:attrName>
@@ -15810,7 +16122,7 @@
                                       <p:cBhvr>
                                         <p:cTn id="8" dur="2000" fill="hold"/>
                                         <p:tgtEl>
-                                          <p:spTgt spid="239"/>
+                                          <p:spTgt spid="246"/>
                                         </p:tgtEl>
                                         <p:attrNameLst>
                                           <p:attrName>ppt_h</p:attrName>
@@ -15833,7 +16145,7 @@
                                       <p:cBhvr>
                                         <p:cTn id="9" dur="2000" fill="hold"/>
                                         <p:tgtEl>
-                                          <p:spTgt spid="239"/>
+                                          <p:spTgt spid="246"/>
                                         </p:tgtEl>
                                         <p:attrNameLst>
                                           <p:attrName>ppt_x</p:attrName>
@@ -15856,7 +16168,7 @@
                                       <p:cBhvr>
                                         <p:cTn id="10" dur="2000" fill="hold"/>
                                         <p:tgtEl>
-                                          <p:spTgt spid="239"/>
+                                          <p:spTgt spid="246"/>
                                         </p:tgtEl>
                                         <p:attrNameLst>
                                           <p:attrName>ppt_y</p:attrName>
@@ -15900,7 +16212,7 @@
                                       <p:cBhvr>
                                         <p:cTn id="13" fill="hold"/>
                                         <p:tgtEl>
-                                          <p:spTgt spid="237"/>
+                                          <p:spTgt spid="244"/>
                                         </p:tgtEl>
                                         <p:attrNameLst>
                                           <p:attrName>style.visibility</p:attrName>
@@ -15914,7 +16226,7 @@
                                       <p:cBhvr>
                                         <p:cTn id="14" dur="1000" fill="hold"/>
                                         <p:tgtEl>
-                                          <p:spTgt spid="237"/>
+                                          <p:spTgt spid="244"/>
                                         </p:tgtEl>
                                         <p:attrNameLst>
                                           <p:attrName>ppt_w</p:attrName>
@@ -15937,7 +16249,7 @@
                                       <p:cBhvr>
                                         <p:cTn id="15" dur="1000" fill="hold"/>
                                         <p:tgtEl>
-                                          <p:spTgt spid="237"/>
+                                          <p:spTgt spid="244"/>
                                         </p:tgtEl>
                                         <p:attrNameLst>
                                           <p:attrName>ppt_h</p:attrName>
@@ -15960,7 +16272,7 @@
                                       <p:cBhvr>
                                         <p:cTn id="16" dur="1000" fill="hold"/>
                                         <p:tgtEl>
-                                          <p:spTgt spid="237"/>
+                                          <p:spTgt spid="244"/>
                                         </p:tgtEl>
                                         <p:attrNameLst>
                                           <p:attrName>ppt_x</p:attrName>
@@ -15983,7 +16295,7 @@
                                       <p:cBhvr>
                                         <p:cTn id="17" dur="1000" fill="hold"/>
                                         <p:tgtEl>
-                                          <p:spTgt spid="237"/>
+                                          <p:spTgt spid="244"/>
                                         </p:tgtEl>
                                         <p:attrNameLst>
                                           <p:attrName>ppt_y</p:attrName>
@@ -16027,7 +16339,7 @@
                                       <p:cBhvr>
                                         <p:cTn id="20" fill="hold"/>
                                         <p:tgtEl>
-                                          <p:spTgt spid="238"/>
+                                          <p:spTgt spid="245"/>
                                         </p:tgtEl>
                                         <p:attrNameLst>
                                           <p:attrName>style.visibility</p:attrName>
@@ -16041,7 +16353,7 @@
                                       <p:cBhvr>
                                         <p:cTn id="21" dur="1000" fill="hold"/>
                                         <p:tgtEl>
-                                          <p:spTgt spid="238"/>
+                                          <p:spTgt spid="245"/>
                                         </p:tgtEl>
                                         <p:attrNameLst>
                                           <p:attrName>ppt_w</p:attrName>
@@ -16064,7 +16376,7 @@
                                       <p:cBhvr>
                                         <p:cTn id="22" dur="1000" fill="hold"/>
                                         <p:tgtEl>
-                                          <p:spTgt spid="238"/>
+                                          <p:spTgt spid="245"/>
                                         </p:tgtEl>
                                         <p:attrNameLst>
                                           <p:attrName>ppt_h</p:attrName>
@@ -16087,7 +16399,7 @@
                                       <p:cBhvr>
                                         <p:cTn id="23" dur="1000" fill="hold"/>
                                         <p:tgtEl>
-                                          <p:spTgt spid="238"/>
+                                          <p:spTgt spid="245"/>
                                         </p:tgtEl>
                                         <p:attrNameLst>
                                           <p:attrName>ppt_x</p:attrName>
@@ -16110,7 +16422,7 @@
                                       <p:cBhvr>
                                         <p:cTn id="24" dur="1000" fill="hold"/>
                                         <p:tgtEl>
-                                          <p:spTgt spid="238"/>
+                                          <p:spTgt spid="245"/>
                                         </p:tgtEl>
                                         <p:attrNameLst>
                                           <p:attrName>ppt_y</p:attrName>
@@ -16160,9 +16472,9 @@
       </p:par>
     </p:tnLst>
     <p:bldLst>
-      <p:bldP build="whole" bldLvl="1" animBg="1" rev="0" advAuto="0" spid="238" grpId="3"/>
-      <p:bldP build="whole" bldLvl="1" animBg="1" rev="0" advAuto="0" spid="237" grpId="2"/>
-      <p:bldP build="whole" bldLvl="1" animBg="1" rev="0" advAuto="0" spid="239" grpId="1"/>
+      <p:bldP build="whole" bldLvl="1" animBg="1" rev="0" advAuto="0" spid="246" grpId="1"/>
+      <p:bldP build="whole" bldLvl="1" animBg="1" rev="0" advAuto="0" spid="244" grpId="2"/>
+      <p:bldP build="whole" bldLvl="1" animBg="1" rev="0" advAuto="0" spid="245" grpId="3"/>
     </p:bldLst>
   </p:timing>
 </p:sld>

--- a/Drive/Eindpresentatie/eindpresentatie1.pptx
+++ b/Drive/Eindpresentatie/eindpresentatie1.pptx
@@ -2,21 +2,21 @@
 <file path=ppt/presentation.xml><?xml version="1.0" encoding="utf-8"?>
 <p:presentation xmlns:a="http://schemas.openxmlformats.org/drawingml/2006/main" xmlns:r="http://schemas.openxmlformats.org/officeDocument/2006/relationships" xmlns:p="http://schemas.openxmlformats.org/presentationml/2006/main">
   <p:sldMasterIdLst>
-    <p:sldMasterId id="2147483648" r:id="rId5"/>
+    <p:sldMasterId id="2147483648" r:id="rId1"/>
   </p:sldMasterIdLst>
   <p:notesMasterIdLst>
-    <p:notesMasterId r:id="rId7"/>
+    <p:notesMasterId r:id="rId11"/>
   </p:notesMasterIdLst>
   <p:sldIdLst>
-    <p:sldId id="256" r:id="rId8"/>
-    <p:sldId id="257" r:id="rId9"/>
-    <p:sldId id="258" r:id="rId10"/>
-    <p:sldId id="259" r:id="rId11"/>
-    <p:sldId id="260" r:id="rId12"/>
-    <p:sldId id="261" r:id="rId13"/>
-    <p:sldId id="262" r:id="rId14"/>
-    <p:sldId id="263" r:id="rId15"/>
-    <p:sldId id="264" r:id="rId16"/>
+    <p:sldId id="256" r:id="rId2"/>
+    <p:sldId id="257" r:id="rId3"/>
+    <p:sldId id="258" r:id="rId4"/>
+    <p:sldId id="259" r:id="rId5"/>
+    <p:sldId id="260" r:id="rId6"/>
+    <p:sldId id="261" r:id="rId7"/>
+    <p:sldId id="262" r:id="rId8"/>
+    <p:sldId id="263" r:id="rId9"/>
+    <p:sldId id="264" r:id="rId10"/>
   </p:sldIdLst>
   <p:sldSz cx="13004800" cy="9753600"/>
   <p:notesSz cx="6858000" cy="9144000"/>
@@ -36,7 +36,7 @@
       <a:buFontTx/>
       <a:buNone/>
       <a:tabLst/>
-      <a:defRPr b="0" baseline="0" cap="none" i="0" spc="0" strike="noStrike" sz="1800" u="none" kumimoji="0" normalizeH="0">
+      <a:defRPr kumimoji="0" sz="1800" b="0" i="0" u="none" strike="noStrike" cap="none" spc="0" normalizeH="0" baseline="0">
         <a:ln>
           <a:noFill/>
         </a:ln>
@@ -62,7 +62,7 @@
       <a:buFontTx/>
       <a:buNone/>
       <a:tabLst/>
-      <a:defRPr b="0" baseline="0" cap="none" i="0" spc="0" strike="noStrike" sz="2000" u="none" kumimoji="0" normalizeH="0">
+      <a:defRPr kumimoji="0" sz="2000" b="0" i="0" u="none" strike="noStrike" cap="none" spc="0" normalizeH="0" baseline="0">
         <a:ln>
           <a:noFill/>
         </a:ln>
@@ -92,7 +92,7 @@
       <a:buFontTx/>
       <a:buNone/>
       <a:tabLst/>
-      <a:defRPr b="0" baseline="0" cap="none" i="0" spc="0" strike="noStrike" sz="2000" u="none" kumimoji="0" normalizeH="0">
+      <a:defRPr kumimoji="0" sz="2000" b="0" i="0" u="none" strike="noStrike" cap="none" spc="0" normalizeH="0" baseline="0">
         <a:ln>
           <a:noFill/>
         </a:ln>
@@ -122,7 +122,7 @@
       <a:buFontTx/>
       <a:buNone/>
       <a:tabLst/>
-      <a:defRPr b="0" baseline="0" cap="none" i="0" spc="0" strike="noStrike" sz="2000" u="none" kumimoji="0" normalizeH="0">
+      <a:defRPr kumimoji="0" sz="2000" b="0" i="0" u="none" strike="noStrike" cap="none" spc="0" normalizeH="0" baseline="0">
         <a:ln>
           <a:noFill/>
         </a:ln>
@@ -152,7 +152,7 @@
       <a:buFontTx/>
       <a:buNone/>
       <a:tabLst/>
-      <a:defRPr b="0" baseline="0" cap="none" i="0" spc="0" strike="noStrike" sz="2000" u="none" kumimoji="0" normalizeH="0">
+      <a:defRPr kumimoji="0" sz="2000" b="0" i="0" u="none" strike="noStrike" cap="none" spc="0" normalizeH="0" baseline="0">
         <a:ln>
           <a:noFill/>
         </a:ln>
@@ -182,7 +182,7 @@
       <a:buFontTx/>
       <a:buNone/>
       <a:tabLst/>
-      <a:defRPr b="0" baseline="0" cap="none" i="0" spc="0" strike="noStrike" sz="2000" u="none" kumimoji="0" normalizeH="0">
+      <a:defRPr kumimoji="0" sz="2000" b="0" i="0" u="none" strike="noStrike" cap="none" spc="0" normalizeH="0" baseline="0">
         <a:ln>
           <a:noFill/>
         </a:ln>
@@ -212,7 +212,7 @@
       <a:buFontTx/>
       <a:buNone/>
       <a:tabLst/>
-      <a:defRPr b="0" baseline="0" cap="none" i="0" spc="0" strike="noStrike" sz="2000" u="none" kumimoji="0" normalizeH="0">
+      <a:defRPr kumimoji="0" sz="2000" b="0" i="0" u="none" strike="noStrike" cap="none" spc="0" normalizeH="0" baseline="0">
         <a:ln>
           <a:noFill/>
         </a:ln>
@@ -242,7 +242,7 @@
       <a:buFontTx/>
       <a:buNone/>
       <a:tabLst/>
-      <a:defRPr b="0" baseline="0" cap="none" i="0" spc="0" strike="noStrike" sz="2000" u="none" kumimoji="0" normalizeH="0">
+      <a:defRPr kumimoji="0" sz="2000" b="0" i="0" u="none" strike="noStrike" cap="none" spc="0" normalizeH="0" baseline="0">
         <a:ln>
           <a:noFill/>
         </a:ln>
@@ -272,7 +272,7 @@
       <a:buFontTx/>
       <a:buNone/>
       <a:tabLst/>
-      <a:defRPr b="0" baseline="0" cap="none" i="0" spc="0" strike="noStrike" sz="2000" u="none" kumimoji="0" normalizeH="0">
+      <a:defRPr kumimoji="0" sz="2000" b="0" i="0" u="none" strike="noStrike" cap="none" spc="0" normalizeH="0" baseline="0">
         <a:ln>
           <a:noFill/>
         </a:ln>
@@ -302,7 +302,7 @@
       <a:buFontTx/>
       <a:buNone/>
       <a:tabLst/>
-      <a:defRPr b="0" baseline="0" cap="none" i="0" spc="0" strike="noStrike" sz="2000" u="none" kumimoji="0" normalizeH="0">
+      <a:defRPr kumimoji="0" sz="2000" b="0" i="0" u="none" strike="noStrike" cap="none" spc="0" normalizeH="0" baseline="0">
         <a:ln>
           <a:noFill/>
         </a:ln>
@@ -321,13 +321,14 @@
 </p:presentation>
 </file>
 
-<file path=ppt/commentAuthors.xml><?xml version="1.0" encoding="utf-8"?>
-<p:cmAuthorLst xmlns:a="http://schemas.openxmlformats.org/drawingml/2006/main" xmlns:r="http://schemas.openxmlformats.org/officeDocument/2006/relationships" xmlns:p="http://schemas.openxmlformats.org/presentationml/2006/main"/>
-</file>
-
 <file path=ppt/notesMasters/notesMaster1.xml><?xml version="1.0" encoding="utf-8"?>
 <p:notesMaster xmlns:a="http://schemas.openxmlformats.org/drawingml/2006/main" xmlns:r="http://schemas.openxmlformats.org/officeDocument/2006/relationships" xmlns:p="http://schemas.openxmlformats.org/presentationml/2006/main">
   <p:cSld>
+    <p:bg>
+      <p:bgRef idx="1001">
+        <a:schemeClr val="bg1"/>
+      </p:bgRef>
+    </p:bg>
     <p:spTree>
       <p:nvGrpSpPr>
         <p:cNvPr id="1" name=""/>
@@ -345,7 +346,9 @@
       <p:sp>
         <p:nvSpPr>
           <p:cNvPr id="166" name="Shape 166"/>
-          <p:cNvSpPr/>
+          <p:cNvSpPr>
+            <a:spLocks noGrp="1" noRot="1" noChangeAspect="1"/>
+          </p:cNvSpPr>
           <p:nvPr>
             <p:ph type="sldImg"/>
           </p:nvPr>
@@ -363,14 +366,16 @@
           <a:bodyPr/>
           <a:lstStyle/>
           <a:p>
-            <a:pPr/>
+            <a:endParaRPr/>
           </a:p>
         </p:txBody>
       </p:sp>
       <p:sp>
         <p:nvSpPr>
           <p:cNvPr id="167" name="Shape 167"/>
-          <p:cNvSpPr/>
+          <p:cNvSpPr>
+            <a:spLocks noGrp="1"/>
+          </p:cNvSpPr>
           <p:nvPr>
             <p:ph type="body" sz="quarter" idx="1"/>
           </p:nvPr>
@@ -388,11 +393,16 @@
           <a:bodyPr/>
           <a:lstStyle/>
           <a:p>
-            <a:pPr/>
+            <a:endParaRPr/>
           </a:p>
         </p:txBody>
       </p:sp>
     </p:spTree>
+    <p:extLst>
+      <p:ext uri="{BB962C8B-B14F-4D97-AF65-F5344CB8AC3E}">
+        <p14:creationId xmlns:p14="http://schemas.microsoft.com/office/powerpoint/2010/main" val="1234165814"/>
+      </p:ext>
+    </p:extLst>
   </p:cSld>
   <p:clrMap bg1="lt1" tx1="dk1" bg2="lt2" tx2="dk2" accent1="accent1" accent2="accent2" accent3="accent3" accent4="accent4" accent5="accent5" accent6="accent6" hlink="hlink" folHlink="folHlink"/>
   <p:notesStyle>
@@ -500,13 +510,14 @@
 </file>
 
 <file path=ppt/slideLayouts/slideLayout1.xml><?xml version="1.0" encoding="utf-8"?>
-<p:sldLayout xmlns:a="http://schemas.openxmlformats.org/drawingml/2006/main" xmlns:r="http://schemas.openxmlformats.org/officeDocument/2006/relationships" xmlns:p="http://schemas.openxmlformats.org/presentationml/2006/main" type="title" showMasterSp="0" showMasterPhAnim="1">
+<p:sldLayout xmlns:a="http://schemas.openxmlformats.org/drawingml/2006/main" xmlns:r="http://schemas.openxmlformats.org/officeDocument/2006/relationships" xmlns:p="http://schemas.openxmlformats.org/presentationml/2006/main" showMasterSp="0" type="title">
   <p:cSld name="Title &amp; Subtitle">
     <p:bg>
       <p:bgPr>
         <a:solidFill>
           <a:srgbClr val="222222"/>
         </a:solidFill>
+        <a:effectLst/>
       </p:bgPr>
     </p:bg>
     <p:spTree>
@@ -562,13 +573,16 @@
                 <a:sym typeface="Helvetica"/>
               </a:defRPr>
             </a:pPr>
+            <a:endParaRPr/>
           </a:p>
         </p:txBody>
       </p:sp>
       <p:sp>
         <p:nvSpPr>
           <p:cNvPr id="13" name="Shape 13"/>
-          <p:cNvSpPr/>
+          <p:cNvSpPr>
+            <a:spLocks noGrp="1"/>
+          </p:cNvSpPr>
           <p:nvPr>
             <p:ph type="title"/>
           </p:nvPr>
@@ -593,7 +607,6 @@
             </a:lvl1pPr>
           </a:lstStyle>
           <a:p>
-            <a:pPr/>
             <a:r>
               <a:t>Title Text</a:t>
             </a:r>
@@ -603,7 +616,9 @@
       <p:sp>
         <p:nvSpPr>
           <p:cNvPr id="14" name="Shape 14"/>
-          <p:cNvSpPr/>
+          <p:cNvSpPr>
+            <a:spLocks noGrp="1"/>
+          </p:cNvSpPr>
           <p:nvPr>
             <p:ph type="body" sz="quarter" idx="1"/>
           </p:nvPr>
@@ -631,7 +646,7 @@
               <a:buSzTx/>
               <a:buFontTx/>
               <a:buNone/>
-              <a:defRPr cap="all" sz="5400">
+              <a:defRPr sz="5400" cap="all">
                 <a:solidFill>
                   <a:srgbClr val="A6AAA9"/>
                 </a:solidFill>
@@ -652,7 +667,7 @@
               <a:buSzTx/>
               <a:buFontTx/>
               <a:buNone/>
-              <a:defRPr cap="all" sz="5400">
+              <a:defRPr sz="5400" cap="all">
                 <a:solidFill>
                   <a:srgbClr val="A6AAA9"/>
                 </a:solidFill>
@@ -673,7 +688,7 @@
               <a:buSzTx/>
               <a:buFontTx/>
               <a:buNone/>
-              <a:defRPr cap="all" sz="5400">
+              <a:defRPr sz="5400" cap="all">
                 <a:solidFill>
                   <a:srgbClr val="A6AAA9"/>
                 </a:solidFill>
@@ -694,7 +709,7 @@
               <a:buSzTx/>
               <a:buFontTx/>
               <a:buNone/>
-              <a:defRPr cap="all" sz="5400">
+              <a:defRPr sz="5400" cap="all">
                 <a:solidFill>
                   <a:srgbClr val="A6AAA9"/>
                 </a:solidFill>
@@ -715,7 +730,7 @@
               <a:buSzTx/>
               <a:buFontTx/>
               <a:buNone/>
-              <a:defRPr cap="all" sz="5400">
+              <a:defRPr sz="5400" cap="all">
                 <a:solidFill>
                   <a:srgbClr val="A6AAA9"/>
                 </a:solidFill>
@@ -727,7 +742,6 @@
             </a:lvl5pPr>
           </a:lstStyle>
           <a:p>
-            <a:pPr/>
             <a:r>
               <a:t>Body Level One</a:t>
             </a:r>
@@ -761,7 +775,9 @@
       <p:sp>
         <p:nvSpPr>
           <p:cNvPr id="15" name="Shape 15"/>
-          <p:cNvSpPr/>
+          <p:cNvSpPr>
+            <a:spLocks noGrp="1"/>
+          </p:cNvSpPr>
           <p:nvPr>
             <p:ph type="sldNum" sz="quarter" idx="2"/>
           </p:nvPr>
@@ -779,8 +795,10 @@
           <a:bodyPr/>
           <a:lstStyle/>
           <a:p>
-            <a:pPr/>
-            <a:fld id="{86CB4B4D-7CA3-9044-876B-883B54F8677D}" type="slidenum"/>
+            <a:fld id="{86CB4B4D-7CA3-9044-876B-883B54F8677D}" type="slidenum">
+              <a:t>‹nr.›</a:t>
+            </a:fld>
+            <a:endParaRPr/>
           </a:p>
         </p:txBody>
       </p:sp>
@@ -789,18 +807,19 @@
   <p:clrMapOvr>
     <a:masterClrMapping/>
   </p:clrMapOvr>
-  <p:transition xmlns:p14="http://schemas.microsoft.com/office/powerpoint/2010/main" spd="med" advClick="1"/>
+  <p:transition spd="med"/>
 </p:sldLayout>
 </file>
 
 <file path=ppt/slideLayouts/slideLayout10.xml><?xml version="1.0" encoding="utf-8"?>
-<p:sldLayout xmlns:a="http://schemas.openxmlformats.org/drawingml/2006/main" xmlns:r="http://schemas.openxmlformats.org/officeDocument/2006/relationships" xmlns:p="http://schemas.openxmlformats.org/presentationml/2006/main" type="tx" showMasterSp="1" showMasterPhAnim="1">
+<p:sldLayout xmlns:a="http://schemas.openxmlformats.org/drawingml/2006/main" xmlns:r="http://schemas.openxmlformats.org/officeDocument/2006/relationships" xmlns:p="http://schemas.openxmlformats.org/presentationml/2006/main" type="tx">
   <p:cSld name="Bullets">
     <p:bg>
       <p:bgPr>
         <a:solidFill>
           <a:srgbClr val="222222"/>
         </a:solidFill>
+        <a:effectLst/>
       </p:bgPr>
     </p:bg>
     <p:spTree>
@@ -820,7 +839,9 @@
       <p:sp>
         <p:nvSpPr>
           <p:cNvPr id="105" name="Shape 105"/>
-          <p:cNvSpPr/>
+          <p:cNvSpPr>
+            <a:spLocks noGrp="1"/>
+          </p:cNvSpPr>
           <p:nvPr>
             <p:ph type="body" sz="quarter" idx="13"/>
           </p:nvPr>
@@ -850,7 +871,7 @@
               <a:buSzTx/>
               <a:buFontTx/>
               <a:buNone/>
-              <a:defRPr cap="all" spc="120" sz="2400">
+              <a:defRPr sz="2400" cap="all" spc="120">
                 <a:latin typeface="DIN Alternate"/>
                 <a:ea typeface="DIN Alternate"/>
                 <a:cs typeface="DIN Alternate"/>
@@ -859,7 +880,6 @@
             </a:lvl1pPr>
           </a:lstStyle>
           <a:p>
-            <a:pPr/>
             <a:r>
               <a:t>Text</a:t>
             </a:r>
@@ -869,7 +889,9 @@
       <p:sp>
         <p:nvSpPr>
           <p:cNvPr id="106" name="Shape 106"/>
-          <p:cNvSpPr/>
+          <p:cNvSpPr>
+            <a:spLocks noGrp="1"/>
+          </p:cNvSpPr>
           <p:nvPr>
             <p:ph type="body" idx="1"/>
           </p:nvPr>
@@ -914,7 +936,6 @@
             </a:lvl5pPr>
           </a:lstStyle>
           <a:p>
-            <a:pPr/>
             <a:r>
               <a:t>Body Level One</a:t>
             </a:r>
@@ -948,7 +969,9 @@
       <p:sp>
         <p:nvSpPr>
           <p:cNvPr id="107" name="Shape 107"/>
-          <p:cNvSpPr/>
+          <p:cNvSpPr>
+            <a:spLocks noGrp="1"/>
+          </p:cNvSpPr>
           <p:nvPr>
             <p:ph type="sldNum" sz="quarter" idx="2"/>
           </p:nvPr>
@@ -962,8 +985,10 @@
           <a:bodyPr/>
           <a:lstStyle/>
           <a:p>
-            <a:pPr/>
-            <a:fld id="{86CB4B4D-7CA3-9044-876B-883B54F8677D}" type="slidenum"/>
+            <a:fld id="{86CB4B4D-7CA3-9044-876B-883B54F8677D}" type="slidenum">
+              <a:t>‹nr.›</a:t>
+            </a:fld>
+            <a:endParaRPr/>
           </a:p>
         </p:txBody>
       </p:sp>
@@ -972,18 +997,19 @@
   <p:clrMapOvr>
     <a:masterClrMapping/>
   </p:clrMapOvr>
-  <p:transition xmlns:p14="http://schemas.microsoft.com/office/powerpoint/2010/main" spd="med" advClick="1"/>
+  <p:transition spd="med"/>
 </p:sldLayout>
 </file>
 
 <file path=ppt/slideLayouts/slideLayout11.xml><?xml version="1.0" encoding="utf-8"?>
-<p:sldLayout xmlns:a="http://schemas.openxmlformats.org/drawingml/2006/main" xmlns:r="http://schemas.openxmlformats.org/officeDocument/2006/relationships" xmlns:p="http://schemas.openxmlformats.org/presentationml/2006/main" type="tx" showMasterSp="0" showMasterPhAnim="1">
+<p:sldLayout xmlns:a="http://schemas.openxmlformats.org/drawingml/2006/main" xmlns:r="http://schemas.openxmlformats.org/officeDocument/2006/relationships" xmlns:p="http://schemas.openxmlformats.org/presentationml/2006/main" showMasterSp="0" type="tx">
   <p:cSld name="Photo - 3 Up">
     <p:bg>
       <p:bgPr>
         <a:solidFill>
           <a:srgbClr val="222222"/>
         </a:solidFill>
+        <a:effectLst/>
       </p:bgPr>
     </p:bg>
     <p:spTree>
@@ -1003,7 +1029,9 @@
       <p:sp>
         <p:nvSpPr>
           <p:cNvPr id="114" name="Shape 114"/>
-          <p:cNvSpPr/>
+          <p:cNvSpPr>
+            <a:spLocks noGrp="1"/>
+          </p:cNvSpPr>
           <p:nvPr>
             <p:ph type="pic" sz="half" idx="13"/>
           </p:nvPr>
@@ -1023,14 +1051,16 @@
           </a:bodyPr>
           <a:lstStyle/>
           <a:p>
-            <a:pPr/>
+            <a:endParaRPr/>
           </a:p>
         </p:txBody>
       </p:sp>
       <p:sp>
         <p:nvSpPr>
           <p:cNvPr id="115" name="Shape 115"/>
-          <p:cNvSpPr/>
+          <p:cNvSpPr>
+            <a:spLocks noGrp="1"/>
+          </p:cNvSpPr>
           <p:nvPr>
             <p:ph type="pic" sz="half" idx="14"/>
           </p:nvPr>
@@ -1050,14 +1080,16 @@
           </a:bodyPr>
           <a:lstStyle/>
           <a:p>
-            <a:pPr/>
+            <a:endParaRPr/>
           </a:p>
         </p:txBody>
       </p:sp>
       <p:sp>
         <p:nvSpPr>
           <p:cNvPr id="116" name="Shape 116"/>
-          <p:cNvSpPr/>
+          <p:cNvSpPr>
+            <a:spLocks noGrp="1"/>
+          </p:cNvSpPr>
           <p:nvPr>
             <p:ph type="pic" idx="15"/>
           </p:nvPr>
@@ -1077,14 +1109,16 @@
           </a:bodyPr>
           <a:lstStyle/>
           <a:p>
-            <a:pPr/>
+            <a:endParaRPr/>
           </a:p>
         </p:txBody>
       </p:sp>
       <p:sp>
         <p:nvSpPr>
           <p:cNvPr id="117" name="Shape 117"/>
-          <p:cNvSpPr/>
+          <p:cNvSpPr>
+            <a:spLocks noGrp="1"/>
+          </p:cNvSpPr>
           <p:nvPr>
             <p:ph type="sldNum" sz="quarter" idx="2"/>
           </p:nvPr>
@@ -1098,8 +1132,10 @@
           <a:bodyPr/>
           <a:lstStyle/>
           <a:p>
-            <a:pPr/>
-            <a:fld id="{86CB4B4D-7CA3-9044-876B-883B54F8677D}" type="slidenum"/>
+            <a:fld id="{86CB4B4D-7CA3-9044-876B-883B54F8677D}" type="slidenum">
+              <a:t>‹nr.›</a:t>
+            </a:fld>
+            <a:endParaRPr/>
           </a:p>
         </p:txBody>
       </p:sp>
@@ -1108,12 +1144,12 @@
   <p:clrMapOvr>
     <a:masterClrMapping/>
   </p:clrMapOvr>
-  <p:transition xmlns:p14="http://schemas.microsoft.com/office/powerpoint/2010/main" spd="med" advClick="1"/>
+  <p:transition spd="med"/>
 </p:sldLayout>
 </file>
 
 <file path=ppt/slideLayouts/slideLayout12.xml><?xml version="1.0" encoding="utf-8"?>
-<p:sldLayout xmlns:a="http://schemas.openxmlformats.org/drawingml/2006/main" xmlns:r="http://schemas.openxmlformats.org/officeDocument/2006/relationships" xmlns:p="http://schemas.openxmlformats.org/presentationml/2006/main" type="tx" showMasterSp="1" showMasterPhAnim="1">
+<p:sldLayout xmlns:a="http://schemas.openxmlformats.org/drawingml/2006/main" xmlns:r="http://schemas.openxmlformats.org/officeDocument/2006/relationships" xmlns:p="http://schemas.openxmlformats.org/presentationml/2006/main" type="tx">
   <p:cSld name="Quote">
     <p:bg>
       <p:bgPr>
@@ -1124,6 +1160,7 @@
             <a:lumOff val="24313"/>
           </a:schemeClr>
         </a:solidFill>
+        <a:effectLst/>
       </p:bgPr>
     </p:bg>
     <p:spTree>
@@ -1171,7 +1208,7 @@
             </a:cxnLst>
             <a:rect l="0" t="0" r="r" b="b"/>
             <a:pathLst>
-              <a:path w="21600" h="21600" fill="norm" stroke="1" extrusionOk="0">
+              <a:path w="21600" h="21600" extrusionOk="0">
                 <a:moveTo>
                   <a:pt x="224" y="0"/>
                 </a:moveTo>
@@ -1230,7 +1267,7 @@
             <a:miter lim="400000"/>
           </a:ln>
           <a:effectLst>
-            <a:outerShdw sx="100000" sy="100000" kx="0" ky="0" algn="b" rotWithShape="0" blurRad="190500" dist="177800" dir="5400000">
+            <a:outerShdw blurRad="190500" dist="177800" dir="5400000" rotWithShape="0">
               <a:srgbClr val="000000"/>
             </a:outerShdw>
           </a:effectLst>
@@ -1246,7 +1283,7 @@
               <a:spcBef>
                 <a:spcPts val="0"/>
               </a:spcBef>
-              <a:defRPr cap="all" sz="2800">
+              <a:defRPr sz="2800" cap="all">
                 <a:solidFill>
                   <a:srgbClr val="FFFFFF"/>
                 </a:solidFill>
@@ -1256,13 +1293,16 @@
                 <a:sym typeface="DIN Condensed"/>
               </a:defRPr>
             </a:pPr>
+            <a:endParaRPr/>
           </a:p>
         </p:txBody>
       </p:sp>
       <p:sp>
         <p:nvSpPr>
           <p:cNvPr id="125" name="Shape 125"/>
-          <p:cNvSpPr/>
+          <p:cNvSpPr>
+            <a:spLocks noGrp="1"/>
+          </p:cNvSpPr>
           <p:nvPr>
             <p:ph type="body" sz="quarter" idx="13"/>
           </p:nvPr>
@@ -1292,7 +1332,7 @@
               <a:buSzTx/>
               <a:buFontTx/>
               <a:buNone/>
-              <a:defRPr cap="all" sz="9400">
+              <a:defRPr sz="9400" cap="all">
                 <a:solidFill>
                   <a:srgbClr val="FFFFFF"/>
                 </a:solidFill>
@@ -1304,7 +1344,6 @@
             </a:lvl1pPr>
           </a:lstStyle>
           <a:p>
-            <a:pPr/>
             <a:r>
               <a:t>Type a quote here.</a:t>
             </a:r>
@@ -1314,7 +1353,9 @@
       <p:sp>
         <p:nvSpPr>
           <p:cNvPr id="126" name="Shape 126"/>
-          <p:cNvSpPr/>
+          <p:cNvSpPr>
+            <a:spLocks noGrp="1"/>
+          </p:cNvSpPr>
           <p:nvPr>
             <p:ph type="body" sz="quarter" idx="14"/>
           </p:nvPr>
@@ -1353,7 +1394,6 @@
             </a:lvl1pPr>
           </a:lstStyle>
           <a:p>
-            <a:pPr/>
             <a:r>
               <a:t>Johnny Appleseed</a:t>
             </a:r>
@@ -1363,7 +1403,9 @@
       <p:sp>
         <p:nvSpPr>
           <p:cNvPr id="127" name="Shape 127"/>
-          <p:cNvSpPr/>
+          <p:cNvSpPr>
+            <a:spLocks noGrp="1"/>
+          </p:cNvSpPr>
           <p:nvPr>
             <p:ph type="body" sz="quarter" idx="15"/>
           </p:nvPr>
@@ -1393,7 +1435,7 @@
               <a:buSzTx/>
               <a:buFontTx/>
               <a:buNone/>
-              <a:defRPr cap="all" spc="120" sz="2400">
+              <a:defRPr sz="2400" cap="all" spc="120">
                 <a:latin typeface="DIN Alternate"/>
                 <a:ea typeface="DIN Alternate"/>
                 <a:cs typeface="DIN Alternate"/>
@@ -1402,7 +1444,6 @@
             </a:lvl1pPr>
           </a:lstStyle>
           <a:p>
-            <a:pPr/>
             <a:r>
               <a:t>Text</a:t>
             </a:r>
@@ -1412,7 +1453,9 @@
       <p:sp>
         <p:nvSpPr>
           <p:cNvPr id="128" name="Shape 128"/>
-          <p:cNvSpPr/>
+          <p:cNvSpPr>
+            <a:spLocks noGrp="1"/>
+          </p:cNvSpPr>
           <p:nvPr>
             <p:ph type="sldNum" sz="quarter" idx="2"/>
           </p:nvPr>
@@ -1426,8 +1469,10 @@
           <a:bodyPr/>
           <a:lstStyle/>
           <a:p>
-            <a:pPr/>
-            <a:fld id="{86CB4B4D-7CA3-9044-876B-883B54F8677D}" type="slidenum"/>
+            <a:fld id="{86CB4B4D-7CA3-9044-876B-883B54F8677D}" type="slidenum">
+              <a:t>‹nr.›</a:t>
+            </a:fld>
+            <a:endParaRPr/>
           </a:p>
         </p:txBody>
       </p:sp>
@@ -1436,18 +1481,19 @@
   <p:clrMapOvr>
     <a:masterClrMapping/>
   </p:clrMapOvr>
-  <p:transition xmlns:p14="http://schemas.microsoft.com/office/powerpoint/2010/main" spd="med" advClick="1"/>
+  <p:transition spd="med"/>
 </p:sldLayout>
 </file>
 
 <file path=ppt/slideLayouts/slideLayout13.xml><?xml version="1.0" encoding="utf-8"?>
-<p:sldLayout xmlns:a="http://schemas.openxmlformats.org/drawingml/2006/main" xmlns:r="http://schemas.openxmlformats.org/officeDocument/2006/relationships" xmlns:p="http://schemas.openxmlformats.org/presentationml/2006/main" type="tx" showMasterSp="0" showMasterPhAnim="1">
+<p:sldLayout xmlns:a="http://schemas.openxmlformats.org/drawingml/2006/main" xmlns:r="http://schemas.openxmlformats.org/officeDocument/2006/relationships" xmlns:p="http://schemas.openxmlformats.org/presentationml/2006/main" showMasterSp="0" type="tx">
   <p:cSld name="Quote Alt">
     <p:bg>
       <p:bgPr>
         <a:solidFill>
           <a:schemeClr val="accent1"/>
         </a:solidFill>
+        <a:effectLst/>
       </p:bgPr>
     </p:bg>
     <p:spTree>
@@ -1467,7 +1513,9 @@
       <p:sp>
         <p:nvSpPr>
           <p:cNvPr id="135" name="Shape 135"/>
-          <p:cNvSpPr/>
+          <p:cNvSpPr>
+            <a:spLocks noGrp="1"/>
+          </p:cNvSpPr>
           <p:nvPr>
             <p:ph type="body" sz="quarter" idx="13"/>
           </p:nvPr>
@@ -1497,7 +1545,7 @@
               <a:buSzTx/>
               <a:buFontTx/>
               <a:buNone/>
-              <a:defRPr cap="all" sz="9400">
+              <a:defRPr sz="9400" cap="all">
                 <a:solidFill>
                   <a:srgbClr val="FFFFFF"/>
                 </a:solidFill>
@@ -1509,7 +1557,6 @@
             </a:lvl1pPr>
           </a:lstStyle>
           <a:p>
-            <a:pPr/>
             <a:r>
               <a:t>Type a quote here.</a:t>
             </a:r>
@@ -1519,7 +1566,9 @@
       <p:sp>
         <p:nvSpPr>
           <p:cNvPr id="136" name="Shape 136"/>
-          <p:cNvSpPr/>
+          <p:cNvSpPr>
+            <a:spLocks noGrp="1"/>
+          </p:cNvSpPr>
           <p:nvPr>
             <p:ph type="pic" idx="14"/>
           </p:nvPr>
@@ -1539,14 +1588,16 @@
           </a:bodyPr>
           <a:lstStyle/>
           <a:p>
-            <a:pPr/>
+            <a:endParaRPr/>
           </a:p>
         </p:txBody>
       </p:sp>
       <p:sp>
         <p:nvSpPr>
           <p:cNvPr id="137" name="Shape 137"/>
-          <p:cNvSpPr/>
+          <p:cNvSpPr>
+            <a:spLocks noGrp="1"/>
+          </p:cNvSpPr>
           <p:nvPr>
             <p:ph type="body" sz="quarter" idx="15"/>
           </p:nvPr>
@@ -1585,7 +1636,6 @@
             </a:lvl1pPr>
           </a:lstStyle>
           <a:p>
-            <a:pPr/>
             <a:r>
               <a:t>Johnny Appleseed</a:t>
             </a:r>
@@ -1595,7 +1645,9 @@
       <p:sp>
         <p:nvSpPr>
           <p:cNvPr id="138" name="Shape 138"/>
-          <p:cNvSpPr/>
+          <p:cNvSpPr>
+            <a:spLocks noGrp="1"/>
+          </p:cNvSpPr>
           <p:nvPr>
             <p:ph type="sldNum" sz="quarter" idx="2"/>
           </p:nvPr>
@@ -1609,8 +1661,10 @@
           <a:bodyPr/>
           <a:lstStyle/>
           <a:p>
-            <a:pPr/>
-            <a:fld id="{86CB4B4D-7CA3-9044-876B-883B54F8677D}" type="slidenum"/>
+            <a:fld id="{86CB4B4D-7CA3-9044-876B-883B54F8677D}" type="slidenum">
+              <a:t>‹nr.›</a:t>
+            </a:fld>
+            <a:endParaRPr/>
           </a:p>
         </p:txBody>
       </p:sp>
@@ -1619,18 +1673,19 @@
   <p:clrMapOvr>
     <a:masterClrMapping/>
   </p:clrMapOvr>
-  <p:transition xmlns:p14="http://schemas.microsoft.com/office/powerpoint/2010/main" spd="med" advClick="1"/>
+  <p:transition spd="med"/>
 </p:sldLayout>
 </file>
 
 <file path=ppt/slideLayouts/slideLayout14.xml><?xml version="1.0" encoding="utf-8"?>
-<p:sldLayout xmlns:a="http://schemas.openxmlformats.org/drawingml/2006/main" xmlns:r="http://schemas.openxmlformats.org/officeDocument/2006/relationships" xmlns:p="http://schemas.openxmlformats.org/presentationml/2006/main" type="tx" showMasterSp="0" showMasterPhAnim="1">
+<p:sldLayout xmlns:a="http://schemas.openxmlformats.org/drawingml/2006/main" xmlns:r="http://schemas.openxmlformats.org/officeDocument/2006/relationships" xmlns:p="http://schemas.openxmlformats.org/presentationml/2006/main" showMasterSp="0" type="tx">
   <p:cSld name="Photo">
     <p:bg>
       <p:bgPr>
         <a:solidFill>
           <a:srgbClr val="222222"/>
         </a:solidFill>
+        <a:effectLst/>
       </p:bgPr>
     </p:bg>
     <p:spTree>
@@ -1650,7 +1705,9 @@
       <p:sp>
         <p:nvSpPr>
           <p:cNvPr id="145" name="Shape 145"/>
-          <p:cNvSpPr/>
+          <p:cNvSpPr>
+            <a:spLocks noGrp="1"/>
+          </p:cNvSpPr>
           <p:nvPr>
             <p:ph type="pic" idx="13"/>
           </p:nvPr>
@@ -1670,14 +1727,16 @@
           </a:bodyPr>
           <a:lstStyle/>
           <a:p>
-            <a:pPr/>
+            <a:endParaRPr/>
           </a:p>
         </p:txBody>
       </p:sp>
       <p:sp>
         <p:nvSpPr>
           <p:cNvPr id="146" name="Shape 146"/>
-          <p:cNvSpPr/>
+          <p:cNvSpPr>
+            <a:spLocks noGrp="1"/>
+          </p:cNvSpPr>
           <p:nvPr>
             <p:ph type="sldNum" sz="quarter" idx="2"/>
           </p:nvPr>
@@ -1691,8 +1750,10 @@
           <a:bodyPr/>
           <a:lstStyle/>
           <a:p>
-            <a:pPr/>
-            <a:fld id="{86CB4B4D-7CA3-9044-876B-883B54F8677D}" type="slidenum"/>
+            <a:fld id="{86CB4B4D-7CA3-9044-876B-883B54F8677D}" type="slidenum">
+              <a:t>‹nr.›</a:t>
+            </a:fld>
+            <a:endParaRPr/>
           </a:p>
         </p:txBody>
       </p:sp>
@@ -1701,18 +1762,19 @@
   <p:clrMapOvr>
     <a:masterClrMapping/>
   </p:clrMapOvr>
-  <p:transition xmlns:p14="http://schemas.microsoft.com/office/powerpoint/2010/main" spd="med" advClick="1"/>
+  <p:transition spd="med"/>
 </p:sldLayout>
 </file>
 
 <file path=ppt/slideLayouts/slideLayout15.xml><?xml version="1.0" encoding="utf-8"?>
-<p:sldLayout xmlns:a="http://schemas.openxmlformats.org/drawingml/2006/main" xmlns:r="http://schemas.openxmlformats.org/officeDocument/2006/relationships" xmlns:p="http://schemas.openxmlformats.org/presentationml/2006/main" type="tx" showMasterSp="0" showMasterPhAnim="1">
+<p:sldLayout xmlns:a="http://schemas.openxmlformats.org/drawingml/2006/main" xmlns:r="http://schemas.openxmlformats.org/officeDocument/2006/relationships" xmlns:p="http://schemas.openxmlformats.org/presentationml/2006/main" showMasterSp="0" type="tx">
   <p:cSld name="Blank">
     <p:bg>
       <p:bgPr>
         <a:solidFill>
           <a:srgbClr val="222222"/>
         </a:solidFill>
+        <a:effectLst/>
       </p:bgPr>
     </p:bg>
     <p:spTree>
@@ -1732,7 +1794,9 @@
       <p:sp>
         <p:nvSpPr>
           <p:cNvPr id="153" name="Shape 153"/>
-          <p:cNvSpPr/>
+          <p:cNvSpPr>
+            <a:spLocks noGrp="1"/>
+          </p:cNvSpPr>
           <p:nvPr>
             <p:ph type="sldNum" sz="quarter" idx="2"/>
           </p:nvPr>
@@ -1746,8 +1810,10 @@
           <a:bodyPr/>
           <a:lstStyle/>
           <a:p>
-            <a:pPr/>
-            <a:fld id="{86CB4B4D-7CA3-9044-876B-883B54F8677D}" type="slidenum"/>
+            <a:fld id="{86CB4B4D-7CA3-9044-876B-883B54F8677D}" type="slidenum">
+              <a:t>‹nr.›</a:t>
+            </a:fld>
+            <a:endParaRPr/>
           </a:p>
         </p:txBody>
       </p:sp>
@@ -1756,12 +1822,12 @@
   <p:clrMapOvr>
     <a:masterClrMapping/>
   </p:clrMapOvr>
-  <p:transition xmlns:p14="http://schemas.microsoft.com/office/powerpoint/2010/main" spd="med" advClick="1"/>
+  <p:transition spd="med"/>
 </p:sldLayout>
 </file>
 
 <file path=ppt/slideLayouts/slideLayout16.xml><?xml version="1.0" encoding="utf-8"?>
-<p:sldLayout xmlns:a="http://schemas.openxmlformats.org/drawingml/2006/main" xmlns:r="http://schemas.openxmlformats.org/officeDocument/2006/relationships" xmlns:p="http://schemas.openxmlformats.org/presentationml/2006/main" type="tx" showMasterSp="0" showMasterPhAnim="1">
+<p:sldLayout xmlns:a="http://schemas.openxmlformats.org/drawingml/2006/main" xmlns:r="http://schemas.openxmlformats.org/officeDocument/2006/relationships" xmlns:p="http://schemas.openxmlformats.org/presentationml/2006/main" showMasterSp="0" type="tx">
   <p:cSld name="Blank Alt">
     <p:spTree>
       <p:nvGrpSpPr>
@@ -1780,7 +1846,9 @@
       <p:sp>
         <p:nvSpPr>
           <p:cNvPr id="160" name="Shape 160"/>
-          <p:cNvSpPr/>
+          <p:cNvSpPr>
+            <a:spLocks noGrp="1"/>
+          </p:cNvSpPr>
           <p:nvPr>
             <p:ph type="sldNum" sz="quarter" idx="2"/>
           </p:nvPr>
@@ -1794,8 +1862,10 @@
           <a:bodyPr/>
           <a:lstStyle/>
           <a:p>
-            <a:pPr/>
-            <a:fld id="{86CB4B4D-7CA3-9044-876B-883B54F8677D}" type="slidenum"/>
+            <a:fld id="{86CB4B4D-7CA3-9044-876B-883B54F8677D}" type="slidenum">
+              <a:t>‹nr.›</a:t>
+            </a:fld>
+            <a:endParaRPr/>
           </a:p>
         </p:txBody>
       </p:sp>
@@ -1804,18 +1874,19 @@
   <p:clrMapOvr>
     <a:masterClrMapping/>
   </p:clrMapOvr>
-  <p:transition xmlns:p14="http://schemas.microsoft.com/office/powerpoint/2010/main" spd="med" advClick="1"/>
+  <p:transition spd="med"/>
 </p:sldLayout>
 </file>
 
 <file path=ppt/slideLayouts/slideLayout2.xml><?xml version="1.0" encoding="utf-8"?>
-<p:sldLayout xmlns:a="http://schemas.openxmlformats.org/drawingml/2006/main" xmlns:r="http://schemas.openxmlformats.org/officeDocument/2006/relationships" xmlns:p="http://schemas.openxmlformats.org/presentationml/2006/main" type="tx" showMasterSp="0" showMasterPhAnim="1">
+<p:sldLayout xmlns:a="http://schemas.openxmlformats.org/drawingml/2006/main" xmlns:r="http://schemas.openxmlformats.org/officeDocument/2006/relationships" xmlns:p="http://schemas.openxmlformats.org/presentationml/2006/main" showMasterSp="0" type="tx">
   <p:cSld name="Photo - Horizontal">
     <p:bg>
       <p:bgPr>
         <a:solidFill>
           <a:srgbClr val="222222"/>
         </a:solidFill>
+        <a:effectLst/>
       </p:bgPr>
     </p:bg>
     <p:spTree>
@@ -1835,7 +1906,9 @@
       <p:sp>
         <p:nvSpPr>
           <p:cNvPr id="22" name="Shape 22"/>
-          <p:cNvSpPr/>
+          <p:cNvSpPr>
+            <a:spLocks noGrp="1"/>
+          </p:cNvSpPr>
           <p:nvPr>
             <p:ph type="pic" idx="13"/>
           </p:nvPr>
@@ -1855,14 +1928,16 @@
           </a:bodyPr>
           <a:lstStyle/>
           <a:p>
-            <a:pPr/>
+            <a:endParaRPr/>
           </a:p>
         </p:txBody>
       </p:sp>
       <p:sp>
         <p:nvSpPr>
           <p:cNvPr id="23" name="Shape 23"/>
-          <p:cNvSpPr/>
+          <p:cNvSpPr>
+            <a:spLocks noGrp="1"/>
+          </p:cNvSpPr>
           <p:nvPr>
             <p:ph type="body" sz="quarter" idx="14"/>
           </p:nvPr>
@@ -1905,13 +1980,16 @@
                 <a:sym typeface="Helvetica"/>
               </a:defRPr>
             </a:pPr>
+            <a:endParaRPr/>
           </a:p>
         </p:txBody>
       </p:sp>
       <p:sp>
         <p:nvSpPr>
           <p:cNvPr id="24" name="Shape 24"/>
-          <p:cNvSpPr/>
+          <p:cNvSpPr>
+            <a:spLocks noGrp="1"/>
+          </p:cNvSpPr>
           <p:nvPr>
             <p:ph type="title"/>
           </p:nvPr>
@@ -1936,7 +2014,6 @@
             </a:lvl1pPr>
           </a:lstStyle>
           <a:p>
-            <a:pPr/>
             <a:r>
               <a:t>Title Text</a:t>
             </a:r>
@@ -1946,7 +2023,9 @@
       <p:sp>
         <p:nvSpPr>
           <p:cNvPr id="25" name="Shape 25"/>
-          <p:cNvSpPr/>
+          <p:cNvSpPr>
+            <a:spLocks noGrp="1"/>
+          </p:cNvSpPr>
           <p:nvPr>
             <p:ph type="body" sz="quarter" idx="1"/>
           </p:nvPr>
@@ -1974,7 +2053,7 @@
               <a:buSzTx/>
               <a:buFontTx/>
               <a:buNone/>
-              <a:defRPr cap="all" sz="5400">
+              <a:defRPr sz="5400" cap="all">
                 <a:solidFill>
                   <a:srgbClr val="A6AAA9"/>
                 </a:solidFill>
@@ -1995,7 +2074,7 @@
               <a:buSzTx/>
               <a:buFontTx/>
               <a:buNone/>
-              <a:defRPr cap="all" sz="5400">
+              <a:defRPr sz="5400" cap="all">
                 <a:solidFill>
                   <a:srgbClr val="A6AAA9"/>
                 </a:solidFill>
@@ -2016,7 +2095,7 @@
               <a:buSzTx/>
               <a:buFontTx/>
               <a:buNone/>
-              <a:defRPr cap="all" sz="5400">
+              <a:defRPr sz="5400" cap="all">
                 <a:solidFill>
                   <a:srgbClr val="A6AAA9"/>
                 </a:solidFill>
@@ -2037,7 +2116,7 @@
               <a:buSzTx/>
               <a:buFontTx/>
               <a:buNone/>
-              <a:defRPr cap="all" sz="5400">
+              <a:defRPr sz="5400" cap="all">
                 <a:solidFill>
                   <a:srgbClr val="A6AAA9"/>
                 </a:solidFill>
@@ -2058,7 +2137,7 @@
               <a:buSzTx/>
               <a:buFontTx/>
               <a:buNone/>
-              <a:defRPr cap="all" sz="5400">
+              <a:defRPr sz="5400" cap="all">
                 <a:solidFill>
                   <a:srgbClr val="A6AAA9"/>
                 </a:solidFill>
@@ -2070,7 +2149,6 @@
             </a:lvl5pPr>
           </a:lstStyle>
           <a:p>
-            <a:pPr/>
             <a:r>
               <a:t>Body Level One</a:t>
             </a:r>
@@ -2104,7 +2182,9 @@
       <p:sp>
         <p:nvSpPr>
           <p:cNvPr id="26" name="Shape 26"/>
-          <p:cNvSpPr/>
+          <p:cNvSpPr>
+            <a:spLocks noGrp="1"/>
+          </p:cNvSpPr>
           <p:nvPr>
             <p:ph type="sldNum" sz="quarter" idx="2"/>
           </p:nvPr>
@@ -2122,8 +2202,10 @@
           <a:bodyPr/>
           <a:lstStyle/>
           <a:p>
-            <a:pPr/>
-            <a:fld id="{86CB4B4D-7CA3-9044-876B-883B54F8677D}" type="slidenum"/>
+            <a:fld id="{86CB4B4D-7CA3-9044-876B-883B54F8677D}" type="slidenum">
+              <a:t>‹nr.›</a:t>
+            </a:fld>
+            <a:endParaRPr/>
           </a:p>
         </p:txBody>
       </p:sp>
@@ -2132,12 +2214,12 @@
   <p:clrMapOvr>
     <a:masterClrMapping/>
   </p:clrMapOvr>
-  <p:transition xmlns:p14="http://schemas.microsoft.com/office/powerpoint/2010/main" spd="med" advClick="1"/>
+  <p:transition spd="med"/>
 </p:sldLayout>
 </file>
 
 <file path=ppt/slideLayouts/slideLayout3.xml><?xml version="1.0" encoding="utf-8"?>
-<p:sldLayout xmlns:a="http://schemas.openxmlformats.org/drawingml/2006/main" xmlns:r="http://schemas.openxmlformats.org/officeDocument/2006/relationships" xmlns:p="http://schemas.openxmlformats.org/presentationml/2006/main" type="tx" showMasterSp="0" showMasterPhAnim="1">
+<p:sldLayout xmlns:a="http://schemas.openxmlformats.org/drawingml/2006/main" xmlns:r="http://schemas.openxmlformats.org/officeDocument/2006/relationships" xmlns:p="http://schemas.openxmlformats.org/presentationml/2006/main" showMasterSp="0" type="tx">
   <p:cSld name="Title &amp; Subtitle Alt">
     <p:spTree>
       <p:nvGrpSpPr>
@@ -2192,13 +2274,16 @@
                 <a:sym typeface="Helvetica"/>
               </a:defRPr>
             </a:pPr>
+            <a:endParaRPr/>
           </a:p>
         </p:txBody>
       </p:sp>
       <p:sp>
         <p:nvSpPr>
           <p:cNvPr id="34" name="Shape 34"/>
-          <p:cNvSpPr/>
+          <p:cNvSpPr>
+            <a:spLocks noGrp="1"/>
+          </p:cNvSpPr>
           <p:nvPr>
             <p:ph type="title"/>
           </p:nvPr>
@@ -2223,7 +2308,6 @@
             </a:lvl1pPr>
           </a:lstStyle>
           <a:p>
-            <a:pPr/>
             <a:r>
               <a:t>Title Text</a:t>
             </a:r>
@@ -2233,7 +2317,9 @@
       <p:sp>
         <p:nvSpPr>
           <p:cNvPr id="35" name="Shape 35"/>
-          <p:cNvSpPr/>
+          <p:cNvSpPr>
+            <a:spLocks noGrp="1"/>
+          </p:cNvSpPr>
           <p:nvPr>
             <p:ph type="body" sz="quarter" idx="1"/>
           </p:nvPr>
@@ -2261,7 +2347,7 @@
               <a:buSzTx/>
               <a:buFontTx/>
               <a:buNone/>
-              <a:defRPr cap="all" sz="5400">
+              <a:defRPr sz="5400" cap="all">
                 <a:solidFill>
                   <a:srgbClr val="A6AAA9"/>
                 </a:solidFill>
@@ -2282,7 +2368,7 @@
               <a:buSzTx/>
               <a:buFontTx/>
               <a:buNone/>
-              <a:defRPr cap="all" sz="5400">
+              <a:defRPr sz="5400" cap="all">
                 <a:solidFill>
                   <a:srgbClr val="A6AAA9"/>
                 </a:solidFill>
@@ -2303,7 +2389,7 @@
               <a:buSzTx/>
               <a:buFontTx/>
               <a:buNone/>
-              <a:defRPr cap="all" sz="5400">
+              <a:defRPr sz="5400" cap="all">
                 <a:solidFill>
                   <a:srgbClr val="A6AAA9"/>
                 </a:solidFill>
@@ -2324,7 +2410,7 @@
               <a:buSzTx/>
               <a:buFontTx/>
               <a:buNone/>
-              <a:defRPr cap="all" sz="5400">
+              <a:defRPr sz="5400" cap="all">
                 <a:solidFill>
                   <a:srgbClr val="A6AAA9"/>
                 </a:solidFill>
@@ -2345,7 +2431,7 @@
               <a:buSzTx/>
               <a:buFontTx/>
               <a:buNone/>
-              <a:defRPr cap="all" sz="5400">
+              <a:defRPr sz="5400" cap="all">
                 <a:solidFill>
                   <a:srgbClr val="A6AAA9"/>
                 </a:solidFill>
@@ -2357,7 +2443,6 @@
             </a:lvl5pPr>
           </a:lstStyle>
           <a:p>
-            <a:pPr/>
             <a:r>
               <a:t>Body Level One</a:t>
             </a:r>
@@ -2391,7 +2476,9 @@
       <p:sp>
         <p:nvSpPr>
           <p:cNvPr id="36" name="Shape 36"/>
-          <p:cNvSpPr/>
+          <p:cNvSpPr>
+            <a:spLocks noGrp="1"/>
+          </p:cNvSpPr>
           <p:nvPr>
             <p:ph type="sldNum" sz="quarter" idx="2"/>
           </p:nvPr>
@@ -2409,8 +2496,10 @@
           <a:bodyPr/>
           <a:lstStyle/>
           <a:p>
-            <a:pPr/>
-            <a:fld id="{86CB4B4D-7CA3-9044-876B-883B54F8677D}" type="slidenum"/>
+            <a:fld id="{86CB4B4D-7CA3-9044-876B-883B54F8677D}" type="slidenum">
+              <a:t>‹nr.›</a:t>
+            </a:fld>
+            <a:endParaRPr/>
           </a:p>
         </p:txBody>
       </p:sp>
@@ -2419,18 +2508,19 @@
   <p:clrMapOvr>
     <a:masterClrMapping/>
   </p:clrMapOvr>
-  <p:transition xmlns:p14="http://schemas.microsoft.com/office/powerpoint/2010/main" spd="med" advClick="1"/>
+  <p:transition spd="med"/>
 </p:sldLayout>
 </file>
 
 <file path=ppt/slideLayouts/slideLayout4.xml><?xml version="1.0" encoding="utf-8"?>
-<p:sldLayout xmlns:a="http://schemas.openxmlformats.org/drawingml/2006/main" xmlns:r="http://schemas.openxmlformats.org/officeDocument/2006/relationships" xmlns:p="http://schemas.openxmlformats.org/presentationml/2006/main" type="tx" showMasterSp="0" showMasterPhAnim="1">
+<p:sldLayout xmlns:a="http://schemas.openxmlformats.org/drawingml/2006/main" xmlns:r="http://schemas.openxmlformats.org/officeDocument/2006/relationships" xmlns:p="http://schemas.openxmlformats.org/presentationml/2006/main" showMasterSp="0" type="tx">
   <p:cSld name="Title - Center">
     <p:bg>
       <p:bgPr>
         <a:solidFill>
           <a:srgbClr val="222222"/>
         </a:solidFill>
+        <a:effectLst/>
       </p:bgPr>
     </p:bg>
     <p:spTree>
@@ -2450,7 +2540,9 @@
       <p:sp>
         <p:nvSpPr>
           <p:cNvPr id="43" name="Shape 43"/>
-          <p:cNvSpPr/>
+          <p:cNvSpPr>
+            <a:spLocks noGrp="1"/>
+          </p:cNvSpPr>
           <p:nvPr>
             <p:ph type="title"/>
           </p:nvPr>
@@ -2475,7 +2567,6 @@
             </a:lvl1pPr>
           </a:lstStyle>
           <a:p>
-            <a:pPr/>
             <a:r>
               <a:t>Title Text</a:t>
             </a:r>
@@ -2485,7 +2576,9 @@
       <p:sp>
         <p:nvSpPr>
           <p:cNvPr id="44" name="Shape 44"/>
-          <p:cNvSpPr/>
+          <p:cNvSpPr>
+            <a:spLocks noGrp="1"/>
+          </p:cNvSpPr>
           <p:nvPr>
             <p:ph type="sldNum" sz="quarter" idx="2"/>
           </p:nvPr>
@@ -2503,8 +2596,10 @@
           <a:bodyPr/>
           <a:lstStyle/>
           <a:p>
-            <a:pPr/>
-            <a:fld id="{86CB4B4D-7CA3-9044-876B-883B54F8677D}" type="slidenum"/>
+            <a:fld id="{86CB4B4D-7CA3-9044-876B-883B54F8677D}" type="slidenum">
+              <a:t>‹nr.›</a:t>
+            </a:fld>
+            <a:endParaRPr/>
           </a:p>
         </p:txBody>
       </p:sp>
@@ -2513,18 +2608,19 @@
   <p:clrMapOvr>
     <a:masterClrMapping/>
   </p:clrMapOvr>
-  <p:transition xmlns:p14="http://schemas.microsoft.com/office/powerpoint/2010/main" spd="med" advClick="1"/>
+  <p:transition spd="med"/>
 </p:sldLayout>
 </file>
 
 <file path=ppt/slideLayouts/slideLayout5.xml><?xml version="1.0" encoding="utf-8"?>
-<p:sldLayout xmlns:a="http://schemas.openxmlformats.org/drawingml/2006/main" xmlns:r="http://schemas.openxmlformats.org/officeDocument/2006/relationships" xmlns:p="http://schemas.openxmlformats.org/presentationml/2006/main" type="tx" showMasterSp="0" showMasterPhAnim="1">
+<p:sldLayout xmlns:a="http://schemas.openxmlformats.org/drawingml/2006/main" xmlns:r="http://schemas.openxmlformats.org/officeDocument/2006/relationships" xmlns:p="http://schemas.openxmlformats.org/presentationml/2006/main" showMasterSp="0" type="tx">
   <p:cSld name="Photo - Vertical">
     <p:bg>
       <p:bgPr>
         <a:solidFill>
           <a:srgbClr val="222222"/>
         </a:solidFill>
+        <a:effectLst/>
       </p:bgPr>
     </p:bg>
     <p:spTree>
@@ -2580,13 +2676,16 @@
                 <a:sym typeface="Helvetica"/>
               </a:defRPr>
             </a:pPr>
+            <a:endParaRPr/>
           </a:p>
         </p:txBody>
       </p:sp>
       <p:sp>
         <p:nvSpPr>
           <p:cNvPr id="52" name="Shape 52"/>
-          <p:cNvSpPr/>
+          <p:cNvSpPr>
+            <a:spLocks noGrp="1"/>
+          </p:cNvSpPr>
           <p:nvPr>
             <p:ph type="pic" idx="13"/>
           </p:nvPr>
@@ -2606,14 +2705,16 @@
           </a:bodyPr>
           <a:lstStyle/>
           <a:p>
-            <a:pPr/>
+            <a:endParaRPr/>
           </a:p>
         </p:txBody>
       </p:sp>
       <p:sp>
         <p:nvSpPr>
           <p:cNvPr id="53" name="Shape 53"/>
-          <p:cNvSpPr/>
+          <p:cNvSpPr>
+            <a:spLocks noGrp="1"/>
+          </p:cNvSpPr>
           <p:nvPr>
             <p:ph type="title"/>
           </p:nvPr>
@@ -2638,7 +2739,6 @@
             </a:lvl1pPr>
           </a:lstStyle>
           <a:p>
-            <a:pPr/>
             <a:r>
               <a:t>Title Text</a:t>
             </a:r>
@@ -2648,7 +2748,9 @@
       <p:sp>
         <p:nvSpPr>
           <p:cNvPr id="54" name="Shape 54"/>
-          <p:cNvSpPr/>
+          <p:cNvSpPr>
+            <a:spLocks noGrp="1"/>
+          </p:cNvSpPr>
           <p:nvPr>
             <p:ph type="body" sz="quarter" idx="1"/>
           </p:nvPr>
@@ -2676,7 +2778,7 @@
               <a:buSzTx/>
               <a:buFontTx/>
               <a:buNone/>
-              <a:defRPr cap="all" sz="5400">
+              <a:defRPr sz="5400" cap="all">
                 <a:solidFill>
                   <a:srgbClr val="A6AAA9"/>
                 </a:solidFill>
@@ -2697,7 +2799,7 @@
               <a:buSzTx/>
               <a:buFontTx/>
               <a:buNone/>
-              <a:defRPr cap="all" sz="5400">
+              <a:defRPr sz="5400" cap="all">
                 <a:solidFill>
                   <a:srgbClr val="A6AAA9"/>
                 </a:solidFill>
@@ -2718,7 +2820,7 @@
               <a:buSzTx/>
               <a:buFontTx/>
               <a:buNone/>
-              <a:defRPr cap="all" sz="5400">
+              <a:defRPr sz="5400" cap="all">
                 <a:solidFill>
                   <a:srgbClr val="A6AAA9"/>
                 </a:solidFill>
@@ -2739,7 +2841,7 @@
               <a:buSzTx/>
               <a:buFontTx/>
               <a:buNone/>
-              <a:defRPr cap="all" sz="5400">
+              <a:defRPr sz="5400" cap="all">
                 <a:solidFill>
                   <a:srgbClr val="A6AAA9"/>
                 </a:solidFill>
@@ -2760,7 +2862,7 @@
               <a:buSzTx/>
               <a:buFontTx/>
               <a:buNone/>
-              <a:defRPr cap="all" sz="5400">
+              <a:defRPr sz="5400" cap="all">
                 <a:solidFill>
                   <a:srgbClr val="A6AAA9"/>
                 </a:solidFill>
@@ -2772,7 +2874,6 @@
             </a:lvl5pPr>
           </a:lstStyle>
           <a:p>
-            <a:pPr/>
             <a:r>
               <a:t>Body Level One</a:t>
             </a:r>
@@ -2806,7 +2907,9 @@
       <p:sp>
         <p:nvSpPr>
           <p:cNvPr id="55" name="Shape 55"/>
-          <p:cNvSpPr/>
+          <p:cNvSpPr>
+            <a:spLocks noGrp="1"/>
+          </p:cNvSpPr>
           <p:nvPr>
             <p:ph type="sldNum" sz="quarter" idx="2"/>
           </p:nvPr>
@@ -2824,8 +2927,10 @@
           <a:bodyPr/>
           <a:lstStyle/>
           <a:p>
-            <a:pPr/>
-            <a:fld id="{86CB4B4D-7CA3-9044-876B-883B54F8677D}" type="slidenum"/>
+            <a:fld id="{86CB4B4D-7CA3-9044-876B-883B54F8677D}" type="slidenum">
+              <a:t>‹nr.›</a:t>
+            </a:fld>
+            <a:endParaRPr/>
           </a:p>
         </p:txBody>
       </p:sp>
@@ -2834,12 +2939,12 @@
   <p:clrMapOvr>
     <a:masterClrMapping/>
   </p:clrMapOvr>
-  <p:transition xmlns:p14="http://schemas.microsoft.com/office/powerpoint/2010/main" spd="med" advClick="1"/>
+  <p:transition spd="med"/>
 </p:sldLayout>
 </file>
 
 <file path=ppt/slideLayouts/slideLayout6.xml><?xml version="1.0" encoding="utf-8"?>
-<p:sldLayout xmlns:a="http://schemas.openxmlformats.org/drawingml/2006/main" xmlns:r="http://schemas.openxmlformats.org/officeDocument/2006/relationships" xmlns:p="http://schemas.openxmlformats.org/presentationml/2006/main" type="tx" showMasterSp="1" showMasterPhAnim="1">
+<p:sldLayout xmlns:a="http://schemas.openxmlformats.org/drawingml/2006/main" xmlns:r="http://schemas.openxmlformats.org/officeDocument/2006/relationships" xmlns:p="http://schemas.openxmlformats.org/presentationml/2006/main" type="tx">
   <p:cSld name="Title - Top">
     <p:spTree>
       <p:nvGrpSpPr>
@@ -2858,7 +2963,9 @@
       <p:sp>
         <p:nvSpPr>
           <p:cNvPr id="62" name="Shape 62"/>
-          <p:cNvSpPr/>
+          <p:cNvSpPr>
+            <a:spLocks noGrp="1"/>
+          </p:cNvSpPr>
           <p:nvPr>
             <p:ph type="body" sz="quarter" idx="13"/>
           </p:nvPr>
@@ -2888,7 +2995,7 @@
               <a:buSzTx/>
               <a:buFontTx/>
               <a:buNone/>
-              <a:defRPr cap="all" spc="120" sz="2400">
+              <a:defRPr sz="2400" cap="all" spc="120">
                 <a:latin typeface="DIN Alternate"/>
                 <a:ea typeface="DIN Alternate"/>
                 <a:cs typeface="DIN Alternate"/>
@@ -2897,7 +3004,6 @@
             </a:lvl1pPr>
           </a:lstStyle>
           <a:p>
-            <a:pPr/>
             <a:r>
               <a:t>Text</a:t>
             </a:r>
@@ -2907,7 +3013,9 @@
       <p:sp>
         <p:nvSpPr>
           <p:cNvPr id="63" name="Shape 63"/>
-          <p:cNvSpPr/>
+          <p:cNvSpPr>
+            <a:spLocks noGrp="1"/>
+          </p:cNvSpPr>
           <p:nvPr>
             <p:ph type="title"/>
           </p:nvPr>
@@ -2921,7 +3029,6 @@
           <a:bodyPr/>
           <a:lstStyle/>
           <a:p>
-            <a:pPr/>
             <a:r>
               <a:t>Title Text</a:t>
             </a:r>
@@ -2931,7 +3038,9 @@
       <p:sp>
         <p:nvSpPr>
           <p:cNvPr id="64" name="Shape 64"/>
-          <p:cNvSpPr/>
+          <p:cNvSpPr>
+            <a:spLocks noGrp="1"/>
+          </p:cNvSpPr>
           <p:nvPr>
             <p:ph type="sldNum" sz="quarter" idx="2"/>
           </p:nvPr>
@@ -2945,8 +3054,10 @@
           <a:bodyPr/>
           <a:lstStyle/>
           <a:p>
-            <a:pPr/>
-            <a:fld id="{86CB4B4D-7CA3-9044-876B-883B54F8677D}" type="slidenum"/>
+            <a:fld id="{86CB4B4D-7CA3-9044-876B-883B54F8677D}" type="slidenum">
+              <a:t>‹nr.›</a:t>
+            </a:fld>
+            <a:endParaRPr/>
           </a:p>
         </p:txBody>
       </p:sp>
@@ -2955,18 +3066,19 @@
   <p:clrMapOvr>
     <a:masterClrMapping/>
   </p:clrMapOvr>
-  <p:transition xmlns:p14="http://schemas.microsoft.com/office/powerpoint/2010/main" spd="med" advClick="1"/>
+  <p:transition spd="med"/>
 </p:sldLayout>
 </file>
 
 <file path=ppt/slideLayouts/slideLayout7.xml><?xml version="1.0" encoding="utf-8"?>
-<p:sldLayout xmlns:a="http://schemas.openxmlformats.org/drawingml/2006/main" xmlns:r="http://schemas.openxmlformats.org/officeDocument/2006/relationships" xmlns:p="http://schemas.openxmlformats.org/presentationml/2006/main" type="tx" showMasterSp="0" showMasterPhAnim="1">
+<p:sldLayout xmlns:a="http://schemas.openxmlformats.org/drawingml/2006/main" xmlns:r="http://schemas.openxmlformats.org/officeDocument/2006/relationships" xmlns:p="http://schemas.openxmlformats.org/presentationml/2006/main" showMasterSp="0" type="tx">
   <p:cSld name="Title &amp; Bullets">
     <p:bg>
       <p:bgPr>
         <a:solidFill>
           <a:srgbClr val="222222"/>
         </a:solidFill>
+        <a:effectLst/>
       </p:bgPr>
     </p:bg>
     <p:spTree>
@@ -3022,13 +3134,16 @@
                 <a:sym typeface="Helvetica"/>
               </a:defRPr>
             </a:pPr>
+            <a:endParaRPr/>
           </a:p>
         </p:txBody>
       </p:sp>
       <p:sp>
         <p:nvSpPr>
           <p:cNvPr id="72" name="Shape 72"/>
-          <p:cNvSpPr/>
+          <p:cNvSpPr>
+            <a:spLocks noGrp="1"/>
+          </p:cNvSpPr>
           <p:nvPr>
             <p:ph type="body" sz="quarter" idx="13"/>
           </p:nvPr>
@@ -3058,7 +3173,7 @@
               <a:buSzTx/>
               <a:buFontTx/>
               <a:buNone/>
-              <a:defRPr cap="all" spc="120" sz="2400">
+              <a:defRPr sz="2400" cap="all" spc="120">
                 <a:latin typeface="DIN Alternate"/>
                 <a:ea typeface="DIN Alternate"/>
                 <a:cs typeface="DIN Alternate"/>
@@ -3067,7 +3182,6 @@
             </a:lvl1pPr>
           </a:lstStyle>
           <a:p>
-            <a:pPr/>
             <a:r>
               <a:t>Text</a:t>
             </a:r>
@@ -3077,7 +3191,9 @@
       <p:sp>
         <p:nvSpPr>
           <p:cNvPr id="73" name="Shape 73"/>
-          <p:cNvSpPr/>
+          <p:cNvSpPr>
+            <a:spLocks noGrp="1"/>
+          </p:cNvSpPr>
           <p:nvPr>
             <p:ph type="title"/>
           </p:nvPr>
@@ -3091,7 +3207,6 @@
           <a:bodyPr/>
           <a:lstStyle/>
           <a:p>
-            <a:pPr/>
             <a:r>
               <a:t>Title Text</a:t>
             </a:r>
@@ -3101,7 +3216,9 @@
       <p:sp>
         <p:nvSpPr>
           <p:cNvPr id="74" name="Shape 74"/>
-          <p:cNvSpPr/>
+          <p:cNvSpPr>
+            <a:spLocks noGrp="1"/>
+          </p:cNvSpPr>
           <p:nvPr>
             <p:ph type="body" idx="1"/>
           </p:nvPr>
@@ -3146,7 +3263,6 @@
             </a:lvl5pPr>
           </a:lstStyle>
           <a:p>
-            <a:pPr/>
             <a:r>
               <a:t>Body Level One</a:t>
             </a:r>
@@ -3180,7 +3296,9 @@
       <p:sp>
         <p:nvSpPr>
           <p:cNvPr id="75" name="Shape 75"/>
-          <p:cNvSpPr/>
+          <p:cNvSpPr>
+            <a:spLocks noGrp="1"/>
+          </p:cNvSpPr>
           <p:nvPr>
             <p:ph type="sldNum" sz="quarter" idx="2"/>
           </p:nvPr>
@@ -3194,8 +3312,10 @@
           <a:bodyPr/>
           <a:lstStyle/>
           <a:p>
-            <a:pPr/>
-            <a:fld id="{86CB4B4D-7CA3-9044-876B-883B54F8677D}" type="slidenum"/>
+            <a:fld id="{86CB4B4D-7CA3-9044-876B-883B54F8677D}" type="slidenum">
+              <a:t>‹nr.›</a:t>
+            </a:fld>
+            <a:endParaRPr/>
           </a:p>
         </p:txBody>
       </p:sp>
@@ -3204,12 +3324,12 @@
   <p:clrMapOvr>
     <a:masterClrMapping/>
   </p:clrMapOvr>
-  <p:transition xmlns:p14="http://schemas.microsoft.com/office/powerpoint/2010/main" spd="med" advClick="1"/>
+  <p:transition spd="med"/>
 </p:sldLayout>
 </file>
 
 <file path=ppt/slideLayouts/slideLayout8.xml><?xml version="1.0" encoding="utf-8"?>
-<p:sldLayout xmlns:a="http://schemas.openxmlformats.org/drawingml/2006/main" xmlns:r="http://schemas.openxmlformats.org/officeDocument/2006/relationships" xmlns:p="http://schemas.openxmlformats.org/presentationml/2006/main" type="tx" showMasterSp="0" showMasterPhAnim="1">
+<p:sldLayout xmlns:a="http://schemas.openxmlformats.org/drawingml/2006/main" xmlns:r="http://schemas.openxmlformats.org/officeDocument/2006/relationships" xmlns:p="http://schemas.openxmlformats.org/presentationml/2006/main" showMasterSp="0" type="tx">
   <p:cSld name="Title &amp; Bullets Alt">
     <p:spTree>
       <p:nvGrpSpPr>
@@ -3264,13 +3384,16 @@
                 <a:sym typeface="Helvetica"/>
               </a:defRPr>
             </a:pPr>
+            <a:endParaRPr/>
           </a:p>
         </p:txBody>
       </p:sp>
       <p:sp>
         <p:nvSpPr>
           <p:cNvPr id="83" name="Shape 83"/>
-          <p:cNvSpPr/>
+          <p:cNvSpPr>
+            <a:spLocks noGrp="1"/>
+          </p:cNvSpPr>
           <p:nvPr>
             <p:ph type="body" sz="quarter" idx="13"/>
           </p:nvPr>
@@ -3300,7 +3423,7 @@
               <a:buSzTx/>
               <a:buFontTx/>
               <a:buNone/>
-              <a:defRPr cap="all" spc="120" sz="2400">
+              <a:defRPr sz="2400" cap="all" spc="120">
                 <a:latin typeface="DIN Alternate"/>
                 <a:ea typeface="DIN Alternate"/>
                 <a:cs typeface="DIN Alternate"/>
@@ -3309,7 +3432,6 @@
             </a:lvl1pPr>
           </a:lstStyle>
           <a:p>
-            <a:pPr/>
             <a:r>
               <a:t>Text</a:t>
             </a:r>
@@ -3319,7 +3441,9 @@
       <p:sp>
         <p:nvSpPr>
           <p:cNvPr id="84" name="Shape 84"/>
-          <p:cNvSpPr/>
+          <p:cNvSpPr>
+            <a:spLocks noGrp="1"/>
+          </p:cNvSpPr>
           <p:nvPr>
             <p:ph type="title"/>
           </p:nvPr>
@@ -3333,7 +3457,6 @@
           <a:bodyPr/>
           <a:lstStyle/>
           <a:p>
-            <a:pPr/>
             <a:r>
               <a:t>Title Text</a:t>
             </a:r>
@@ -3343,7 +3466,9 @@
       <p:sp>
         <p:nvSpPr>
           <p:cNvPr id="85" name="Shape 85"/>
-          <p:cNvSpPr/>
+          <p:cNvSpPr>
+            <a:spLocks noGrp="1"/>
+          </p:cNvSpPr>
           <p:nvPr>
             <p:ph type="body" idx="1"/>
           </p:nvPr>
@@ -3388,7 +3513,6 @@
             </a:lvl5pPr>
           </a:lstStyle>
           <a:p>
-            <a:pPr/>
             <a:r>
               <a:t>Body Level One</a:t>
             </a:r>
@@ -3422,7 +3546,9 @@
       <p:sp>
         <p:nvSpPr>
           <p:cNvPr id="86" name="Shape 86"/>
-          <p:cNvSpPr/>
+          <p:cNvSpPr>
+            <a:spLocks noGrp="1"/>
+          </p:cNvSpPr>
           <p:nvPr>
             <p:ph type="sldNum" sz="quarter" idx="2"/>
           </p:nvPr>
@@ -3436,8 +3562,10 @@
           <a:bodyPr/>
           <a:lstStyle/>
           <a:p>
-            <a:pPr/>
-            <a:fld id="{86CB4B4D-7CA3-9044-876B-883B54F8677D}" type="slidenum"/>
+            <a:fld id="{86CB4B4D-7CA3-9044-876B-883B54F8677D}" type="slidenum">
+              <a:t>‹nr.›</a:t>
+            </a:fld>
+            <a:endParaRPr/>
           </a:p>
         </p:txBody>
       </p:sp>
@@ -3446,18 +3574,19 @@
   <p:clrMapOvr>
     <a:masterClrMapping/>
   </p:clrMapOvr>
-  <p:transition xmlns:p14="http://schemas.microsoft.com/office/powerpoint/2010/main" spd="med" advClick="1"/>
+  <p:transition spd="med"/>
 </p:sldLayout>
 </file>
 
 <file path=ppt/slideLayouts/slideLayout9.xml><?xml version="1.0" encoding="utf-8"?>
-<p:sldLayout xmlns:a="http://schemas.openxmlformats.org/drawingml/2006/main" xmlns:r="http://schemas.openxmlformats.org/officeDocument/2006/relationships" xmlns:p="http://schemas.openxmlformats.org/presentationml/2006/main" type="tx" showMasterSp="0" showMasterPhAnim="1">
+<p:sldLayout xmlns:a="http://schemas.openxmlformats.org/drawingml/2006/main" xmlns:r="http://schemas.openxmlformats.org/officeDocument/2006/relationships" xmlns:p="http://schemas.openxmlformats.org/presentationml/2006/main" showMasterSp="0" type="tx">
   <p:cSld name="Title, Bullets &amp; Photo">
     <p:bg>
       <p:bgPr>
         <a:solidFill>
           <a:srgbClr val="222222"/>
         </a:solidFill>
+        <a:effectLst/>
       </p:bgPr>
     </p:bg>
     <p:spTree>
@@ -3513,13 +3642,16 @@
                 <a:sym typeface="Helvetica"/>
               </a:defRPr>
             </a:pPr>
+            <a:endParaRPr/>
           </a:p>
         </p:txBody>
       </p:sp>
       <p:sp>
         <p:nvSpPr>
           <p:cNvPr id="94" name="Shape 94"/>
-          <p:cNvSpPr/>
+          <p:cNvSpPr>
+            <a:spLocks noGrp="1"/>
+          </p:cNvSpPr>
           <p:nvPr>
             <p:ph type="body" sz="quarter" idx="13"/>
           </p:nvPr>
@@ -3549,7 +3681,7 @@
               <a:buSzTx/>
               <a:buFontTx/>
               <a:buNone/>
-              <a:defRPr cap="all" spc="120" sz="2400">
+              <a:defRPr sz="2400" cap="all" spc="120">
                 <a:latin typeface="DIN Alternate"/>
                 <a:ea typeface="DIN Alternate"/>
                 <a:cs typeface="DIN Alternate"/>
@@ -3558,7 +3690,6 @@
             </a:lvl1pPr>
           </a:lstStyle>
           <a:p>
-            <a:pPr/>
             <a:r>
               <a:t>Text</a:t>
             </a:r>
@@ -3568,7 +3699,9 @@
       <p:sp>
         <p:nvSpPr>
           <p:cNvPr id="95" name="Shape 95"/>
-          <p:cNvSpPr/>
+          <p:cNvSpPr>
+            <a:spLocks noGrp="1"/>
+          </p:cNvSpPr>
           <p:nvPr>
             <p:ph type="pic" sz="half" idx="14"/>
           </p:nvPr>
@@ -3588,14 +3721,16 @@
           </a:bodyPr>
           <a:lstStyle/>
           <a:p>
-            <a:pPr/>
+            <a:endParaRPr/>
           </a:p>
         </p:txBody>
       </p:sp>
       <p:sp>
         <p:nvSpPr>
           <p:cNvPr id="96" name="Shape 96"/>
-          <p:cNvSpPr/>
+          <p:cNvSpPr>
+            <a:spLocks noGrp="1"/>
+          </p:cNvSpPr>
           <p:nvPr>
             <p:ph type="title"/>
           </p:nvPr>
@@ -3613,7 +3748,6 @@
           <a:bodyPr/>
           <a:lstStyle/>
           <a:p>
-            <a:pPr/>
             <a:r>
               <a:t>Title Text</a:t>
             </a:r>
@@ -3623,7 +3757,9 @@
       <p:sp>
         <p:nvSpPr>
           <p:cNvPr id="97" name="Shape 97"/>
-          <p:cNvSpPr/>
+          <p:cNvSpPr>
+            <a:spLocks noGrp="1"/>
+          </p:cNvSpPr>
           <p:nvPr>
             <p:ph type="body" sz="half" idx="1"/>
           </p:nvPr>
@@ -3677,7 +3813,6 @@
             </a:lvl5pPr>
           </a:lstStyle>
           <a:p>
-            <a:pPr/>
             <a:r>
               <a:t>Body Level One</a:t>
             </a:r>
@@ -3711,7 +3846,9 @@
       <p:sp>
         <p:nvSpPr>
           <p:cNvPr id="98" name="Shape 98"/>
-          <p:cNvSpPr/>
+          <p:cNvSpPr>
+            <a:spLocks noGrp="1"/>
+          </p:cNvSpPr>
           <p:nvPr>
             <p:ph type="sldNum" sz="quarter" idx="2"/>
           </p:nvPr>
@@ -3725,8 +3862,10 @@
           <a:bodyPr/>
           <a:lstStyle/>
           <a:p>
-            <a:pPr/>
-            <a:fld id="{86CB4B4D-7CA3-9044-876B-883B54F8677D}" type="slidenum"/>
+            <a:fld id="{86CB4B4D-7CA3-9044-876B-883B54F8677D}" type="slidenum">
+              <a:t>‹nr.›</a:t>
+            </a:fld>
+            <a:endParaRPr/>
           </a:p>
         </p:txBody>
       </p:sp>
@@ -3735,7 +3874,7 @@
   <p:clrMapOvr>
     <a:masterClrMapping/>
   </p:clrMapOvr>
-  <p:transition xmlns:p14="http://schemas.microsoft.com/office/powerpoint/2010/main" spd="med" advClick="1"/>
+  <p:transition spd="med"/>
 </p:sldLayout>
 </file>
 
@@ -3747,6 +3886,7 @@
         <a:solidFill>
           <a:srgbClr val="FFFFFF"/>
         </a:solidFill>
+        <a:effectLst/>
       </p:bgPr>
     </p:bg>
     <p:spTree>
@@ -3802,13 +3942,16 @@
                 <a:sym typeface="Helvetica"/>
               </a:defRPr>
             </a:pPr>
+            <a:endParaRPr/>
           </a:p>
         </p:txBody>
       </p:sp>
       <p:sp>
         <p:nvSpPr>
           <p:cNvPr id="3" name="Shape 3"/>
-          <p:cNvSpPr/>
+          <p:cNvSpPr>
+            <a:spLocks noGrp="1"/>
+          </p:cNvSpPr>
           <p:nvPr>
             <p:ph type="title"/>
           </p:nvPr>
@@ -3826,17 +3969,16 @@
           </a:ln>
           <a:extLst>
             <a:ext uri="{C572A759-6A51-4108-AA02-DFA0A04FC94B}">
-              <ma14:wrappingTextBoxFlag xmlns:ma14="http://schemas.microsoft.com/office/mac/drawingml/2011/main" val="1"/>
+              <ma14:wrappingTextBoxFlag xmlns:ma14="http://schemas.microsoft.com/office/mac/drawingml/2011/main" xmlns="" val="1"/>
             </a:ext>
           </a:extLst>
         </p:spPr>
         <p:txBody>
           <a:bodyPr lIns="50800" tIns="50800" rIns="50800" bIns="50800">
-            <a:normAutofit fontScale="100000" lnSpcReduction="0"/>
+            <a:normAutofit/>
           </a:bodyPr>
           <a:lstStyle/>
           <a:p>
-            <a:pPr/>
             <a:r>
               <a:t>Title Text</a:t>
             </a:r>
@@ -3846,7 +3988,9 @@
       <p:sp>
         <p:nvSpPr>
           <p:cNvPr id="4" name="Shape 4"/>
-          <p:cNvSpPr/>
+          <p:cNvSpPr>
+            <a:spLocks noGrp="1"/>
+          </p:cNvSpPr>
           <p:nvPr>
             <p:ph type="body" idx="1"/>
           </p:nvPr>
@@ -3864,17 +4008,16 @@
           </a:ln>
           <a:extLst>
             <a:ext uri="{C572A759-6A51-4108-AA02-DFA0A04FC94B}">
-              <ma14:wrappingTextBoxFlag xmlns:ma14="http://schemas.microsoft.com/office/mac/drawingml/2011/main" val="1"/>
+              <ma14:wrappingTextBoxFlag xmlns:ma14="http://schemas.microsoft.com/office/mac/drawingml/2011/main" xmlns="" val="1"/>
             </a:ext>
           </a:extLst>
         </p:spPr>
         <p:txBody>
           <a:bodyPr lIns="50800" tIns="50800" rIns="50800" bIns="50800">
-            <a:normAutofit fontScale="100000" lnSpcReduction="0"/>
+            <a:normAutofit/>
           </a:bodyPr>
           <a:lstStyle/>
           <a:p>
-            <a:pPr/>
             <a:r>
               <a:t>Body Level One</a:t>
             </a:r>
@@ -3908,7 +4051,9 @@
       <p:sp>
         <p:nvSpPr>
           <p:cNvPr id="5" name="Shape 5"/>
-          <p:cNvSpPr/>
+          <p:cNvSpPr>
+            <a:spLocks noGrp="1"/>
+          </p:cNvSpPr>
           <p:nvPr>
             <p:ph type="sldNum" sz="quarter" idx="2"/>
           </p:nvPr>
@@ -3946,8 +4091,10 @@
             </a:lvl1pPr>
           </a:lstStyle>
           <a:p>
-            <a:pPr/>
-            <a:fld id="{86CB4B4D-7CA3-9044-876B-883B54F8677D}" type="slidenum"/>
+            <a:fld id="{86CB4B4D-7CA3-9044-876B-883B54F8677D}" type="slidenum">
+              <a:t>‹nr.›</a:t>
+            </a:fld>
+            <a:endParaRPr/>
           </a:p>
         </p:txBody>
       </p:sp>
@@ -3955,24 +4102,24 @@
   </p:cSld>
   <p:clrMap bg1="dk1" tx1="lt1" bg2="dk2" tx2="lt2" accent1="accent1" accent2="accent2" accent3="accent3" accent4="accent4" accent5="accent5" accent6="accent6" hlink="hlink" folHlink="folHlink"/>
   <p:sldLayoutIdLst>
-    <p:sldLayoutId id="2147483649" r:id="rId2"/>
-    <p:sldLayoutId id="2147483650" r:id="rId3"/>
-    <p:sldLayoutId id="2147483651" r:id="rId4"/>
-    <p:sldLayoutId id="2147483652" r:id="rId5"/>
-    <p:sldLayoutId id="2147483653" r:id="rId6"/>
-    <p:sldLayoutId id="2147483654" r:id="rId7"/>
-    <p:sldLayoutId id="2147483655" r:id="rId8"/>
-    <p:sldLayoutId id="2147483656" r:id="rId9"/>
-    <p:sldLayoutId id="2147483657" r:id="rId10"/>
-    <p:sldLayoutId id="2147483658" r:id="rId11"/>
-    <p:sldLayoutId id="2147483659" r:id="rId12"/>
-    <p:sldLayoutId id="2147483660" r:id="rId13"/>
-    <p:sldLayoutId id="2147483661" r:id="rId14"/>
-    <p:sldLayoutId id="2147483662" r:id="rId15"/>
-    <p:sldLayoutId id="2147483663" r:id="rId16"/>
-    <p:sldLayoutId id="2147483664" r:id="rId17"/>
+    <p:sldLayoutId id="2147483649" r:id="rId1"/>
+    <p:sldLayoutId id="2147483650" r:id="rId2"/>
+    <p:sldLayoutId id="2147483651" r:id="rId3"/>
+    <p:sldLayoutId id="2147483652" r:id="rId4"/>
+    <p:sldLayoutId id="2147483653" r:id="rId5"/>
+    <p:sldLayoutId id="2147483654" r:id="rId6"/>
+    <p:sldLayoutId id="2147483655" r:id="rId7"/>
+    <p:sldLayoutId id="2147483656" r:id="rId8"/>
+    <p:sldLayoutId id="2147483657" r:id="rId9"/>
+    <p:sldLayoutId id="2147483658" r:id="rId10"/>
+    <p:sldLayoutId id="2147483659" r:id="rId11"/>
+    <p:sldLayoutId id="2147483660" r:id="rId12"/>
+    <p:sldLayoutId id="2147483661" r:id="rId13"/>
+    <p:sldLayoutId id="2147483662" r:id="rId14"/>
+    <p:sldLayoutId id="2147483663" r:id="rId15"/>
+    <p:sldLayoutId id="2147483664" r:id="rId16"/>
   </p:sldLayoutIdLst>
-  <p:transition xmlns:p14="http://schemas.microsoft.com/office/powerpoint/2010/main" spd="med" advClick="1"/>
+  <p:transition spd="med"/>
   <p:txStyles>
     <p:titleStyle>
       <a:lvl1pPr marL="0" marR="0" indent="0" algn="l" defTabSz="584200" rtl="0" latinLnBrk="0">
@@ -3990,7 +4137,7 @@
         <a:buFontTx/>
         <a:buNone/>
         <a:tabLst/>
-        <a:defRPr b="0" baseline="0" cap="all" i="0" spc="0" strike="noStrike" sz="6000" u="none">
+        <a:defRPr sz="6000" b="0" i="0" u="none" strike="noStrike" cap="all" spc="0" baseline="0">
           <a:ln>
             <a:noFill/>
           </a:ln>
@@ -4019,7 +4166,7 @@
         <a:buFontTx/>
         <a:buNone/>
         <a:tabLst/>
-        <a:defRPr b="0" baseline="0" cap="all" i="0" spc="0" strike="noStrike" sz="6000" u="none">
+        <a:defRPr sz="6000" b="0" i="0" u="none" strike="noStrike" cap="all" spc="0" baseline="0">
           <a:ln>
             <a:noFill/>
           </a:ln>
@@ -4048,7 +4195,7 @@
         <a:buFontTx/>
         <a:buNone/>
         <a:tabLst/>
-        <a:defRPr b="0" baseline="0" cap="all" i="0" spc="0" strike="noStrike" sz="6000" u="none">
+        <a:defRPr sz="6000" b="0" i="0" u="none" strike="noStrike" cap="all" spc="0" baseline="0">
           <a:ln>
             <a:noFill/>
           </a:ln>
@@ -4077,7 +4224,7 @@
         <a:buFontTx/>
         <a:buNone/>
         <a:tabLst/>
-        <a:defRPr b="0" baseline="0" cap="all" i="0" spc="0" strike="noStrike" sz="6000" u="none">
+        <a:defRPr sz="6000" b="0" i="0" u="none" strike="noStrike" cap="all" spc="0" baseline="0">
           <a:ln>
             <a:noFill/>
           </a:ln>
@@ -4106,7 +4253,7 @@
         <a:buFontTx/>
         <a:buNone/>
         <a:tabLst/>
-        <a:defRPr b="0" baseline="0" cap="all" i="0" spc="0" strike="noStrike" sz="6000" u="none">
+        <a:defRPr sz="6000" b="0" i="0" u="none" strike="noStrike" cap="all" spc="0" baseline="0">
           <a:ln>
             <a:noFill/>
           </a:ln>
@@ -4135,7 +4282,7 @@
         <a:buFontTx/>
         <a:buNone/>
         <a:tabLst/>
-        <a:defRPr b="0" baseline="0" cap="all" i="0" spc="0" strike="noStrike" sz="6000" u="none">
+        <a:defRPr sz="6000" b="0" i="0" u="none" strike="noStrike" cap="all" spc="0" baseline="0">
           <a:ln>
             <a:noFill/>
           </a:ln>
@@ -4164,7 +4311,7 @@
         <a:buFontTx/>
         <a:buNone/>
         <a:tabLst/>
-        <a:defRPr b="0" baseline="0" cap="all" i="0" spc="0" strike="noStrike" sz="6000" u="none">
+        <a:defRPr sz="6000" b="0" i="0" u="none" strike="noStrike" cap="all" spc="0" baseline="0">
           <a:ln>
             <a:noFill/>
           </a:ln>
@@ -4193,7 +4340,7 @@
         <a:buFontTx/>
         <a:buNone/>
         <a:tabLst/>
-        <a:defRPr b="0" baseline="0" cap="all" i="0" spc="0" strike="noStrike" sz="6000" u="none">
+        <a:defRPr sz="6000" b="0" i="0" u="none" strike="noStrike" cap="all" spc="0" baseline="0">
           <a:ln>
             <a:noFill/>
           </a:ln>
@@ -4222,7 +4369,7 @@
         <a:buFontTx/>
         <a:buNone/>
         <a:tabLst/>
-        <a:defRPr b="0" baseline="0" cap="all" i="0" spc="0" strike="noStrike" sz="6000" u="none">
+        <a:defRPr sz="6000" b="0" i="0" u="none" strike="noStrike" cap="all" spc="0" baseline="0">
           <a:ln>
             <a:noFill/>
           </a:ln>
@@ -4257,7 +4404,7 @@
         <a:buFont typeface="Avenir Next"/>
         <a:buChar char="‣"/>
         <a:tabLst/>
-        <a:defRPr b="0" baseline="0" cap="none" i="0" spc="0" strike="noStrike" sz="3400" u="none">
+        <a:defRPr sz="3400" b="0" i="0" u="none" strike="noStrike" cap="none" spc="0" baseline="0">
           <a:ln>
             <a:noFill/>
           </a:ln>
@@ -4290,7 +4437,7 @@
         <a:buFont typeface="Avenir Next"/>
         <a:buChar char="‣"/>
         <a:tabLst/>
-        <a:defRPr b="0" baseline="0" cap="none" i="0" spc="0" strike="noStrike" sz="3400" u="none">
+        <a:defRPr sz="3400" b="0" i="0" u="none" strike="noStrike" cap="none" spc="0" baseline="0">
           <a:ln>
             <a:noFill/>
           </a:ln>
@@ -4323,7 +4470,7 @@
         <a:buFont typeface="Avenir Next"/>
         <a:buChar char="‣"/>
         <a:tabLst/>
-        <a:defRPr b="0" baseline="0" cap="none" i="0" spc="0" strike="noStrike" sz="3400" u="none">
+        <a:defRPr sz="3400" b="0" i="0" u="none" strike="noStrike" cap="none" spc="0" baseline="0">
           <a:ln>
             <a:noFill/>
           </a:ln>
@@ -4356,7 +4503,7 @@
         <a:buFont typeface="Avenir Next"/>
         <a:buChar char="‣"/>
         <a:tabLst/>
-        <a:defRPr b="0" baseline="0" cap="none" i="0" spc="0" strike="noStrike" sz="3400" u="none">
+        <a:defRPr sz="3400" b="0" i="0" u="none" strike="noStrike" cap="none" spc="0" baseline="0">
           <a:ln>
             <a:noFill/>
           </a:ln>
@@ -4389,7 +4536,7 @@
         <a:buFont typeface="Avenir Next"/>
         <a:buChar char="‣"/>
         <a:tabLst/>
-        <a:defRPr b="0" baseline="0" cap="none" i="0" spc="0" strike="noStrike" sz="3400" u="none">
+        <a:defRPr sz="3400" b="0" i="0" u="none" strike="noStrike" cap="none" spc="0" baseline="0">
           <a:ln>
             <a:noFill/>
           </a:ln>
@@ -4422,7 +4569,7 @@
         <a:buFont typeface="Avenir Next"/>
         <a:buChar char="‣"/>
         <a:tabLst/>
-        <a:defRPr b="0" baseline="0" cap="none" i="0" spc="0" strike="noStrike" sz="3400" u="none">
+        <a:defRPr sz="3400" b="0" i="0" u="none" strike="noStrike" cap="none" spc="0" baseline="0">
           <a:ln>
             <a:noFill/>
           </a:ln>
@@ -4455,7 +4602,7 @@
         <a:buFont typeface="Avenir Next"/>
         <a:buChar char="‣"/>
         <a:tabLst/>
-        <a:defRPr b="0" baseline="0" cap="none" i="0" spc="0" strike="noStrike" sz="3400" u="none">
+        <a:defRPr sz="3400" b="0" i="0" u="none" strike="noStrike" cap="none" spc="0" baseline="0">
           <a:ln>
             <a:noFill/>
           </a:ln>
@@ -4488,7 +4635,7 @@
         <a:buFont typeface="Avenir Next"/>
         <a:buChar char="‣"/>
         <a:tabLst/>
-        <a:defRPr b="0" baseline="0" cap="none" i="0" spc="0" strike="noStrike" sz="3400" u="none">
+        <a:defRPr sz="3400" b="0" i="0" u="none" strike="noStrike" cap="none" spc="0" baseline="0">
           <a:ln>
             <a:noFill/>
           </a:ln>
@@ -4521,7 +4668,7 @@
         <a:buFont typeface="Avenir Next"/>
         <a:buChar char="‣"/>
         <a:tabLst/>
-        <a:defRPr b="0" baseline="0" cap="none" i="0" spc="0" strike="noStrike" sz="3400" u="none">
+        <a:defRPr sz="3400" b="0" i="0" u="none" strike="noStrike" cap="none" spc="0" baseline="0">
           <a:ln>
             <a:noFill/>
           </a:ln>
@@ -4552,7 +4699,7 @@
         <a:buFontTx/>
         <a:buNone/>
         <a:tabLst/>
-        <a:defRPr b="0" baseline="0" cap="none" i="0" spc="0" strike="noStrike" sz="2400" u="none">
+        <a:defRPr sz="2400" b="0" i="0" u="none" strike="noStrike" cap="none" spc="0" baseline="0">
           <a:ln>
             <a:noFill/>
           </a:ln>
@@ -4581,7 +4728,7 @@
         <a:buFontTx/>
         <a:buNone/>
         <a:tabLst/>
-        <a:defRPr b="0" baseline="0" cap="none" i="0" spc="0" strike="noStrike" sz="2400" u="none">
+        <a:defRPr sz="2400" b="0" i="0" u="none" strike="noStrike" cap="none" spc="0" baseline="0">
           <a:ln>
             <a:noFill/>
           </a:ln>
@@ -4610,7 +4757,7 @@
         <a:buFontTx/>
         <a:buNone/>
         <a:tabLst/>
-        <a:defRPr b="0" baseline="0" cap="none" i="0" spc="0" strike="noStrike" sz="2400" u="none">
+        <a:defRPr sz="2400" b="0" i="0" u="none" strike="noStrike" cap="none" spc="0" baseline="0">
           <a:ln>
             <a:noFill/>
           </a:ln>
@@ -4639,7 +4786,7 @@
         <a:buFontTx/>
         <a:buNone/>
         <a:tabLst/>
-        <a:defRPr b="0" baseline="0" cap="none" i="0" spc="0" strike="noStrike" sz="2400" u="none">
+        <a:defRPr sz="2400" b="0" i="0" u="none" strike="noStrike" cap="none" spc="0" baseline="0">
           <a:ln>
             <a:noFill/>
           </a:ln>
@@ -4668,7 +4815,7 @@
         <a:buFontTx/>
         <a:buNone/>
         <a:tabLst/>
-        <a:defRPr b="0" baseline="0" cap="none" i="0" spc="0" strike="noStrike" sz="2400" u="none">
+        <a:defRPr sz="2400" b="0" i="0" u="none" strike="noStrike" cap="none" spc="0" baseline="0">
           <a:ln>
             <a:noFill/>
           </a:ln>
@@ -4697,7 +4844,7 @@
         <a:buFontTx/>
         <a:buNone/>
         <a:tabLst/>
-        <a:defRPr b="0" baseline="0" cap="none" i="0" spc="0" strike="noStrike" sz="2400" u="none">
+        <a:defRPr sz="2400" b="0" i="0" u="none" strike="noStrike" cap="none" spc="0" baseline="0">
           <a:ln>
             <a:noFill/>
           </a:ln>
@@ -4726,7 +4873,7 @@
         <a:buFontTx/>
         <a:buNone/>
         <a:tabLst/>
-        <a:defRPr b="0" baseline="0" cap="none" i="0" spc="0" strike="noStrike" sz="2400" u="none">
+        <a:defRPr sz="2400" b="0" i="0" u="none" strike="noStrike" cap="none" spc="0" baseline="0">
           <a:ln>
             <a:noFill/>
           </a:ln>
@@ -4755,7 +4902,7 @@
         <a:buFontTx/>
         <a:buNone/>
         <a:tabLst/>
-        <a:defRPr b="0" baseline="0" cap="none" i="0" spc="0" strike="noStrike" sz="2400" u="none">
+        <a:defRPr sz="2400" b="0" i="0" u="none" strike="noStrike" cap="none" spc="0" baseline="0">
           <a:ln>
             <a:noFill/>
           </a:ln>
@@ -4784,7 +4931,7 @@
         <a:buFontTx/>
         <a:buNone/>
         <a:tabLst/>
-        <a:defRPr b="0" baseline="0" cap="none" i="0" spc="0" strike="noStrike" sz="2400" u="none">
+        <a:defRPr sz="2400" b="0" i="0" u="none" strike="noStrike" cap="none" spc="0" baseline="0">
           <a:ln>
             <a:noFill/>
           </a:ln>
@@ -4804,17 +4951,18 @@
 </file>
 
 <file path=ppt/slides/slide1.xml><?xml version="1.0" encoding="utf-8"?>
-<p:sld xmlns:a="http://schemas.openxmlformats.org/drawingml/2006/main" xmlns:r="http://schemas.openxmlformats.org/officeDocument/2006/relationships" xmlns:p="http://schemas.openxmlformats.org/presentationml/2006/main" showMasterSp="1" showMasterPhAnim="1">
+<p:sld xmlns:a="http://schemas.openxmlformats.org/drawingml/2006/main" xmlns:r="http://schemas.openxmlformats.org/officeDocument/2006/relationships" xmlns:p="http://schemas.openxmlformats.org/presentationml/2006/main">
   <p:cSld>
     <p:bg>
       <p:bgPr>
         <a:blipFill rotWithShape="1">
           <a:blip r:embed="rId2"/>
-          <a:srcRect l="0" t="0" r="0" b="0"/>
+          <a:srcRect/>
           <a:stretch>
             <a:fillRect/>
           </a:stretch>
         </a:blipFill>
+        <a:effectLst/>
       </p:bgPr>
     </p:bg>
     <p:spTree>
@@ -4834,7 +4982,9 @@
       <p:sp>
         <p:nvSpPr>
           <p:cNvPr id="169" name="Shape 169"/>
-          <p:cNvSpPr/>
+          <p:cNvSpPr>
+            <a:spLocks noGrp="1"/>
+          </p:cNvSpPr>
           <p:nvPr>
             <p:ph type="body" idx="13"/>
           </p:nvPr>
@@ -4853,7 +5003,7 @@
           <a:lstStyle/>
           <a:p>
             <a:pPr>
-              <a:defRPr cap="none" sz="8500">
+              <a:defRPr sz="8500" cap="none">
                 <a:solidFill>
                   <a:srgbClr val="00F900">
                     <a:alpha val="98410"/>
@@ -4874,16 +5024,10 @@
               </a:rPr>
               <a:t>PocketTopo</a:t>
             </a:r>
-            <a:endParaRPr>
-              <a:latin typeface="Heiti TC Light"/>
-              <a:ea typeface="Heiti TC Light"/>
-              <a:cs typeface="Heiti TC Light"/>
-              <a:sym typeface="Heiti TC Light"/>
-            </a:endParaRPr>
           </a:p>
           <a:p>
             <a:pPr>
-              <a:defRPr cap="none" sz="8500">
+              <a:defRPr sz="8500" cap="none">
                 <a:solidFill>
                   <a:srgbClr val="00F900">
                     <a:alpha val="98410"/>
@@ -4904,16 +5048,10 @@
               </a:rPr>
               <a:t>by</a:t>
             </a:r>
-            <a:endParaRPr>
-              <a:latin typeface="Heiti TC Light"/>
-              <a:ea typeface="Heiti TC Light"/>
-              <a:cs typeface="Heiti TC Light"/>
-              <a:sym typeface="Heiti TC Light"/>
-            </a:endParaRPr>
           </a:p>
           <a:p>
             <a:pPr>
-              <a:defRPr cap="none" sz="8500">
+              <a:defRPr sz="8500" cap="none">
                 <a:solidFill>
                   <a:srgbClr val="00F900">
                     <a:alpha val="98410"/>
@@ -4941,7 +5079,7 @@
         <p:nvPicPr>
           <p:cNvPr id="170" name="world-world-hi.png"/>
           <p:cNvPicPr>
-            <a:picLocks noChangeAspect="1"/>
+            <a:picLocks noGrp="1" noChangeAspect="1"/>
           </p:cNvPicPr>
           <p:nvPr>
             <p:ph type="pic" idx="14"/>
@@ -4951,7 +5089,7 @@
           <a:blip r:embed="rId3">
             <a:extLst/>
           </a:blip>
-          <a:srcRect l="0" t="0" r="0" b="0"/>
+          <a:srcRect/>
           <a:stretch>
             <a:fillRect/>
           </a:stretch>
@@ -4969,7 +5107,9 @@
       <p:sp>
         <p:nvSpPr>
           <p:cNvPr id="171" name="Shape 171"/>
-          <p:cNvSpPr/>
+          <p:cNvSpPr>
+            <a:spLocks noGrp="1"/>
+          </p:cNvSpPr>
           <p:nvPr>
             <p:ph type="body" idx="15"/>
           </p:nvPr>
@@ -5041,20 +5181,20 @@
   <p:clrMapOvr>
     <a:masterClrMapping/>
   </p:clrMapOvr>
-  <p:transition xmlns:p14="http://schemas.microsoft.com/office/powerpoint/2010/main" spd="med" advClick="1"/>
+  <p:transition spd="med"/>
   <p:timing>
     <p:tnLst>
       <p:par>
-        <p:cTn id="1" nodeType="tmRoot" restart="never" dur="indefinite" fill="hold">
+        <p:cTn id="1" dur="indefinite" restart="never" fill="hold" nodeType="tmRoot">
           <p:childTnLst>
             <p:seq concurrent="1" prevAc="none" nextAc="seek">
-              <p:cTn id="2" nodeType="mainSeq" dur="indefinite" fill="hold">
+              <p:cTn id="2" dur="indefinite" fill="hold" nodeType="mainSeq">
                 <p:childTnLst>
                   <p:par>
                     <p:cTn id="3" fill="hold">
                       <p:stCondLst>
                         <p:cond delay="indefinite"/>
-                        <p:cond evt="onBegin">
+                        <p:cond evt="onBegin" delay="0">
                           <p:tn val="2"/>
                         </p:cond>
                       </p:stCondLst>
@@ -5066,11 +5206,11 @@
                             </p:stCondLst>
                             <p:childTnLst>
                               <p:par>
-                                <p:cTn id="5" presetClass="entr" nodeType="afterEffect" presetID="9" grpId="1" fill="hold">
+                                <p:cTn id="5" presetID="9" presetClass="entr" fill="hold" grpId="1" nodeType="afterEffect">
                                   <p:stCondLst>
                                     <p:cond delay="0"/>
                                   </p:stCondLst>
-                                  <p:iterate type="el" backwards="0">
+                                  <p:iterate>
                                     <p:tmAbs val="0"/>
                                   </p:iterate>
                                   <p:childTnLst>
@@ -5088,7 +5228,7 @@
                                         <p:strVal val="visible"/>
                                       </p:to>
                                     </p:set>
-                                    <p:animEffect filter="dissolve" transition="in">
+                                    <p:animEffect transition="in" filter="dissolve">
                                       <p:cBhvr>
                                         <p:cTn id="7" dur="2000"/>
                                         <p:tgtEl>
@@ -5109,11 +5249,11 @@
                             </p:stCondLst>
                             <p:childTnLst>
                               <p:par>
-                                <p:cTn id="9" presetClass="entr" nodeType="afterEffect" presetID="9" grpId="2" fill="hold">
+                                <p:cTn id="9" presetID="9" presetClass="entr" fill="hold" grpId="2" nodeType="afterEffect">
                                   <p:stCondLst>
                                     <p:cond delay="0"/>
                                   </p:stCondLst>
-                                  <p:iterate type="el" backwards="0">
+                                  <p:iterate>
                                     <p:tmAbs val="0"/>
                                   </p:iterate>
                                   <p:childTnLst>
@@ -5131,7 +5271,7 @@
                                         <p:strVal val="visible"/>
                                       </p:to>
                                     </p:set>
-                                    <p:animEffect filter="dissolve" transition="in">
+                                    <p:animEffect transition="in" filter="dissolve">
                                       <p:cBhvr>
                                         <p:cTn id="11" dur="1500"/>
                                         <p:tgtEl>
@@ -5152,11 +5292,11 @@
                             </p:stCondLst>
                             <p:childTnLst>
                               <p:par>
-                                <p:cTn id="13" presetClass="entr" nodeType="afterEffect" presetID="9" grpId="3" fill="hold">
+                                <p:cTn id="13" presetID="9" presetClass="entr" fill="hold" grpId="3" nodeType="afterEffect">
                                   <p:stCondLst>
                                     <p:cond delay="0"/>
                                   </p:stCondLst>
-                                  <p:iterate type="el" backwards="0">
+                                  <p:iterate>
                                     <p:tmAbs val="0"/>
                                   </p:iterate>
                                   <p:childTnLst>
@@ -5174,7 +5314,7 @@
                                         <p:strVal val="visible"/>
                                       </p:to>
                                     </p:set>
-                                    <p:animEffect filter="dissolve" transition="in">
+                                    <p:animEffect transition="in" filter="dissolve">
                                       <p:cBhvr>
                                         <p:cTn id="15" dur="1500"/>
                                         <p:tgtEl>
@@ -5194,14 +5334,14 @@
                 </p:childTnLst>
               </p:cTn>
               <p:prevCondLst>
-                <p:cond evt="onPrev">
+                <p:cond evt="onPrev" delay="0">
                   <p:tgtEl>
                     <p:sldTgt/>
                   </p:tgtEl>
                 </p:cond>
               </p:prevCondLst>
               <p:nextCondLst>
-                <p:cond evt="onNext">
+                <p:cond evt="onNext" delay="0">
                   <p:tgtEl>
                     <p:sldTgt/>
                   </p:tgtEl>
@@ -5213,22 +5353,23 @@
       </p:par>
     </p:tnLst>
     <p:bldLst>
-      <p:bldP build="whole" bldLvl="1" animBg="1" rev="0" advAuto="0" spid="169" grpId="2"/>
-      <p:bldP build="whole" bldLvl="1" animBg="1" rev="0" advAuto="0" spid="171" grpId="3"/>
-      <p:bldP build="whole" bldLvl="1" animBg="1" rev="0" advAuto="0" spid="170" grpId="1"/>
+      <p:bldP spid="169" grpId="2" animBg="1" advAuto="0"/>
+      <p:bldP spid="170" grpId="1" animBg="1" advAuto="0"/>
+      <p:bldP spid="171" grpId="3" animBg="1" advAuto="0"/>
     </p:bldLst>
   </p:timing>
 </p:sld>
 </file>
 
 <file path=ppt/slides/slide2.xml><?xml version="1.0" encoding="utf-8"?>
-<p:sld xmlns:a="http://schemas.openxmlformats.org/drawingml/2006/main" xmlns:r="http://schemas.openxmlformats.org/officeDocument/2006/relationships" xmlns:p="http://schemas.openxmlformats.org/presentationml/2006/main" showMasterSp="1" showMasterPhAnim="1">
+<p:sld xmlns:a="http://schemas.openxmlformats.org/drawingml/2006/main" xmlns:r="http://schemas.openxmlformats.org/officeDocument/2006/relationships" xmlns:p="http://schemas.openxmlformats.org/presentationml/2006/main">
   <p:cSld>
     <p:bg>
       <p:bgPr>
         <a:solidFill>
           <a:srgbClr val="0096FF"/>
         </a:solidFill>
+        <a:effectLst/>
       </p:bgPr>
     </p:bg>
     <p:spTree>
@@ -5248,7 +5389,9 @@
       <p:sp>
         <p:nvSpPr>
           <p:cNvPr id="173" name="Shape 173"/>
-          <p:cNvSpPr/>
+          <p:cNvSpPr>
+            <a:spLocks noGrp="1"/>
+          </p:cNvSpPr>
           <p:nvPr>
             <p:ph type="body" idx="13"/>
           </p:nvPr>
@@ -5266,7 +5409,7 @@
           <a:bodyPr/>
           <a:lstStyle>
             <a:lvl1pPr>
-              <a:defRPr spc="200" sz="4000">
+              <a:defRPr sz="4000" spc="200">
                 <a:solidFill>
                   <a:srgbClr val="00F900"/>
                 </a:solidFill>
@@ -5278,7 +5421,6 @@
             </a:lvl1pPr>
           </a:lstStyle>
           <a:p>
-            <a:pPr/>
             <a:r>
               <a:t>InHoud</a:t>
             </a:r>
@@ -5304,7 +5446,7 @@
           </a:ln>
           <a:extLst>
             <a:ext uri="{C572A759-6A51-4108-AA02-DFA0A04FC94B}">
-              <ma14:wrappingTextBoxFlag xmlns:ma14="http://schemas.microsoft.com/office/mac/drawingml/2011/main" val="1"/>
+              <ma14:wrappingTextBoxFlag xmlns:ma14="http://schemas.microsoft.com/office/mac/drawingml/2011/main" xmlns="" val="1"/>
             </a:ext>
           </a:extLst>
         </p:spPr>
@@ -5429,13 +5571,13 @@
   <p:clrMapOvr>
     <a:masterClrMapping/>
   </p:clrMapOvr>
-  <mc:AlternateContent xmlns:mc="http://schemas.openxmlformats.org/markup-compatibility/2006">
-    <mc:Choice xmlns:p14="http://schemas.microsoft.com/office/powerpoint/2010/main" Requires="p14">
-      <p:transition spd="slow" advClick="1" p14:dur="2000">
+  <mc:AlternateContent xmlns:mc="http://schemas.openxmlformats.org/markup-compatibility/2006" xmlns:p14="http://schemas.microsoft.com/office/powerpoint/2010/main">
+    <mc:Choice Requires="p14">
+      <p:transition spd="slow" p14:dur="2000">
         <p:dissolve/>
       </p:transition>
     </mc:Choice>
-    <mc:Fallback>
+    <mc:Fallback xmlns="">
       <p:transition spd="slow">
         <p:fade/>
       </p:transition>
@@ -5444,16 +5586,16 @@
   <p:timing>
     <p:tnLst>
       <p:par>
-        <p:cTn id="1" nodeType="tmRoot" restart="never" dur="indefinite" fill="hold">
+        <p:cTn id="1" dur="indefinite" restart="never" fill="hold" nodeType="tmRoot">
           <p:childTnLst>
             <p:seq concurrent="1" prevAc="none" nextAc="seek">
-              <p:cTn id="2" nodeType="mainSeq" dur="indefinite" fill="hold">
+              <p:cTn id="2" dur="indefinite" fill="hold" nodeType="mainSeq">
                 <p:childTnLst>
                   <p:par>
                     <p:cTn id="3" fill="hold">
                       <p:stCondLst>
                         <p:cond delay="indefinite"/>
-                        <p:cond evt="onBegin">
+                        <p:cond evt="onBegin" delay="0">
                           <p:tn val="2"/>
                         </p:cond>
                       </p:stCondLst>
@@ -5465,11 +5607,11 @@
                             </p:stCondLst>
                             <p:childTnLst>
                               <p:par>
-                                <p:cTn id="5" presetClass="entr" nodeType="afterEffect" presetSubtype="8" presetID="26" grpId="1" fill="hold">
+                                <p:cTn id="5" presetID="26" presetClass="entr" presetSubtype="8" fill="hold" grpId="1" nodeType="afterEffect">
                                   <p:stCondLst>
                                     <p:cond delay="0"/>
                                   </p:stCondLst>
-                                  <p:iterate type="lt" backwards="0">
+                                  <p:iterate type="lt">
                                     <p:tmAbs val="0"/>
                                   </p:iterate>
                                   <p:childTnLst>
@@ -5489,7 +5631,7 @@
                                         <p:strVal val="visible"/>
                                       </p:to>
                                     </p:set>
-                                    <p:animEffect filter="wipe(down)" transition="in">
+                                    <p:animEffect transition="in" filter="wipe(down)">
                                       <p:cBhvr>
                                         <p:cTn id="7" dur="435">
                                           <p:stCondLst>
@@ -5772,11 +5914,11 @@
                                 </p:cTn>
                               </p:par>
                               <p:par>
-                                <p:cTn id="21" presetClass="entr" nodeType="withEffect" presetSubtype="8" presetID="26" grpId="1" fill="hold">
+                                <p:cTn id="21" presetID="26" presetClass="entr" presetSubtype="8" fill="hold" grpId="1" nodeType="withEffect">
                                   <p:stCondLst>
                                     <p:cond delay="0"/>
                                   </p:stCondLst>
-                                  <p:iterate type="lt" backwards="0">
+                                  <p:iterate type="lt">
                                     <p:tmAbs val="0"/>
                                   </p:iterate>
                                   <p:childTnLst>
@@ -5798,7 +5940,7 @@
                                         <p:strVal val="visible"/>
                                       </p:to>
                                     </p:set>
-                                    <p:animEffect filter="wipe(down)" transition="in">
+                                    <p:animEffect transition="in" filter="wipe(down)">
                                       <p:cBhvr>
                                         <p:cTn id="23" dur="435">
                                           <p:stCondLst>
@@ -6118,11 +6260,11 @@
                             </p:stCondLst>
                             <p:childTnLst>
                               <p:par>
-                                <p:cTn id="38" presetClass="entr" nodeType="afterEffect" presetSubtype="8" presetID="26" grpId="1" fill="hold">
+                                <p:cTn id="38" presetID="26" presetClass="entr" presetSubtype="8" fill="hold" grpId="1" nodeType="afterEffect">
                                   <p:stCondLst>
                                     <p:cond delay="0"/>
                                   </p:stCondLst>
-                                  <p:iterate type="lt" backwards="0">
+                                  <p:iterate type="lt">
                                     <p:tmAbs val="0"/>
                                   </p:iterate>
                                   <p:childTnLst>
@@ -6144,7 +6286,7 @@
                                         <p:strVal val="visible"/>
                                       </p:to>
                                     </p:set>
-                                    <p:animEffect filter="wipe(down)" transition="in">
+                                    <p:animEffect transition="in" filter="wipe(down)">
                                       <p:cBhvr>
                                         <p:cTn id="40" dur="435">
                                           <p:stCondLst>
@@ -6464,11 +6606,11 @@
                             </p:stCondLst>
                             <p:childTnLst>
                               <p:par>
-                                <p:cTn id="55" presetClass="entr" nodeType="afterEffect" presetSubtype="8" presetID="26" grpId="1" fill="hold">
+                                <p:cTn id="55" presetID="26" presetClass="entr" presetSubtype="8" fill="hold" grpId="1" nodeType="afterEffect">
                                   <p:stCondLst>
                                     <p:cond delay="0"/>
                                   </p:stCondLst>
-                                  <p:iterate type="lt" backwards="0">
+                                  <p:iterate type="lt">
                                     <p:tmAbs val="0"/>
                                   </p:iterate>
                                   <p:childTnLst>
@@ -6490,7 +6632,7 @@
                                         <p:strVal val="visible"/>
                                       </p:to>
                                     </p:set>
-                                    <p:animEffect filter="wipe(down)" transition="in">
+                                    <p:animEffect transition="in" filter="wipe(down)">
                                       <p:cBhvr>
                                         <p:cTn id="57" dur="435">
                                           <p:stCondLst>
@@ -6810,11 +6952,11 @@
                             </p:stCondLst>
                             <p:childTnLst>
                               <p:par>
-                                <p:cTn id="72" presetClass="entr" nodeType="afterEffect" presetSubtype="8" presetID="26" grpId="1" fill="hold">
+                                <p:cTn id="72" presetID="26" presetClass="entr" presetSubtype="8" fill="hold" grpId="1" nodeType="afterEffect">
                                   <p:stCondLst>
                                     <p:cond delay="0"/>
                                   </p:stCondLst>
-                                  <p:iterate type="lt" backwards="0">
+                                  <p:iterate type="lt">
                                     <p:tmAbs val="0"/>
                                   </p:iterate>
                                   <p:childTnLst>
@@ -6836,7 +6978,7 @@
                                         <p:strVal val="visible"/>
                                       </p:to>
                                     </p:set>
-                                    <p:animEffect filter="wipe(down)" transition="in">
+                                    <p:animEffect transition="in" filter="wipe(down)">
                                       <p:cBhvr>
                                         <p:cTn id="74" dur="435">
                                           <p:stCondLst>
@@ -7156,11 +7298,11 @@
                             </p:stCondLst>
                             <p:childTnLst>
                               <p:par>
-                                <p:cTn id="89" presetClass="entr" nodeType="afterEffect" presetSubtype="8" presetID="26" grpId="1" fill="hold">
+                                <p:cTn id="89" presetID="26" presetClass="entr" presetSubtype="8" fill="hold" grpId="1" nodeType="afterEffect">
                                   <p:stCondLst>
                                     <p:cond delay="0"/>
                                   </p:stCondLst>
-                                  <p:iterate type="lt" backwards="0">
+                                  <p:iterate type="lt">
                                     <p:tmAbs val="0"/>
                                   </p:iterate>
                                   <p:childTnLst>
@@ -7182,7 +7324,7 @@
                                         <p:strVal val="visible"/>
                                       </p:to>
                                     </p:set>
-                                    <p:animEffect filter="wipe(down)" transition="in">
+                                    <p:animEffect transition="in" filter="wipe(down)">
                                       <p:cBhvr>
                                         <p:cTn id="91" dur="435">
                                           <p:stCondLst>
@@ -7501,14 +7643,14 @@
                 </p:childTnLst>
               </p:cTn>
               <p:prevCondLst>
-                <p:cond evt="onPrev">
+                <p:cond evt="onPrev" delay="0">
                   <p:tgtEl>
                     <p:sldTgt/>
                   </p:tgtEl>
                 </p:cond>
               </p:prevCondLst>
               <p:nextCondLst>
-                <p:cond evt="onNext">
+                <p:cond evt="onNext" delay="0">
                   <p:tgtEl>
                     <p:sldTgt/>
                   </p:tgtEl>
@@ -7520,20 +7662,21 @@
       </p:par>
     </p:tnLst>
     <p:bldLst>
-      <p:bldP build="p" bldLvl="5" animBg="1" rev="0" advAuto="0" spid="174" grpId="1"/>
+      <p:bldP spid="174" grpId="1" build="p" bldLvl="5" animBg="1" advAuto="0"/>
     </p:bldLst>
   </p:timing>
 </p:sld>
 </file>
 
 <file path=ppt/slides/slide3.xml><?xml version="1.0" encoding="utf-8"?>
-<p:sld xmlns:a="http://schemas.openxmlformats.org/drawingml/2006/main" xmlns:r="http://schemas.openxmlformats.org/officeDocument/2006/relationships" xmlns:p="http://schemas.openxmlformats.org/presentationml/2006/main" showMasterSp="1" showMasterPhAnim="1">
+<p:sld xmlns:a="http://schemas.openxmlformats.org/drawingml/2006/main" xmlns:r="http://schemas.openxmlformats.org/officeDocument/2006/relationships" xmlns:p="http://schemas.openxmlformats.org/presentationml/2006/main">
   <p:cSld>
     <p:bg>
       <p:bgPr>
         <a:solidFill>
           <a:srgbClr val="0096FF"/>
         </a:solidFill>
+        <a:effectLst/>
       </p:bgPr>
     </p:bg>
     <p:spTree>
@@ -7553,7 +7696,9 @@
       <p:sp>
         <p:nvSpPr>
           <p:cNvPr id="177" name="Shape 177"/>
-          <p:cNvSpPr/>
+          <p:cNvSpPr>
+            <a:spLocks noGrp="1"/>
+          </p:cNvSpPr>
           <p:nvPr>
             <p:ph type="body" idx="13"/>
           </p:nvPr>
@@ -7571,7 +7716,7 @@
           <a:bodyPr/>
           <a:lstStyle>
             <a:lvl1pPr>
-              <a:defRPr spc="200" sz="4000">
+              <a:defRPr sz="4000" spc="200">
                 <a:solidFill>
                   <a:srgbClr val="00F900"/>
                 </a:solidFill>
@@ -7583,7 +7728,6 @@
             </a:lvl1pPr>
           </a:lstStyle>
           <a:p>
-            <a:pPr/>
             <a:r>
               <a:t>Inleiding</a:t>
             </a:r>
@@ -7638,7 +7782,7 @@
           </a:ln>
           <a:extLst>
             <a:ext uri="{C572A759-6A51-4108-AA02-DFA0A04FC94B}">
-              <ma14:wrappingTextBoxFlag xmlns:ma14="http://schemas.microsoft.com/office/mac/drawingml/2011/main" val="1"/>
+              <ma14:wrappingTextBoxFlag xmlns:ma14="http://schemas.microsoft.com/office/mac/drawingml/2011/main" xmlns="" val="1"/>
             </a:ext>
           </a:extLst>
         </p:spPr>
@@ -7660,7 +7804,24 @@
               </a:defRPr>
             </a:pPr>
             <a:r>
-              <a:t>Welkom bij PocketTopo. </a:t>
+              <a:rPr dirty="0"/>
+              <a:t>Welkom </a:t>
+            </a:r>
+            <a:r>
+              <a:rPr dirty="0" err="1"/>
+              <a:t>bij</a:t>
+            </a:r>
+            <a:r>
+              <a:rPr dirty="0"/>
+              <a:t> </a:t>
+            </a:r>
+            <a:r>
+              <a:rPr dirty="0" err="1"/>
+              <a:t>PocketTopo</a:t>
+            </a:r>
+            <a:r>
+              <a:rPr dirty="0"/>
+              <a:t>. </a:t>
             </a:r>
           </a:p>
           <a:p>
@@ -7676,7 +7837,36 @@
               </a:defRPr>
             </a:pPr>
             <a:r>
-              <a:t>Wij zijn TeamTopo en </a:t>
+              <a:rPr dirty="0" err="1"/>
+              <a:t>Wij</a:t>
+            </a:r>
+            <a:r>
+              <a:rPr dirty="0"/>
+              <a:t> </a:t>
+            </a:r>
+            <a:r>
+              <a:rPr dirty="0" err="1"/>
+              <a:t>zijn</a:t>
+            </a:r>
+            <a:r>
+              <a:rPr dirty="0"/>
+              <a:t> </a:t>
+            </a:r>
+            <a:r>
+              <a:rPr dirty="0" err="1"/>
+              <a:t>TeamTopo</a:t>
+            </a:r>
+            <a:r>
+              <a:rPr dirty="0"/>
+              <a:t> </a:t>
+            </a:r>
+            <a:r>
+              <a:rPr dirty="0" err="1"/>
+              <a:t>en</a:t>
+            </a:r>
+            <a:r>
+              <a:rPr dirty="0"/>
+              <a:t> </a:t>
             </a:r>
           </a:p>
           <a:p>
@@ -7692,7 +7882,28 @@
               </a:defRPr>
             </a:pPr>
             <a:r>
-              <a:t>gaan jullie wat vertellen </a:t>
+              <a:rPr dirty="0" err="1"/>
+              <a:t>gaan</a:t>
+            </a:r>
+            <a:r>
+              <a:rPr dirty="0"/>
+              <a:t> </a:t>
+            </a:r>
+            <a:r>
+              <a:rPr dirty="0" err="1"/>
+              <a:t>jullie</a:t>
+            </a:r>
+            <a:r>
+              <a:rPr dirty="0"/>
+              <a:t> wat </a:t>
+            </a:r>
+            <a:r>
+              <a:rPr dirty="0" err="1"/>
+              <a:t>vertellen</a:t>
+            </a:r>
+            <a:r>
+              <a:rPr dirty="0"/>
+              <a:t> </a:t>
             </a:r>
           </a:p>
           <a:p>
@@ -7708,7 +7919,16 @@
               </a:defRPr>
             </a:pPr>
             <a:r>
-              <a:t>over onze app.</a:t>
+              <a:rPr dirty="0"/>
+              <a:t>over </a:t>
+            </a:r>
+            <a:r>
+              <a:rPr dirty="0" err="1"/>
+              <a:t>onze</a:t>
+            </a:r>
+            <a:r>
+              <a:rPr dirty="0"/>
+              <a:t> app.</a:t>
             </a:r>
           </a:p>
         </p:txBody>
@@ -7747,13 +7967,13 @@
   <p:clrMapOvr>
     <a:masterClrMapping/>
   </p:clrMapOvr>
-  <mc:AlternateContent xmlns:mc="http://schemas.openxmlformats.org/markup-compatibility/2006">
-    <mc:Choice xmlns:p14="http://schemas.microsoft.com/office/powerpoint/2010/main" Requires="p14">
-      <p:transition spd="med" advClick="1" p14:dur="1000">
+  <mc:AlternateContent xmlns:mc="http://schemas.openxmlformats.org/markup-compatibility/2006" xmlns:p14="http://schemas.microsoft.com/office/powerpoint/2010/main">
+    <mc:Choice Requires="p14">
+      <p:transition spd="slow">
         <p:dissolve/>
       </p:transition>
     </mc:Choice>
-    <mc:Fallback>
+    <mc:Fallback xmlns="">
       <p:transition spd="med">
         <p:fade/>
       </p:transition>
@@ -7762,16 +7982,16 @@
   <p:timing>
     <p:tnLst>
       <p:par>
-        <p:cTn id="1" nodeType="tmRoot" restart="never" dur="indefinite" fill="hold">
+        <p:cTn id="1" dur="indefinite" restart="never" fill="hold" nodeType="tmRoot">
           <p:childTnLst>
             <p:seq concurrent="1" prevAc="none" nextAc="seek">
-              <p:cTn id="2" nodeType="mainSeq" dur="indefinite" fill="hold">
+              <p:cTn id="2" dur="indefinite" fill="hold" nodeType="mainSeq">
                 <p:childTnLst>
                   <p:par>
                     <p:cTn id="3" fill="hold">
                       <p:stCondLst>
                         <p:cond delay="indefinite"/>
-                        <p:cond evt="onBegin">
+                        <p:cond evt="onBegin" delay="0">
                           <p:tn val="2"/>
                         </p:cond>
                       </p:stCondLst>
@@ -7783,11 +8003,11 @@
                             </p:stCondLst>
                             <p:childTnLst>
                               <p:par>
-                                <p:cTn id="5" presetClass="entr" nodeType="afterEffect" presetSubtype="8" presetID="15" grpId="1" fill="hold">
+                                <p:cTn id="5" presetID="15" presetClass="entr" presetSubtype="8" fill="hold" grpId="1" nodeType="afterEffect">
                                   <p:stCondLst>
                                     <p:cond delay="0"/>
                                   </p:stCondLst>
-                                  <p:iterate type="el" backwards="0">
+                                  <p:iterate>
                                     <p:tmAbs val="0"/>
                                   </p:iterate>
                                   <p:childTnLst>
@@ -7910,11 +8130,11 @@
                             </p:stCondLst>
                             <p:childTnLst>
                               <p:par>
-                                <p:cTn id="12" presetClass="entr" nodeType="afterEffect" presetSubtype="8" presetID="15" grpId="2" fill="hold">
+                                <p:cTn id="12" presetID="15" presetClass="entr" presetSubtype="8" fill="hold" grpId="2" nodeType="afterEffect">
                                   <p:stCondLst>
                                     <p:cond delay="0"/>
                                   </p:stCondLst>
-                                  <p:iterate type="el" backwards="0">
+                                  <p:iterate>
                                     <p:tmAbs val="0"/>
                                   </p:iterate>
                                   <p:childTnLst>
@@ -8036,14 +8256,14 @@
                 </p:childTnLst>
               </p:cTn>
               <p:prevCondLst>
-                <p:cond evt="onPrev">
+                <p:cond evt="onPrev" delay="0">
                   <p:tgtEl>
                     <p:sldTgt/>
                   </p:tgtEl>
                 </p:cond>
               </p:prevCondLst>
               <p:nextCondLst>
-                <p:cond evt="onNext">
+                <p:cond evt="onNext" delay="0">
                   <p:tgtEl>
                     <p:sldTgt/>
                   </p:tgtEl>
@@ -8055,21 +8275,22 @@
       </p:par>
     </p:tnLst>
     <p:bldLst>
-      <p:bldP build="whole" bldLvl="1" animBg="1" rev="0" advAuto="0" spid="178" grpId="1"/>
-      <p:bldP build="whole" bldLvl="1" animBg="1" rev="0" advAuto="0" spid="179" grpId="2"/>
+      <p:bldP spid="178" grpId="1" animBg="1" advAuto="0"/>
+      <p:bldP spid="179" grpId="2" animBg="1" advAuto="0"/>
     </p:bldLst>
   </p:timing>
 </p:sld>
 </file>
 
 <file path=ppt/slides/slide4.xml><?xml version="1.0" encoding="utf-8"?>
-<p:sld xmlns:a="http://schemas.openxmlformats.org/drawingml/2006/main" xmlns:r="http://schemas.openxmlformats.org/officeDocument/2006/relationships" xmlns:p="http://schemas.openxmlformats.org/presentationml/2006/main" showMasterSp="1" showMasterPhAnim="1">
+<p:sld xmlns:a="http://schemas.openxmlformats.org/drawingml/2006/main" xmlns:r="http://schemas.openxmlformats.org/officeDocument/2006/relationships" xmlns:p="http://schemas.openxmlformats.org/presentationml/2006/main">
   <p:cSld>
     <p:bg>
       <p:bgPr>
         <a:solidFill>
           <a:srgbClr val="0096FF"/>
         </a:solidFill>
+        <a:effectLst/>
       </p:bgPr>
     </p:bg>
     <p:spTree>
@@ -8221,7 +8442,7 @@
           </a:ln>
           <a:extLst>
             <a:ext uri="{C572A759-6A51-4108-AA02-DFA0A04FC94B}">
-              <ma14:wrappingTextBoxFlag xmlns:ma14="http://schemas.microsoft.com/office/mac/drawingml/2011/main" val="1"/>
+              <ma14:wrappingTextBoxFlag xmlns:ma14="http://schemas.microsoft.com/office/mac/drawingml/2011/main" xmlns="" val="1"/>
             </a:ext>
           </a:extLst>
         </p:spPr>
@@ -8243,7 +8464,6 @@
             </a:lvl1pPr>
           </a:lstStyle>
           <a:p>
-            <a:pPr/>
             <a:r>
               <a:t>Main</a:t>
             </a:r>
@@ -8269,7 +8489,7 @@
           </a:ln>
           <a:extLst>
             <a:ext uri="{C572A759-6A51-4108-AA02-DFA0A04FC94B}">
-              <ma14:wrappingTextBoxFlag xmlns:ma14="http://schemas.microsoft.com/office/mac/drawingml/2011/main" val="1"/>
+              <ma14:wrappingTextBoxFlag xmlns:ma14="http://schemas.microsoft.com/office/mac/drawingml/2011/main" xmlns="" val="1"/>
             </a:ext>
           </a:extLst>
         </p:spPr>
@@ -8291,7 +8511,6 @@
             </a:lvl1pPr>
           </a:lstStyle>
           <a:p>
-            <a:pPr/>
             <a:r>
               <a:t>Selection</a:t>
             </a:r>
@@ -8317,7 +8536,7 @@
           </a:ln>
           <a:extLst>
             <a:ext uri="{C572A759-6A51-4108-AA02-DFA0A04FC94B}">
-              <ma14:wrappingTextBoxFlag xmlns:ma14="http://schemas.microsoft.com/office/mac/drawingml/2011/main" val="1"/>
+              <ma14:wrappingTextBoxFlag xmlns:ma14="http://schemas.microsoft.com/office/mac/drawingml/2011/main" xmlns="" val="1"/>
             </a:ext>
           </a:extLst>
         </p:spPr>
@@ -8339,7 +8558,6 @@
             </a:lvl1pPr>
           </a:lstStyle>
           <a:p>
-            <a:pPr/>
             <a:r>
               <a:t>Settings</a:t>
             </a:r>
@@ -8365,7 +8583,7 @@
           </a:ln>
           <a:extLst>
             <a:ext uri="{C572A759-6A51-4108-AA02-DFA0A04FC94B}">
-              <ma14:wrappingTextBoxFlag xmlns:ma14="http://schemas.microsoft.com/office/mac/drawingml/2011/main" val="1"/>
+              <ma14:wrappingTextBoxFlag xmlns:ma14="http://schemas.microsoft.com/office/mac/drawingml/2011/main" xmlns="" val="1"/>
             </a:ext>
           </a:extLst>
         </p:spPr>
@@ -8387,7 +8605,6 @@
             </a:lvl1pPr>
           </a:lstStyle>
           <a:p>
-            <a:pPr/>
             <a:r>
               <a:t>Info</a:t>
             </a:r>
@@ -8426,7 +8643,7 @@
               <a:spcBef>
                 <a:spcPts val="0"/>
               </a:spcBef>
-              <a:defRPr cap="all" sz="2800">
+              <a:defRPr sz="2800" cap="all">
                 <a:solidFill>
                   <a:srgbClr val="FFFFFF"/>
                 </a:solidFill>
@@ -8436,6 +8653,7 @@
                 <a:sym typeface="DIN Condensed"/>
               </a:defRPr>
             </a:pPr>
+            <a:endParaRPr/>
           </a:p>
         </p:txBody>
       </p:sp>
@@ -8443,7 +8661,7 @@
         <p:nvPicPr>
           <p:cNvPr id="191" name="world-world-hi.png"/>
           <p:cNvPicPr>
-            <a:picLocks noChangeAspect="0"/>
+            <a:picLocks/>
           </p:cNvPicPr>
           <p:nvPr/>
         </p:nvPicPr>
@@ -8487,7 +8705,7 @@
           </a:ln>
           <a:extLst>
             <a:ext uri="{C572A759-6A51-4108-AA02-DFA0A04FC94B}">
-              <ma14:wrappingTextBoxFlag xmlns:ma14="http://schemas.microsoft.com/office/mac/drawingml/2011/main" val="1"/>
+              <ma14:wrappingTextBoxFlag xmlns:ma14="http://schemas.microsoft.com/office/mac/drawingml/2011/main" xmlns="" val="1"/>
             </a:ext>
           </a:extLst>
         </p:spPr>
@@ -8509,7 +8727,6 @@
             </a:lvl1pPr>
           </a:lstStyle>
           <a:p>
-            <a:pPr/>
             <a:r>
               <a:t>PocketTopo</a:t>
             </a:r>
@@ -8548,7 +8765,7 @@
               <a:spcBef>
                 <a:spcPts val="0"/>
               </a:spcBef>
-              <a:defRPr cap="all" sz="2800">
+              <a:defRPr sz="2800" cap="all">
                 <a:solidFill>
                   <a:srgbClr val="FFFFFF"/>
                 </a:solidFill>
@@ -8558,6 +8775,7 @@
                 <a:sym typeface="DIN Condensed"/>
               </a:defRPr>
             </a:pPr>
+            <a:endParaRPr/>
           </a:p>
         </p:txBody>
       </p:sp>
@@ -8593,7 +8811,7 @@
               <a:spcBef>
                 <a:spcPts val="0"/>
               </a:spcBef>
-              <a:defRPr cap="all" sz="2800">
+              <a:defRPr sz="2800" cap="all">
                 <a:solidFill>
                   <a:srgbClr val="FFFFFF"/>
                 </a:solidFill>
@@ -8603,6 +8821,7 @@
                 <a:sym typeface="DIN Condensed"/>
               </a:defRPr>
             </a:pPr>
+            <a:endParaRPr/>
           </a:p>
         </p:txBody>
       </p:sp>
@@ -8638,7 +8857,7 @@
               <a:spcBef>
                 <a:spcPts val="0"/>
               </a:spcBef>
-              <a:defRPr cap="all" sz="2800">
+              <a:defRPr sz="2800" cap="all">
                 <a:solidFill>
                   <a:srgbClr val="FFFFFF"/>
                 </a:solidFill>
@@ -8648,6 +8867,7 @@
                 <a:sym typeface="DIN Condensed"/>
               </a:defRPr>
             </a:pPr>
+            <a:endParaRPr/>
           </a:p>
         </p:txBody>
       </p:sp>
@@ -8683,7 +8903,7 @@
               <a:spcBef>
                 <a:spcPts val="0"/>
               </a:spcBef>
-              <a:defRPr cap="all" sz="2800">
+              <a:defRPr sz="2800" cap="all">
                 <a:solidFill>
                   <a:srgbClr val="FFFFFF"/>
                 </a:solidFill>
@@ -8693,6 +8913,7 @@
                 <a:sym typeface="DIN Condensed"/>
               </a:defRPr>
             </a:pPr>
+            <a:endParaRPr/>
           </a:p>
         </p:txBody>
       </p:sp>
@@ -8715,7 +8936,7 @@
           </a:ln>
           <a:extLst>
             <a:ext uri="{C572A759-6A51-4108-AA02-DFA0A04FC94B}">
-              <ma14:wrappingTextBoxFlag xmlns:ma14="http://schemas.microsoft.com/office/mac/drawingml/2011/main" val="1"/>
+              <ma14:wrappingTextBoxFlag xmlns:ma14="http://schemas.microsoft.com/office/mac/drawingml/2011/main" xmlns="" val="1"/>
             </a:ext>
           </a:extLst>
         </p:spPr>
@@ -8737,7 +8958,6 @@
             </a:lvl1pPr>
           </a:lstStyle>
           <a:p>
-            <a:pPr/>
             <a:r>
               <a:t>Oefen</a:t>
             </a:r>
@@ -8763,7 +8983,7 @@
           </a:ln>
           <a:extLst>
             <a:ext uri="{C572A759-6A51-4108-AA02-DFA0A04FC94B}">
-              <ma14:wrappingTextBoxFlag xmlns:ma14="http://schemas.microsoft.com/office/mac/drawingml/2011/main" val="1"/>
+              <ma14:wrappingTextBoxFlag xmlns:ma14="http://schemas.microsoft.com/office/mac/drawingml/2011/main" xmlns="" val="1"/>
             </a:ext>
           </a:extLst>
         </p:spPr>
@@ -8785,7 +9005,6 @@
             </a:lvl1pPr>
           </a:lstStyle>
           <a:p>
-            <a:pPr/>
             <a:r>
               <a:t>Settings</a:t>
             </a:r>
@@ -8811,7 +9030,7 @@
           </a:ln>
           <a:extLst>
             <a:ext uri="{C572A759-6A51-4108-AA02-DFA0A04FC94B}">
-              <ma14:wrappingTextBoxFlag xmlns:ma14="http://schemas.microsoft.com/office/mac/drawingml/2011/main" val="1"/>
+              <ma14:wrappingTextBoxFlag xmlns:ma14="http://schemas.microsoft.com/office/mac/drawingml/2011/main" xmlns="" val="1"/>
             </a:ext>
           </a:extLst>
         </p:spPr>
@@ -8833,7 +9052,6 @@
             </a:lvl1pPr>
           </a:lstStyle>
           <a:p>
-            <a:pPr/>
             <a:r>
               <a:t>Info</a:t>
             </a:r>
@@ -8872,7 +9090,7 @@
               <a:spcBef>
                 <a:spcPts val="0"/>
               </a:spcBef>
-              <a:defRPr cap="all" sz="2800">
+              <a:defRPr sz="2800" cap="all">
                 <a:solidFill>
                   <a:srgbClr val="FFFFFF"/>
                 </a:solidFill>
@@ -8882,6 +9100,7 @@
                 <a:sym typeface="DIN Condensed"/>
               </a:defRPr>
             </a:pPr>
+            <a:endParaRPr/>
           </a:p>
         </p:txBody>
       </p:sp>
@@ -8917,7 +9136,7 @@
               <a:spcBef>
                 <a:spcPts val="0"/>
               </a:spcBef>
-              <a:defRPr cap="all" sz="2800">
+              <a:defRPr sz="2800" cap="all">
                 <a:solidFill>
                   <a:srgbClr val="FFFFFF"/>
                 </a:solidFill>
@@ -8927,6 +9146,7 @@
                 <a:sym typeface="DIN Condensed"/>
               </a:defRPr>
             </a:pPr>
+            <a:endParaRPr/>
           </a:p>
         </p:txBody>
       </p:sp>
@@ -8962,7 +9182,7 @@
               <a:spcBef>
                 <a:spcPts val="0"/>
               </a:spcBef>
-              <a:defRPr cap="all" sz="2800">
+              <a:defRPr sz="2800" cap="all">
                 <a:solidFill>
                   <a:srgbClr val="FFFFFF"/>
                 </a:solidFill>
@@ -8972,6 +9192,7 @@
                 <a:sym typeface="DIN Condensed"/>
               </a:defRPr>
             </a:pPr>
+            <a:endParaRPr/>
           </a:p>
         </p:txBody>
       </p:sp>
@@ -8994,7 +9215,7 @@
           </a:ln>
           <a:extLst>
             <a:ext uri="{C572A759-6A51-4108-AA02-DFA0A04FC94B}">
-              <ma14:wrappingTextBoxFlag xmlns:ma14="http://schemas.microsoft.com/office/mac/drawingml/2011/main" val="1"/>
+              <ma14:wrappingTextBoxFlag xmlns:ma14="http://schemas.microsoft.com/office/mac/drawingml/2011/main" xmlns="" val="1"/>
             </a:ext>
           </a:extLst>
         </p:spPr>
@@ -9016,7 +9237,6 @@
             </a:lvl1pPr>
           </a:lstStyle>
           <a:p>
-            <a:pPr/>
             <a:r>
               <a:t>Provincies</a:t>
             </a:r>
@@ -9042,7 +9262,7 @@
           </a:ln>
           <a:extLst>
             <a:ext uri="{C572A759-6A51-4108-AA02-DFA0A04FC94B}">
-              <ma14:wrappingTextBoxFlag xmlns:ma14="http://schemas.microsoft.com/office/mac/drawingml/2011/main" val="1"/>
+              <ma14:wrappingTextBoxFlag xmlns:ma14="http://schemas.microsoft.com/office/mac/drawingml/2011/main" xmlns="" val="1"/>
             </a:ext>
           </a:extLst>
         </p:spPr>
@@ -9064,7 +9284,6 @@
             </a:lvl1pPr>
           </a:lstStyle>
           <a:p>
-            <a:pPr/>
             <a:r>
               <a:t>Steden</a:t>
             </a:r>
@@ -9090,7 +9309,7 @@
           </a:ln>
           <a:extLst>
             <a:ext uri="{C572A759-6A51-4108-AA02-DFA0A04FC94B}">
-              <ma14:wrappingTextBoxFlag xmlns:ma14="http://schemas.microsoft.com/office/mac/drawingml/2011/main" val="1"/>
+              <ma14:wrappingTextBoxFlag xmlns:ma14="http://schemas.microsoft.com/office/mac/drawingml/2011/main" xmlns="" val="1"/>
             </a:ext>
           </a:extLst>
         </p:spPr>
@@ -9112,7 +9331,6 @@
             </a:lvl1pPr>
           </a:lstStyle>
           <a:p>
-            <a:pPr/>
             <a:r>
               <a:t>Wateren</a:t>
             </a:r>
@@ -9123,7 +9341,7 @@
         <p:nvPicPr>
           <p:cNvPr id="206" name="6cr674Lzi.png"/>
           <p:cNvPicPr>
-            <a:picLocks noChangeAspect="0"/>
+            <a:picLocks/>
           </p:cNvPicPr>
           <p:nvPr/>
         </p:nvPicPr>
@@ -9180,7 +9398,7 @@
               <a:spcBef>
                 <a:spcPts val="0"/>
               </a:spcBef>
-              <a:defRPr cap="all" sz="2800">
+              <a:defRPr sz="2800" cap="all">
                 <a:solidFill>
                   <a:srgbClr val="FFFFFF"/>
                 </a:solidFill>
@@ -9190,6 +9408,7 @@
                 <a:sym typeface="DIN Condensed"/>
               </a:defRPr>
             </a:pPr>
+            <a:endParaRPr/>
           </a:p>
         </p:txBody>
       </p:sp>
@@ -9225,7 +9444,7 @@
               <a:spcBef>
                 <a:spcPts val="0"/>
               </a:spcBef>
-              <a:defRPr cap="all" sz="2800">
+              <a:defRPr sz="2800" cap="all">
                 <a:solidFill>
                   <a:srgbClr val="FFFFFF"/>
                 </a:solidFill>
@@ -9235,6 +9454,7 @@
                 <a:sym typeface="DIN Condensed"/>
               </a:defRPr>
             </a:pPr>
+            <a:endParaRPr/>
           </a:p>
         </p:txBody>
       </p:sp>
@@ -9270,7 +9490,7 @@
               <a:spcBef>
                 <a:spcPts val="0"/>
               </a:spcBef>
-              <a:defRPr cap="all" sz="2800">
+              <a:defRPr sz="2800" cap="all">
                 <a:solidFill>
                   <a:srgbClr val="FFFFFF"/>
                 </a:solidFill>
@@ -9280,6 +9500,7 @@
                 <a:sym typeface="DIN Condensed"/>
               </a:defRPr>
             </a:pPr>
+            <a:endParaRPr/>
           </a:p>
         </p:txBody>
       </p:sp>
@@ -9287,7 +9508,7 @@
         <p:nvPicPr>
           <p:cNvPr id="210" name="6cr674Lzi.png"/>
           <p:cNvPicPr>
-            <a:picLocks noChangeAspect="0"/>
+            <a:picLocks/>
           </p:cNvPicPr>
           <p:nvPr/>
         </p:nvPicPr>
@@ -9331,7 +9552,7 @@
           </a:ln>
           <a:extLst>
             <a:ext uri="{C572A759-6A51-4108-AA02-DFA0A04FC94B}">
-              <ma14:wrappingTextBoxFlag xmlns:ma14="http://schemas.microsoft.com/office/mac/drawingml/2011/main" val="1"/>
+              <ma14:wrappingTextBoxFlag xmlns:ma14="http://schemas.microsoft.com/office/mac/drawingml/2011/main" xmlns="" val="1"/>
             </a:ext>
           </a:extLst>
         </p:spPr>
@@ -9353,7 +9574,6 @@
             </a:lvl1pPr>
           </a:lstStyle>
           <a:p>
-            <a:pPr/>
             <a:r>
               <a:t>Geluid</a:t>
             </a:r>
@@ -9392,7 +9612,7 @@
               <a:spcBef>
                 <a:spcPts val="0"/>
               </a:spcBef>
-              <a:defRPr cap="all" sz="2800">
+              <a:defRPr sz="2800" cap="all">
                 <a:solidFill>
                   <a:srgbClr val="FFFFFF"/>
                 </a:solidFill>
@@ -9402,6 +9622,7 @@
                 <a:sym typeface="DIN Condensed"/>
               </a:defRPr>
             </a:pPr>
+            <a:endParaRPr/>
           </a:p>
         </p:txBody>
       </p:sp>
@@ -9424,7 +9645,7 @@
           </a:ln>
           <a:extLst>
             <a:ext uri="{C572A759-6A51-4108-AA02-DFA0A04FC94B}">
-              <ma14:wrappingTextBoxFlag xmlns:ma14="http://schemas.microsoft.com/office/mac/drawingml/2011/main" val="1"/>
+              <ma14:wrappingTextBoxFlag xmlns:ma14="http://schemas.microsoft.com/office/mac/drawingml/2011/main" xmlns="" val="1"/>
             </a:ext>
           </a:extLst>
         </p:spPr>
@@ -9491,7 +9712,7 @@
               <a:spcBef>
                 <a:spcPts val="0"/>
               </a:spcBef>
-              <a:defRPr cap="all" sz="2800">
+              <a:defRPr sz="2800" cap="all">
                 <a:solidFill>
                   <a:srgbClr val="FFFFFF"/>
                 </a:solidFill>
@@ -9501,6 +9722,7 @@
                 <a:sym typeface="DIN Condensed"/>
               </a:defRPr>
             </a:pPr>
+            <a:endParaRPr/>
           </a:p>
         </p:txBody>
       </p:sp>
@@ -9523,7 +9745,7 @@
           </a:ln>
           <a:extLst>
             <a:ext uri="{C572A759-6A51-4108-AA02-DFA0A04FC94B}">
-              <ma14:wrappingTextBoxFlag xmlns:ma14="http://schemas.microsoft.com/office/mac/drawingml/2011/main" val="1"/>
+              <ma14:wrappingTextBoxFlag xmlns:ma14="http://schemas.microsoft.com/office/mac/drawingml/2011/main" xmlns="" val="1"/>
             </a:ext>
           </a:extLst>
         </p:spPr>
@@ -9545,7 +9767,6 @@
             </a:lvl1pPr>
           </a:lstStyle>
           <a:p>
-            <a:pPr/>
             <a:r>
               <a:t>Opslaan</a:t>
             </a:r>
@@ -9571,7 +9792,7 @@
           </a:ln>
           <a:extLst>
             <a:ext uri="{C572A759-6A51-4108-AA02-DFA0A04FC94B}">
-              <ma14:wrappingTextBoxFlag xmlns:ma14="http://schemas.microsoft.com/office/mac/drawingml/2011/main" val="1"/>
+              <ma14:wrappingTextBoxFlag xmlns:ma14="http://schemas.microsoft.com/office/mac/drawingml/2011/main" xmlns="" val="1"/>
             </a:ext>
           </a:extLst>
         </p:spPr>
@@ -9593,7 +9814,6 @@
             </a:lvl1pPr>
           </a:lstStyle>
           <a:p>
-            <a:pPr/>
             <a:r>
               <a:t>Kleurenblind</a:t>
             </a:r>
@@ -9632,7 +9852,7 @@
               <a:spcBef>
                 <a:spcPts val="0"/>
               </a:spcBef>
-              <a:defRPr cap="all" sz="2800">
+              <a:defRPr sz="2800" cap="all">
                 <a:solidFill>
                   <a:srgbClr val="FFFFFF"/>
                 </a:solidFill>
@@ -9642,6 +9862,7 @@
                 <a:sym typeface="DIN Condensed"/>
               </a:defRPr>
             </a:pPr>
+            <a:endParaRPr/>
           </a:p>
         </p:txBody>
       </p:sp>
@@ -9664,7 +9885,7 @@
           </a:ln>
           <a:extLst>
             <a:ext uri="{C572A759-6A51-4108-AA02-DFA0A04FC94B}">
-              <ma14:wrappingTextBoxFlag xmlns:ma14="http://schemas.microsoft.com/office/mac/drawingml/2011/main" val="1"/>
+              <ma14:wrappingTextBoxFlag xmlns:ma14="http://schemas.microsoft.com/office/mac/drawingml/2011/main" xmlns="" val="1"/>
             </a:ext>
           </a:extLst>
         </p:spPr>
@@ -9744,13 +9965,13 @@
   <p:clrMapOvr>
     <a:masterClrMapping/>
   </p:clrMapOvr>
-  <mc:AlternateContent xmlns:mc="http://schemas.openxmlformats.org/markup-compatibility/2006">
-    <mc:Choice xmlns:p14="http://schemas.microsoft.com/office/powerpoint/2010/main" Requires="p14">
-      <p:transition spd="med" advClick="1" p14:dur="1000">
+  <mc:AlternateContent xmlns:mc="http://schemas.openxmlformats.org/markup-compatibility/2006" xmlns:p14="http://schemas.microsoft.com/office/powerpoint/2010/main">
+    <mc:Choice Requires="p14">
+      <p:transition spd="slow">
         <p:dissolve/>
       </p:transition>
     </mc:Choice>
-    <mc:Fallback>
+    <mc:Fallback xmlns="">
       <p:transition spd="med">
         <p:fade/>
       </p:transition>
@@ -9759,16 +9980,16 @@
   <p:timing>
     <p:tnLst>
       <p:par>
-        <p:cTn id="1" nodeType="tmRoot" restart="never" dur="indefinite" fill="hold">
+        <p:cTn id="1" dur="indefinite" restart="never" fill="hold" nodeType="tmRoot">
           <p:childTnLst>
             <p:seq concurrent="1" prevAc="none" nextAc="seek">
-              <p:cTn id="2" nodeType="mainSeq" dur="indefinite" fill="hold">
+              <p:cTn id="2" dur="indefinite" fill="hold" nodeType="mainSeq">
                 <p:childTnLst>
                   <p:par>
                     <p:cTn id="3" fill="hold">
                       <p:stCondLst>
                         <p:cond delay="indefinite"/>
-                        <p:cond evt="onBegin">
+                        <p:cond evt="onBegin" delay="0">
                           <p:tn val="2"/>
                         </p:cond>
                       </p:stCondLst>
@@ -9780,11 +10001,11 @@
                             </p:stCondLst>
                             <p:childTnLst>
                               <p:par>
-                                <p:cTn id="5" presetClass="entr" nodeType="afterEffect" presetSubtype="8" presetID="15" grpId="1" fill="hold">
+                                <p:cTn id="5" presetID="15" presetClass="entr" presetSubtype="8" fill="hold" grpId="1" nodeType="afterEffect">
                                   <p:stCondLst>
                                     <p:cond delay="0"/>
                                   </p:stCondLst>
-                                  <p:iterate type="el" backwards="0">
+                                  <p:iterate>
                                     <p:tmAbs val="0"/>
                                   </p:iterate>
                                   <p:childTnLst>
@@ -9907,11 +10128,11 @@
                             </p:stCondLst>
                             <p:childTnLst>
                               <p:par>
-                                <p:cTn id="12" presetClass="entr" nodeType="afterEffect" presetSubtype="8" presetID="15" grpId="2" fill="hold">
+                                <p:cTn id="12" presetID="15" presetClass="entr" presetSubtype="8" fill="hold" grpId="2" nodeType="afterEffect">
                                   <p:stCondLst>
                                     <p:cond delay="0"/>
                                   </p:stCondLst>
-                                  <p:iterate type="el" backwards="0">
+                                  <p:iterate>
                                     <p:tmAbs val="0"/>
                                   </p:iterate>
                                   <p:childTnLst>
@@ -10034,11 +10255,11 @@
                             </p:stCondLst>
                             <p:childTnLst>
                               <p:par>
-                                <p:cTn id="19" presetClass="entr" nodeType="afterEffect" presetSubtype="8" presetID="15" grpId="3" fill="hold">
+                                <p:cTn id="19" presetID="15" presetClass="entr" presetSubtype="8" fill="hold" grpId="3" nodeType="afterEffect">
                                   <p:stCondLst>
                                     <p:cond delay="0"/>
                                   </p:stCondLst>
-                                  <p:iterate type="el" backwards="0">
+                                  <p:iterate>
                                     <p:tmAbs val="0"/>
                                   </p:iterate>
                                   <p:childTnLst>
@@ -10161,11 +10382,11 @@
                             </p:stCondLst>
                             <p:childTnLst>
                               <p:par>
-                                <p:cTn id="26" presetClass="entr" nodeType="afterEffect" presetSubtype="8" presetID="15" grpId="4" fill="hold">
+                                <p:cTn id="26" presetID="15" presetClass="entr" presetSubtype="8" fill="hold" grpId="4" nodeType="afterEffect">
                                   <p:stCondLst>
                                     <p:cond delay="0"/>
                                   </p:stCondLst>
-                                  <p:iterate type="el" backwards="0">
+                                  <p:iterate>
                                     <p:tmAbs val="0"/>
                                   </p:iterate>
                                   <p:childTnLst>
@@ -10288,11 +10509,11 @@
                             </p:stCondLst>
                             <p:childTnLst>
                               <p:par>
-                                <p:cTn id="33" presetClass="entr" nodeType="afterEffect" presetSubtype="8" presetID="15" grpId="5" fill="hold">
+                                <p:cTn id="33" presetID="15" presetClass="entr" presetSubtype="8" fill="hold" grpId="5" nodeType="afterEffect">
                                   <p:stCondLst>
                                     <p:cond delay="0"/>
                                   </p:stCondLst>
-                                  <p:iterate type="el" backwards="0">
+                                  <p:iterate>
                                     <p:tmAbs val="0"/>
                                   </p:iterate>
                                   <p:childTnLst>
@@ -10415,11 +10636,11 @@
                             </p:stCondLst>
                             <p:childTnLst>
                               <p:par>
-                                <p:cTn id="40" presetClass="entr" nodeType="afterEffect" presetSubtype="8" presetID="15" grpId="6" fill="hold">
+                                <p:cTn id="40" presetID="15" presetClass="entr" presetSubtype="8" fill="hold" grpId="6" nodeType="afterEffect">
                                   <p:stCondLst>
                                     <p:cond delay="0"/>
                                   </p:stCondLst>
-                                  <p:iterate type="el" backwards="0">
+                                  <p:iterate>
                                     <p:tmAbs val="0"/>
                                   </p:iterate>
                                   <p:childTnLst>
@@ -10542,11 +10763,11 @@
                             </p:stCondLst>
                             <p:childTnLst>
                               <p:par>
-                                <p:cTn id="47" presetClass="entr" nodeType="afterEffect" presetSubtype="8" presetID="15" grpId="7" fill="hold">
+                                <p:cTn id="47" presetID="15" presetClass="entr" presetSubtype="8" fill="hold" grpId="7" nodeType="afterEffect">
                                   <p:stCondLst>
                                     <p:cond delay="0"/>
                                   </p:stCondLst>
-                                  <p:iterate type="el" backwards="0">
+                                  <p:iterate>
                                     <p:tmAbs val="0"/>
                                   </p:iterate>
                                   <p:childTnLst>
@@ -10669,11 +10890,11 @@
                             </p:stCondLst>
                             <p:childTnLst>
                               <p:par>
-                                <p:cTn id="54" presetClass="entr" nodeType="afterEffect" presetSubtype="8" presetID="15" grpId="8" fill="hold">
+                                <p:cTn id="54" presetID="15" presetClass="entr" presetSubtype="8" fill="hold" grpId="8" nodeType="afterEffect">
                                   <p:stCondLst>
                                     <p:cond delay="0"/>
                                   </p:stCondLst>
-                                  <p:iterate type="el" backwards="0">
+                                  <p:iterate>
                                     <p:tmAbs val="0"/>
                                   </p:iterate>
                                   <p:childTnLst>
@@ -10796,11 +11017,11 @@
                             </p:stCondLst>
                             <p:childTnLst>
                               <p:par>
-                                <p:cTn id="61" presetClass="entr" nodeType="afterEffect" presetSubtype="8" presetID="15" grpId="9" fill="hold">
+                                <p:cTn id="61" presetID="15" presetClass="entr" presetSubtype="8" fill="hold" grpId="9" nodeType="afterEffect">
                                   <p:stCondLst>
                                     <p:cond delay="0"/>
                                   </p:stCondLst>
-                                  <p:iterate type="el" backwards="0">
+                                  <p:iterate>
                                     <p:tmAbs val="0"/>
                                   </p:iterate>
                                   <p:childTnLst>
@@ -10923,11 +11144,11 @@
                             </p:stCondLst>
                             <p:childTnLst>
                               <p:par>
-                                <p:cTn id="68" presetClass="entr" nodeType="afterEffect" presetSubtype="8" presetID="15" grpId="10" fill="hold">
+                                <p:cTn id="68" presetID="15" presetClass="entr" presetSubtype="8" fill="hold" grpId="10" nodeType="afterEffect">
                                   <p:stCondLst>
                                     <p:cond delay="0"/>
                                   </p:stCondLst>
-                                  <p:iterate type="el" backwards="0">
+                                  <p:iterate>
                                     <p:tmAbs val="0"/>
                                   </p:iterate>
                                   <p:childTnLst>
@@ -11050,11 +11271,11 @@
                             </p:stCondLst>
                             <p:childTnLst>
                               <p:par>
-                                <p:cTn id="75" presetClass="entr" nodeType="afterEffect" presetSubtype="8" presetID="15" grpId="11" fill="hold">
+                                <p:cTn id="75" presetID="15" presetClass="entr" presetSubtype="8" fill="hold" grpId="11" nodeType="afterEffect">
                                   <p:stCondLst>
                                     <p:cond delay="0"/>
                                   </p:stCondLst>
-                                  <p:iterate type="el" backwards="0">
+                                  <p:iterate>
                                     <p:tmAbs val="0"/>
                                   </p:iterate>
                                   <p:childTnLst>
@@ -11177,11 +11398,11 @@
                             </p:stCondLst>
                             <p:childTnLst>
                               <p:par>
-                                <p:cTn id="82" presetClass="entr" nodeType="afterEffect" presetSubtype="8" presetID="15" grpId="12" fill="hold">
+                                <p:cTn id="82" presetID="15" presetClass="entr" presetSubtype="8" fill="hold" grpId="12" nodeType="afterEffect">
                                   <p:stCondLst>
                                     <p:cond delay="0"/>
                                   </p:stCondLst>
-                                  <p:iterate type="el" backwards="0">
+                                  <p:iterate>
                                     <p:tmAbs val="0"/>
                                   </p:iterate>
                                   <p:childTnLst>
@@ -11304,11 +11525,11 @@
                             </p:stCondLst>
                             <p:childTnLst>
                               <p:par>
-                                <p:cTn id="89" presetClass="entr" nodeType="afterEffect" presetSubtype="8" presetID="15" grpId="13" fill="hold">
+                                <p:cTn id="89" presetID="15" presetClass="entr" presetSubtype="8" fill="hold" grpId="13" nodeType="afterEffect">
                                   <p:stCondLst>
                                     <p:cond delay="0"/>
                                   </p:stCondLst>
-                                  <p:iterate type="el" backwards="0">
+                                  <p:iterate>
                                     <p:tmAbs val="0"/>
                                   </p:iterate>
                                   <p:childTnLst>
@@ -11431,11 +11652,11 @@
                             </p:stCondLst>
                             <p:childTnLst>
                               <p:par>
-                                <p:cTn id="96" presetClass="entr" nodeType="afterEffect" presetSubtype="8" presetID="15" grpId="14" fill="hold">
+                                <p:cTn id="96" presetID="15" presetClass="entr" presetSubtype="8" fill="hold" grpId="14" nodeType="afterEffect">
                                   <p:stCondLst>
                                     <p:cond delay="0"/>
                                   </p:stCondLst>
-                                  <p:iterate type="el" backwards="0">
+                                  <p:iterate>
                                     <p:tmAbs val="0"/>
                                   </p:iterate>
                                   <p:childTnLst>
@@ -11558,11 +11779,11 @@
                             </p:stCondLst>
                             <p:childTnLst>
                               <p:par>
-                                <p:cTn id="103" presetClass="entr" nodeType="afterEffect" presetSubtype="8" presetID="15" grpId="15" fill="hold">
+                                <p:cTn id="103" presetID="15" presetClass="entr" presetSubtype="8" fill="hold" grpId="15" nodeType="afterEffect">
                                   <p:stCondLst>
                                     <p:cond delay="0"/>
                                   </p:stCondLst>
-                                  <p:iterate type="el" backwards="0">
+                                  <p:iterate>
                                     <p:tmAbs val="0"/>
                                   </p:iterate>
                                   <p:childTnLst>
@@ -11685,11 +11906,11 @@
                             </p:stCondLst>
                             <p:childTnLst>
                               <p:par>
-                                <p:cTn id="110" presetClass="entr" nodeType="afterEffect" presetSubtype="8" presetID="15" grpId="16" fill="hold">
+                                <p:cTn id="110" presetID="15" presetClass="entr" presetSubtype="8" fill="hold" grpId="16" nodeType="afterEffect">
                                   <p:stCondLst>
                                     <p:cond delay="0"/>
                                   </p:stCondLst>
-                                  <p:iterate type="el" backwards="0">
+                                  <p:iterate>
                                     <p:tmAbs val="0"/>
                                   </p:iterate>
                                   <p:childTnLst>
@@ -11812,11 +12033,11 @@
                             </p:stCondLst>
                             <p:childTnLst>
                               <p:par>
-                                <p:cTn id="117" presetClass="entr" nodeType="afterEffect" presetSubtype="8" presetID="15" grpId="17" fill="hold">
+                                <p:cTn id="117" presetID="15" presetClass="entr" presetSubtype="8" fill="hold" grpId="17" nodeType="afterEffect">
                                   <p:stCondLst>
                                     <p:cond delay="0"/>
                                   </p:stCondLst>
-                                  <p:iterate type="el" backwards="0">
+                                  <p:iterate>
                                     <p:tmAbs val="0"/>
                                   </p:iterate>
                                   <p:childTnLst>
@@ -11939,11 +12160,11 @@
                             </p:stCondLst>
                             <p:childTnLst>
                               <p:par>
-                                <p:cTn id="124" presetClass="entr" nodeType="afterEffect" presetSubtype="8" presetID="15" grpId="18" fill="hold">
+                                <p:cTn id="124" presetID="15" presetClass="entr" presetSubtype="8" fill="hold" grpId="18" nodeType="afterEffect">
                                   <p:stCondLst>
                                     <p:cond delay="0"/>
                                   </p:stCondLst>
-                                  <p:iterate type="el" backwards="0">
+                                  <p:iterate>
                                     <p:tmAbs val="0"/>
                                   </p:iterate>
                                   <p:childTnLst>
@@ -12066,11 +12287,11 @@
                             </p:stCondLst>
                             <p:childTnLst>
                               <p:par>
-                                <p:cTn id="131" presetClass="entr" nodeType="afterEffect" presetSubtype="8" presetID="15" grpId="19" fill="hold">
+                                <p:cTn id="131" presetID="15" presetClass="entr" presetSubtype="8" fill="hold" grpId="19" nodeType="afterEffect">
                                   <p:stCondLst>
                                     <p:cond delay="0"/>
                                   </p:stCondLst>
-                                  <p:iterate type="el" backwards="0">
+                                  <p:iterate>
                                     <p:tmAbs val="0"/>
                                   </p:iterate>
                                   <p:childTnLst>
@@ -12193,11 +12414,11 @@
                             </p:stCondLst>
                             <p:childTnLst>
                               <p:par>
-                                <p:cTn id="138" presetClass="entr" nodeType="afterEffect" presetSubtype="8" presetID="15" grpId="20" fill="hold">
+                                <p:cTn id="138" presetID="15" presetClass="entr" presetSubtype="8" fill="hold" grpId="20" nodeType="afterEffect">
                                   <p:stCondLst>
                                     <p:cond delay="0"/>
                                   </p:stCondLst>
-                                  <p:iterate type="el" backwards="0">
+                                  <p:iterate>
                                     <p:tmAbs val="0"/>
                                   </p:iterate>
                                   <p:childTnLst>
@@ -12320,11 +12541,11 @@
                             </p:stCondLst>
                             <p:childTnLst>
                               <p:par>
-                                <p:cTn id="145" presetClass="entr" nodeType="afterEffect" presetSubtype="8" presetID="15" grpId="21" fill="hold">
+                                <p:cTn id="145" presetID="15" presetClass="entr" presetSubtype="8" fill="hold" grpId="21" nodeType="afterEffect">
                                   <p:stCondLst>
                                     <p:cond delay="0"/>
                                   </p:stCondLst>
-                                  <p:iterate type="el" backwards="0">
+                                  <p:iterate>
                                     <p:tmAbs val="0"/>
                                   </p:iterate>
                                   <p:childTnLst>
@@ -12447,11 +12668,11 @@
                             </p:stCondLst>
                             <p:childTnLst>
                               <p:par>
-                                <p:cTn id="152" presetClass="entr" nodeType="afterEffect" presetSubtype="8" presetID="15" grpId="22" fill="hold">
+                                <p:cTn id="152" presetID="15" presetClass="entr" presetSubtype="8" fill="hold" grpId="22" nodeType="afterEffect">
                                   <p:stCondLst>
                                     <p:cond delay="0"/>
                                   </p:stCondLst>
-                                  <p:iterate type="el" backwards="0">
+                                  <p:iterate>
                                     <p:tmAbs val="0"/>
                                   </p:iterate>
                                   <p:childTnLst>
@@ -12574,11 +12795,11 @@
                             </p:stCondLst>
                             <p:childTnLst>
                               <p:par>
-                                <p:cTn id="159" presetClass="entr" nodeType="afterEffect" presetSubtype="8" presetID="15" grpId="23" fill="hold">
+                                <p:cTn id="159" presetID="15" presetClass="entr" presetSubtype="8" fill="hold" grpId="23" nodeType="afterEffect">
                                   <p:stCondLst>
                                     <p:cond delay="0"/>
                                   </p:stCondLst>
-                                  <p:iterate type="el" backwards="0">
+                                  <p:iterate>
                                     <p:tmAbs val="0"/>
                                   </p:iterate>
                                   <p:childTnLst>
@@ -12701,11 +12922,11 @@
                             </p:stCondLst>
                             <p:childTnLst>
                               <p:par>
-                                <p:cTn id="166" presetClass="entr" nodeType="afterEffect" presetSubtype="8" presetID="15" grpId="24" fill="hold">
+                                <p:cTn id="166" presetID="15" presetClass="entr" presetSubtype="8" fill="hold" grpId="24" nodeType="afterEffect">
                                   <p:stCondLst>
                                     <p:cond delay="0"/>
                                   </p:stCondLst>
-                                  <p:iterate type="el" backwards="0">
+                                  <p:iterate>
                                     <p:tmAbs val="0"/>
                                   </p:iterate>
                                   <p:childTnLst>
@@ -12828,11 +13049,11 @@
                             </p:stCondLst>
                             <p:childTnLst>
                               <p:par>
-                                <p:cTn id="173" presetClass="entr" nodeType="afterEffect" presetSubtype="8" presetID="15" grpId="25" fill="hold">
+                                <p:cTn id="173" presetID="15" presetClass="entr" presetSubtype="8" fill="hold" grpId="25" nodeType="afterEffect">
                                   <p:stCondLst>
                                     <p:cond delay="0"/>
                                   </p:stCondLst>
-                                  <p:iterate type="el" backwards="0">
+                                  <p:iterate>
                                     <p:tmAbs val="0"/>
                                   </p:iterate>
                                   <p:childTnLst>
@@ -12955,11 +13176,11 @@
                             </p:stCondLst>
                             <p:childTnLst>
                               <p:par>
-                                <p:cTn id="180" presetClass="entr" nodeType="afterEffect" presetSubtype="8" presetID="15" grpId="26" fill="hold">
+                                <p:cTn id="180" presetID="15" presetClass="entr" presetSubtype="8" fill="hold" grpId="26" nodeType="afterEffect">
                                   <p:stCondLst>
                                     <p:cond delay="0"/>
                                   </p:stCondLst>
-                                  <p:iterate type="el" backwards="0">
+                                  <p:iterate>
                                     <p:tmAbs val="0"/>
                                   </p:iterate>
                                   <p:childTnLst>
@@ -13082,11 +13303,11 @@
                             </p:stCondLst>
                             <p:childTnLst>
                               <p:par>
-                                <p:cTn id="187" presetClass="entr" nodeType="afterEffect" presetSubtype="8" presetID="15" grpId="27" fill="hold">
+                                <p:cTn id="187" presetID="15" presetClass="entr" presetSubtype="8" fill="hold" grpId="27" nodeType="afterEffect">
                                   <p:stCondLst>
                                     <p:cond delay="0"/>
                                   </p:stCondLst>
-                                  <p:iterate type="el" backwards="0">
+                                  <p:iterate>
                                     <p:tmAbs val="0"/>
                                   </p:iterate>
                                   <p:childTnLst>
@@ -13209,11 +13430,11 @@
                             </p:stCondLst>
                             <p:childTnLst>
                               <p:par>
-                                <p:cTn id="194" presetClass="entr" nodeType="afterEffect" presetSubtype="8" presetID="15" grpId="28" fill="hold">
+                                <p:cTn id="194" presetID="15" presetClass="entr" presetSubtype="8" fill="hold" grpId="28" nodeType="afterEffect">
                                   <p:stCondLst>
                                     <p:cond delay="0"/>
                                   </p:stCondLst>
-                                  <p:iterate type="el" backwards="0">
+                                  <p:iterate>
                                     <p:tmAbs val="0"/>
                                   </p:iterate>
                                   <p:childTnLst>
@@ -13336,11 +13557,11 @@
                             </p:stCondLst>
                             <p:childTnLst>
                               <p:par>
-                                <p:cTn id="201" presetClass="entr" nodeType="afterEffect" presetSubtype="8" presetID="15" grpId="29" fill="hold">
+                                <p:cTn id="201" presetID="15" presetClass="entr" presetSubtype="8" fill="hold" grpId="29" nodeType="afterEffect">
                                   <p:stCondLst>
                                     <p:cond delay="0"/>
                                   </p:stCondLst>
-                                  <p:iterate type="el" backwards="0">
+                                  <p:iterate>
                                     <p:tmAbs val="0"/>
                                   </p:iterate>
                                   <p:childTnLst>
@@ -13462,14 +13683,14 @@
                 </p:childTnLst>
               </p:cTn>
               <p:prevCondLst>
-                <p:cond evt="onPrev">
+                <p:cond evt="onPrev" delay="0">
                   <p:tgtEl>
                     <p:sldTgt/>
                   </p:tgtEl>
                 </p:cond>
               </p:prevCondLst>
               <p:nextCondLst>
-                <p:cond evt="onNext">
+                <p:cond evt="onNext" delay="0">
                   <p:tgtEl>
                     <p:sldTgt/>
                   </p:tgtEl>
@@ -13481,48 +13702,49 @@
       </p:par>
     </p:tnLst>
     <p:bldLst>
-      <p:bldP build="whole" bldLvl="1" animBg="1" rev="0" advAuto="0" spid="213" grpId="21"/>
-      <p:bldP build="whole" bldLvl="1" animBg="1" rev="0" advAuto="0" spid="196" grpId="11"/>
-      <p:bldP build="whole" bldLvl="1" animBg="1" rev="0" advAuto="0" spid="211" grpId="24"/>
-      <p:bldP build="whole" bldLvl="1" animBg="1" rev="0" advAuto="0" spid="215" grpId="27"/>
-      <p:bldP build="whole" bldLvl="1" animBg="1" rev="0" advAuto="0" spid="214" grpId="29"/>
-      <p:bldP build="whole" bldLvl="1" animBg="1" rev="0" advAuto="0" spid="210" grpId="23"/>
-      <p:bldP build="whole" bldLvl="1" animBg="1" rev="0" advAuto="0" spid="200" grpId="13"/>
-      <p:bldP build="whole" bldLvl="1" animBg="1" rev="0" advAuto="0" spid="204" grpId="17"/>
-      <p:bldP build="whole" bldLvl="1" animBg="1" rev="0" advAuto="0" spid="192" grpId="5"/>
-      <p:bldP build="whole" bldLvl="1" animBg="1" rev="0" advAuto="0" spid="212" grpId="20"/>
-      <p:bldP build="whole" bldLvl="1" animBg="1" rev="0" advAuto="0" spid="209" grpId="22"/>
-      <p:bldP build="whole" bldLvl="1" animBg="1" rev="0" advAuto="0" spid="216" grpId="26"/>
-      <p:bldP build="whole" bldLvl="1" animBg="1" rev="0" advAuto="0" spid="185" grpId="4"/>
-      <p:bldP build="whole" bldLvl="1" animBg="1" rev="0" advAuto="0" spid="197" grpId="8"/>
-      <p:bldP build="whole" bldLvl="1" animBg="1" rev="0" advAuto="0" spid="198" grpId="10"/>
-      <p:bldP build="whole" bldLvl="1" animBg="1" rev="0" advAuto="0" spid="218" grpId="28"/>
-      <p:bldP build="whole" bldLvl="1" animBg="1" rev="0" advAuto="0" spid="194" grpId="7"/>
-      <p:bldP build="whole" bldLvl="1" animBg="1" rev="0" advAuto="0" spid="208" grpId="25"/>
-      <p:bldP build="whole" bldLvl="1" animBg="1" rev="0" advAuto="0" spid="184" grpId="3"/>
-      <p:bldP build="whole" bldLvl="1" animBg="1" rev="0" advAuto="0" spid="191" grpId="6"/>
-      <p:bldP build="whole" bldLvl="1" animBg="1" rev="0" advAuto="0" spid="182" grpId="1"/>
-      <p:bldP build="whole" bldLvl="1" animBg="1" rev="0" advAuto="0" spid="199" grpId="12"/>
-      <p:bldP build="whole" bldLvl="1" animBg="1" rev="0" advAuto="0" spid="203" grpId="15"/>
-      <p:bldP build="whole" bldLvl="1" animBg="1" rev="0" advAuto="0" spid="202" grpId="18"/>
-      <p:bldP build="whole" bldLvl="1" animBg="1" rev="0" advAuto="0" spid="205" grpId="19"/>
-      <p:bldP build="whole" bldLvl="1" animBg="1" rev="0" advAuto="0" spid="201" grpId="16"/>
-      <p:bldP build="whole" bldLvl="1" animBg="1" rev="0" advAuto="0" spid="183" grpId="2"/>
-      <p:bldP build="whole" bldLvl="1" animBg="1" rev="0" advAuto="0" spid="206" grpId="14"/>
-      <p:bldP build="whole" bldLvl="1" animBg="1" rev="0" advAuto="0" spid="195" grpId="9"/>
+      <p:bldP spid="182" grpId="1" animBg="1" advAuto="0"/>
+      <p:bldP spid="183" grpId="2" animBg="1" advAuto="0"/>
+      <p:bldP spid="184" grpId="3" animBg="1" advAuto="0"/>
+      <p:bldP spid="185" grpId="4" animBg="1" advAuto="0"/>
+      <p:bldP spid="191" grpId="6" animBg="1" advAuto="0"/>
+      <p:bldP spid="192" grpId="5" animBg="1" advAuto="0"/>
+      <p:bldP spid="194" grpId="7" animBg="1" advAuto="0"/>
+      <p:bldP spid="195" grpId="9" animBg="1" advAuto="0"/>
+      <p:bldP spid="196" grpId="11" animBg="1" advAuto="0"/>
+      <p:bldP spid="197" grpId="8" animBg="1" advAuto="0"/>
+      <p:bldP spid="198" grpId="10" animBg="1" advAuto="0"/>
+      <p:bldP spid="199" grpId="12" animBg="1" advAuto="0"/>
+      <p:bldP spid="200" grpId="13" animBg="1" advAuto="0"/>
+      <p:bldP spid="201" grpId="16" animBg="1" advAuto="0"/>
+      <p:bldP spid="202" grpId="18" animBg="1" advAuto="0"/>
+      <p:bldP spid="203" grpId="15" animBg="1" advAuto="0"/>
+      <p:bldP spid="204" grpId="17" animBg="1" advAuto="0"/>
+      <p:bldP spid="205" grpId="19" animBg="1" advAuto="0"/>
+      <p:bldP spid="206" grpId="14" animBg="1" advAuto="0"/>
+      <p:bldP spid="208" grpId="25" animBg="1" advAuto="0"/>
+      <p:bldP spid="209" grpId="22" animBg="1" advAuto="0"/>
+      <p:bldP spid="210" grpId="23" animBg="1" advAuto="0"/>
+      <p:bldP spid="211" grpId="24" animBg="1" advAuto="0"/>
+      <p:bldP spid="212" grpId="20" animBg="1" advAuto="0"/>
+      <p:bldP spid="213" grpId="21" animBg="1" advAuto="0"/>
+      <p:bldP spid="214" grpId="29" animBg="1" advAuto="0"/>
+      <p:bldP spid="215" grpId="27" animBg="1" advAuto="0"/>
+      <p:bldP spid="216" grpId="26" animBg="1" advAuto="0"/>
+      <p:bldP spid="218" grpId="28" animBg="1" advAuto="0"/>
     </p:bldLst>
   </p:timing>
 </p:sld>
 </file>
 
 <file path=ppt/slides/slide5.xml><?xml version="1.0" encoding="utf-8"?>
-<p:sld xmlns:a="http://schemas.openxmlformats.org/drawingml/2006/main" xmlns:r="http://schemas.openxmlformats.org/officeDocument/2006/relationships" xmlns:p="http://schemas.openxmlformats.org/presentationml/2006/main" showMasterSp="1" showMasterPhAnim="1">
+<p:sld xmlns:a="http://schemas.openxmlformats.org/drawingml/2006/main" xmlns:r="http://schemas.openxmlformats.org/officeDocument/2006/relationships" xmlns:p="http://schemas.openxmlformats.org/presentationml/2006/main">
   <p:cSld>
     <p:bg>
       <p:bgPr>
         <a:solidFill>
           <a:srgbClr val="0096FF"/>
         </a:solidFill>
+        <a:effectLst/>
       </p:bgPr>
     </p:bg>
     <p:spTree>
@@ -13542,7 +13764,9 @@
       <p:sp>
         <p:nvSpPr>
           <p:cNvPr id="220" name="Shape 220"/>
-          <p:cNvSpPr/>
+          <p:cNvSpPr>
+            <a:spLocks noGrp="1"/>
+          </p:cNvSpPr>
           <p:nvPr>
             <p:ph type="body" idx="13"/>
           </p:nvPr>
@@ -13560,7 +13784,7 @@
           <a:bodyPr/>
           <a:lstStyle>
             <a:lvl1pPr>
-              <a:defRPr spc="200" sz="4000">
+              <a:defRPr sz="4000" spc="200">
                 <a:solidFill>
                   <a:srgbClr val="00F900"/>
                 </a:solidFill>
@@ -13572,7 +13796,6 @@
             </a:lvl1pPr>
           </a:lstStyle>
           <a:p>
-            <a:pPr/>
             <a:r>
               <a:t>Eigenschappen</a:t>
             </a:r>
@@ -13645,8 +13868,8 @@
         </p:nvSpPr>
         <p:spPr>
           <a:xfrm>
-            <a:off x="3584014" y="4252141"/>
-            <a:ext cx="3277109" cy="1503682"/>
+            <a:off x="3384645" y="3721581"/>
+            <a:ext cx="3711549" cy="2564805"/>
           </a:xfrm>
           <a:prstGeom prst="rect">
             <a:avLst/>
@@ -13656,12 +13879,12 @@
           </a:ln>
           <a:extLst>
             <a:ext uri="{C572A759-6A51-4108-AA02-DFA0A04FC94B}">
-              <ma14:wrappingTextBoxFlag xmlns:ma14="http://schemas.microsoft.com/office/mac/drawingml/2011/main" val="1"/>
+              <ma14:wrappingTextBoxFlag xmlns:ma14="http://schemas.microsoft.com/office/mac/drawingml/2011/main" xmlns="" val="1"/>
             </a:ext>
           </a:extLst>
         </p:spPr>
         <p:txBody>
-          <a:bodyPr wrap="none" lIns="50800" tIns="50800" rIns="50800" bIns="50800" anchor="ctr">
+          <a:bodyPr wrap="square" lIns="50800" tIns="50800" rIns="50800" bIns="50800" anchor="ctr">
             <a:spAutoFit/>
           </a:bodyPr>
           <a:lstStyle/>
@@ -13678,7 +13901,8 @@
               </a:defRPr>
             </a:pPr>
             <a:r>
-              <a:t>Kom meer te weten over </a:t>
+              <a:rPr lang="nl-NL" dirty="0" smtClean="0"/>
+              <a:t>-Spel met input van gebruiker</a:t>
             </a:r>
           </a:p>
           <a:p>
@@ -13694,7 +13918,8 @@
               </a:defRPr>
             </a:pPr>
             <a:r>
-              <a:t>de eigenschappen van</a:t>
+              <a:rPr lang="nl-NL" dirty="0" smtClean="0"/>
+              <a:t>-Buttons modulair genereren</a:t>
             </a:r>
           </a:p>
           <a:p>
@@ -13710,7 +13935,25 @@
               </a:defRPr>
             </a:pPr>
             <a:r>
-              <a:t>PocketTopo.</a:t>
+              <a:rPr lang="nl-NL" dirty="0" smtClean="0"/>
+              <a:t>-Punten tekenen op kaart</a:t>
+            </a:r>
+          </a:p>
+          <a:p>
+            <a:pPr>
+              <a:defRPr>
+                <a:solidFill>
+                  <a:srgbClr val="000000"/>
+                </a:solidFill>
+                <a:latin typeface="Heiti TC Light"/>
+                <a:ea typeface="Heiti TC Light"/>
+                <a:cs typeface="Heiti TC Light"/>
+                <a:sym typeface="Heiti TC Light"/>
+              </a:defRPr>
+            </a:pPr>
+            <a:r>
+              <a:rPr lang="nl-NL" dirty="0" smtClean="0"/>
+              <a:t>-Hint, Pas en vorige goed Button</a:t>
             </a:r>
           </a:p>
         </p:txBody>
@@ -13720,20 +13963,20 @@
   <p:clrMapOvr>
     <a:masterClrMapping/>
   </p:clrMapOvr>
-  <p:transition xmlns:p14="http://schemas.microsoft.com/office/powerpoint/2010/main" spd="med" advClick="1" p14:dur="1000"/>
+  <p:transition spd="slow"/>
   <p:timing>
     <p:tnLst>
       <p:par>
-        <p:cTn id="1" nodeType="tmRoot" restart="never" dur="indefinite" fill="hold">
+        <p:cTn id="1" dur="indefinite" restart="never" fill="hold" nodeType="tmRoot">
           <p:childTnLst>
             <p:seq concurrent="1" prevAc="none" nextAc="seek">
-              <p:cTn id="2" nodeType="mainSeq" dur="indefinite" fill="hold">
+              <p:cTn id="2" dur="indefinite" fill="hold" nodeType="mainSeq">
                 <p:childTnLst>
                   <p:par>
                     <p:cTn id="3" fill="hold">
                       <p:stCondLst>
                         <p:cond delay="indefinite"/>
-                        <p:cond evt="onBegin">
+                        <p:cond evt="onBegin" delay="0">
                           <p:tn val="2"/>
                         </p:cond>
                       </p:stCondLst>
@@ -13745,11 +13988,11 @@
                             </p:stCondLst>
                             <p:childTnLst>
                               <p:par>
-                                <p:cTn id="5" presetClass="entr" nodeType="afterEffect" presetSubtype="8" presetID="15" grpId="1" fill="hold">
+                                <p:cTn id="5" presetID="15" presetClass="entr" presetSubtype="8" fill="hold" grpId="1" nodeType="afterEffect">
                                   <p:stCondLst>
                                     <p:cond delay="0"/>
                                   </p:stCondLst>
-                                  <p:iterate type="el" backwards="0">
+                                  <p:iterate>
                                     <p:tmAbs val="0"/>
                                   </p:iterate>
                                   <p:childTnLst>
@@ -13872,11 +14115,11 @@
                             </p:stCondLst>
                             <p:childTnLst>
                               <p:par>
-                                <p:cTn id="12" presetClass="entr" nodeType="afterEffect" presetSubtype="8" presetID="15" grpId="2" fill="hold">
+                                <p:cTn id="12" presetID="15" presetClass="entr" presetSubtype="8" fill="hold" grpId="2" nodeType="afterEffect">
                                   <p:stCondLst>
                                     <p:cond delay="0"/>
                                   </p:stCondLst>
-                                  <p:iterate type="el" backwards="0">
+                                  <p:iterate>
                                     <p:tmAbs val="0"/>
                                   </p:iterate>
                                   <p:childTnLst>
@@ -13998,14 +14241,14 @@
                 </p:childTnLst>
               </p:cTn>
               <p:prevCondLst>
-                <p:cond evt="onPrev">
+                <p:cond evt="onPrev" delay="0">
                   <p:tgtEl>
                     <p:sldTgt/>
                   </p:tgtEl>
                 </p:cond>
               </p:prevCondLst>
               <p:nextCondLst>
-                <p:cond evt="onNext">
+                <p:cond evt="onNext" delay="0">
                   <p:tgtEl>
                     <p:sldTgt/>
                   </p:tgtEl>
@@ -14017,21 +14260,22 @@
       </p:par>
     </p:tnLst>
     <p:bldLst>
-      <p:bldP build="whole" bldLvl="1" animBg="1" rev="0" advAuto="0" spid="223" grpId="2"/>
-      <p:bldP build="whole" bldLvl="1" animBg="1" rev="0" advAuto="0" spid="222" grpId="1"/>
+      <p:bldP spid="222" grpId="1" animBg="1" advAuto="0"/>
+      <p:bldP spid="223" grpId="2" animBg="1" advAuto="0"/>
     </p:bldLst>
   </p:timing>
 </p:sld>
 </file>
 
 <file path=ppt/slides/slide6.xml><?xml version="1.0" encoding="utf-8"?>
-<p:sld xmlns:a="http://schemas.openxmlformats.org/drawingml/2006/main" xmlns:r="http://schemas.openxmlformats.org/officeDocument/2006/relationships" xmlns:p="http://schemas.openxmlformats.org/presentationml/2006/main" showMasterSp="1" showMasterPhAnim="1">
+<p:sld xmlns:a="http://schemas.openxmlformats.org/drawingml/2006/main" xmlns:r="http://schemas.openxmlformats.org/officeDocument/2006/relationships" xmlns:p="http://schemas.openxmlformats.org/presentationml/2006/main">
   <p:cSld>
     <p:bg>
       <p:bgPr>
         <a:solidFill>
           <a:srgbClr val="0096FF"/>
         </a:solidFill>
+        <a:effectLst/>
       </p:bgPr>
     </p:bg>
     <p:spTree>
@@ -14051,7 +14295,9 @@
       <p:sp>
         <p:nvSpPr>
           <p:cNvPr id="225" name="Shape 225"/>
-          <p:cNvSpPr/>
+          <p:cNvSpPr>
+            <a:spLocks noGrp="1"/>
+          </p:cNvSpPr>
           <p:nvPr>
             <p:ph type="body" idx="13"/>
           </p:nvPr>
@@ -14069,7 +14315,7 @@
           <a:bodyPr/>
           <a:lstStyle>
             <a:lvl1pPr>
-              <a:defRPr spc="200" sz="4000">
+              <a:defRPr sz="4000" spc="200">
                 <a:solidFill>
                   <a:srgbClr val="00F900"/>
                 </a:solidFill>
@@ -14081,7 +14327,6 @@
             </a:lvl1pPr>
           </a:lstStyle>
           <a:p>
-            <a:pPr/>
             <a:r>
               <a:t>Do’s &amp; Don’TS</a:t>
             </a:r>
@@ -14165,7 +14410,7 @@
           </a:ln>
           <a:extLst>
             <a:ext uri="{C572A759-6A51-4108-AA02-DFA0A04FC94B}">
-              <ma14:wrappingTextBoxFlag xmlns:ma14="http://schemas.microsoft.com/office/mac/drawingml/2011/main" val="1"/>
+              <ma14:wrappingTextBoxFlag xmlns:ma14="http://schemas.microsoft.com/office/mac/drawingml/2011/main" xmlns="" val="1"/>
             </a:ext>
           </a:extLst>
         </p:spPr>
@@ -14245,13 +14490,13 @@
   <p:clrMapOvr>
     <a:masterClrMapping/>
   </p:clrMapOvr>
-  <mc:AlternateContent xmlns:mc="http://schemas.openxmlformats.org/markup-compatibility/2006">
-    <mc:Choice xmlns:p14="http://schemas.microsoft.com/office/powerpoint/2010/main" Requires="p14">
-      <p:transition spd="med" advClick="1" p14:dur="1000">
+  <mc:AlternateContent xmlns:mc="http://schemas.openxmlformats.org/markup-compatibility/2006" xmlns:p14="http://schemas.microsoft.com/office/powerpoint/2010/main">
+    <mc:Choice Requires="p14">
+      <p:transition spd="slow">
         <p:dissolve/>
       </p:transition>
     </mc:Choice>
-    <mc:Fallback>
+    <mc:Fallback xmlns="">
       <p:transition spd="med">
         <p:fade/>
       </p:transition>
@@ -14260,16 +14505,16 @@
   <p:timing>
     <p:tnLst>
       <p:par>
-        <p:cTn id="1" nodeType="tmRoot" restart="never" dur="indefinite" fill="hold">
+        <p:cTn id="1" dur="indefinite" restart="never" fill="hold" nodeType="tmRoot">
           <p:childTnLst>
             <p:seq concurrent="1" prevAc="none" nextAc="seek">
-              <p:cTn id="2" nodeType="mainSeq" dur="indefinite" fill="hold">
+              <p:cTn id="2" dur="indefinite" fill="hold" nodeType="mainSeq">
                 <p:childTnLst>
                   <p:par>
                     <p:cTn id="3" fill="hold">
                       <p:stCondLst>
                         <p:cond delay="indefinite"/>
-                        <p:cond evt="onBegin">
+                        <p:cond evt="onBegin" delay="0">
                           <p:tn val="2"/>
                         </p:cond>
                       </p:stCondLst>
@@ -14281,11 +14526,11 @@
                             </p:stCondLst>
                             <p:childTnLst>
                               <p:par>
-                                <p:cTn id="5" presetClass="entr" nodeType="afterEffect" presetSubtype="8" presetID="15" grpId="1" fill="hold">
+                                <p:cTn id="5" presetID="15" presetClass="entr" presetSubtype="8" fill="hold" grpId="1" nodeType="afterEffect">
                                   <p:stCondLst>
                                     <p:cond delay="0"/>
                                   </p:stCondLst>
-                                  <p:iterate type="el" backwards="0">
+                                  <p:iterate>
                                     <p:tmAbs val="0"/>
                                   </p:iterate>
                                   <p:childTnLst>
@@ -14408,11 +14653,11 @@
                             </p:stCondLst>
                             <p:childTnLst>
                               <p:par>
-                                <p:cTn id="12" presetClass="entr" nodeType="afterEffect" presetSubtype="8" presetID="15" grpId="2" fill="hold">
+                                <p:cTn id="12" presetID="15" presetClass="entr" presetSubtype="8" fill="hold" grpId="2" nodeType="afterEffect">
                                   <p:stCondLst>
                                     <p:cond delay="0"/>
                                   </p:stCondLst>
-                                  <p:iterate type="el" backwards="0">
+                                  <p:iterate>
                                     <p:tmAbs val="0"/>
                                   </p:iterate>
                                   <p:childTnLst>
@@ -14534,14 +14779,14 @@
                 </p:childTnLst>
               </p:cTn>
               <p:prevCondLst>
-                <p:cond evt="onPrev">
+                <p:cond evt="onPrev" delay="0">
                   <p:tgtEl>
                     <p:sldTgt/>
                   </p:tgtEl>
                 </p:cond>
               </p:prevCondLst>
               <p:nextCondLst>
-                <p:cond evt="onNext">
+                <p:cond evt="onNext" delay="0">
                   <p:tgtEl>
                     <p:sldTgt/>
                   </p:tgtEl>
@@ -14553,21 +14798,22 @@
       </p:par>
     </p:tnLst>
     <p:bldLst>
-      <p:bldP build="whole" bldLvl="1" animBg="1" rev="0" advAuto="0" spid="227" grpId="1"/>
-      <p:bldP build="whole" bldLvl="1" animBg="1" rev="0" advAuto="0" spid="228" grpId="2"/>
+      <p:bldP spid="227" grpId="1" animBg="1" advAuto="0"/>
+      <p:bldP spid="228" grpId="2" animBg="1" advAuto="0"/>
     </p:bldLst>
   </p:timing>
 </p:sld>
 </file>
 
 <file path=ppt/slides/slide7.xml><?xml version="1.0" encoding="utf-8"?>
-<p:sld xmlns:a="http://schemas.openxmlformats.org/drawingml/2006/main" xmlns:r="http://schemas.openxmlformats.org/officeDocument/2006/relationships" xmlns:p="http://schemas.openxmlformats.org/presentationml/2006/main" showMasterSp="1" showMasterPhAnim="1">
+<p:sld xmlns:a="http://schemas.openxmlformats.org/drawingml/2006/main" xmlns:r="http://schemas.openxmlformats.org/officeDocument/2006/relationships" xmlns:p="http://schemas.openxmlformats.org/presentationml/2006/main">
   <p:cSld>
     <p:bg>
       <p:bgPr>
         <a:solidFill>
           <a:srgbClr val="0096FF"/>
         </a:solidFill>
+        <a:effectLst/>
       </p:bgPr>
     </p:bg>
     <p:spTree>
@@ -14675,7 +14921,7 @@
         <p:nvPicPr>
           <p:cNvPr id="233" name="evitar-estas-sustancias-fibromialgia.png"/>
           <p:cNvPicPr>
-            <a:picLocks noChangeAspect="0"/>
+            <a:picLocks/>
           </p:cNvPicPr>
           <p:nvPr/>
         </p:nvPicPr>
@@ -14683,7 +14929,7 @@
           <a:blip r:embed="rId4">
             <a:extLst/>
           </a:blip>
-          <a:srcRect l="0" t="0" r="0" b="1390"/>
+          <a:srcRect b="1390"/>
           <a:stretch>
             <a:fillRect/>
           </a:stretch>
@@ -14705,7 +14951,7 @@
         <p:nvPicPr>
           <p:cNvPr id="234" name="Thema 4, lege kaart van nederland.jpg"/>
           <p:cNvPicPr>
-            <a:picLocks noChangeAspect="0"/>
+            <a:picLocks/>
           </p:cNvPicPr>
           <p:nvPr/>
         </p:nvPicPr>
@@ -14734,7 +14980,7 @@
         <p:nvPicPr>
           <p:cNvPr id="235" name="6cr674Lzi.png"/>
           <p:cNvPicPr>
-            <a:picLocks noChangeAspect="0"/>
+            <a:picLocks/>
           </p:cNvPicPr>
           <p:nvPr/>
         </p:nvPicPr>
@@ -14764,13 +15010,13 @@
   <p:clrMapOvr>
     <a:masterClrMapping/>
   </p:clrMapOvr>
-  <mc:AlternateContent xmlns:mc="http://schemas.openxmlformats.org/markup-compatibility/2006">
-    <mc:Choice xmlns:p14="http://schemas.microsoft.com/office/powerpoint/2010/main" Requires="p14">
-      <p:transition spd="med" advClick="1" p14:dur="1000">
+  <mc:AlternateContent xmlns:mc="http://schemas.openxmlformats.org/markup-compatibility/2006" xmlns:p14="http://schemas.microsoft.com/office/powerpoint/2010/main">
+    <mc:Choice Requires="p14">
+      <p:transition spd="slow">
         <p:dissolve/>
       </p:transition>
     </mc:Choice>
-    <mc:Fallback>
+    <mc:Fallback xmlns="">
       <p:transition spd="med">
         <p:fade/>
       </p:transition>
@@ -14779,16 +15025,16 @@
   <p:timing>
     <p:tnLst>
       <p:par>
-        <p:cTn id="1" nodeType="tmRoot" restart="never" dur="indefinite" fill="hold">
+        <p:cTn id="1" dur="indefinite" restart="never" fill="hold" nodeType="tmRoot">
           <p:childTnLst>
             <p:seq concurrent="1" prevAc="none" nextAc="seek">
-              <p:cTn id="2" nodeType="mainSeq" dur="indefinite" fill="hold">
+              <p:cTn id="2" dur="indefinite" fill="hold" nodeType="mainSeq">
                 <p:childTnLst>
                   <p:par>
                     <p:cTn id="3" fill="hold">
                       <p:stCondLst>
                         <p:cond delay="indefinite"/>
-                        <p:cond evt="onBegin">
+                        <p:cond evt="onBegin" delay="0">
                           <p:tn val="2"/>
                         </p:cond>
                       </p:stCondLst>
@@ -14800,11 +15046,11 @@
                             </p:stCondLst>
                             <p:childTnLst>
                               <p:par>
-                                <p:cTn id="5" presetClass="entr" nodeType="afterEffect" presetSubtype="8" presetID="2" grpId="1" fill="hold">
+                                <p:cTn id="5" presetID="2" presetClass="entr" presetSubtype="8" fill="hold" grpId="1" nodeType="afterEffect">
                                   <p:stCondLst>
                                     <p:cond delay="0"/>
                                   </p:stCondLst>
-                                  <p:iterate type="el" backwards="0">
+                                  <p:iterate>
                                     <p:tmAbs val="0"/>
                                   </p:iterate>
                                   <p:childTnLst>
@@ -14881,11 +15127,11 @@
                             </p:stCondLst>
                             <p:childTnLst>
                               <p:par>
-                                <p:cTn id="10" presetClass="entr" nodeType="afterEffect" presetSubtype="8" presetID="2" grpId="2" fill="hold">
+                                <p:cTn id="10" presetID="2" presetClass="entr" presetSubtype="8" fill="hold" grpId="2" nodeType="afterEffect">
                                   <p:stCondLst>
                                     <p:cond delay="0"/>
                                   </p:stCondLst>
-                                  <p:iterate type="el" backwards="0">
+                                  <p:iterate>
                                     <p:tmAbs val="0"/>
                                   </p:iterate>
                                   <p:childTnLst>
@@ -14962,11 +15208,11 @@
                             </p:stCondLst>
                             <p:childTnLst>
                               <p:par>
-                                <p:cTn id="15" presetClass="entr" nodeType="afterEffect" presetSubtype="8" presetID="2" grpId="3" fill="hold">
+                                <p:cTn id="15" presetID="2" presetClass="entr" presetSubtype="8" fill="hold" grpId="3" nodeType="afterEffect">
                                   <p:stCondLst>
                                     <p:cond delay="0"/>
                                   </p:stCondLst>
-                                  <p:iterate type="el" backwards="0">
+                                  <p:iterate>
                                     <p:tmAbs val="0"/>
                                   </p:iterate>
                                   <p:childTnLst>
@@ -15043,11 +15289,11 @@
                             </p:stCondLst>
                             <p:childTnLst>
                               <p:par>
-                                <p:cTn id="20" presetClass="entr" nodeType="afterEffect" presetSubtype="2" presetID="2" grpId="4" fill="hold">
+                                <p:cTn id="20" presetID="2" presetClass="entr" presetSubtype="2" fill="hold" grpId="4" nodeType="afterEffect">
                                   <p:stCondLst>
                                     <p:cond delay="0"/>
                                   </p:stCondLst>
-                                  <p:iterate type="el" backwards="0">
+                                  <p:iterate>
                                     <p:tmAbs val="0"/>
                                   </p:iterate>
                                   <p:childTnLst>
@@ -15124,11 +15370,11 @@
                             </p:stCondLst>
                             <p:childTnLst>
                               <p:par>
-                                <p:cTn id="25" presetClass="entr" nodeType="afterEffect" presetSubtype="2" presetID="2" grpId="5" fill="hold">
+                                <p:cTn id="25" presetID="2" presetClass="entr" presetSubtype="2" fill="hold" grpId="5" nodeType="afterEffect">
                                   <p:stCondLst>
                                     <p:cond delay="0"/>
                                   </p:stCondLst>
-                                  <p:iterate type="el" backwards="0">
+                                  <p:iterate>
                                     <p:tmAbs val="0"/>
                                   </p:iterate>
                                   <p:childTnLst>
@@ -15205,11 +15451,11 @@
                             </p:stCondLst>
                             <p:childTnLst>
                               <p:par>
-                                <p:cTn id="30" presetClass="entr" nodeType="afterEffect" presetSubtype="2" presetID="2" grpId="6" fill="hold">
+                                <p:cTn id="30" presetID="2" presetClass="entr" presetSubtype="2" fill="hold" grpId="6" nodeType="afterEffect">
                                   <p:stCondLst>
                                     <p:cond delay="0"/>
                                   </p:stCondLst>
-                                  <p:iterate type="el" backwards="0">
+                                  <p:iterate>
                                     <p:tmAbs val="0"/>
                                   </p:iterate>
                                   <p:childTnLst>
@@ -15285,14 +15531,14 @@
                 </p:childTnLst>
               </p:cTn>
               <p:prevCondLst>
-                <p:cond evt="onPrev">
+                <p:cond evt="onPrev" delay="0">
                   <p:tgtEl>
                     <p:sldTgt/>
                   </p:tgtEl>
                 </p:cond>
               </p:prevCondLst>
               <p:nextCondLst>
-                <p:cond evt="onNext">
+                <p:cond evt="onNext" delay="0">
                   <p:tgtEl>
                     <p:sldTgt/>
                   </p:tgtEl>
@@ -15304,25 +15550,26 @@
       </p:par>
     </p:tnLst>
     <p:bldLst>
-      <p:bldP build="whole" bldLvl="1" animBg="1" rev="0" advAuto="0" spid="230" grpId="4"/>
-      <p:bldP build="whole" bldLvl="1" animBg="1" rev="0" advAuto="0" spid="234" grpId="2"/>
-      <p:bldP build="whole" bldLvl="1" animBg="1" rev="0" advAuto="0" spid="232" grpId="1"/>
-      <p:bldP build="whole" bldLvl="1" animBg="1" rev="0" advAuto="0" spid="231" grpId="5"/>
-      <p:bldP build="whole" bldLvl="1" animBg="1" rev="0" advAuto="0" spid="235" grpId="3"/>
-      <p:bldP build="whole" bldLvl="1" animBg="1" rev="0" advAuto="0" spid="233" grpId="6"/>
+      <p:bldP spid="230" grpId="4" animBg="1" advAuto="0"/>
+      <p:bldP spid="231" grpId="5" animBg="1" advAuto="0"/>
+      <p:bldP spid="232" grpId="1" animBg="1" advAuto="0"/>
+      <p:bldP spid="233" grpId="6" animBg="1" advAuto="0"/>
+      <p:bldP spid="234" grpId="2" animBg="1" advAuto="0"/>
+      <p:bldP spid="235" grpId="3" animBg="1" advAuto="0"/>
     </p:bldLst>
   </p:timing>
 </p:sld>
 </file>
 
 <file path=ppt/slides/slide8.xml><?xml version="1.0" encoding="utf-8"?>
-<p:sld xmlns:a="http://schemas.openxmlformats.org/drawingml/2006/main" xmlns:r="http://schemas.openxmlformats.org/officeDocument/2006/relationships" xmlns:p="http://schemas.openxmlformats.org/presentationml/2006/main" showMasterSp="1" showMasterPhAnim="1">
+<p:sld xmlns:a="http://schemas.openxmlformats.org/drawingml/2006/main" xmlns:r="http://schemas.openxmlformats.org/officeDocument/2006/relationships" xmlns:p="http://schemas.openxmlformats.org/presentationml/2006/main">
   <p:cSld>
     <p:bg>
       <p:bgPr>
         <a:solidFill>
           <a:srgbClr val="0096FF"/>
         </a:solidFill>
+        <a:effectLst/>
       </p:bgPr>
     </p:bg>
     <p:spTree>
@@ -15342,7 +15589,9 @@
       <p:sp>
         <p:nvSpPr>
           <p:cNvPr id="237" name="Shape 237"/>
-          <p:cNvSpPr/>
+          <p:cNvSpPr>
+            <a:spLocks noGrp="1"/>
+          </p:cNvSpPr>
           <p:nvPr>
             <p:ph type="body" idx="13"/>
           </p:nvPr>
@@ -15361,7 +15610,7 @@
           <a:lstStyle/>
           <a:p>
             <a:pPr>
-              <a:defRPr spc="200" sz="4000">
+              <a:defRPr sz="4000" spc="200">
                 <a:solidFill>
                   <a:srgbClr val="00F900"/>
                 </a:solidFill>
@@ -15371,10 +15620,11 @@
                 <a:sym typeface="Avenir Next"/>
               </a:defRPr>
             </a:pPr>
+            <a:endParaRPr/>
           </a:p>
           <a:p>
             <a:pPr>
-              <a:defRPr spc="200" sz="4000">
+              <a:defRPr sz="4000" spc="200">
                 <a:solidFill>
                   <a:srgbClr val="00F900"/>
                 </a:solidFill>
@@ -15467,7 +15717,7 @@
           </a:ln>
           <a:extLst>
             <a:ext uri="{C572A759-6A51-4108-AA02-DFA0A04FC94B}">
-              <ma14:wrappingTextBoxFlag xmlns:ma14="http://schemas.microsoft.com/office/mac/drawingml/2011/main" val="1"/>
+              <ma14:wrappingTextBoxFlag xmlns:ma14="http://schemas.microsoft.com/office/mac/drawingml/2011/main" xmlns="" val="1"/>
             </a:ext>
           </a:extLst>
         </p:spPr>
@@ -15531,20 +15781,20 @@
   <p:clrMapOvr>
     <a:masterClrMapping/>
   </p:clrMapOvr>
-  <p:transition xmlns:p14="http://schemas.microsoft.com/office/powerpoint/2010/main" spd="med" advClick="1" p14:dur="1000"/>
+  <p:transition spd="slow"/>
   <p:timing>
     <p:tnLst>
       <p:par>
-        <p:cTn id="1" nodeType="tmRoot" restart="never" dur="indefinite" fill="hold">
+        <p:cTn id="1" dur="indefinite" restart="never" fill="hold" nodeType="tmRoot">
           <p:childTnLst>
             <p:seq concurrent="1" prevAc="none" nextAc="seek">
-              <p:cTn id="2" nodeType="mainSeq" dur="indefinite" fill="hold">
+              <p:cTn id="2" dur="indefinite" fill="hold" nodeType="mainSeq">
                 <p:childTnLst>
                   <p:par>
                     <p:cTn id="3" fill="hold">
                       <p:stCondLst>
                         <p:cond delay="indefinite"/>
-                        <p:cond evt="onBegin">
+                        <p:cond evt="onBegin" delay="0">
                           <p:tn val="2"/>
                         </p:cond>
                       </p:stCondLst>
@@ -15556,11 +15806,11 @@
                             </p:stCondLst>
                             <p:childTnLst>
                               <p:par>
-                                <p:cTn id="5" presetClass="entr" nodeType="afterEffect" presetSubtype="8" presetID="15" grpId="1" fill="hold">
+                                <p:cTn id="5" presetID="15" presetClass="entr" presetSubtype="8" fill="hold" grpId="1" nodeType="afterEffect">
                                   <p:stCondLst>
                                     <p:cond delay="0"/>
                                   </p:stCondLst>
-                                  <p:iterate type="el" backwards="0">
+                                  <p:iterate>
                                     <p:tmAbs val="0"/>
                                   </p:iterate>
                                   <p:childTnLst>
@@ -15683,11 +15933,11 @@
                             </p:stCondLst>
                             <p:childTnLst>
                               <p:par>
-                                <p:cTn id="12" presetClass="entr" nodeType="afterEffect" presetSubtype="8" presetID="15" grpId="2" fill="hold">
+                                <p:cTn id="12" presetID="15" presetClass="entr" presetSubtype="8" fill="hold" grpId="2" nodeType="afterEffect">
                                   <p:stCondLst>
                                     <p:cond delay="0"/>
                                   </p:stCondLst>
-                                  <p:iterate type="el" backwards="0">
+                                  <p:iterate>
                                     <p:tmAbs val="0"/>
                                   </p:iterate>
                                   <p:childTnLst>
@@ -15809,14 +16059,14 @@
                 </p:childTnLst>
               </p:cTn>
               <p:prevCondLst>
-                <p:cond evt="onPrev">
+                <p:cond evt="onPrev" delay="0">
                   <p:tgtEl>
                     <p:sldTgt/>
                   </p:tgtEl>
                 </p:cond>
               </p:prevCondLst>
               <p:nextCondLst>
-                <p:cond evt="onNext">
+                <p:cond evt="onNext" delay="0">
                   <p:tgtEl>
                     <p:sldTgt/>
                   </p:tgtEl>
@@ -15828,21 +16078,22 @@
       </p:par>
     </p:tnLst>
     <p:bldLst>
-      <p:bldP build="whole" bldLvl="1" animBg="1" rev="0" advAuto="0" spid="239" grpId="1"/>
-      <p:bldP build="whole" bldLvl="1" animBg="1" rev="0" advAuto="0" spid="240" grpId="2"/>
+      <p:bldP spid="239" grpId="1" animBg="1" advAuto="0"/>
+      <p:bldP spid="240" grpId="2" animBg="1" advAuto="0"/>
     </p:bldLst>
   </p:timing>
 </p:sld>
 </file>
 
 <file path=ppt/slides/slide9.xml><?xml version="1.0" encoding="utf-8"?>
-<p:sld xmlns:a="http://schemas.openxmlformats.org/drawingml/2006/main" xmlns:r="http://schemas.openxmlformats.org/officeDocument/2006/relationships" xmlns:p="http://schemas.openxmlformats.org/presentationml/2006/main" showMasterSp="1" showMasterPhAnim="1">
+<p:sld xmlns:a="http://schemas.openxmlformats.org/drawingml/2006/main" xmlns:r="http://schemas.openxmlformats.org/officeDocument/2006/relationships" xmlns:p="http://schemas.openxmlformats.org/presentationml/2006/main">
   <p:cSld>
     <p:bg>
       <p:bgPr>
         <a:solidFill>
           <a:srgbClr val="0096FF"/>
         </a:solidFill>
+        <a:effectLst/>
       </p:bgPr>
     </p:bg>
     <p:spTree>
@@ -15862,7 +16113,9 @@
       <p:sp>
         <p:nvSpPr>
           <p:cNvPr id="242" name="Shape 242"/>
-          <p:cNvSpPr/>
+          <p:cNvSpPr>
+            <a:spLocks noGrp="1"/>
+          </p:cNvSpPr>
           <p:nvPr>
             <p:ph type="body" idx="13"/>
           </p:nvPr>
@@ -15886,7 +16139,7 @@
               <a:spcBef>
                 <a:spcPts val="2800"/>
               </a:spcBef>
-              <a:defRPr cap="none" sz="8000">
+              <a:defRPr sz="8000" cap="none">
                 <a:solidFill>
                   <a:srgbClr val="00F900"/>
                 </a:solidFill>
@@ -15898,7 +16151,6 @@
             </a:lvl1pPr>
           </a:lstStyle>
           <a:p>
-            <a:pPr/>
             <a:r>
               <a:t>En tot slot, vragen?</a:t>
             </a:r>
@@ -15908,7 +16160,9 @@
       <p:sp>
         <p:nvSpPr>
           <p:cNvPr id="243" name="Shape 243"/>
-          <p:cNvSpPr/>
+          <p:cNvSpPr>
+            <a:spLocks noGrp="1"/>
+          </p:cNvSpPr>
           <p:nvPr>
             <p:ph type="body" idx="14"/>
           </p:nvPr>
@@ -15938,7 +16192,6 @@
             </a:lvl1pPr>
           </a:lstStyle>
           <a:p>
-            <a:pPr/>
             <a:r>
               <a:t>TeamTopo</a:t>
             </a:r>
@@ -16037,13 +16290,13 @@
   <p:clrMapOvr>
     <a:masterClrMapping/>
   </p:clrMapOvr>
-  <mc:AlternateContent xmlns:mc="http://schemas.openxmlformats.org/markup-compatibility/2006">
-    <mc:Choice xmlns:p14="http://schemas.microsoft.com/office/powerpoint/2010/main" Requires="p14">
-      <p:transition spd="slow" advClick="1" p14:dur="1500">
+  <mc:AlternateContent xmlns:mc="http://schemas.openxmlformats.org/markup-compatibility/2006" xmlns:p14="http://schemas.microsoft.com/office/powerpoint/2010/main">
+    <mc:Choice Requires="p14">
+      <p:transition spd="slow" p14:dur="1500">
         <p:dissolve/>
       </p:transition>
     </mc:Choice>
-    <mc:Fallback>
+    <mc:Fallback xmlns="">
       <p:transition spd="slow">
         <p:fade/>
       </p:transition>
@@ -16052,16 +16305,16 @@
   <p:timing>
     <p:tnLst>
       <p:par>
-        <p:cTn id="1" nodeType="tmRoot" restart="never" dur="indefinite" fill="hold">
+        <p:cTn id="1" dur="indefinite" restart="never" fill="hold" nodeType="tmRoot">
           <p:childTnLst>
             <p:seq concurrent="1" prevAc="none" nextAc="seek">
-              <p:cTn id="2" nodeType="mainSeq" dur="indefinite" fill="hold">
+              <p:cTn id="2" dur="indefinite" fill="hold" nodeType="mainSeq">
                 <p:childTnLst>
                   <p:par>
                     <p:cTn id="3" fill="hold">
                       <p:stCondLst>
                         <p:cond delay="indefinite"/>
-                        <p:cond evt="onBegin">
+                        <p:cond evt="onBegin" delay="0">
                           <p:tn val="2"/>
                         </p:cond>
                       </p:stCondLst>
@@ -16073,11 +16326,11 @@
                             </p:stCondLst>
                             <p:childTnLst>
                               <p:par>
-                                <p:cTn id="5" presetClass="entr" nodeType="afterEffect" presetSubtype="8" presetID="15" grpId="1" fill="hold">
+                                <p:cTn id="5" presetID="15" presetClass="entr" presetSubtype="8" fill="hold" grpId="1" nodeType="afterEffect">
                                   <p:stCondLst>
                                     <p:cond delay="0"/>
                                   </p:stCondLst>
-                                  <p:iterate type="el" backwards="0">
+                                  <p:iterate>
                                     <p:tmAbs val="0"/>
                                   </p:iterate>
                                   <p:childTnLst>
@@ -16200,11 +16453,11 @@
                             </p:stCondLst>
                             <p:childTnLst>
                               <p:par>
-                                <p:cTn id="12" presetClass="entr" nodeType="afterEffect" presetSubtype="8" presetID="15" grpId="2" fill="hold">
+                                <p:cTn id="12" presetID="15" presetClass="entr" presetSubtype="8" fill="hold" grpId="2" nodeType="afterEffect">
                                   <p:stCondLst>
                                     <p:cond delay="0"/>
                                   </p:stCondLst>
-                                  <p:iterate type="el" backwards="0">
+                                  <p:iterate>
                                     <p:tmAbs val="0"/>
                                   </p:iterate>
                                   <p:childTnLst>
@@ -16327,11 +16580,11 @@
                             </p:stCondLst>
                             <p:childTnLst>
                               <p:par>
-                                <p:cTn id="19" presetClass="entr" nodeType="afterEffect" presetSubtype="8" presetID="15" grpId="3" fill="hold">
+                                <p:cTn id="19" presetID="15" presetClass="entr" presetSubtype="8" fill="hold" grpId="3" nodeType="afterEffect">
                                   <p:stCondLst>
                                     <p:cond delay="0"/>
                                   </p:stCondLst>
-                                  <p:iterate type="el" backwards="0">
+                                  <p:iterate>
                                     <p:tmAbs val="0"/>
                                   </p:iterate>
                                   <p:childTnLst>
@@ -16453,14 +16706,14 @@
                 </p:childTnLst>
               </p:cTn>
               <p:prevCondLst>
-                <p:cond evt="onPrev">
+                <p:cond evt="onPrev" delay="0">
                   <p:tgtEl>
                     <p:sldTgt/>
                   </p:tgtEl>
                 </p:cond>
               </p:prevCondLst>
               <p:nextCondLst>
-                <p:cond evt="onNext">
+                <p:cond evt="onNext" delay="0">
                   <p:tgtEl>
                     <p:sldTgt/>
                   </p:tgtEl>
@@ -16472,16 +16725,16 @@
       </p:par>
     </p:tnLst>
     <p:bldLst>
-      <p:bldP build="whole" bldLvl="1" animBg="1" rev="0" advAuto="0" spid="246" grpId="1"/>
-      <p:bldP build="whole" bldLvl="1" animBg="1" rev="0" advAuto="0" spid="244" grpId="2"/>
-      <p:bldP build="whole" bldLvl="1" animBg="1" rev="0" advAuto="0" spid="245" grpId="3"/>
+      <p:bldP spid="244" grpId="2" animBg="1" advAuto="0"/>
+      <p:bldP spid="245" grpId="3" animBg="1" advAuto="0"/>
+      <p:bldP spid="246" grpId="1" animBg="1" advAuto="0"/>
     </p:bldLst>
   </p:timing>
 </p:sld>
 </file>
 
 <file path=ppt/theme/theme1.xml><?xml version="1.0" encoding="utf-8"?>
-<a:theme xmlns:a="http://schemas.openxmlformats.org/drawingml/2006/main" xmlns:r="http://schemas.openxmlformats.org/officeDocument/2006/relationships" name="New_Template7">
+<a:theme xmlns:a="http://schemas.openxmlformats.org/drawingml/2006/main" name="New_Template7">
   <a:themeElements>
     <a:clrScheme name="New_Template7">
       <a:dk1>
@@ -16680,7 +16933,7 @@
         <a:effectLst/>
         <a:sp3d/>
       </a:spPr>
-      <a:bodyPr rot="0" spcFirstLastPara="1" vertOverflow="overflow" horzOverflow="overflow" vert="horz" wrap="square" lIns="50800" tIns="50800" rIns="50800" bIns="50800" numCol="1" spcCol="38100" rtlCol="0" anchor="ctr" upright="0">
+      <a:bodyPr rot="0" spcFirstLastPara="1" vertOverflow="overflow" horzOverflow="overflow" vert="horz" wrap="square" lIns="50800" tIns="50800" rIns="50800" bIns="50800" numCol="1" spcCol="38100" rtlCol="0" anchor="ctr">
         <a:spAutoFit/>
       </a:bodyPr>
       <a:lstStyle>
@@ -16699,7 +16952,7 @@
           <a:buFontTx/>
           <a:buNone/>
           <a:tabLst/>
-          <a:defRPr b="0" baseline="0" cap="all" i="0" spc="0" strike="noStrike" sz="2800" u="none" kumimoji="0" normalizeH="0">
+          <a:defRPr kumimoji="0" sz="2800" b="0" i="0" u="none" strike="noStrike" cap="all" spc="0" normalizeH="0" baseline="0">
             <a:ln>
               <a:noFill/>
             </a:ln>
@@ -16729,7 +16982,7 @@
           <a:buFontTx/>
           <a:buNone/>
           <a:tabLst/>
-          <a:defRPr b="0" baseline="0" cap="none" i="0" spc="0" strike="noStrike" sz="1800" u="none" kumimoji="0" normalizeH="0">
+          <a:defRPr kumimoji="0" sz="1800" b="0" i="0" u="none" strike="noStrike" cap="none" spc="0" normalizeH="0" baseline="0">
             <a:ln>
               <a:noFill/>
             </a:ln>
@@ -16755,7 +17008,7 @@
           <a:buFontTx/>
           <a:buNone/>
           <a:tabLst/>
-          <a:defRPr b="0" baseline="0" cap="none" i="0" spc="0" strike="noStrike" sz="1800" u="none" kumimoji="0" normalizeH="0">
+          <a:defRPr kumimoji="0" sz="1800" b="0" i="0" u="none" strike="noStrike" cap="none" spc="0" normalizeH="0" baseline="0">
             <a:ln>
               <a:noFill/>
             </a:ln>
@@ -16781,7 +17034,7 @@
           <a:buFontTx/>
           <a:buNone/>
           <a:tabLst/>
-          <a:defRPr b="0" baseline="0" cap="none" i="0" spc="0" strike="noStrike" sz="1800" u="none" kumimoji="0" normalizeH="0">
+          <a:defRPr kumimoji="0" sz="1800" b="0" i="0" u="none" strike="noStrike" cap="none" spc="0" normalizeH="0" baseline="0">
             <a:ln>
               <a:noFill/>
             </a:ln>
@@ -16807,7 +17060,7 @@
           <a:buFontTx/>
           <a:buNone/>
           <a:tabLst/>
-          <a:defRPr b="0" baseline="0" cap="none" i="0" spc="0" strike="noStrike" sz="1800" u="none" kumimoji="0" normalizeH="0">
+          <a:defRPr kumimoji="0" sz="1800" b="0" i="0" u="none" strike="noStrike" cap="none" spc="0" normalizeH="0" baseline="0">
             <a:ln>
               <a:noFill/>
             </a:ln>
@@ -16833,7 +17086,7 @@
           <a:buFontTx/>
           <a:buNone/>
           <a:tabLst/>
-          <a:defRPr b="0" baseline="0" cap="none" i="0" spc="0" strike="noStrike" sz="1800" u="none" kumimoji="0" normalizeH="0">
+          <a:defRPr kumimoji="0" sz="1800" b="0" i="0" u="none" strike="noStrike" cap="none" spc="0" normalizeH="0" baseline="0">
             <a:ln>
               <a:noFill/>
             </a:ln>
@@ -16859,7 +17112,7 @@
           <a:buFontTx/>
           <a:buNone/>
           <a:tabLst/>
-          <a:defRPr b="0" baseline="0" cap="none" i="0" spc="0" strike="noStrike" sz="1800" u="none" kumimoji="0" normalizeH="0">
+          <a:defRPr kumimoji="0" sz="1800" b="0" i="0" u="none" strike="noStrike" cap="none" spc="0" normalizeH="0" baseline="0">
             <a:ln>
               <a:noFill/>
             </a:ln>
@@ -16885,7 +17138,7 @@
           <a:buFontTx/>
           <a:buNone/>
           <a:tabLst/>
-          <a:defRPr b="0" baseline="0" cap="none" i="0" spc="0" strike="noStrike" sz="1800" u="none" kumimoji="0" normalizeH="0">
+          <a:defRPr kumimoji="0" sz="1800" b="0" i="0" u="none" strike="noStrike" cap="none" spc="0" normalizeH="0" baseline="0">
             <a:ln>
               <a:noFill/>
             </a:ln>
@@ -16911,7 +17164,7 @@
           <a:buFontTx/>
           <a:buNone/>
           <a:tabLst/>
-          <a:defRPr b="0" baseline="0" cap="none" i="0" spc="0" strike="noStrike" sz="1800" u="none" kumimoji="0" normalizeH="0">
+          <a:defRPr kumimoji="0" sz="1800" b="0" i="0" u="none" strike="noStrike" cap="none" spc="0" normalizeH="0" baseline="0">
             <a:ln>
               <a:noFill/>
             </a:ln>
@@ -16937,7 +17190,7 @@
           <a:buFontTx/>
           <a:buNone/>
           <a:tabLst/>
-          <a:defRPr b="0" baseline="0" cap="none" i="0" spc="0" strike="noStrike" sz="1800" u="none" kumimoji="0" normalizeH="0">
+          <a:defRPr kumimoji="0" sz="1800" b="0" i="0" u="none" strike="noStrike" cap="none" spc="0" normalizeH="0" baseline="0">
             <a:ln>
               <a:noFill/>
             </a:ln>
@@ -16950,9 +17203,15 @@
         </a:lvl9pPr>
       </a:lstStyle>
       <a:style>
-        <a:lnRef idx="0"/>
-        <a:fillRef idx="0"/>
-        <a:effectRef idx="0"/>
+        <a:lnRef idx="0">
+          <a:scrgbClr r="0" g="0" b="0"/>
+        </a:lnRef>
+        <a:fillRef idx="0">
+          <a:scrgbClr r="0" g="0" b="0"/>
+        </a:fillRef>
+        <a:effectRef idx="0">
+          <a:scrgbClr r="0" g="0" b="0"/>
+        </a:effectRef>
         <a:fontRef idx="none"/>
       </a:style>
     </a:spDef>
@@ -16969,7 +17228,7 @@
         <a:effectLst/>
         <a:sp3d/>
       </a:spPr>
-      <a:bodyPr rot="0" spcFirstLastPara="1" vertOverflow="overflow" horzOverflow="overflow" vert="horz" wrap="square" lIns="91439" tIns="45719" rIns="91439" bIns="45719" numCol="1" spcCol="38100" rtlCol="0" anchor="t" upright="0">
+      <a:bodyPr rot="0" spcFirstLastPara="1" vertOverflow="overflow" horzOverflow="overflow" vert="horz" wrap="square" lIns="91439" tIns="45719" rIns="91439" bIns="45719" numCol="1" spcCol="38100" rtlCol="0" anchor="t">
         <a:noAutofit/>
       </a:bodyPr>
       <a:lstStyle>
@@ -16988,7 +17247,7 @@
           <a:buFontTx/>
           <a:buNone/>
           <a:tabLst/>
-          <a:defRPr b="0" baseline="0" cap="none" i="0" spc="0" strike="noStrike" sz="1800" u="none" kumimoji="0" normalizeH="0">
+          <a:defRPr kumimoji="0" sz="1800" b="0" i="0" u="none" strike="noStrike" cap="none" spc="0" normalizeH="0" baseline="0">
             <a:ln>
               <a:noFill/>
             </a:ln>
@@ -17014,7 +17273,7 @@
           <a:buFontTx/>
           <a:buNone/>
           <a:tabLst/>
-          <a:defRPr b="0" baseline="0" cap="none" i="0" spc="0" strike="noStrike" sz="1800" u="none" kumimoji="0" normalizeH="0">
+          <a:defRPr kumimoji="0" sz="1800" b="0" i="0" u="none" strike="noStrike" cap="none" spc="0" normalizeH="0" baseline="0">
             <a:ln>
               <a:noFill/>
             </a:ln>
@@ -17040,7 +17299,7 @@
           <a:buFontTx/>
           <a:buNone/>
           <a:tabLst/>
-          <a:defRPr b="0" baseline="0" cap="none" i="0" spc="0" strike="noStrike" sz="1800" u="none" kumimoji="0" normalizeH="0">
+          <a:defRPr kumimoji="0" sz="1800" b="0" i="0" u="none" strike="noStrike" cap="none" spc="0" normalizeH="0" baseline="0">
             <a:ln>
               <a:noFill/>
             </a:ln>
@@ -17066,7 +17325,7 @@
           <a:buFontTx/>
           <a:buNone/>
           <a:tabLst/>
-          <a:defRPr b="0" baseline="0" cap="none" i="0" spc="0" strike="noStrike" sz="1800" u="none" kumimoji="0" normalizeH="0">
+          <a:defRPr kumimoji="0" sz="1800" b="0" i="0" u="none" strike="noStrike" cap="none" spc="0" normalizeH="0" baseline="0">
             <a:ln>
               <a:noFill/>
             </a:ln>
@@ -17092,7 +17351,7 @@
           <a:buFontTx/>
           <a:buNone/>
           <a:tabLst/>
-          <a:defRPr b="0" baseline="0" cap="none" i="0" spc="0" strike="noStrike" sz="1800" u="none" kumimoji="0" normalizeH="0">
+          <a:defRPr kumimoji="0" sz="1800" b="0" i="0" u="none" strike="noStrike" cap="none" spc="0" normalizeH="0" baseline="0">
             <a:ln>
               <a:noFill/>
             </a:ln>
@@ -17118,7 +17377,7 @@
           <a:buFontTx/>
           <a:buNone/>
           <a:tabLst/>
-          <a:defRPr b="0" baseline="0" cap="none" i="0" spc="0" strike="noStrike" sz="1800" u="none" kumimoji="0" normalizeH="0">
+          <a:defRPr kumimoji="0" sz="1800" b="0" i="0" u="none" strike="noStrike" cap="none" spc="0" normalizeH="0" baseline="0">
             <a:ln>
               <a:noFill/>
             </a:ln>
@@ -17144,7 +17403,7 @@
           <a:buFontTx/>
           <a:buNone/>
           <a:tabLst/>
-          <a:defRPr b="0" baseline="0" cap="none" i="0" spc="0" strike="noStrike" sz="1800" u="none" kumimoji="0" normalizeH="0">
+          <a:defRPr kumimoji="0" sz="1800" b="0" i="0" u="none" strike="noStrike" cap="none" spc="0" normalizeH="0" baseline="0">
             <a:ln>
               <a:noFill/>
             </a:ln>
@@ -17170,7 +17429,7 @@
           <a:buFontTx/>
           <a:buNone/>
           <a:tabLst/>
-          <a:defRPr b="0" baseline="0" cap="none" i="0" spc="0" strike="noStrike" sz="1800" u="none" kumimoji="0" normalizeH="0">
+          <a:defRPr kumimoji="0" sz="1800" b="0" i="0" u="none" strike="noStrike" cap="none" spc="0" normalizeH="0" baseline="0">
             <a:ln>
               <a:noFill/>
             </a:ln>
@@ -17196,7 +17455,7 @@
           <a:buFontTx/>
           <a:buNone/>
           <a:tabLst/>
-          <a:defRPr b="0" baseline="0" cap="none" i="0" spc="0" strike="noStrike" sz="1800" u="none" kumimoji="0" normalizeH="0">
+          <a:defRPr kumimoji="0" sz="1800" b="0" i="0" u="none" strike="noStrike" cap="none" spc="0" normalizeH="0" baseline="0">
             <a:ln>
               <a:noFill/>
             </a:ln>
@@ -17222,7 +17481,7 @@
           <a:buFontTx/>
           <a:buNone/>
           <a:tabLst/>
-          <a:defRPr b="0" baseline="0" cap="none" i="0" spc="0" strike="noStrike" sz="1800" u="none" kumimoji="0" normalizeH="0">
+          <a:defRPr kumimoji="0" sz="1800" b="0" i="0" u="none" strike="noStrike" cap="none" spc="0" normalizeH="0" baseline="0">
             <a:ln>
               <a:noFill/>
             </a:ln>
@@ -17235,9 +17494,15 @@
         </a:lvl9pPr>
       </a:lstStyle>
       <a:style>
-        <a:lnRef idx="0"/>
-        <a:fillRef idx="0"/>
-        <a:effectRef idx="0"/>
+        <a:lnRef idx="0">
+          <a:scrgbClr r="0" g="0" b="0"/>
+        </a:lnRef>
+        <a:fillRef idx="0">
+          <a:scrgbClr r="0" g="0" b="0"/>
+        </a:fillRef>
+        <a:effectRef idx="0">
+          <a:scrgbClr r="0" g="0" b="0"/>
+        </a:effectRef>
         <a:fontRef idx="none"/>
       </a:style>
     </a:lnDef>
@@ -17251,7 +17516,7 @@
         <a:effectLst/>
         <a:sp3d/>
       </a:spPr>
-      <a:bodyPr rot="0" spcFirstLastPara="1" vertOverflow="overflow" horzOverflow="overflow" vert="horz" wrap="square" lIns="50800" tIns="50800" rIns="50800" bIns="50800" numCol="1" spcCol="38100" rtlCol="0" anchor="ctr" upright="0">
+      <a:bodyPr rot="0" spcFirstLastPara="1" vertOverflow="overflow" horzOverflow="overflow" vert="horz" wrap="square" lIns="50800" tIns="50800" rIns="50800" bIns="50800" numCol="1" spcCol="38100" rtlCol="0" anchor="ctr">
         <a:spAutoFit/>
       </a:bodyPr>
       <a:lstStyle>
@@ -17270,7 +17535,7 @@
           <a:buFontTx/>
           <a:buNone/>
           <a:tabLst/>
-          <a:defRPr b="0" baseline="0" cap="none" i="0" spc="0" strike="noStrike" sz="2000" u="none" kumimoji="0" normalizeH="0">
+          <a:defRPr kumimoji="0" sz="2000" b="0" i="0" u="none" strike="noStrike" cap="none" spc="0" normalizeH="0" baseline="0">
             <a:ln>
               <a:noFill/>
             </a:ln>
@@ -17300,7 +17565,7 @@
           <a:buFontTx/>
           <a:buNone/>
           <a:tabLst/>
-          <a:defRPr b="0" baseline="0" cap="none" i="0" spc="0" strike="noStrike" sz="1800" u="none" kumimoji="0" normalizeH="0">
+          <a:defRPr kumimoji="0" sz="1800" b="0" i="0" u="none" strike="noStrike" cap="none" spc="0" normalizeH="0" baseline="0">
             <a:ln>
               <a:noFill/>
             </a:ln>
@@ -17326,7 +17591,7 @@
           <a:buFontTx/>
           <a:buNone/>
           <a:tabLst/>
-          <a:defRPr b="0" baseline="0" cap="none" i="0" spc="0" strike="noStrike" sz="1800" u="none" kumimoji="0" normalizeH="0">
+          <a:defRPr kumimoji="0" sz="1800" b="0" i="0" u="none" strike="noStrike" cap="none" spc="0" normalizeH="0" baseline="0">
             <a:ln>
               <a:noFill/>
             </a:ln>
@@ -17352,7 +17617,7 @@
           <a:buFontTx/>
           <a:buNone/>
           <a:tabLst/>
-          <a:defRPr b="0" baseline="0" cap="none" i="0" spc="0" strike="noStrike" sz="1800" u="none" kumimoji="0" normalizeH="0">
+          <a:defRPr kumimoji="0" sz="1800" b="0" i="0" u="none" strike="noStrike" cap="none" spc="0" normalizeH="0" baseline="0">
             <a:ln>
               <a:noFill/>
             </a:ln>
@@ -17378,7 +17643,7 @@
           <a:buFontTx/>
           <a:buNone/>
           <a:tabLst/>
-          <a:defRPr b="0" baseline="0" cap="none" i="0" spc="0" strike="noStrike" sz="1800" u="none" kumimoji="0" normalizeH="0">
+          <a:defRPr kumimoji="0" sz="1800" b="0" i="0" u="none" strike="noStrike" cap="none" spc="0" normalizeH="0" baseline="0">
             <a:ln>
               <a:noFill/>
             </a:ln>
@@ -17404,7 +17669,7 @@
           <a:buFontTx/>
           <a:buNone/>
           <a:tabLst/>
-          <a:defRPr b="0" baseline="0" cap="none" i="0" spc="0" strike="noStrike" sz="1800" u="none" kumimoji="0" normalizeH="0">
+          <a:defRPr kumimoji="0" sz="1800" b="0" i="0" u="none" strike="noStrike" cap="none" spc="0" normalizeH="0" baseline="0">
             <a:ln>
               <a:noFill/>
             </a:ln>
@@ -17430,7 +17695,7 @@
           <a:buFontTx/>
           <a:buNone/>
           <a:tabLst/>
-          <a:defRPr b="0" baseline="0" cap="none" i="0" spc="0" strike="noStrike" sz="1800" u="none" kumimoji="0" normalizeH="0">
+          <a:defRPr kumimoji="0" sz="1800" b="0" i="0" u="none" strike="noStrike" cap="none" spc="0" normalizeH="0" baseline="0">
             <a:ln>
               <a:noFill/>
             </a:ln>
@@ -17456,7 +17721,7 @@
           <a:buFontTx/>
           <a:buNone/>
           <a:tabLst/>
-          <a:defRPr b="0" baseline="0" cap="none" i="0" spc="0" strike="noStrike" sz="1800" u="none" kumimoji="0" normalizeH="0">
+          <a:defRPr kumimoji="0" sz="1800" b="0" i="0" u="none" strike="noStrike" cap="none" spc="0" normalizeH="0" baseline="0">
             <a:ln>
               <a:noFill/>
             </a:ln>
@@ -17482,7 +17747,7 @@
           <a:buFontTx/>
           <a:buNone/>
           <a:tabLst/>
-          <a:defRPr b="0" baseline="0" cap="none" i="0" spc="0" strike="noStrike" sz="1800" u="none" kumimoji="0" normalizeH="0">
+          <a:defRPr kumimoji="0" sz="1800" b="0" i="0" u="none" strike="noStrike" cap="none" spc="0" normalizeH="0" baseline="0">
             <a:ln>
               <a:noFill/>
             </a:ln>
@@ -17508,7 +17773,7 @@
           <a:buFontTx/>
           <a:buNone/>
           <a:tabLst/>
-          <a:defRPr b="0" baseline="0" cap="none" i="0" spc="0" strike="noStrike" sz="1800" u="none" kumimoji="0" normalizeH="0">
+          <a:defRPr kumimoji="0" sz="1800" b="0" i="0" u="none" strike="noStrike" cap="none" spc="0" normalizeH="0" baseline="0">
             <a:ln>
               <a:noFill/>
             </a:ln>
@@ -17521,18 +17786,25 @@
         </a:lvl9pPr>
       </a:lstStyle>
       <a:style>
-        <a:lnRef idx="0"/>
-        <a:fillRef idx="0"/>
-        <a:effectRef idx="0"/>
+        <a:lnRef idx="0">
+          <a:scrgbClr r="0" g="0" b="0"/>
+        </a:lnRef>
+        <a:fillRef idx="0">
+          <a:scrgbClr r="0" g="0" b="0"/>
+        </a:fillRef>
+        <a:effectRef idx="0">
+          <a:scrgbClr r="0" g="0" b="0"/>
+        </a:effectRef>
         <a:fontRef idx="none"/>
       </a:style>
     </a:txDef>
   </a:objectDefaults>
+  <a:extraClrSchemeLst/>
 </a:theme>
 </file>
 
 <file path=ppt/theme/theme2.xml><?xml version="1.0" encoding="utf-8"?>
-<a:theme xmlns:a="http://schemas.openxmlformats.org/drawingml/2006/main" xmlns:r="http://schemas.openxmlformats.org/officeDocument/2006/relationships" name="New_Template7">
+<a:theme xmlns:a="http://schemas.openxmlformats.org/drawingml/2006/main" name="New_Template7">
   <a:themeElements>
     <a:clrScheme name="New_Template7">
       <a:dk1>
@@ -17731,7 +18003,7 @@
         <a:effectLst/>
         <a:sp3d/>
       </a:spPr>
-      <a:bodyPr rot="0" spcFirstLastPara="1" vertOverflow="overflow" horzOverflow="overflow" vert="horz" wrap="square" lIns="50800" tIns="50800" rIns="50800" bIns="50800" numCol="1" spcCol="38100" rtlCol="0" anchor="ctr" upright="0">
+      <a:bodyPr rot="0" spcFirstLastPara="1" vertOverflow="overflow" horzOverflow="overflow" vert="horz" wrap="square" lIns="50800" tIns="50800" rIns="50800" bIns="50800" numCol="1" spcCol="38100" rtlCol="0" anchor="ctr">
         <a:spAutoFit/>
       </a:bodyPr>
       <a:lstStyle>
@@ -17750,7 +18022,7 @@
           <a:buFontTx/>
           <a:buNone/>
           <a:tabLst/>
-          <a:defRPr b="0" baseline="0" cap="all" i="0" spc="0" strike="noStrike" sz="2800" u="none" kumimoji="0" normalizeH="0">
+          <a:defRPr kumimoji="0" sz="2800" b="0" i="0" u="none" strike="noStrike" cap="all" spc="0" normalizeH="0" baseline="0">
             <a:ln>
               <a:noFill/>
             </a:ln>
@@ -17780,7 +18052,7 @@
           <a:buFontTx/>
           <a:buNone/>
           <a:tabLst/>
-          <a:defRPr b="0" baseline="0" cap="none" i="0" spc="0" strike="noStrike" sz="1800" u="none" kumimoji="0" normalizeH="0">
+          <a:defRPr kumimoji="0" sz="1800" b="0" i="0" u="none" strike="noStrike" cap="none" spc="0" normalizeH="0" baseline="0">
             <a:ln>
               <a:noFill/>
             </a:ln>
@@ -17806,7 +18078,7 @@
           <a:buFontTx/>
           <a:buNone/>
           <a:tabLst/>
-          <a:defRPr b="0" baseline="0" cap="none" i="0" spc="0" strike="noStrike" sz="1800" u="none" kumimoji="0" normalizeH="0">
+          <a:defRPr kumimoji="0" sz="1800" b="0" i="0" u="none" strike="noStrike" cap="none" spc="0" normalizeH="0" baseline="0">
             <a:ln>
               <a:noFill/>
             </a:ln>
@@ -17832,7 +18104,7 @@
           <a:buFontTx/>
           <a:buNone/>
           <a:tabLst/>
-          <a:defRPr b="0" baseline="0" cap="none" i="0" spc="0" strike="noStrike" sz="1800" u="none" kumimoji="0" normalizeH="0">
+          <a:defRPr kumimoji="0" sz="1800" b="0" i="0" u="none" strike="noStrike" cap="none" spc="0" normalizeH="0" baseline="0">
             <a:ln>
               <a:noFill/>
             </a:ln>
@@ -17858,7 +18130,7 @@
           <a:buFontTx/>
           <a:buNone/>
           <a:tabLst/>
-          <a:defRPr b="0" baseline="0" cap="none" i="0" spc="0" strike="noStrike" sz="1800" u="none" kumimoji="0" normalizeH="0">
+          <a:defRPr kumimoji="0" sz="1800" b="0" i="0" u="none" strike="noStrike" cap="none" spc="0" normalizeH="0" baseline="0">
             <a:ln>
               <a:noFill/>
             </a:ln>
@@ -17884,7 +18156,7 @@
           <a:buFontTx/>
           <a:buNone/>
           <a:tabLst/>
-          <a:defRPr b="0" baseline="0" cap="none" i="0" spc="0" strike="noStrike" sz="1800" u="none" kumimoji="0" normalizeH="0">
+          <a:defRPr kumimoji="0" sz="1800" b="0" i="0" u="none" strike="noStrike" cap="none" spc="0" normalizeH="0" baseline="0">
             <a:ln>
               <a:noFill/>
             </a:ln>
@@ -17910,7 +18182,7 @@
           <a:buFontTx/>
           <a:buNone/>
           <a:tabLst/>
-          <a:defRPr b="0" baseline="0" cap="none" i="0" spc="0" strike="noStrike" sz="1800" u="none" kumimoji="0" normalizeH="0">
+          <a:defRPr kumimoji="0" sz="1800" b="0" i="0" u="none" strike="noStrike" cap="none" spc="0" normalizeH="0" baseline="0">
             <a:ln>
               <a:noFill/>
             </a:ln>
@@ -17936,7 +18208,7 @@
           <a:buFontTx/>
           <a:buNone/>
           <a:tabLst/>
-          <a:defRPr b="0" baseline="0" cap="none" i="0" spc="0" strike="noStrike" sz="1800" u="none" kumimoji="0" normalizeH="0">
+          <a:defRPr kumimoji="0" sz="1800" b="0" i="0" u="none" strike="noStrike" cap="none" spc="0" normalizeH="0" baseline="0">
             <a:ln>
               <a:noFill/>
             </a:ln>
@@ -17962,7 +18234,7 @@
           <a:buFontTx/>
           <a:buNone/>
           <a:tabLst/>
-          <a:defRPr b="0" baseline="0" cap="none" i="0" spc="0" strike="noStrike" sz="1800" u="none" kumimoji="0" normalizeH="0">
+          <a:defRPr kumimoji="0" sz="1800" b="0" i="0" u="none" strike="noStrike" cap="none" spc="0" normalizeH="0" baseline="0">
             <a:ln>
               <a:noFill/>
             </a:ln>
@@ -17988,7 +18260,7 @@
           <a:buFontTx/>
           <a:buNone/>
           <a:tabLst/>
-          <a:defRPr b="0" baseline="0" cap="none" i="0" spc="0" strike="noStrike" sz="1800" u="none" kumimoji="0" normalizeH="0">
+          <a:defRPr kumimoji="0" sz="1800" b="0" i="0" u="none" strike="noStrike" cap="none" spc="0" normalizeH="0" baseline="0">
             <a:ln>
               <a:noFill/>
             </a:ln>
@@ -18001,9 +18273,15 @@
         </a:lvl9pPr>
       </a:lstStyle>
       <a:style>
-        <a:lnRef idx="0"/>
-        <a:fillRef idx="0"/>
-        <a:effectRef idx="0"/>
+        <a:lnRef idx="0">
+          <a:scrgbClr r="0" g="0" b="0"/>
+        </a:lnRef>
+        <a:fillRef idx="0">
+          <a:scrgbClr r="0" g="0" b="0"/>
+        </a:fillRef>
+        <a:effectRef idx="0">
+          <a:scrgbClr r="0" g="0" b="0"/>
+        </a:effectRef>
         <a:fontRef idx="none"/>
       </a:style>
     </a:spDef>
@@ -18020,7 +18298,7 @@
         <a:effectLst/>
         <a:sp3d/>
       </a:spPr>
-      <a:bodyPr rot="0" spcFirstLastPara="1" vertOverflow="overflow" horzOverflow="overflow" vert="horz" wrap="square" lIns="91439" tIns="45719" rIns="91439" bIns="45719" numCol="1" spcCol="38100" rtlCol="0" anchor="t" upright="0">
+      <a:bodyPr rot="0" spcFirstLastPara="1" vertOverflow="overflow" horzOverflow="overflow" vert="horz" wrap="square" lIns="91439" tIns="45719" rIns="91439" bIns="45719" numCol="1" spcCol="38100" rtlCol="0" anchor="t">
         <a:noAutofit/>
       </a:bodyPr>
       <a:lstStyle>
@@ -18039,7 +18317,7 @@
           <a:buFontTx/>
           <a:buNone/>
           <a:tabLst/>
-          <a:defRPr b="0" baseline="0" cap="none" i="0" spc="0" strike="noStrike" sz="1800" u="none" kumimoji="0" normalizeH="0">
+          <a:defRPr kumimoji="0" sz="1800" b="0" i="0" u="none" strike="noStrike" cap="none" spc="0" normalizeH="0" baseline="0">
             <a:ln>
               <a:noFill/>
             </a:ln>
@@ -18065,7 +18343,7 @@
           <a:buFontTx/>
           <a:buNone/>
           <a:tabLst/>
-          <a:defRPr b="0" baseline="0" cap="none" i="0" spc="0" strike="noStrike" sz="1800" u="none" kumimoji="0" normalizeH="0">
+          <a:defRPr kumimoji="0" sz="1800" b="0" i="0" u="none" strike="noStrike" cap="none" spc="0" normalizeH="0" baseline="0">
             <a:ln>
               <a:noFill/>
             </a:ln>
@@ -18091,7 +18369,7 @@
           <a:buFontTx/>
           <a:buNone/>
           <a:tabLst/>
-          <a:defRPr b="0" baseline="0" cap="none" i="0" spc="0" strike="noStrike" sz="1800" u="none" kumimoji="0" normalizeH="0">
+          <a:defRPr kumimoji="0" sz="1800" b="0" i="0" u="none" strike="noStrike" cap="none" spc="0" normalizeH="0" baseline="0">
             <a:ln>
               <a:noFill/>
             </a:ln>
@@ -18117,7 +18395,7 @@
           <a:buFontTx/>
           <a:buNone/>
           <a:tabLst/>
-          <a:defRPr b="0" baseline="0" cap="none" i="0" spc="0" strike="noStrike" sz="1800" u="none" kumimoji="0" normalizeH="0">
+          <a:defRPr kumimoji="0" sz="1800" b="0" i="0" u="none" strike="noStrike" cap="none" spc="0" normalizeH="0" baseline="0">
             <a:ln>
               <a:noFill/>
             </a:ln>
@@ -18143,7 +18421,7 @@
           <a:buFontTx/>
           <a:buNone/>
           <a:tabLst/>
-          <a:defRPr b="0" baseline="0" cap="none" i="0" spc="0" strike="noStrike" sz="1800" u="none" kumimoji="0" normalizeH="0">
+          <a:defRPr kumimoji="0" sz="1800" b="0" i="0" u="none" strike="noStrike" cap="none" spc="0" normalizeH="0" baseline="0">
             <a:ln>
               <a:noFill/>
             </a:ln>
@@ -18169,7 +18447,7 @@
           <a:buFontTx/>
           <a:buNone/>
           <a:tabLst/>
-          <a:defRPr b="0" baseline="0" cap="none" i="0" spc="0" strike="noStrike" sz="1800" u="none" kumimoji="0" normalizeH="0">
+          <a:defRPr kumimoji="0" sz="1800" b="0" i="0" u="none" strike="noStrike" cap="none" spc="0" normalizeH="0" baseline="0">
             <a:ln>
               <a:noFill/>
             </a:ln>
@@ -18195,7 +18473,7 @@
           <a:buFontTx/>
           <a:buNone/>
           <a:tabLst/>
-          <a:defRPr b="0" baseline="0" cap="none" i="0" spc="0" strike="noStrike" sz="1800" u="none" kumimoji="0" normalizeH="0">
+          <a:defRPr kumimoji="0" sz="1800" b="0" i="0" u="none" strike="noStrike" cap="none" spc="0" normalizeH="0" baseline="0">
             <a:ln>
               <a:noFill/>
             </a:ln>
@@ -18221,7 +18499,7 @@
           <a:buFontTx/>
           <a:buNone/>
           <a:tabLst/>
-          <a:defRPr b="0" baseline="0" cap="none" i="0" spc="0" strike="noStrike" sz="1800" u="none" kumimoji="0" normalizeH="0">
+          <a:defRPr kumimoji="0" sz="1800" b="0" i="0" u="none" strike="noStrike" cap="none" spc="0" normalizeH="0" baseline="0">
             <a:ln>
               <a:noFill/>
             </a:ln>
@@ -18247,7 +18525,7 @@
           <a:buFontTx/>
           <a:buNone/>
           <a:tabLst/>
-          <a:defRPr b="0" baseline="0" cap="none" i="0" spc="0" strike="noStrike" sz="1800" u="none" kumimoji="0" normalizeH="0">
+          <a:defRPr kumimoji="0" sz="1800" b="0" i="0" u="none" strike="noStrike" cap="none" spc="0" normalizeH="0" baseline="0">
             <a:ln>
               <a:noFill/>
             </a:ln>
@@ -18273,7 +18551,7 @@
           <a:buFontTx/>
           <a:buNone/>
           <a:tabLst/>
-          <a:defRPr b="0" baseline="0" cap="none" i="0" spc="0" strike="noStrike" sz="1800" u="none" kumimoji="0" normalizeH="0">
+          <a:defRPr kumimoji="0" sz="1800" b="0" i="0" u="none" strike="noStrike" cap="none" spc="0" normalizeH="0" baseline="0">
             <a:ln>
               <a:noFill/>
             </a:ln>
@@ -18286,9 +18564,15 @@
         </a:lvl9pPr>
       </a:lstStyle>
       <a:style>
-        <a:lnRef idx="0"/>
-        <a:fillRef idx="0"/>
-        <a:effectRef idx="0"/>
+        <a:lnRef idx="0">
+          <a:scrgbClr r="0" g="0" b="0"/>
+        </a:lnRef>
+        <a:fillRef idx="0">
+          <a:scrgbClr r="0" g="0" b="0"/>
+        </a:fillRef>
+        <a:effectRef idx="0">
+          <a:scrgbClr r="0" g="0" b="0"/>
+        </a:effectRef>
         <a:fontRef idx="none"/>
       </a:style>
     </a:lnDef>
@@ -18302,7 +18586,7 @@
         <a:effectLst/>
         <a:sp3d/>
       </a:spPr>
-      <a:bodyPr rot="0" spcFirstLastPara="1" vertOverflow="overflow" horzOverflow="overflow" vert="horz" wrap="square" lIns="50800" tIns="50800" rIns="50800" bIns="50800" numCol="1" spcCol="38100" rtlCol="0" anchor="ctr" upright="0">
+      <a:bodyPr rot="0" spcFirstLastPara="1" vertOverflow="overflow" horzOverflow="overflow" vert="horz" wrap="square" lIns="50800" tIns="50800" rIns="50800" bIns="50800" numCol="1" spcCol="38100" rtlCol="0" anchor="ctr">
         <a:spAutoFit/>
       </a:bodyPr>
       <a:lstStyle>
@@ -18321,7 +18605,7 @@
           <a:buFontTx/>
           <a:buNone/>
           <a:tabLst/>
-          <a:defRPr b="0" baseline="0" cap="none" i="0" spc="0" strike="noStrike" sz="2000" u="none" kumimoji="0" normalizeH="0">
+          <a:defRPr kumimoji="0" sz="2000" b="0" i="0" u="none" strike="noStrike" cap="none" spc="0" normalizeH="0" baseline="0">
             <a:ln>
               <a:noFill/>
             </a:ln>
@@ -18351,7 +18635,7 @@
           <a:buFontTx/>
           <a:buNone/>
           <a:tabLst/>
-          <a:defRPr b="0" baseline="0" cap="none" i="0" spc="0" strike="noStrike" sz="1800" u="none" kumimoji="0" normalizeH="0">
+          <a:defRPr kumimoji="0" sz="1800" b="0" i="0" u="none" strike="noStrike" cap="none" spc="0" normalizeH="0" baseline="0">
             <a:ln>
               <a:noFill/>
             </a:ln>
@@ -18377,7 +18661,7 @@
           <a:buFontTx/>
           <a:buNone/>
           <a:tabLst/>
-          <a:defRPr b="0" baseline="0" cap="none" i="0" spc="0" strike="noStrike" sz="1800" u="none" kumimoji="0" normalizeH="0">
+          <a:defRPr kumimoji="0" sz="1800" b="0" i="0" u="none" strike="noStrike" cap="none" spc="0" normalizeH="0" baseline="0">
             <a:ln>
               <a:noFill/>
             </a:ln>
@@ -18403,7 +18687,7 @@
           <a:buFontTx/>
           <a:buNone/>
           <a:tabLst/>
-          <a:defRPr b="0" baseline="0" cap="none" i="0" spc="0" strike="noStrike" sz="1800" u="none" kumimoji="0" normalizeH="0">
+          <a:defRPr kumimoji="0" sz="1800" b="0" i="0" u="none" strike="noStrike" cap="none" spc="0" normalizeH="0" baseline="0">
             <a:ln>
               <a:noFill/>
             </a:ln>
@@ -18429,7 +18713,7 @@
           <a:buFontTx/>
           <a:buNone/>
           <a:tabLst/>
-          <a:defRPr b="0" baseline="0" cap="none" i="0" spc="0" strike="noStrike" sz="1800" u="none" kumimoji="0" normalizeH="0">
+          <a:defRPr kumimoji="0" sz="1800" b="0" i="0" u="none" strike="noStrike" cap="none" spc="0" normalizeH="0" baseline="0">
             <a:ln>
               <a:noFill/>
             </a:ln>
@@ -18455,7 +18739,7 @@
           <a:buFontTx/>
           <a:buNone/>
           <a:tabLst/>
-          <a:defRPr b="0" baseline="0" cap="none" i="0" spc="0" strike="noStrike" sz="1800" u="none" kumimoji="0" normalizeH="0">
+          <a:defRPr kumimoji="0" sz="1800" b="0" i="0" u="none" strike="noStrike" cap="none" spc="0" normalizeH="0" baseline="0">
             <a:ln>
               <a:noFill/>
             </a:ln>
@@ -18481,7 +18765,7 @@
           <a:buFontTx/>
           <a:buNone/>
           <a:tabLst/>
-          <a:defRPr b="0" baseline="0" cap="none" i="0" spc="0" strike="noStrike" sz="1800" u="none" kumimoji="0" normalizeH="0">
+          <a:defRPr kumimoji="0" sz="1800" b="0" i="0" u="none" strike="noStrike" cap="none" spc="0" normalizeH="0" baseline="0">
             <a:ln>
               <a:noFill/>
             </a:ln>
@@ -18507,7 +18791,7 @@
           <a:buFontTx/>
           <a:buNone/>
           <a:tabLst/>
-          <a:defRPr b="0" baseline="0" cap="none" i="0" spc="0" strike="noStrike" sz="1800" u="none" kumimoji="0" normalizeH="0">
+          <a:defRPr kumimoji="0" sz="1800" b="0" i="0" u="none" strike="noStrike" cap="none" spc="0" normalizeH="0" baseline="0">
             <a:ln>
               <a:noFill/>
             </a:ln>
@@ -18533,7 +18817,7 @@
           <a:buFontTx/>
           <a:buNone/>
           <a:tabLst/>
-          <a:defRPr b="0" baseline="0" cap="none" i="0" spc="0" strike="noStrike" sz="1800" u="none" kumimoji="0" normalizeH="0">
+          <a:defRPr kumimoji="0" sz="1800" b="0" i="0" u="none" strike="noStrike" cap="none" spc="0" normalizeH="0" baseline="0">
             <a:ln>
               <a:noFill/>
             </a:ln>
@@ -18559,7 +18843,7 @@
           <a:buFontTx/>
           <a:buNone/>
           <a:tabLst/>
-          <a:defRPr b="0" baseline="0" cap="none" i="0" spc="0" strike="noStrike" sz="1800" u="none" kumimoji="0" normalizeH="0">
+          <a:defRPr kumimoji="0" sz="1800" b="0" i="0" u="none" strike="noStrike" cap="none" spc="0" normalizeH="0" baseline="0">
             <a:ln>
               <a:noFill/>
             </a:ln>
@@ -18572,12 +18856,19 @@
         </a:lvl9pPr>
       </a:lstStyle>
       <a:style>
-        <a:lnRef idx="0"/>
-        <a:fillRef idx="0"/>
-        <a:effectRef idx="0"/>
+        <a:lnRef idx="0">
+          <a:scrgbClr r="0" g="0" b="0"/>
+        </a:lnRef>
+        <a:fillRef idx="0">
+          <a:scrgbClr r="0" g="0" b="0"/>
+        </a:fillRef>
+        <a:effectRef idx="0">
+          <a:scrgbClr r="0" g="0" b="0"/>
+        </a:effectRef>
         <a:fontRef idx="none"/>
       </a:style>
     </a:txDef>
   </a:objectDefaults>
+  <a:extraClrSchemeLst/>
 </a:theme>
 </file>